--- a/Documentation/midas_to_phiat Documentation.pptx
+++ b/Documentation/midas_to_phiat Documentation.pptx
@@ -1,44 +1,44 @@
 
 <file path=ppt/presentation.xml><?xml version="1.0" encoding="utf-8"?>
-<p:presentation xmlns:a="http://schemas.openxmlformats.org/drawingml/2006/main" xmlns:r="http://schemas.openxmlformats.org/officeDocument/2006/relationships" xmlns:mc="http://schemas.openxmlformats.org/markup-compatibility/2006" xmlns:mv="urn:schemas-microsoft-com:mac:vml" xmlns:p="http://schemas.openxmlformats.org/presentationml/2006/main" xmlns:c="http://schemas.openxmlformats.org/drawingml/2006/chart" xmlns:dgm="http://schemas.openxmlformats.org/drawingml/2006/diagram" xmlns:o="urn:schemas-microsoft-com:office:office" xmlns:v="urn:schemas-microsoft-com:vml" xmlns:pvml="urn:schemas-microsoft-com:office:powerpoint" xmlns:com="http://schemas.openxmlformats.org/drawingml/2006/compatibility" xmlns:p14="http://schemas.microsoft.com/office/powerpoint/2010/main" xmlns:p15="http://schemas.microsoft.com/office/powerpoint/2012/main" xmlns:ahyp="http://schemas.microsoft.com/office/drawing/2018/hyperlinkcolor" autoCompressPictures="0" embedTrueTypeFonts="1" strictFirstAndLastChars="0" saveSubsetFonts="1">
+<p:presentation xmlns:a="http://schemas.openxmlformats.org/drawingml/2006/main" xmlns:r="http://schemas.openxmlformats.org/officeDocument/2006/relationships" xmlns:p="http://schemas.openxmlformats.org/presentationml/2006/main" strictFirstAndLastChars="0" embedTrueTypeFonts="1" saveSubsetFonts="1" autoCompressPictures="0">
   <p:sldMasterIdLst>
-    <p:sldMasterId id="2147483659" r:id="rId4"/>
+    <p:sldMasterId id="2147483659" r:id="rId1"/>
   </p:sldMasterIdLst>
   <p:notesMasterIdLst>
-    <p:notesMasterId r:id="rId5"/>
+    <p:notesMasterId r:id="rId19"/>
   </p:notesMasterIdLst>
   <p:sldIdLst>
-    <p:sldId id="256" r:id="rId6"/>
-    <p:sldId id="257" r:id="rId7"/>
-    <p:sldId id="258" r:id="rId8"/>
-    <p:sldId id="259" r:id="rId9"/>
-    <p:sldId id="260" r:id="rId10"/>
-    <p:sldId id="261" r:id="rId11"/>
-    <p:sldId id="262" r:id="rId12"/>
-    <p:sldId id="263" r:id="rId13"/>
-    <p:sldId id="264" r:id="rId14"/>
-    <p:sldId id="265" r:id="rId15"/>
-    <p:sldId id="266" r:id="rId16"/>
-    <p:sldId id="267" r:id="rId17"/>
-    <p:sldId id="268" r:id="rId18"/>
-    <p:sldId id="269" r:id="rId19"/>
-    <p:sldId id="270" r:id="rId20"/>
-    <p:sldId id="271" r:id="rId21"/>
-    <p:sldId id="272" r:id="rId22"/>
+    <p:sldId id="256" r:id="rId2"/>
+    <p:sldId id="257" r:id="rId3"/>
+    <p:sldId id="258" r:id="rId4"/>
+    <p:sldId id="259" r:id="rId5"/>
+    <p:sldId id="260" r:id="rId6"/>
+    <p:sldId id="261" r:id="rId7"/>
+    <p:sldId id="262" r:id="rId8"/>
+    <p:sldId id="263" r:id="rId9"/>
+    <p:sldId id="264" r:id="rId10"/>
+    <p:sldId id="265" r:id="rId11"/>
+    <p:sldId id="266" r:id="rId12"/>
+    <p:sldId id="267" r:id="rId13"/>
+    <p:sldId id="268" r:id="rId14"/>
+    <p:sldId id="269" r:id="rId15"/>
+    <p:sldId id="270" r:id="rId16"/>
+    <p:sldId id="271" r:id="rId17"/>
+    <p:sldId id="272" r:id="rId18"/>
   </p:sldIdLst>
-  <p:sldSz cy="5143500" cx="9144000"/>
+  <p:sldSz cx="9144000" cy="5143500" type="screen16x9"/>
   <p:notesSz cx="6858000" cy="9144000"/>
   <p:embeddedFontLst>
     <p:embeddedFont>
-      <p:font typeface="Roboto"/>
-      <p:regular r:id="rId23"/>
-      <p:bold r:id="rId24"/>
-      <p:italic r:id="rId25"/>
-      <p:boldItalic r:id="rId26"/>
+      <p:font typeface="Roboto" panose="02000000000000000000" pitchFamily="2" charset="0"/>
+      <p:regular r:id="rId20"/>
+      <p:bold r:id="rId21"/>
+      <p:italic r:id="rId22"/>
+      <p:boldItalic r:id="rId23"/>
     </p:embeddedFont>
   </p:embeddedFontLst>
   <p:defaultTextStyle>
-    <a:defPPr lvl="0" marR="0" rtl="0" algn="l">
+    <a:defPPr marR="0" lvl="0" algn="l" rtl="0">
       <a:lnSpc>
         <a:spcPct val="100000"/>
       </a:lnSpc>
@@ -49,7 +49,7 @@
         <a:spcPts val="0"/>
       </a:spcAft>
     </a:defPPr>
-    <a:lvl1pPr lvl="0" marR="0" rtl="0" algn="l">
+    <a:lvl1pPr marR="0" lvl="0" algn="l" rtl="0">
       <a:lnSpc>
         <a:spcPct val="100000"/>
       </a:lnSpc>
@@ -63,7 +63,7 @@
         <a:srgbClr val="000000"/>
       </a:buClr>
       <a:buFont typeface="Arial"/>
-      <a:defRPr b="0" i="0" sz="1400" u="none" cap="none" strike="noStrike">
+      <a:defRPr sz="1400" b="0" i="0" u="none" strike="noStrike" cap="none">
         <a:solidFill>
           <a:srgbClr val="000000"/>
         </a:solidFill>
@@ -73,7 +73,7 @@
         <a:sym typeface="Arial"/>
       </a:defRPr>
     </a:lvl1pPr>
-    <a:lvl2pPr lvl="1" marR="0" rtl="0" algn="l">
+    <a:lvl2pPr marR="0" lvl="1" algn="l" rtl="0">
       <a:lnSpc>
         <a:spcPct val="100000"/>
       </a:lnSpc>
@@ -87,7 +87,7 @@
         <a:srgbClr val="000000"/>
       </a:buClr>
       <a:buFont typeface="Arial"/>
-      <a:defRPr b="0" i="0" sz="1400" u="none" cap="none" strike="noStrike">
+      <a:defRPr sz="1400" b="0" i="0" u="none" strike="noStrike" cap="none">
         <a:solidFill>
           <a:srgbClr val="000000"/>
         </a:solidFill>
@@ -97,7 +97,7 @@
         <a:sym typeface="Arial"/>
       </a:defRPr>
     </a:lvl2pPr>
-    <a:lvl3pPr lvl="2" marR="0" rtl="0" algn="l">
+    <a:lvl3pPr marR="0" lvl="2" algn="l" rtl="0">
       <a:lnSpc>
         <a:spcPct val="100000"/>
       </a:lnSpc>
@@ -111,7 +111,7 @@
         <a:srgbClr val="000000"/>
       </a:buClr>
       <a:buFont typeface="Arial"/>
-      <a:defRPr b="0" i="0" sz="1400" u="none" cap="none" strike="noStrike">
+      <a:defRPr sz="1400" b="0" i="0" u="none" strike="noStrike" cap="none">
         <a:solidFill>
           <a:srgbClr val="000000"/>
         </a:solidFill>
@@ -121,7 +121,7 @@
         <a:sym typeface="Arial"/>
       </a:defRPr>
     </a:lvl3pPr>
-    <a:lvl4pPr lvl="3" marR="0" rtl="0" algn="l">
+    <a:lvl4pPr marR="0" lvl="3" algn="l" rtl="0">
       <a:lnSpc>
         <a:spcPct val="100000"/>
       </a:lnSpc>
@@ -135,7 +135,7 @@
         <a:srgbClr val="000000"/>
       </a:buClr>
       <a:buFont typeface="Arial"/>
-      <a:defRPr b="0" i="0" sz="1400" u="none" cap="none" strike="noStrike">
+      <a:defRPr sz="1400" b="0" i="0" u="none" strike="noStrike" cap="none">
         <a:solidFill>
           <a:srgbClr val="000000"/>
         </a:solidFill>
@@ -145,7 +145,7 @@
         <a:sym typeface="Arial"/>
       </a:defRPr>
     </a:lvl4pPr>
-    <a:lvl5pPr lvl="4" marR="0" rtl="0" algn="l">
+    <a:lvl5pPr marR="0" lvl="4" algn="l" rtl="0">
       <a:lnSpc>
         <a:spcPct val="100000"/>
       </a:lnSpc>
@@ -159,7 +159,7 @@
         <a:srgbClr val="000000"/>
       </a:buClr>
       <a:buFont typeface="Arial"/>
-      <a:defRPr b="0" i="0" sz="1400" u="none" cap="none" strike="noStrike">
+      <a:defRPr sz="1400" b="0" i="0" u="none" strike="noStrike" cap="none">
         <a:solidFill>
           <a:srgbClr val="000000"/>
         </a:solidFill>
@@ -169,7 +169,7 @@
         <a:sym typeface="Arial"/>
       </a:defRPr>
     </a:lvl5pPr>
-    <a:lvl6pPr lvl="5" marR="0" rtl="0" algn="l">
+    <a:lvl6pPr marR="0" lvl="5" algn="l" rtl="0">
       <a:lnSpc>
         <a:spcPct val="100000"/>
       </a:lnSpc>
@@ -183,7 +183,7 @@
         <a:srgbClr val="000000"/>
       </a:buClr>
       <a:buFont typeface="Arial"/>
-      <a:defRPr b="0" i="0" sz="1400" u="none" cap="none" strike="noStrike">
+      <a:defRPr sz="1400" b="0" i="0" u="none" strike="noStrike" cap="none">
         <a:solidFill>
           <a:srgbClr val="000000"/>
         </a:solidFill>
@@ -193,7 +193,7 @@
         <a:sym typeface="Arial"/>
       </a:defRPr>
     </a:lvl6pPr>
-    <a:lvl7pPr lvl="6" marR="0" rtl="0" algn="l">
+    <a:lvl7pPr marR="0" lvl="6" algn="l" rtl="0">
       <a:lnSpc>
         <a:spcPct val="100000"/>
       </a:lnSpc>
@@ -207,7 +207,7 @@
         <a:srgbClr val="000000"/>
       </a:buClr>
       <a:buFont typeface="Arial"/>
-      <a:defRPr b="0" i="0" sz="1400" u="none" cap="none" strike="noStrike">
+      <a:defRPr sz="1400" b="0" i="0" u="none" strike="noStrike" cap="none">
         <a:solidFill>
           <a:srgbClr val="000000"/>
         </a:solidFill>
@@ -217,7 +217,7 @@
         <a:sym typeface="Arial"/>
       </a:defRPr>
     </a:lvl7pPr>
-    <a:lvl8pPr lvl="7" marR="0" rtl="0" algn="l">
+    <a:lvl8pPr marR="0" lvl="7" algn="l" rtl="0">
       <a:lnSpc>
         <a:spcPct val="100000"/>
       </a:lnSpc>
@@ -231,7 +231,7 @@
         <a:srgbClr val="000000"/>
       </a:buClr>
       <a:buFont typeface="Arial"/>
-      <a:defRPr b="0" i="0" sz="1400" u="none" cap="none" strike="noStrike">
+      <a:defRPr sz="1400" b="0" i="0" u="none" strike="noStrike" cap="none">
         <a:solidFill>
           <a:srgbClr val="000000"/>
         </a:solidFill>
@@ -241,7 +241,7 @@
         <a:sym typeface="Arial"/>
       </a:defRPr>
     </a:lvl8pPr>
-    <a:lvl9pPr lvl="8" marR="0" rtl="0" algn="l">
+    <a:lvl9pPr marR="0" lvl="8" algn="l" rtl="0">
       <a:lnSpc>
         <a:spcPct val="100000"/>
       </a:lnSpc>
@@ -255,7 +255,7 @@
         <a:srgbClr val="000000"/>
       </a:buClr>
       <a:buFont typeface="Arial"/>
-      <a:defRPr b="0" i="0" sz="1400" u="none" cap="none" strike="noStrike">
+      <a:defRPr sz="1400" b="0" i="0" u="none" strike="noStrike" cap="none">
         <a:solidFill>
           <a:srgbClr val="000000"/>
         </a:solidFill>
@@ -268,7 +268,7 @@
   </p:defaultTextStyle>
   <p:extLst>
     <p:ext uri="{EFAFB233-063F-42B5-8137-9DF3F51BA10A}">
-      <p15:sldGuideLst>
+      <p15:sldGuideLst xmlns:p15="http://schemas.microsoft.com/office/powerpoint/2012/main">
         <p15:guide id="1" orient="horz" pos="1620">
           <p15:clr>
             <a:srgbClr val="A4A3A4"/>
@@ -286,11 +286,16 @@
 </file>
 
 <file path=ppt/notesMasters/notesMaster1.xml><?xml version="1.0" encoding="utf-8"?>
-<p:notesMaster xmlns:a="http://schemas.openxmlformats.org/drawingml/2006/main" xmlns:r="http://schemas.openxmlformats.org/officeDocument/2006/relationships" xmlns:mc="http://schemas.openxmlformats.org/markup-compatibility/2006" xmlns:mv="urn:schemas-microsoft-com:mac:vml" xmlns:p="http://schemas.openxmlformats.org/presentationml/2006/main" xmlns:c="http://schemas.openxmlformats.org/drawingml/2006/chart" xmlns:dgm="http://schemas.openxmlformats.org/drawingml/2006/diagram" xmlns:o="urn:schemas-microsoft-com:office:office" xmlns:v="urn:schemas-microsoft-com:vml" xmlns:pvml="urn:schemas-microsoft-com:office:powerpoint" xmlns:com="http://schemas.openxmlformats.org/drawingml/2006/compatibility" xmlns:p14="http://schemas.microsoft.com/office/powerpoint/2010/main" xmlns:p15="http://schemas.microsoft.com/office/powerpoint/2012/main" xmlns:ahyp="http://schemas.microsoft.com/office/drawing/2018/hyperlinkcolor">
+<p:notesMaster xmlns:a="http://schemas.openxmlformats.org/drawingml/2006/main" xmlns:r="http://schemas.openxmlformats.org/officeDocument/2006/relationships" xmlns:p="http://schemas.openxmlformats.org/presentationml/2006/main">
   <p:cSld>
+    <p:bg>
+      <p:bgRef idx="1001">
+        <a:schemeClr val="bg1"/>
+      </p:bgRef>
+    </p:bg>
     <p:spTree>
       <p:nvGrpSpPr>
-        <p:cNvPr id="2" name="Shape 2"/>
+        <p:cNvPr id="1" name="Shape 2"/>
         <p:cNvGrpSpPr/>
         <p:nvPr/>
       </p:nvGrpSpPr>
@@ -305,9 +310,11 @@
       <p:sp>
         <p:nvSpPr>
           <p:cNvPr id="3" name="Google Shape;3;n"/>
-          <p:cNvSpPr/>
+          <p:cNvSpPr>
+            <a:spLocks noGrp="1" noRot="1" noChangeAspect="1"/>
+          </p:cNvSpPr>
           <p:nvPr>
-            <p:ph idx="2" type="sldImg"/>
+            <p:ph type="sldImg" idx="2"/>
           </p:nvPr>
         </p:nvSpPr>
         <p:spPr>
@@ -316,9 +323,13 @@
             <a:ext cx="6096075" cy="3429000"/>
           </a:xfrm>
           <a:custGeom>
-            <a:rect b="b" l="l" r="r" t="t"/>
+            <a:avLst/>
+            <a:gdLst/>
+            <a:ahLst/>
+            <a:cxnLst/>
+            <a:rect l="l" t="t" r="r" b="b"/>
             <a:pathLst>
-              <a:path extrusionOk="0" h="120000" w="120000">
+              <a:path w="120000" h="120000" extrusionOk="0">
                 <a:moveTo>
                   <a:pt x="0" y="0"/>
                 </a:moveTo>
@@ -336,23 +347,25 @@
             </a:pathLst>
           </a:custGeom>
           <a:noFill/>
-          <a:ln cap="flat" cmpd="sng" w="9525">
+          <a:ln w="9525" cap="flat" cmpd="sng">
             <a:solidFill>
               <a:srgbClr val="000000"/>
             </a:solidFill>
             <a:prstDash val="solid"/>
             <a:round/>
-            <a:headEnd len="sm" w="sm" type="none"/>
-            <a:tailEnd len="sm" w="sm" type="none"/>
+            <a:headEnd type="none" w="sm" len="sm"/>
+            <a:tailEnd type="none" w="sm" len="sm"/>
           </a:ln>
         </p:spPr>
       </p:sp>
       <p:sp>
         <p:nvSpPr>
           <p:cNvPr id="4" name="Google Shape;4;n"/>
-          <p:cNvSpPr txBox="1"/>
+          <p:cNvSpPr txBox="1">
+            <a:spLocks noGrp="1"/>
+          </p:cNvSpPr>
           <p:nvPr>
-            <p:ph idx="1" type="body"/>
+            <p:ph type="body" idx="1"/>
           </p:nvPr>
         </p:nvSpPr>
         <p:spPr>
@@ -369,11 +382,11 @@
           </a:ln>
         </p:spPr>
         <p:txBody>
-          <a:bodyPr anchorCtr="0" anchor="t" bIns="91425" lIns="91425" spcFirstLastPara="1" rIns="91425" wrap="square" tIns="91425">
+          <a:bodyPr spcFirstLastPara="1" wrap="square" lIns="91425" tIns="91425" rIns="91425" bIns="91425" anchor="t" anchorCtr="0">
             <a:noAutofit/>
           </a:bodyPr>
           <a:lstStyle>
-            <a:lvl1pPr indent="-298450" lvl="0" marL="457200">
+            <a:lvl1pPr marL="457200" lvl="0" indent="-298450">
               <a:spcBef>
                 <a:spcPts val="0"/>
               </a:spcBef>
@@ -384,7 +397,7 @@
               <a:buChar char="●"/>
               <a:defRPr sz="1100"/>
             </a:lvl1pPr>
-            <a:lvl2pPr indent="-298450" lvl="1" marL="914400">
+            <a:lvl2pPr marL="914400" lvl="1" indent="-298450">
               <a:spcBef>
                 <a:spcPts val="0"/>
               </a:spcBef>
@@ -395,7 +408,7 @@
               <a:buChar char="○"/>
               <a:defRPr sz="1100"/>
             </a:lvl2pPr>
-            <a:lvl3pPr indent="-298450" lvl="2" marL="1371600">
+            <a:lvl3pPr marL="1371600" lvl="2" indent="-298450">
               <a:spcBef>
                 <a:spcPts val="0"/>
               </a:spcBef>
@@ -406,7 +419,7 @@
               <a:buChar char="■"/>
               <a:defRPr sz="1100"/>
             </a:lvl3pPr>
-            <a:lvl4pPr indent="-298450" lvl="3" marL="1828800">
+            <a:lvl4pPr marL="1828800" lvl="3" indent="-298450">
               <a:spcBef>
                 <a:spcPts val="0"/>
               </a:spcBef>
@@ -417,7 +430,7 @@
               <a:buChar char="●"/>
               <a:defRPr sz="1100"/>
             </a:lvl4pPr>
-            <a:lvl5pPr indent="-298450" lvl="4" marL="2286000">
+            <a:lvl5pPr marL="2286000" lvl="4" indent="-298450">
               <a:spcBef>
                 <a:spcPts val="0"/>
               </a:spcBef>
@@ -428,7 +441,7 @@
               <a:buChar char="○"/>
               <a:defRPr sz="1100"/>
             </a:lvl5pPr>
-            <a:lvl6pPr indent="-298450" lvl="5" marL="2743200">
+            <a:lvl6pPr marL="2743200" lvl="5" indent="-298450">
               <a:spcBef>
                 <a:spcPts val="0"/>
               </a:spcBef>
@@ -439,7 +452,7 @@
               <a:buChar char="■"/>
               <a:defRPr sz="1100"/>
             </a:lvl6pPr>
-            <a:lvl7pPr indent="-298450" lvl="6" marL="3200400">
+            <a:lvl7pPr marL="3200400" lvl="6" indent="-298450">
               <a:spcBef>
                 <a:spcPts val="0"/>
               </a:spcBef>
@@ -450,7 +463,7 @@
               <a:buChar char="●"/>
               <a:defRPr sz="1100"/>
             </a:lvl7pPr>
-            <a:lvl8pPr indent="-298450" lvl="7" marL="3657600">
+            <a:lvl8pPr marL="3657600" lvl="7" indent="-298450">
               <a:spcBef>
                 <a:spcPts val="0"/>
               </a:spcBef>
@@ -461,7 +474,7 @@
               <a:buChar char="○"/>
               <a:defRPr sz="1100"/>
             </a:lvl8pPr>
-            <a:lvl9pPr indent="-298450" lvl="8" marL="4114800">
+            <a:lvl9pPr marL="4114800" lvl="8" indent="-298450">
               <a:spcBef>
                 <a:spcPts val="0"/>
               </a:spcBef>
@@ -473,14 +486,16 @@
               <a:defRPr sz="1100"/>
             </a:lvl9pPr>
           </a:lstStyle>
-          <a:p/>
+          <a:p>
+            <a:endParaRPr/>
+          </a:p>
         </p:txBody>
       </p:sp>
     </p:spTree>
   </p:cSld>
-  <p:clrMap accent1="accent1" accent2="accent2" accent3="accent3" accent4="accent4" accent5="accent5" accent6="accent6" bg1="lt1" bg2="dk2" tx1="dk1" tx2="lt2" folHlink="folHlink" hlink="hlink"/>
+  <p:clrMap bg1="lt1" tx1="dk1" bg2="dk2" tx2="lt2" accent1="accent1" accent2="accent2" accent3="accent3" accent4="accent4" accent5="accent5" accent6="accent6" hlink="hlink" folHlink="folHlink"/>
   <p:notesStyle>
-    <a:defPPr lvl="0" marR="0" rtl="0" algn="l">
+    <a:defPPr marR="0" lvl="0" algn="l" rtl="0">
       <a:lnSpc>
         <a:spcPct val="100000"/>
       </a:lnSpc>
@@ -491,7 +506,7 @@
         <a:spcPts val="0"/>
       </a:spcAft>
     </a:defPPr>
-    <a:lvl1pPr lvl="0" marR="0" rtl="0" algn="l">
+    <a:lvl1pPr marR="0" lvl="0" algn="l" rtl="0">
       <a:lnSpc>
         <a:spcPct val="100000"/>
       </a:lnSpc>
@@ -505,7 +520,7 @@
         <a:srgbClr val="000000"/>
       </a:buClr>
       <a:buFont typeface="Arial"/>
-      <a:defRPr b="0" i="0" sz="1400" u="none" cap="none" strike="noStrike">
+      <a:defRPr sz="1400" b="0" i="0" u="none" strike="noStrike" cap="none">
         <a:solidFill>
           <a:srgbClr val="000000"/>
         </a:solidFill>
@@ -515,7 +530,7 @@
         <a:sym typeface="Arial"/>
       </a:defRPr>
     </a:lvl1pPr>
-    <a:lvl2pPr lvl="1" marR="0" rtl="0" algn="l">
+    <a:lvl2pPr marR="0" lvl="1" algn="l" rtl="0">
       <a:lnSpc>
         <a:spcPct val="100000"/>
       </a:lnSpc>
@@ -529,7 +544,7 @@
         <a:srgbClr val="000000"/>
       </a:buClr>
       <a:buFont typeface="Arial"/>
-      <a:defRPr b="0" i="0" sz="1400" u="none" cap="none" strike="noStrike">
+      <a:defRPr sz="1400" b="0" i="0" u="none" strike="noStrike" cap="none">
         <a:solidFill>
           <a:srgbClr val="000000"/>
         </a:solidFill>
@@ -539,7 +554,7 @@
         <a:sym typeface="Arial"/>
       </a:defRPr>
     </a:lvl2pPr>
-    <a:lvl3pPr lvl="2" marR="0" rtl="0" algn="l">
+    <a:lvl3pPr marR="0" lvl="2" algn="l" rtl="0">
       <a:lnSpc>
         <a:spcPct val="100000"/>
       </a:lnSpc>
@@ -553,7 +568,7 @@
         <a:srgbClr val="000000"/>
       </a:buClr>
       <a:buFont typeface="Arial"/>
-      <a:defRPr b="0" i="0" sz="1400" u="none" cap="none" strike="noStrike">
+      <a:defRPr sz="1400" b="0" i="0" u="none" strike="noStrike" cap="none">
         <a:solidFill>
           <a:srgbClr val="000000"/>
         </a:solidFill>
@@ -563,7 +578,7 @@
         <a:sym typeface="Arial"/>
       </a:defRPr>
     </a:lvl3pPr>
-    <a:lvl4pPr lvl="3" marR="0" rtl="0" algn="l">
+    <a:lvl4pPr marR="0" lvl="3" algn="l" rtl="0">
       <a:lnSpc>
         <a:spcPct val="100000"/>
       </a:lnSpc>
@@ -577,7 +592,7 @@
         <a:srgbClr val="000000"/>
       </a:buClr>
       <a:buFont typeface="Arial"/>
-      <a:defRPr b="0" i="0" sz="1400" u="none" cap="none" strike="noStrike">
+      <a:defRPr sz="1400" b="0" i="0" u="none" strike="noStrike" cap="none">
         <a:solidFill>
           <a:srgbClr val="000000"/>
         </a:solidFill>
@@ -587,7 +602,7 @@
         <a:sym typeface="Arial"/>
       </a:defRPr>
     </a:lvl4pPr>
-    <a:lvl5pPr lvl="4" marR="0" rtl="0" algn="l">
+    <a:lvl5pPr marR="0" lvl="4" algn="l" rtl="0">
       <a:lnSpc>
         <a:spcPct val="100000"/>
       </a:lnSpc>
@@ -601,7 +616,7 @@
         <a:srgbClr val="000000"/>
       </a:buClr>
       <a:buFont typeface="Arial"/>
-      <a:defRPr b="0" i="0" sz="1400" u="none" cap="none" strike="noStrike">
+      <a:defRPr sz="1400" b="0" i="0" u="none" strike="noStrike" cap="none">
         <a:solidFill>
           <a:srgbClr val="000000"/>
         </a:solidFill>
@@ -611,7 +626,7 @@
         <a:sym typeface="Arial"/>
       </a:defRPr>
     </a:lvl5pPr>
-    <a:lvl6pPr lvl="5" marR="0" rtl="0" algn="l">
+    <a:lvl6pPr marR="0" lvl="5" algn="l" rtl="0">
       <a:lnSpc>
         <a:spcPct val="100000"/>
       </a:lnSpc>
@@ -625,7 +640,7 @@
         <a:srgbClr val="000000"/>
       </a:buClr>
       <a:buFont typeface="Arial"/>
-      <a:defRPr b="0" i="0" sz="1400" u="none" cap="none" strike="noStrike">
+      <a:defRPr sz="1400" b="0" i="0" u="none" strike="noStrike" cap="none">
         <a:solidFill>
           <a:srgbClr val="000000"/>
         </a:solidFill>
@@ -635,7 +650,7 @@
         <a:sym typeface="Arial"/>
       </a:defRPr>
     </a:lvl6pPr>
-    <a:lvl7pPr lvl="6" marR="0" rtl="0" algn="l">
+    <a:lvl7pPr marR="0" lvl="6" algn="l" rtl="0">
       <a:lnSpc>
         <a:spcPct val="100000"/>
       </a:lnSpc>
@@ -649,7 +664,7 @@
         <a:srgbClr val="000000"/>
       </a:buClr>
       <a:buFont typeface="Arial"/>
-      <a:defRPr b="0" i="0" sz="1400" u="none" cap="none" strike="noStrike">
+      <a:defRPr sz="1400" b="0" i="0" u="none" strike="noStrike" cap="none">
         <a:solidFill>
           <a:srgbClr val="000000"/>
         </a:solidFill>
@@ -659,7 +674,7 @@
         <a:sym typeface="Arial"/>
       </a:defRPr>
     </a:lvl7pPr>
-    <a:lvl8pPr lvl="7" marR="0" rtl="0" algn="l">
+    <a:lvl8pPr marR="0" lvl="7" algn="l" rtl="0">
       <a:lnSpc>
         <a:spcPct val="100000"/>
       </a:lnSpc>
@@ -673,7 +688,7 @@
         <a:srgbClr val="000000"/>
       </a:buClr>
       <a:buFont typeface="Arial"/>
-      <a:defRPr b="0" i="0" sz="1400" u="none" cap="none" strike="noStrike">
+      <a:defRPr sz="1400" b="0" i="0" u="none" strike="noStrike" cap="none">
         <a:solidFill>
           <a:srgbClr val="000000"/>
         </a:solidFill>
@@ -683,7 +698,7 @@
         <a:sym typeface="Arial"/>
       </a:defRPr>
     </a:lvl8pPr>
-    <a:lvl9pPr lvl="8" marR="0" rtl="0" algn="l">
+    <a:lvl9pPr marR="0" lvl="8" algn="l" rtl="0">
       <a:lnSpc>
         <a:spcPct val="100000"/>
       </a:lnSpc>
@@ -697,7 +712,7 @@
         <a:srgbClr val="000000"/>
       </a:buClr>
       <a:buFont typeface="Arial"/>
-      <a:defRPr b="0" i="0" sz="1400" u="none" cap="none" strike="noStrike">
+      <a:defRPr sz="1400" b="0" i="0" u="none" strike="noStrike" cap="none">
         <a:solidFill>
           <a:srgbClr val="000000"/>
         </a:solidFill>
@@ -712,11 +727,11 @@
 </file>
 
 <file path=ppt/notesSlides/notesSlide1.xml><?xml version="1.0" encoding="utf-8"?>
-<p:notes xmlns:a="http://schemas.openxmlformats.org/drawingml/2006/main" xmlns:r="http://schemas.openxmlformats.org/officeDocument/2006/relationships" xmlns:mc="http://schemas.openxmlformats.org/markup-compatibility/2006" xmlns:mv="urn:schemas-microsoft-com:mac:vml" xmlns:p="http://schemas.openxmlformats.org/presentationml/2006/main" xmlns:c="http://schemas.openxmlformats.org/drawingml/2006/chart" xmlns:dgm="http://schemas.openxmlformats.org/drawingml/2006/diagram" xmlns:o="urn:schemas-microsoft-com:office:office" xmlns:v="urn:schemas-microsoft-com:vml" xmlns:pvml="urn:schemas-microsoft-com:office:powerpoint" xmlns:com="http://schemas.openxmlformats.org/drawingml/2006/compatibility" xmlns:p14="http://schemas.microsoft.com/office/powerpoint/2010/main" xmlns:p15="http://schemas.microsoft.com/office/powerpoint/2012/main" xmlns:ahyp="http://schemas.microsoft.com/office/drawing/2018/hyperlinkcolor" showMasterPhAnim="0" showMasterSp="0">
+<p:notes xmlns:a="http://schemas.openxmlformats.org/drawingml/2006/main" xmlns:r="http://schemas.openxmlformats.org/officeDocument/2006/relationships" xmlns:p="http://schemas.openxmlformats.org/presentationml/2006/main" showMasterSp="0" showMasterPhAnim="0">
   <p:cSld>
     <p:spTree>
       <p:nvGrpSpPr>
-        <p:cNvPr id="63" name="Shape 63"/>
+        <p:cNvPr id="1" name="Shape 63"/>
         <p:cNvGrpSpPr/>
         <p:nvPr/>
       </p:nvGrpSpPr>
@@ -731,9 +746,11 @@
       <p:sp>
         <p:nvSpPr>
           <p:cNvPr id="64" name="Google Shape;64;p:notes"/>
-          <p:cNvSpPr/>
+          <p:cNvSpPr>
+            <a:spLocks noGrp="1" noRot="1" noChangeAspect="1"/>
+          </p:cNvSpPr>
           <p:nvPr>
-            <p:ph idx="2" type="sldImg"/>
+            <p:ph type="sldImg" idx="2"/>
           </p:nvPr>
         </p:nvSpPr>
         <p:spPr>
@@ -742,9 +759,13 @@
             <a:ext cx="6096075" cy="3429000"/>
           </a:xfrm>
           <a:custGeom>
-            <a:rect b="b" l="l" r="r" t="t"/>
+            <a:avLst/>
+            <a:gdLst/>
+            <a:ahLst/>
+            <a:cxnLst/>
+            <a:rect l="l" t="t" r="r" b="b"/>
             <a:pathLst>
-              <a:path extrusionOk="0" h="120000" w="120000">
+              <a:path w="120000" h="120000" extrusionOk="0">
                 <a:moveTo>
                   <a:pt x="0" y="0"/>
                 </a:moveTo>
@@ -766,9 +787,11 @@
       <p:sp>
         <p:nvSpPr>
           <p:cNvPr id="65" name="Google Shape;65;p:notes"/>
-          <p:cNvSpPr txBox="1"/>
+          <p:cNvSpPr txBox="1">
+            <a:spLocks noGrp="1"/>
+          </p:cNvSpPr>
           <p:nvPr>
-            <p:ph idx="1" type="body"/>
+            <p:ph type="body" idx="1"/>
           </p:nvPr>
         </p:nvSpPr>
         <p:spPr>
@@ -781,23 +804,20 @@
           </a:prstGeom>
         </p:spPr>
         <p:txBody>
-          <a:bodyPr anchorCtr="0" anchor="t" bIns="91425" lIns="91425" spcFirstLastPara="1" rIns="91425" wrap="square" tIns="91425">
+          <a:bodyPr spcFirstLastPara="1" wrap="square" lIns="91425" tIns="91425" rIns="91425" bIns="91425" anchor="t" anchorCtr="0">
             <a:noAutofit/>
           </a:bodyPr>
           <a:lstStyle/>
           <a:p>
-            <a:pPr indent="0" lvl="0" marL="0" rtl="0" algn="l">
-              <a:spcBef>
-                <a:spcPts val="0"/>
-              </a:spcBef>
-              <a:spcAft>
-                <a:spcPts val="0"/>
-              </a:spcAft>
-              <a:buNone/>
-            </a:pPr>
-            <a:r>
-              <a:t/>
-            </a:r>
+            <a:pPr marL="0" lvl="0" indent="0" algn="l" rtl="0">
+              <a:spcBef>
+                <a:spcPts val="0"/>
+              </a:spcBef>
+              <a:spcAft>
+                <a:spcPts val="0"/>
+              </a:spcAft>
+              <a:buNone/>
+            </a:pPr>
             <a:endParaRPr/>
           </a:p>
         </p:txBody>
@@ -811,11 +831,11 @@
 </file>
 
 <file path=ppt/notesSlides/notesSlide10.xml><?xml version="1.0" encoding="utf-8"?>
-<p:notes xmlns:a="http://schemas.openxmlformats.org/drawingml/2006/main" xmlns:r="http://schemas.openxmlformats.org/officeDocument/2006/relationships" xmlns:mc="http://schemas.openxmlformats.org/markup-compatibility/2006" xmlns:mv="urn:schemas-microsoft-com:mac:vml" xmlns:p="http://schemas.openxmlformats.org/presentationml/2006/main" xmlns:c="http://schemas.openxmlformats.org/drawingml/2006/chart" xmlns:dgm="http://schemas.openxmlformats.org/drawingml/2006/diagram" xmlns:o="urn:schemas-microsoft-com:office:office" xmlns:v="urn:schemas-microsoft-com:vml" xmlns:pvml="urn:schemas-microsoft-com:office:powerpoint" xmlns:com="http://schemas.openxmlformats.org/drawingml/2006/compatibility" xmlns:p14="http://schemas.microsoft.com/office/powerpoint/2010/main" xmlns:p15="http://schemas.microsoft.com/office/powerpoint/2012/main" xmlns:ahyp="http://schemas.microsoft.com/office/drawing/2018/hyperlinkcolor" showMasterPhAnim="0" showMasterSp="0">
+<p:notes xmlns:a="http://schemas.openxmlformats.org/drawingml/2006/main" xmlns:r="http://schemas.openxmlformats.org/officeDocument/2006/relationships" xmlns:p="http://schemas.openxmlformats.org/presentationml/2006/main" showMasterSp="0" showMasterPhAnim="0">
   <p:cSld>
     <p:spTree>
       <p:nvGrpSpPr>
-        <p:cNvPr id="123" name="Shape 123"/>
+        <p:cNvPr id="1" name="Shape 123"/>
         <p:cNvGrpSpPr/>
         <p:nvPr/>
       </p:nvGrpSpPr>
@@ -830,9 +850,11 @@
       <p:sp>
         <p:nvSpPr>
           <p:cNvPr id="124" name="Google Shape;124;gd430b7540a_0_25:notes"/>
-          <p:cNvSpPr/>
+          <p:cNvSpPr>
+            <a:spLocks noGrp="1" noRot="1" noChangeAspect="1"/>
+          </p:cNvSpPr>
           <p:nvPr>
-            <p:ph idx="2" type="sldImg"/>
+            <p:ph type="sldImg" idx="2"/>
           </p:nvPr>
         </p:nvSpPr>
         <p:spPr>
@@ -841,9 +863,13 @@
             <a:ext cx="6096000" cy="3429000"/>
           </a:xfrm>
           <a:custGeom>
-            <a:rect b="b" l="l" r="r" t="t"/>
+            <a:avLst/>
+            <a:gdLst/>
+            <a:ahLst/>
+            <a:cxnLst/>
+            <a:rect l="l" t="t" r="r" b="b"/>
             <a:pathLst>
-              <a:path extrusionOk="0" h="120000" w="120000">
+              <a:path w="120000" h="120000" extrusionOk="0">
                 <a:moveTo>
                   <a:pt x="0" y="0"/>
                 </a:moveTo>
@@ -865,9 +891,11 @@
       <p:sp>
         <p:nvSpPr>
           <p:cNvPr id="125" name="Google Shape;125;gd430b7540a_0_25:notes"/>
-          <p:cNvSpPr txBox="1"/>
+          <p:cNvSpPr txBox="1">
+            <a:spLocks noGrp="1"/>
+          </p:cNvSpPr>
           <p:nvPr>
-            <p:ph idx="1" type="body"/>
+            <p:ph type="body" idx="1"/>
           </p:nvPr>
         </p:nvSpPr>
         <p:spPr>
@@ -880,23 +908,20 @@
           </a:prstGeom>
         </p:spPr>
         <p:txBody>
-          <a:bodyPr anchorCtr="0" anchor="t" bIns="91425" lIns="91425" spcFirstLastPara="1" rIns="91425" wrap="square" tIns="91425">
+          <a:bodyPr spcFirstLastPara="1" wrap="square" lIns="91425" tIns="91425" rIns="91425" bIns="91425" anchor="t" anchorCtr="0">
             <a:noAutofit/>
           </a:bodyPr>
           <a:lstStyle/>
           <a:p>
-            <a:pPr indent="0" lvl="0" marL="0" rtl="0" algn="l">
-              <a:spcBef>
-                <a:spcPts val="0"/>
-              </a:spcBef>
-              <a:spcAft>
-                <a:spcPts val="0"/>
-              </a:spcAft>
-              <a:buNone/>
-            </a:pPr>
-            <a:r>
-              <a:t/>
-            </a:r>
+            <a:pPr marL="0" lvl="0" indent="0" algn="l" rtl="0">
+              <a:spcBef>
+                <a:spcPts val="0"/>
+              </a:spcBef>
+              <a:spcAft>
+                <a:spcPts val="0"/>
+              </a:spcAft>
+              <a:buNone/>
+            </a:pPr>
             <a:endParaRPr/>
           </a:p>
         </p:txBody>
@@ -910,11 +935,11 @@
 </file>
 
 <file path=ppt/notesSlides/notesSlide11.xml><?xml version="1.0" encoding="utf-8"?>
-<p:notes xmlns:a="http://schemas.openxmlformats.org/drawingml/2006/main" xmlns:r="http://schemas.openxmlformats.org/officeDocument/2006/relationships" xmlns:mc="http://schemas.openxmlformats.org/markup-compatibility/2006" xmlns:mv="urn:schemas-microsoft-com:mac:vml" xmlns:p="http://schemas.openxmlformats.org/presentationml/2006/main" xmlns:c="http://schemas.openxmlformats.org/drawingml/2006/chart" xmlns:dgm="http://schemas.openxmlformats.org/drawingml/2006/diagram" xmlns:o="urn:schemas-microsoft-com:office:office" xmlns:v="urn:schemas-microsoft-com:vml" xmlns:pvml="urn:schemas-microsoft-com:office:powerpoint" xmlns:com="http://schemas.openxmlformats.org/drawingml/2006/compatibility" xmlns:p14="http://schemas.microsoft.com/office/powerpoint/2010/main" xmlns:p15="http://schemas.microsoft.com/office/powerpoint/2012/main" xmlns:ahyp="http://schemas.microsoft.com/office/drawing/2018/hyperlinkcolor" showMasterPhAnim="0" showMasterSp="0">
+<p:notes xmlns:a="http://schemas.openxmlformats.org/drawingml/2006/main" xmlns:r="http://schemas.openxmlformats.org/officeDocument/2006/relationships" xmlns:p="http://schemas.openxmlformats.org/presentationml/2006/main" showMasterSp="0" showMasterPhAnim="0">
   <p:cSld>
     <p:spTree>
       <p:nvGrpSpPr>
-        <p:cNvPr id="129" name="Shape 129"/>
+        <p:cNvPr id="1" name="Shape 129"/>
         <p:cNvGrpSpPr/>
         <p:nvPr/>
       </p:nvGrpSpPr>
@@ -929,9 +954,11 @@
       <p:sp>
         <p:nvSpPr>
           <p:cNvPr id="130" name="Google Shape;130;gd430b7540a_0_30:notes"/>
-          <p:cNvSpPr/>
+          <p:cNvSpPr>
+            <a:spLocks noGrp="1" noRot="1" noChangeAspect="1"/>
+          </p:cNvSpPr>
           <p:nvPr>
-            <p:ph idx="2" type="sldImg"/>
+            <p:ph type="sldImg" idx="2"/>
           </p:nvPr>
         </p:nvSpPr>
         <p:spPr>
@@ -940,9 +967,13 @@
             <a:ext cx="6096000" cy="3429000"/>
           </a:xfrm>
           <a:custGeom>
-            <a:rect b="b" l="l" r="r" t="t"/>
+            <a:avLst/>
+            <a:gdLst/>
+            <a:ahLst/>
+            <a:cxnLst/>
+            <a:rect l="l" t="t" r="r" b="b"/>
             <a:pathLst>
-              <a:path extrusionOk="0" h="120000" w="120000">
+              <a:path w="120000" h="120000" extrusionOk="0">
                 <a:moveTo>
                   <a:pt x="0" y="0"/>
                 </a:moveTo>
@@ -964,9 +995,11 @@
       <p:sp>
         <p:nvSpPr>
           <p:cNvPr id="131" name="Google Shape;131;gd430b7540a_0_30:notes"/>
-          <p:cNvSpPr txBox="1"/>
+          <p:cNvSpPr txBox="1">
+            <a:spLocks noGrp="1"/>
+          </p:cNvSpPr>
           <p:nvPr>
-            <p:ph idx="1" type="body"/>
+            <p:ph type="body" idx="1"/>
           </p:nvPr>
         </p:nvSpPr>
         <p:spPr>
@@ -979,23 +1012,20 @@
           </a:prstGeom>
         </p:spPr>
         <p:txBody>
-          <a:bodyPr anchorCtr="0" anchor="t" bIns="91425" lIns="91425" spcFirstLastPara="1" rIns="91425" wrap="square" tIns="91425">
+          <a:bodyPr spcFirstLastPara="1" wrap="square" lIns="91425" tIns="91425" rIns="91425" bIns="91425" anchor="t" anchorCtr="0">
             <a:noAutofit/>
           </a:bodyPr>
           <a:lstStyle/>
           <a:p>
-            <a:pPr indent="0" lvl="0" marL="0" rtl="0" algn="l">
-              <a:spcBef>
-                <a:spcPts val="0"/>
-              </a:spcBef>
-              <a:spcAft>
-                <a:spcPts val="0"/>
-              </a:spcAft>
-              <a:buNone/>
-            </a:pPr>
-            <a:r>
-              <a:t/>
-            </a:r>
+            <a:pPr marL="0" lvl="0" indent="0" algn="l" rtl="0">
+              <a:spcBef>
+                <a:spcPts val="0"/>
+              </a:spcBef>
+              <a:spcAft>
+                <a:spcPts val="0"/>
+              </a:spcAft>
+              <a:buNone/>
+            </a:pPr>
             <a:endParaRPr/>
           </a:p>
         </p:txBody>
@@ -1009,11 +1039,11 @@
 </file>
 
 <file path=ppt/notesSlides/notesSlide12.xml><?xml version="1.0" encoding="utf-8"?>
-<p:notes xmlns:a="http://schemas.openxmlformats.org/drawingml/2006/main" xmlns:r="http://schemas.openxmlformats.org/officeDocument/2006/relationships" xmlns:mc="http://schemas.openxmlformats.org/markup-compatibility/2006" xmlns:mv="urn:schemas-microsoft-com:mac:vml" xmlns:p="http://schemas.openxmlformats.org/presentationml/2006/main" xmlns:c="http://schemas.openxmlformats.org/drawingml/2006/chart" xmlns:dgm="http://schemas.openxmlformats.org/drawingml/2006/diagram" xmlns:o="urn:schemas-microsoft-com:office:office" xmlns:v="urn:schemas-microsoft-com:vml" xmlns:pvml="urn:schemas-microsoft-com:office:powerpoint" xmlns:com="http://schemas.openxmlformats.org/drawingml/2006/compatibility" xmlns:p14="http://schemas.microsoft.com/office/powerpoint/2010/main" xmlns:p15="http://schemas.microsoft.com/office/powerpoint/2012/main" xmlns:ahyp="http://schemas.microsoft.com/office/drawing/2018/hyperlinkcolor" showMasterPhAnim="0" showMasterSp="0">
+<p:notes xmlns:a="http://schemas.openxmlformats.org/drawingml/2006/main" xmlns:r="http://schemas.openxmlformats.org/officeDocument/2006/relationships" xmlns:p="http://schemas.openxmlformats.org/presentationml/2006/main" showMasterSp="0" showMasterPhAnim="0">
   <p:cSld>
     <p:spTree>
       <p:nvGrpSpPr>
-        <p:cNvPr id="135" name="Shape 135"/>
+        <p:cNvPr id="1" name="Shape 135"/>
         <p:cNvGrpSpPr/>
         <p:nvPr/>
       </p:nvGrpSpPr>
@@ -1028,9 +1058,11 @@
       <p:sp>
         <p:nvSpPr>
           <p:cNvPr id="136" name="Google Shape;136;gd430b7540a_0_35:notes"/>
-          <p:cNvSpPr/>
+          <p:cNvSpPr>
+            <a:spLocks noGrp="1" noRot="1" noChangeAspect="1"/>
+          </p:cNvSpPr>
           <p:nvPr>
-            <p:ph idx="2" type="sldImg"/>
+            <p:ph type="sldImg" idx="2"/>
           </p:nvPr>
         </p:nvSpPr>
         <p:spPr>
@@ -1039,9 +1071,13 @@
             <a:ext cx="6096000" cy="3429000"/>
           </a:xfrm>
           <a:custGeom>
-            <a:rect b="b" l="l" r="r" t="t"/>
+            <a:avLst/>
+            <a:gdLst/>
+            <a:ahLst/>
+            <a:cxnLst/>
+            <a:rect l="l" t="t" r="r" b="b"/>
             <a:pathLst>
-              <a:path extrusionOk="0" h="120000" w="120000">
+              <a:path w="120000" h="120000" extrusionOk="0">
                 <a:moveTo>
                   <a:pt x="0" y="0"/>
                 </a:moveTo>
@@ -1063,9 +1099,11 @@
       <p:sp>
         <p:nvSpPr>
           <p:cNvPr id="137" name="Google Shape;137;gd430b7540a_0_35:notes"/>
-          <p:cNvSpPr txBox="1"/>
+          <p:cNvSpPr txBox="1">
+            <a:spLocks noGrp="1"/>
+          </p:cNvSpPr>
           <p:nvPr>
-            <p:ph idx="1" type="body"/>
+            <p:ph type="body" idx="1"/>
           </p:nvPr>
         </p:nvSpPr>
         <p:spPr>
@@ -1078,23 +1116,20 @@
           </a:prstGeom>
         </p:spPr>
         <p:txBody>
-          <a:bodyPr anchorCtr="0" anchor="t" bIns="91425" lIns="91425" spcFirstLastPara="1" rIns="91425" wrap="square" tIns="91425">
+          <a:bodyPr spcFirstLastPara="1" wrap="square" lIns="91425" tIns="91425" rIns="91425" bIns="91425" anchor="t" anchorCtr="0">
             <a:noAutofit/>
           </a:bodyPr>
           <a:lstStyle/>
           <a:p>
-            <a:pPr indent="0" lvl="0" marL="0" rtl="0" algn="l">
-              <a:spcBef>
-                <a:spcPts val="0"/>
-              </a:spcBef>
-              <a:spcAft>
-                <a:spcPts val="0"/>
-              </a:spcAft>
-              <a:buNone/>
-            </a:pPr>
-            <a:r>
-              <a:t/>
-            </a:r>
+            <a:pPr marL="0" lvl="0" indent="0" algn="l" rtl="0">
+              <a:spcBef>
+                <a:spcPts val="0"/>
+              </a:spcBef>
+              <a:spcAft>
+                <a:spcPts val="0"/>
+              </a:spcAft>
+              <a:buNone/>
+            </a:pPr>
             <a:endParaRPr/>
           </a:p>
         </p:txBody>
@@ -1108,11 +1143,11 @@
 </file>
 
 <file path=ppt/notesSlides/notesSlide13.xml><?xml version="1.0" encoding="utf-8"?>
-<p:notes xmlns:a="http://schemas.openxmlformats.org/drawingml/2006/main" xmlns:r="http://schemas.openxmlformats.org/officeDocument/2006/relationships" xmlns:mc="http://schemas.openxmlformats.org/markup-compatibility/2006" xmlns:mv="urn:schemas-microsoft-com:mac:vml" xmlns:p="http://schemas.openxmlformats.org/presentationml/2006/main" xmlns:c="http://schemas.openxmlformats.org/drawingml/2006/chart" xmlns:dgm="http://schemas.openxmlformats.org/drawingml/2006/diagram" xmlns:o="urn:schemas-microsoft-com:office:office" xmlns:v="urn:schemas-microsoft-com:vml" xmlns:pvml="urn:schemas-microsoft-com:office:powerpoint" xmlns:com="http://schemas.openxmlformats.org/drawingml/2006/compatibility" xmlns:p14="http://schemas.microsoft.com/office/powerpoint/2010/main" xmlns:p15="http://schemas.microsoft.com/office/powerpoint/2012/main" xmlns:ahyp="http://schemas.microsoft.com/office/drawing/2018/hyperlinkcolor" showMasterPhAnim="0" showMasterSp="0">
+<p:notes xmlns:a="http://schemas.openxmlformats.org/drawingml/2006/main" xmlns:r="http://schemas.openxmlformats.org/officeDocument/2006/relationships" xmlns:p="http://schemas.openxmlformats.org/presentationml/2006/main" showMasterSp="0" showMasterPhAnim="0">
   <p:cSld>
     <p:spTree>
       <p:nvGrpSpPr>
-        <p:cNvPr id="142" name="Shape 142"/>
+        <p:cNvPr id="1" name="Shape 142"/>
         <p:cNvGrpSpPr/>
         <p:nvPr/>
       </p:nvGrpSpPr>
@@ -1127,9 +1162,11 @@
       <p:sp>
         <p:nvSpPr>
           <p:cNvPr id="143" name="Google Shape;143;gd430b7540a_0_41:notes"/>
-          <p:cNvSpPr/>
+          <p:cNvSpPr>
+            <a:spLocks noGrp="1" noRot="1" noChangeAspect="1"/>
+          </p:cNvSpPr>
           <p:nvPr>
-            <p:ph idx="2" type="sldImg"/>
+            <p:ph type="sldImg" idx="2"/>
           </p:nvPr>
         </p:nvSpPr>
         <p:spPr>
@@ -1138,9 +1175,13 @@
             <a:ext cx="6096000" cy="3429000"/>
           </a:xfrm>
           <a:custGeom>
-            <a:rect b="b" l="l" r="r" t="t"/>
+            <a:avLst/>
+            <a:gdLst/>
+            <a:ahLst/>
+            <a:cxnLst/>
+            <a:rect l="l" t="t" r="r" b="b"/>
             <a:pathLst>
-              <a:path extrusionOk="0" h="120000" w="120000">
+              <a:path w="120000" h="120000" extrusionOk="0">
                 <a:moveTo>
                   <a:pt x="0" y="0"/>
                 </a:moveTo>
@@ -1162,9 +1203,11 @@
       <p:sp>
         <p:nvSpPr>
           <p:cNvPr id="144" name="Google Shape;144;gd430b7540a_0_41:notes"/>
-          <p:cNvSpPr txBox="1"/>
+          <p:cNvSpPr txBox="1">
+            <a:spLocks noGrp="1"/>
+          </p:cNvSpPr>
           <p:nvPr>
-            <p:ph idx="1" type="body"/>
+            <p:ph type="body" idx="1"/>
           </p:nvPr>
         </p:nvSpPr>
         <p:spPr>
@@ -1177,23 +1220,20 @@
           </a:prstGeom>
         </p:spPr>
         <p:txBody>
-          <a:bodyPr anchorCtr="0" anchor="t" bIns="91425" lIns="91425" spcFirstLastPara="1" rIns="91425" wrap="square" tIns="91425">
+          <a:bodyPr spcFirstLastPara="1" wrap="square" lIns="91425" tIns="91425" rIns="91425" bIns="91425" anchor="t" anchorCtr="0">
             <a:noAutofit/>
           </a:bodyPr>
           <a:lstStyle/>
           <a:p>
-            <a:pPr indent="0" lvl="0" marL="0" rtl="0" algn="l">
-              <a:spcBef>
-                <a:spcPts val="0"/>
-              </a:spcBef>
-              <a:spcAft>
-                <a:spcPts val="0"/>
-              </a:spcAft>
-              <a:buNone/>
-            </a:pPr>
-            <a:r>
-              <a:t/>
-            </a:r>
+            <a:pPr marL="0" lvl="0" indent="0" algn="l" rtl="0">
+              <a:spcBef>
+                <a:spcPts val="0"/>
+              </a:spcBef>
+              <a:spcAft>
+                <a:spcPts val="0"/>
+              </a:spcAft>
+              <a:buNone/>
+            </a:pPr>
             <a:endParaRPr/>
           </a:p>
         </p:txBody>
@@ -1207,11 +1247,11 @@
 </file>
 
 <file path=ppt/notesSlides/notesSlide14.xml><?xml version="1.0" encoding="utf-8"?>
-<p:notes xmlns:a="http://schemas.openxmlformats.org/drawingml/2006/main" xmlns:r="http://schemas.openxmlformats.org/officeDocument/2006/relationships" xmlns:mc="http://schemas.openxmlformats.org/markup-compatibility/2006" xmlns:mv="urn:schemas-microsoft-com:mac:vml" xmlns:p="http://schemas.openxmlformats.org/presentationml/2006/main" xmlns:c="http://schemas.openxmlformats.org/drawingml/2006/chart" xmlns:dgm="http://schemas.openxmlformats.org/drawingml/2006/diagram" xmlns:o="urn:schemas-microsoft-com:office:office" xmlns:v="urn:schemas-microsoft-com:vml" xmlns:pvml="urn:schemas-microsoft-com:office:powerpoint" xmlns:com="http://schemas.openxmlformats.org/drawingml/2006/compatibility" xmlns:p14="http://schemas.microsoft.com/office/powerpoint/2010/main" xmlns:p15="http://schemas.microsoft.com/office/powerpoint/2012/main" xmlns:ahyp="http://schemas.microsoft.com/office/drawing/2018/hyperlinkcolor" showMasterPhAnim="0" showMasterSp="0">
+<p:notes xmlns:a="http://schemas.openxmlformats.org/drawingml/2006/main" xmlns:r="http://schemas.openxmlformats.org/officeDocument/2006/relationships" xmlns:p="http://schemas.openxmlformats.org/presentationml/2006/main" showMasterSp="0" showMasterPhAnim="0">
   <p:cSld>
     <p:spTree>
       <p:nvGrpSpPr>
-        <p:cNvPr id="149" name="Shape 149"/>
+        <p:cNvPr id="1" name="Shape 149"/>
         <p:cNvGrpSpPr/>
         <p:nvPr/>
       </p:nvGrpSpPr>
@@ -1226,9 +1266,11 @@
       <p:sp>
         <p:nvSpPr>
           <p:cNvPr id="150" name="Google Shape;150;gd430b7540a_0_47:notes"/>
-          <p:cNvSpPr/>
+          <p:cNvSpPr>
+            <a:spLocks noGrp="1" noRot="1" noChangeAspect="1"/>
+          </p:cNvSpPr>
           <p:nvPr>
-            <p:ph idx="2" type="sldImg"/>
+            <p:ph type="sldImg" idx="2"/>
           </p:nvPr>
         </p:nvSpPr>
         <p:spPr>
@@ -1237,9 +1279,13 @@
             <a:ext cx="6096000" cy="3429000"/>
           </a:xfrm>
           <a:custGeom>
-            <a:rect b="b" l="l" r="r" t="t"/>
+            <a:avLst/>
+            <a:gdLst/>
+            <a:ahLst/>
+            <a:cxnLst/>
+            <a:rect l="l" t="t" r="r" b="b"/>
             <a:pathLst>
-              <a:path extrusionOk="0" h="120000" w="120000">
+              <a:path w="120000" h="120000" extrusionOk="0">
                 <a:moveTo>
                   <a:pt x="0" y="0"/>
                 </a:moveTo>
@@ -1261,9 +1307,11 @@
       <p:sp>
         <p:nvSpPr>
           <p:cNvPr id="151" name="Google Shape;151;gd430b7540a_0_47:notes"/>
-          <p:cNvSpPr txBox="1"/>
+          <p:cNvSpPr txBox="1">
+            <a:spLocks noGrp="1"/>
+          </p:cNvSpPr>
           <p:nvPr>
-            <p:ph idx="1" type="body"/>
+            <p:ph type="body" idx="1"/>
           </p:nvPr>
         </p:nvSpPr>
         <p:spPr>
@@ -1276,23 +1324,20 @@
           </a:prstGeom>
         </p:spPr>
         <p:txBody>
-          <a:bodyPr anchorCtr="0" anchor="t" bIns="91425" lIns="91425" spcFirstLastPara="1" rIns="91425" wrap="square" tIns="91425">
+          <a:bodyPr spcFirstLastPara="1" wrap="square" lIns="91425" tIns="91425" rIns="91425" bIns="91425" anchor="t" anchorCtr="0">
             <a:noAutofit/>
           </a:bodyPr>
           <a:lstStyle/>
           <a:p>
-            <a:pPr indent="0" lvl="0" marL="0" rtl="0" algn="l">
-              <a:spcBef>
-                <a:spcPts val="0"/>
-              </a:spcBef>
-              <a:spcAft>
-                <a:spcPts val="0"/>
-              </a:spcAft>
-              <a:buNone/>
-            </a:pPr>
-            <a:r>
-              <a:t/>
-            </a:r>
+            <a:pPr marL="0" lvl="0" indent="0" algn="l" rtl="0">
+              <a:spcBef>
+                <a:spcPts val="0"/>
+              </a:spcBef>
+              <a:spcAft>
+                <a:spcPts val="0"/>
+              </a:spcAft>
+              <a:buNone/>
+            </a:pPr>
             <a:endParaRPr/>
           </a:p>
         </p:txBody>
@@ -1306,11 +1351,11 @@
 </file>
 
 <file path=ppt/notesSlides/notesSlide15.xml><?xml version="1.0" encoding="utf-8"?>
-<p:notes xmlns:a="http://schemas.openxmlformats.org/drawingml/2006/main" xmlns:r="http://schemas.openxmlformats.org/officeDocument/2006/relationships" xmlns:mc="http://schemas.openxmlformats.org/markup-compatibility/2006" xmlns:mv="urn:schemas-microsoft-com:mac:vml" xmlns:p="http://schemas.openxmlformats.org/presentationml/2006/main" xmlns:c="http://schemas.openxmlformats.org/drawingml/2006/chart" xmlns:dgm="http://schemas.openxmlformats.org/drawingml/2006/diagram" xmlns:o="urn:schemas-microsoft-com:office:office" xmlns:v="urn:schemas-microsoft-com:vml" xmlns:pvml="urn:schemas-microsoft-com:office:powerpoint" xmlns:com="http://schemas.openxmlformats.org/drawingml/2006/compatibility" xmlns:p14="http://schemas.microsoft.com/office/powerpoint/2010/main" xmlns:p15="http://schemas.microsoft.com/office/powerpoint/2012/main" xmlns:ahyp="http://schemas.microsoft.com/office/drawing/2018/hyperlinkcolor" showMasterPhAnim="0" showMasterSp="0">
+<p:notes xmlns:a="http://schemas.openxmlformats.org/drawingml/2006/main" xmlns:r="http://schemas.openxmlformats.org/officeDocument/2006/relationships" xmlns:p="http://schemas.openxmlformats.org/presentationml/2006/main" showMasterSp="0" showMasterPhAnim="0">
   <p:cSld>
     <p:spTree>
       <p:nvGrpSpPr>
-        <p:cNvPr id="156" name="Shape 156"/>
+        <p:cNvPr id="1" name="Shape 156"/>
         <p:cNvGrpSpPr/>
         <p:nvPr/>
       </p:nvGrpSpPr>
@@ -1325,9 +1370,11 @@
       <p:sp>
         <p:nvSpPr>
           <p:cNvPr id="157" name="Google Shape;157;gd430b7540a_0_53:notes"/>
-          <p:cNvSpPr/>
+          <p:cNvSpPr>
+            <a:spLocks noGrp="1" noRot="1" noChangeAspect="1"/>
+          </p:cNvSpPr>
           <p:nvPr>
-            <p:ph idx="2" type="sldImg"/>
+            <p:ph type="sldImg" idx="2"/>
           </p:nvPr>
         </p:nvSpPr>
         <p:spPr>
@@ -1336,9 +1383,13 @@
             <a:ext cx="6096000" cy="3429000"/>
           </a:xfrm>
           <a:custGeom>
-            <a:rect b="b" l="l" r="r" t="t"/>
+            <a:avLst/>
+            <a:gdLst/>
+            <a:ahLst/>
+            <a:cxnLst/>
+            <a:rect l="l" t="t" r="r" b="b"/>
             <a:pathLst>
-              <a:path extrusionOk="0" h="120000" w="120000">
+              <a:path w="120000" h="120000" extrusionOk="0">
                 <a:moveTo>
                   <a:pt x="0" y="0"/>
                 </a:moveTo>
@@ -1360,9 +1411,11 @@
       <p:sp>
         <p:nvSpPr>
           <p:cNvPr id="158" name="Google Shape;158;gd430b7540a_0_53:notes"/>
-          <p:cNvSpPr txBox="1"/>
+          <p:cNvSpPr txBox="1">
+            <a:spLocks noGrp="1"/>
+          </p:cNvSpPr>
           <p:nvPr>
-            <p:ph idx="1" type="body"/>
+            <p:ph type="body" idx="1"/>
           </p:nvPr>
         </p:nvSpPr>
         <p:spPr>
@@ -1375,23 +1428,20 @@
           </a:prstGeom>
         </p:spPr>
         <p:txBody>
-          <a:bodyPr anchorCtr="0" anchor="t" bIns="91425" lIns="91425" spcFirstLastPara="1" rIns="91425" wrap="square" tIns="91425">
+          <a:bodyPr spcFirstLastPara="1" wrap="square" lIns="91425" tIns="91425" rIns="91425" bIns="91425" anchor="t" anchorCtr="0">
             <a:noAutofit/>
           </a:bodyPr>
           <a:lstStyle/>
           <a:p>
-            <a:pPr indent="0" lvl="0" marL="0" rtl="0" algn="l">
-              <a:spcBef>
-                <a:spcPts val="0"/>
-              </a:spcBef>
-              <a:spcAft>
-                <a:spcPts val="0"/>
-              </a:spcAft>
-              <a:buNone/>
-            </a:pPr>
-            <a:r>
-              <a:t/>
-            </a:r>
+            <a:pPr marL="0" lvl="0" indent="0" algn="l" rtl="0">
+              <a:spcBef>
+                <a:spcPts val="0"/>
+              </a:spcBef>
+              <a:spcAft>
+                <a:spcPts val="0"/>
+              </a:spcAft>
+              <a:buNone/>
+            </a:pPr>
             <a:endParaRPr/>
           </a:p>
         </p:txBody>
@@ -1405,11 +1455,11 @@
 </file>
 
 <file path=ppt/notesSlides/notesSlide16.xml><?xml version="1.0" encoding="utf-8"?>
-<p:notes xmlns:a="http://schemas.openxmlformats.org/drawingml/2006/main" xmlns:r="http://schemas.openxmlformats.org/officeDocument/2006/relationships" xmlns:mc="http://schemas.openxmlformats.org/markup-compatibility/2006" xmlns:mv="urn:schemas-microsoft-com:mac:vml" xmlns:p="http://schemas.openxmlformats.org/presentationml/2006/main" xmlns:c="http://schemas.openxmlformats.org/drawingml/2006/chart" xmlns:dgm="http://schemas.openxmlformats.org/drawingml/2006/diagram" xmlns:o="urn:schemas-microsoft-com:office:office" xmlns:v="urn:schemas-microsoft-com:vml" xmlns:pvml="urn:schemas-microsoft-com:office:powerpoint" xmlns:com="http://schemas.openxmlformats.org/drawingml/2006/compatibility" xmlns:p14="http://schemas.microsoft.com/office/powerpoint/2010/main" xmlns:p15="http://schemas.microsoft.com/office/powerpoint/2012/main" xmlns:ahyp="http://schemas.microsoft.com/office/drawing/2018/hyperlinkcolor" showMasterPhAnim="0" showMasterSp="0">
+<p:notes xmlns:a="http://schemas.openxmlformats.org/drawingml/2006/main" xmlns:r="http://schemas.openxmlformats.org/officeDocument/2006/relationships" xmlns:p="http://schemas.openxmlformats.org/presentationml/2006/main" showMasterSp="0" showMasterPhAnim="0">
   <p:cSld>
     <p:spTree>
       <p:nvGrpSpPr>
-        <p:cNvPr id="162" name="Shape 162"/>
+        <p:cNvPr id="1" name="Shape 162"/>
         <p:cNvGrpSpPr/>
         <p:nvPr/>
       </p:nvGrpSpPr>
@@ -1424,9 +1474,11 @@
       <p:sp>
         <p:nvSpPr>
           <p:cNvPr id="163" name="Google Shape;163;gd430b7540a_0_61:notes"/>
-          <p:cNvSpPr/>
+          <p:cNvSpPr>
+            <a:spLocks noGrp="1" noRot="1" noChangeAspect="1"/>
+          </p:cNvSpPr>
           <p:nvPr>
-            <p:ph idx="2" type="sldImg"/>
+            <p:ph type="sldImg" idx="2"/>
           </p:nvPr>
         </p:nvSpPr>
         <p:spPr>
@@ -1435,9 +1487,13 @@
             <a:ext cx="6096000" cy="3429000"/>
           </a:xfrm>
           <a:custGeom>
-            <a:rect b="b" l="l" r="r" t="t"/>
+            <a:avLst/>
+            <a:gdLst/>
+            <a:ahLst/>
+            <a:cxnLst/>
+            <a:rect l="l" t="t" r="r" b="b"/>
             <a:pathLst>
-              <a:path extrusionOk="0" h="120000" w="120000">
+              <a:path w="120000" h="120000" extrusionOk="0">
                 <a:moveTo>
                   <a:pt x="0" y="0"/>
                 </a:moveTo>
@@ -1459,9 +1515,11 @@
       <p:sp>
         <p:nvSpPr>
           <p:cNvPr id="164" name="Google Shape;164;gd430b7540a_0_61:notes"/>
-          <p:cNvSpPr txBox="1"/>
+          <p:cNvSpPr txBox="1">
+            <a:spLocks noGrp="1"/>
+          </p:cNvSpPr>
           <p:nvPr>
-            <p:ph idx="1" type="body"/>
+            <p:ph type="body" idx="1"/>
           </p:nvPr>
         </p:nvSpPr>
         <p:spPr>
@@ -1474,23 +1532,20 @@
           </a:prstGeom>
         </p:spPr>
         <p:txBody>
-          <a:bodyPr anchorCtr="0" anchor="t" bIns="91425" lIns="91425" spcFirstLastPara="1" rIns="91425" wrap="square" tIns="91425">
+          <a:bodyPr spcFirstLastPara="1" wrap="square" lIns="91425" tIns="91425" rIns="91425" bIns="91425" anchor="t" anchorCtr="0">
             <a:noAutofit/>
           </a:bodyPr>
           <a:lstStyle/>
           <a:p>
-            <a:pPr indent="0" lvl="0" marL="0" rtl="0" algn="l">
-              <a:spcBef>
-                <a:spcPts val="0"/>
-              </a:spcBef>
-              <a:spcAft>
-                <a:spcPts val="0"/>
-              </a:spcAft>
-              <a:buNone/>
-            </a:pPr>
-            <a:r>
-              <a:t/>
-            </a:r>
+            <a:pPr marL="0" lvl="0" indent="0" algn="l" rtl="0">
+              <a:spcBef>
+                <a:spcPts val="0"/>
+              </a:spcBef>
+              <a:spcAft>
+                <a:spcPts val="0"/>
+              </a:spcAft>
+              <a:buNone/>
+            </a:pPr>
             <a:endParaRPr/>
           </a:p>
         </p:txBody>
@@ -1504,11 +1559,11 @@
 </file>
 
 <file path=ppt/notesSlides/notesSlide17.xml><?xml version="1.0" encoding="utf-8"?>
-<p:notes xmlns:a="http://schemas.openxmlformats.org/drawingml/2006/main" xmlns:r="http://schemas.openxmlformats.org/officeDocument/2006/relationships" xmlns:mc="http://schemas.openxmlformats.org/markup-compatibility/2006" xmlns:mv="urn:schemas-microsoft-com:mac:vml" xmlns:p="http://schemas.openxmlformats.org/presentationml/2006/main" xmlns:c="http://schemas.openxmlformats.org/drawingml/2006/chart" xmlns:dgm="http://schemas.openxmlformats.org/drawingml/2006/diagram" xmlns:o="urn:schemas-microsoft-com:office:office" xmlns:v="urn:schemas-microsoft-com:vml" xmlns:pvml="urn:schemas-microsoft-com:office:powerpoint" xmlns:com="http://schemas.openxmlformats.org/drawingml/2006/compatibility" xmlns:p14="http://schemas.microsoft.com/office/powerpoint/2010/main" xmlns:p15="http://schemas.microsoft.com/office/powerpoint/2012/main" xmlns:ahyp="http://schemas.microsoft.com/office/drawing/2018/hyperlinkcolor" showMasterPhAnim="0" showMasterSp="0">
+<p:notes xmlns:a="http://schemas.openxmlformats.org/drawingml/2006/main" xmlns:r="http://schemas.openxmlformats.org/officeDocument/2006/relationships" xmlns:p="http://schemas.openxmlformats.org/presentationml/2006/main" showMasterSp="0" showMasterPhAnim="0">
   <p:cSld>
     <p:spTree>
       <p:nvGrpSpPr>
-        <p:cNvPr id="169" name="Shape 169"/>
+        <p:cNvPr id="1" name="Shape 169"/>
         <p:cNvGrpSpPr/>
         <p:nvPr/>
       </p:nvGrpSpPr>
@@ -1523,9 +1578,11 @@
       <p:sp>
         <p:nvSpPr>
           <p:cNvPr id="170" name="Google Shape;170;gd430b7540a_0_67:notes"/>
-          <p:cNvSpPr/>
+          <p:cNvSpPr>
+            <a:spLocks noGrp="1" noRot="1" noChangeAspect="1"/>
+          </p:cNvSpPr>
           <p:nvPr>
-            <p:ph idx="2" type="sldImg"/>
+            <p:ph type="sldImg" idx="2"/>
           </p:nvPr>
         </p:nvSpPr>
         <p:spPr>
@@ -1534,9 +1591,13 @@
             <a:ext cx="6096000" cy="3429000"/>
           </a:xfrm>
           <a:custGeom>
-            <a:rect b="b" l="l" r="r" t="t"/>
+            <a:avLst/>
+            <a:gdLst/>
+            <a:ahLst/>
+            <a:cxnLst/>
+            <a:rect l="l" t="t" r="r" b="b"/>
             <a:pathLst>
-              <a:path extrusionOk="0" h="120000" w="120000">
+              <a:path w="120000" h="120000" extrusionOk="0">
                 <a:moveTo>
                   <a:pt x="0" y="0"/>
                 </a:moveTo>
@@ -1558,9 +1619,11 @@
       <p:sp>
         <p:nvSpPr>
           <p:cNvPr id="171" name="Google Shape;171;gd430b7540a_0_67:notes"/>
-          <p:cNvSpPr txBox="1"/>
+          <p:cNvSpPr txBox="1">
+            <a:spLocks noGrp="1"/>
+          </p:cNvSpPr>
           <p:nvPr>
-            <p:ph idx="1" type="body"/>
+            <p:ph type="body" idx="1"/>
           </p:nvPr>
         </p:nvSpPr>
         <p:spPr>
@@ -1573,23 +1636,20 @@
           </a:prstGeom>
         </p:spPr>
         <p:txBody>
-          <a:bodyPr anchorCtr="0" anchor="t" bIns="91425" lIns="91425" spcFirstLastPara="1" rIns="91425" wrap="square" tIns="91425">
+          <a:bodyPr spcFirstLastPara="1" wrap="square" lIns="91425" tIns="91425" rIns="91425" bIns="91425" anchor="t" anchorCtr="0">
             <a:noAutofit/>
           </a:bodyPr>
           <a:lstStyle/>
           <a:p>
-            <a:pPr indent="0" lvl="0" marL="0" rtl="0" algn="l">
-              <a:spcBef>
-                <a:spcPts val="0"/>
-              </a:spcBef>
-              <a:spcAft>
-                <a:spcPts val="0"/>
-              </a:spcAft>
-              <a:buNone/>
-            </a:pPr>
-            <a:r>
-              <a:t/>
-            </a:r>
+            <a:pPr marL="0" lvl="0" indent="0" algn="l" rtl="0">
+              <a:spcBef>
+                <a:spcPts val="0"/>
+              </a:spcBef>
+              <a:spcAft>
+                <a:spcPts val="0"/>
+              </a:spcAft>
+              <a:buNone/>
+            </a:pPr>
             <a:endParaRPr/>
           </a:p>
         </p:txBody>
@@ -1603,11 +1663,11 @@
 </file>
 
 <file path=ppt/notesSlides/notesSlide2.xml><?xml version="1.0" encoding="utf-8"?>
-<p:notes xmlns:a="http://schemas.openxmlformats.org/drawingml/2006/main" xmlns:r="http://schemas.openxmlformats.org/officeDocument/2006/relationships" xmlns:mc="http://schemas.openxmlformats.org/markup-compatibility/2006" xmlns:mv="urn:schemas-microsoft-com:mac:vml" xmlns:p="http://schemas.openxmlformats.org/presentationml/2006/main" xmlns:c="http://schemas.openxmlformats.org/drawingml/2006/chart" xmlns:dgm="http://schemas.openxmlformats.org/drawingml/2006/diagram" xmlns:o="urn:schemas-microsoft-com:office:office" xmlns:v="urn:schemas-microsoft-com:vml" xmlns:pvml="urn:schemas-microsoft-com:office:powerpoint" xmlns:com="http://schemas.openxmlformats.org/drawingml/2006/compatibility" xmlns:p14="http://schemas.microsoft.com/office/powerpoint/2010/main" xmlns:p15="http://schemas.microsoft.com/office/powerpoint/2012/main" xmlns:ahyp="http://schemas.microsoft.com/office/drawing/2018/hyperlinkcolor" showMasterPhAnim="0" showMasterSp="0">
+<p:notes xmlns:a="http://schemas.openxmlformats.org/drawingml/2006/main" xmlns:r="http://schemas.openxmlformats.org/officeDocument/2006/relationships" xmlns:p="http://schemas.openxmlformats.org/presentationml/2006/main" showMasterSp="0" showMasterPhAnim="0">
   <p:cSld>
     <p:spTree>
       <p:nvGrpSpPr>
-        <p:cNvPr id="69" name="Shape 69"/>
+        <p:cNvPr id="1" name="Shape 69"/>
         <p:cNvGrpSpPr/>
         <p:nvPr/>
       </p:nvGrpSpPr>
@@ -1622,9 +1682,11 @@
       <p:sp>
         <p:nvSpPr>
           <p:cNvPr id="70" name="Google Shape;70;gd34a0ccf51_0_58:notes"/>
-          <p:cNvSpPr/>
+          <p:cNvSpPr>
+            <a:spLocks noGrp="1" noRot="1" noChangeAspect="1"/>
+          </p:cNvSpPr>
           <p:nvPr>
-            <p:ph idx="2" type="sldImg"/>
+            <p:ph type="sldImg" idx="2"/>
           </p:nvPr>
         </p:nvSpPr>
         <p:spPr>
@@ -1633,9 +1695,13 @@
             <a:ext cx="6096000" cy="3429000"/>
           </a:xfrm>
           <a:custGeom>
-            <a:rect b="b" l="l" r="r" t="t"/>
+            <a:avLst/>
+            <a:gdLst/>
+            <a:ahLst/>
+            <a:cxnLst/>
+            <a:rect l="l" t="t" r="r" b="b"/>
             <a:pathLst>
-              <a:path extrusionOk="0" h="120000" w="120000">
+              <a:path w="120000" h="120000" extrusionOk="0">
                 <a:moveTo>
                   <a:pt x="0" y="0"/>
                 </a:moveTo>
@@ -1657,9 +1723,11 @@
       <p:sp>
         <p:nvSpPr>
           <p:cNvPr id="71" name="Google Shape;71;gd34a0ccf51_0_58:notes"/>
-          <p:cNvSpPr txBox="1"/>
+          <p:cNvSpPr txBox="1">
+            <a:spLocks noGrp="1"/>
+          </p:cNvSpPr>
           <p:nvPr>
-            <p:ph idx="1" type="body"/>
+            <p:ph type="body" idx="1"/>
           </p:nvPr>
         </p:nvSpPr>
         <p:spPr>
@@ -1672,23 +1740,20 @@
           </a:prstGeom>
         </p:spPr>
         <p:txBody>
-          <a:bodyPr anchorCtr="0" anchor="t" bIns="91425" lIns="91425" spcFirstLastPara="1" rIns="91425" wrap="square" tIns="91425">
+          <a:bodyPr spcFirstLastPara="1" wrap="square" lIns="91425" tIns="91425" rIns="91425" bIns="91425" anchor="t" anchorCtr="0">
             <a:noAutofit/>
           </a:bodyPr>
           <a:lstStyle/>
           <a:p>
-            <a:pPr indent="0" lvl="0" marL="0" rtl="0" algn="l">
-              <a:spcBef>
-                <a:spcPts val="0"/>
-              </a:spcBef>
-              <a:spcAft>
-                <a:spcPts val="0"/>
-              </a:spcAft>
-              <a:buNone/>
-            </a:pPr>
-            <a:r>
-              <a:t/>
-            </a:r>
+            <a:pPr marL="0" lvl="0" indent="0" algn="l" rtl="0">
+              <a:spcBef>
+                <a:spcPts val="0"/>
+              </a:spcBef>
+              <a:spcAft>
+                <a:spcPts val="0"/>
+              </a:spcAft>
+              <a:buNone/>
+            </a:pPr>
             <a:endParaRPr/>
           </a:p>
         </p:txBody>
@@ -1702,11 +1767,11 @@
 </file>
 
 <file path=ppt/notesSlides/notesSlide3.xml><?xml version="1.0" encoding="utf-8"?>
-<p:notes xmlns:a="http://schemas.openxmlformats.org/drawingml/2006/main" xmlns:r="http://schemas.openxmlformats.org/officeDocument/2006/relationships" xmlns:mc="http://schemas.openxmlformats.org/markup-compatibility/2006" xmlns:mv="urn:schemas-microsoft-com:mac:vml" xmlns:p="http://schemas.openxmlformats.org/presentationml/2006/main" xmlns:c="http://schemas.openxmlformats.org/drawingml/2006/chart" xmlns:dgm="http://schemas.openxmlformats.org/drawingml/2006/diagram" xmlns:o="urn:schemas-microsoft-com:office:office" xmlns:v="urn:schemas-microsoft-com:vml" xmlns:pvml="urn:schemas-microsoft-com:office:powerpoint" xmlns:com="http://schemas.openxmlformats.org/drawingml/2006/compatibility" xmlns:p14="http://schemas.microsoft.com/office/powerpoint/2010/main" xmlns:p15="http://schemas.microsoft.com/office/powerpoint/2012/main" xmlns:ahyp="http://schemas.microsoft.com/office/drawing/2018/hyperlinkcolor" showMasterPhAnim="0" showMasterSp="0">
+<p:notes xmlns:a="http://schemas.openxmlformats.org/drawingml/2006/main" xmlns:r="http://schemas.openxmlformats.org/officeDocument/2006/relationships" xmlns:p="http://schemas.openxmlformats.org/presentationml/2006/main" showMasterSp="0" showMasterPhAnim="0">
   <p:cSld>
     <p:spTree>
       <p:nvGrpSpPr>
-        <p:cNvPr id="75" name="Shape 75"/>
+        <p:cNvPr id="1" name="Shape 75"/>
         <p:cNvGrpSpPr/>
         <p:nvPr/>
       </p:nvGrpSpPr>
@@ -1721,9 +1786,11 @@
       <p:sp>
         <p:nvSpPr>
           <p:cNvPr id="76" name="Google Shape;76;gd34a0ccf51_0_64:notes"/>
-          <p:cNvSpPr/>
+          <p:cNvSpPr>
+            <a:spLocks noGrp="1" noRot="1" noChangeAspect="1"/>
+          </p:cNvSpPr>
           <p:nvPr>
-            <p:ph idx="2" type="sldImg"/>
+            <p:ph type="sldImg" idx="2"/>
           </p:nvPr>
         </p:nvSpPr>
         <p:spPr>
@@ -1732,9 +1799,13 @@
             <a:ext cx="6096000" cy="3429000"/>
           </a:xfrm>
           <a:custGeom>
-            <a:rect b="b" l="l" r="r" t="t"/>
+            <a:avLst/>
+            <a:gdLst/>
+            <a:ahLst/>
+            <a:cxnLst/>
+            <a:rect l="l" t="t" r="r" b="b"/>
             <a:pathLst>
-              <a:path extrusionOk="0" h="120000" w="120000">
+              <a:path w="120000" h="120000" extrusionOk="0">
                 <a:moveTo>
                   <a:pt x="0" y="0"/>
                 </a:moveTo>
@@ -1756,9 +1827,11 @@
       <p:sp>
         <p:nvSpPr>
           <p:cNvPr id="77" name="Google Shape;77;gd34a0ccf51_0_64:notes"/>
-          <p:cNvSpPr txBox="1"/>
+          <p:cNvSpPr txBox="1">
+            <a:spLocks noGrp="1"/>
+          </p:cNvSpPr>
           <p:nvPr>
-            <p:ph idx="1" type="body"/>
+            <p:ph type="body" idx="1"/>
           </p:nvPr>
         </p:nvSpPr>
         <p:spPr>
@@ -1771,23 +1844,20 @@
           </a:prstGeom>
         </p:spPr>
         <p:txBody>
-          <a:bodyPr anchorCtr="0" anchor="t" bIns="91425" lIns="91425" spcFirstLastPara="1" rIns="91425" wrap="square" tIns="91425">
+          <a:bodyPr spcFirstLastPara="1" wrap="square" lIns="91425" tIns="91425" rIns="91425" bIns="91425" anchor="t" anchorCtr="0">
             <a:noAutofit/>
           </a:bodyPr>
           <a:lstStyle/>
           <a:p>
-            <a:pPr indent="0" lvl="0" marL="0" rtl="0" algn="l">
-              <a:spcBef>
-                <a:spcPts val="0"/>
-              </a:spcBef>
-              <a:spcAft>
-                <a:spcPts val="0"/>
-              </a:spcAft>
-              <a:buNone/>
-            </a:pPr>
-            <a:r>
-              <a:t/>
-            </a:r>
+            <a:pPr marL="0" lvl="0" indent="0" algn="l" rtl="0">
+              <a:spcBef>
+                <a:spcPts val="0"/>
+              </a:spcBef>
+              <a:spcAft>
+                <a:spcPts val="0"/>
+              </a:spcAft>
+              <a:buNone/>
+            </a:pPr>
             <a:endParaRPr/>
           </a:p>
         </p:txBody>
@@ -1801,11 +1871,11 @@
 </file>
 
 <file path=ppt/notesSlides/notesSlide4.xml><?xml version="1.0" encoding="utf-8"?>
-<p:notes xmlns:a="http://schemas.openxmlformats.org/drawingml/2006/main" xmlns:r="http://schemas.openxmlformats.org/officeDocument/2006/relationships" xmlns:mc="http://schemas.openxmlformats.org/markup-compatibility/2006" xmlns:mv="urn:schemas-microsoft-com:mac:vml" xmlns:p="http://schemas.openxmlformats.org/presentationml/2006/main" xmlns:c="http://schemas.openxmlformats.org/drawingml/2006/chart" xmlns:dgm="http://schemas.openxmlformats.org/drawingml/2006/diagram" xmlns:o="urn:schemas-microsoft-com:office:office" xmlns:v="urn:schemas-microsoft-com:vml" xmlns:pvml="urn:schemas-microsoft-com:office:powerpoint" xmlns:com="http://schemas.openxmlformats.org/drawingml/2006/compatibility" xmlns:p14="http://schemas.microsoft.com/office/powerpoint/2010/main" xmlns:p15="http://schemas.microsoft.com/office/powerpoint/2012/main" xmlns:ahyp="http://schemas.microsoft.com/office/drawing/2018/hyperlinkcolor" showMasterPhAnim="0" showMasterSp="0">
+<p:notes xmlns:a="http://schemas.openxmlformats.org/drawingml/2006/main" xmlns:r="http://schemas.openxmlformats.org/officeDocument/2006/relationships" xmlns:p="http://schemas.openxmlformats.org/presentationml/2006/main" showMasterSp="0" showMasterPhAnim="0">
   <p:cSld>
     <p:spTree>
       <p:nvGrpSpPr>
-        <p:cNvPr id="82" name="Shape 82"/>
+        <p:cNvPr id="1" name="Shape 82"/>
         <p:cNvGrpSpPr/>
         <p:nvPr/>
       </p:nvGrpSpPr>
@@ -1820,9 +1890,11 @@
       <p:sp>
         <p:nvSpPr>
           <p:cNvPr id="83" name="Google Shape;83;gd34a0ccf51_0_72:notes"/>
-          <p:cNvSpPr/>
+          <p:cNvSpPr>
+            <a:spLocks noGrp="1" noRot="1" noChangeAspect="1"/>
+          </p:cNvSpPr>
           <p:nvPr>
-            <p:ph idx="2" type="sldImg"/>
+            <p:ph type="sldImg" idx="2"/>
           </p:nvPr>
         </p:nvSpPr>
         <p:spPr>
@@ -1831,9 +1903,13 @@
             <a:ext cx="6096000" cy="3429000"/>
           </a:xfrm>
           <a:custGeom>
-            <a:rect b="b" l="l" r="r" t="t"/>
+            <a:avLst/>
+            <a:gdLst/>
+            <a:ahLst/>
+            <a:cxnLst/>
+            <a:rect l="l" t="t" r="r" b="b"/>
             <a:pathLst>
-              <a:path extrusionOk="0" h="120000" w="120000">
+              <a:path w="120000" h="120000" extrusionOk="0">
                 <a:moveTo>
                   <a:pt x="0" y="0"/>
                 </a:moveTo>
@@ -1855,9 +1931,11 @@
       <p:sp>
         <p:nvSpPr>
           <p:cNvPr id="84" name="Google Shape;84;gd34a0ccf51_0_72:notes"/>
-          <p:cNvSpPr txBox="1"/>
+          <p:cNvSpPr txBox="1">
+            <a:spLocks noGrp="1"/>
+          </p:cNvSpPr>
           <p:nvPr>
-            <p:ph idx="1" type="body"/>
+            <p:ph type="body" idx="1"/>
           </p:nvPr>
         </p:nvSpPr>
         <p:spPr>
@@ -1870,23 +1948,20 @@
           </a:prstGeom>
         </p:spPr>
         <p:txBody>
-          <a:bodyPr anchorCtr="0" anchor="t" bIns="91425" lIns="91425" spcFirstLastPara="1" rIns="91425" wrap="square" tIns="91425">
+          <a:bodyPr spcFirstLastPara="1" wrap="square" lIns="91425" tIns="91425" rIns="91425" bIns="91425" anchor="t" anchorCtr="0">
             <a:noAutofit/>
           </a:bodyPr>
           <a:lstStyle/>
           <a:p>
-            <a:pPr indent="0" lvl="0" marL="0" rtl="0" algn="l">
-              <a:spcBef>
-                <a:spcPts val="0"/>
-              </a:spcBef>
-              <a:spcAft>
-                <a:spcPts val="0"/>
-              </a:spcAft>
-              <a:buNone/>
-            </a:pPr>
-            <a:r>
-              <a:t/>
-            </a:r>
+            <a:pPr marL="0" lvl="0" indent="0" algn="l" rtl="0">
+              <a:spcBef>
+                <a:spcPts val="0"/>
+              </a:spcBef>
+              <a:spcAft>
+                <a:spcPts val="0"/>
+              </a:spcAft>
+              <a:buNone/>
+            </a:pPr>
             <a:endParaRPr/>
           </a:p>
         </p:txBody>
@@ -1900,11 +1975,11 @@
 </file>
 
 <file path=ppt/notesSlides/notesSlide5.xml><?xml version="1.0" encoding="utf-8"?>
-<p:notes xmlns:a="http://schemas.openxmlformats.org/drawingml/2006/main" xmlns:r="http://schemas.openxmlformats.org/officeDocument/2006/relationships" xmlns:mc="http://schemas.openxmlformats.org/markup-compatibility/2006" xmlns:mv="urn:schemas-microsoft-com:mac:vml" xmlns:p="http://schemas.openxmlformats.org/presentationml/2006/main" xmlns:c="http://schemas.openxmlformats.org/drawingml/2006/chart" xmlns:dgm="http://schemas.openxmlformats.org/drawingml/2006/diagram" xmlns:o="urn:schemas-microsoft-com:office:office" xmlns:v="urn:schemas-microsoft-com:vml" xmlns:pvml="urn:schemas-microsoft-com:office:powerpoint" xmlns:com="http://schemas.openxmlformats.org/drawingml/2006/compatibility" xmlns:p14="http://schemas.microsoft.com/office/powerpoint/2010/main" xmlns:p15="http://schemas.microsoft.com/office/powerpoint/2012/main" xmlns:ahyp="http://schemas.microsoft.com/office/drawing/2018/hyperlinkcolor" showMasterPhAnim="0" showMasterSp="0">
+<p:notes xmlns:a="http://schemas.openxmlformats.org/drawingml/2006/main" xmlns:r="http://schemas.openxmlformats.org/officeDocument/2006/relationships" xmlns:p="http://schemas.openxmlformats.org/presentationml/2006/main" showMasterSp="0" showMasterPhAnim="0">
   <p:cSld>
     <p:spTree>
       <p:nvGrpSpPr>
-        <p:cNvPr id="90" name="Shape 90"/>
+        <p:cNvPr id="1" name="Shape 90"/>
         <p:cNvGrpSpPr/>
         <p:nvPr/>
       </p:nvGrpSpPr>
@@ -1919,9 +1994,11 @@
       <p:sp>
         <p:nvSpPr>
           <p:cNvPr id="91" name="Google Shape;91;gd430b7540a_0_6:notes"/>
-          <p:cNvSpPr/>
+          <p:cNvSpPr>
+            <a:spLocks noGrp="1" noRot="1" noChangeAspect="1"/>
+          </p:cNvSpPr>
           <p:nvPr>
-            <p:ph idx="2" type="sldImg"/>
+            <p:ph type="sldImg" idx="2"/>
           </p:nvPr>
         </p:nvSpPr>
         <p:spPr>
@@ -1930,9 +2007,13 @@
             <a:ext cx="6096000" cy="3429000"/>
           </a:xfrm>
           <a:custGeom>
-            <a:rect b="b" l="l" r="r" t="t"/>
+            <a:avLst/>
+            <a:gdLst/>
+            <a:ahLst/>
+            <a:cxnLst/>
+            <a:rect l="l" t="t" r="r" b="b"/>
             <a:pathLst>
-              <a:path extrusionOk="0" h="120000" w="120000">
+              <a:path w="120000" h="120000" extrusionOk="0">
                 <a:moveTo>
                   <a:pt x="0" y="0"/>
                 </a:moveTo>
@@ -1954,9 +2035,11 @@
       <p:sp>
         <p:nvSpPr>
           <p:cNvPr id="92" name="Google Shape;92;gd430b7540a_0_6:notes"/>
-          <p:cNvSpPr txBox="1"/>
+          <p:cNvSpPr txBox="1">
+            <a:spLocks noGrp="1"/>
+          </p:cNvSpPr>
           <p:nvPr>
-            <p:ph idx="1" type="body"/>
+            <p:ph type="body" idx="1"/>
           </p:nvPr>
         </p:nvSpPr>
         <p:spPr>
@@ -1969,23 +2052,20 @@
           </a:prstGeom>
         </p:spPr>
         <p:txBody>
-          <a:bodyPr anchorCtr="0" anchor="t" bIns="91425" lIns="91425" spcFirstLastPara="1" rIns="91425" wrap="square" tIns="91425">
+          <a:bodyPr spcFirstLastPara="1" wrap="square" lIns="91425" tIns="91425" rIns="91425" bIns="91425" anchor="t" anchorCtr="0">
             <a:noAutofit/>
           </a:bodyPr>
           <a:lstStyle/>
           <a:p>
-            <a:pPr indent="0" lvl="0" marL="0" rtl="0" algn="l">
-              <a:spcBef>
-                <a:spcPts val="0"/>
-              </a:spcBef>
-              <a:spcAft>
-                <a:spcPts val="0"/>
-              </a:spcAft>
-              <a:buNone/>
-            </a:pPr>
-            <a:r>
-              <a:t/>
-            </a:r>
+            <a:pPr marL="0" lvl="0" indent="0" algn="l" rtl="0">
+              <a:spcBef>
+                <a:spcPts val="0"/>
+              </a:spcBef>
+              <a:spcAft>
+                <a:spcPts val="0"/>
+              </a:spcAft>
+              <a:buNone/>
+            </a:pPr>
             <a:endParaRPr/>
           </a:p>
         </p:txBody>
@@ -1999,11 +2079,11 @@
 </file>
 
 <file path=ppt/notesSlides/notesSlide6.xml><?xml version="1.0" encoding="utf-8"?>
-<p:notes xmlns:a="http://schemas.openxmlformats.org/drawingml/2006/main" xmlns:r="http://schemas.openxmlformats.org/officeDocument/2006/relationships" xmlns:mc="http://schemas.openxmlformats.org/markup-compatibility/2006" xmlns:mv="urn:schemas-microsoft-com:mac:vml" xmlns:p="http://schemas.openxmlformats.org/presentationml/2006/main" xmlns:c="http://schemas.openxmlformats.org/drawingml/2006/chart" xmlns:dgm="http://schemas.openxmlformats.org/drawingml/2006/diagram" xmlns:o="urn:schemas-microsoft-com:office:office" xmlns:v="urn:schemas-microsoft-com:vml" xmlns:pvml="urn:schemas-microsoft-com:office:powerpoint" xmlns:com="http://schemas.openxmlformats.org/drawingml/2006/compatibility" xmlns:p14="http://schemas.microsoft.com/office/powerpoint/2010/main" xmlns:p15="http://schemas.microsoft.com/office/powerpoint/2012/main" xmlns:ahyp="http://schemas.microsoft.com/office/drawing/2018/hyperlinkcolor" showMasterPhAnim="0" showMasterSp="0">
+<p:notes xmlns:a="http://schemas.openxmlformats.org/drawingml/2006/main" xmlns:r="http://schemas.openxmlformats.org/officeDocument/2006/relationships" xmlns:p="http://schemas.openxmlformats.org/presentationml/2006/main" showMasterSp="0" showMasterPhAnim="0">
   <p:cSld>
     <p:spTree>
       <p:nvGrpSpPr>
-        <p:cNvPr id="96" name="Shape 96"/>
+        <p:cNvPr id="1" name="Shape 96"/>
         <p:cNvGrpSpPr/>
         <p:nvPr/>
       </p:nvGrpSpPr>
@@ -2018,9 +2098,11 @@
       <p:sp>
         <p:nvSpPr>
           <p:cNvPr id="97" name="Google Shape;97;gd34a0ccf51_0_79:notes"/>
-          <p:cNvSpPr/>
+          <p:cNvSpPr>
+            <a:spLocks noGrp="1" noRot="1" noChangeAspect="1"/>
+          </p:cNvSpPr>
           <p:nvPr>
-            <p:ph idx="2" type="sldImg"/>
+            <p:ph type="sldImg" idx="2"/>
           </p:nvPr>
         </p:nvSpPr>
         <p:spPr>
@@ -2029,9 +2111,13 @@
             <a:ext cx="6096000" cy="3429000"/>
           </a:xfrm>
           <a:custGeom>
-            <a:rect b="b" l="l" r="r" t="t"/>
+            <a:avLst/>
+            <a:gdLst/>
+            <a:ahLst/>
+            <a:cxnLst/>
+            <a:rect l="l" t="t" r="r" b="b"/>
             <a:pathLst>
-              <a:path extrusionOk="0" h="120000" w="120000">
+              <a:path w="120000" h="120000" extrusionOk="0">
                 <a:moveTo>
                   <a:pt x="0" y="0"/>
                 </a:moveTo>
@@ -2053,9 +2139,11 @@
       <p:sp>
         <p:nvSpPr>
           <p:cNvPr id="98" name="Google Shape;98;gd34a0ccf51_0_79:notes"/>
-          <p:cNvSpPr txBox="1"/>
+          <p:cNvSpPr txBox="1">
+            <a:spLocks noGrp="1"/>
+          </p:cNvSpPr>
           <p:nvPr>
-            <p:ph idx="1" type="body"/>
+            <p:ph type="body" idx="1"/>
           </p:nvPr>
         </p:nvSpPr>
         <p:spPr>
@@ -2068,23 +2156,20 @@
           </a:prstGeom>
         </p:spPr>
         <p:txBody>
-          <a:bodyPr anchorCtr="0" anchor="t" bIns="91425" lIns="91425" spcFirstLastPara="1" rIns="91425" wrap="square" tIns="91425">
+          <a:bodyPr spcFirstLastPara="1" wrap="square" lIns="91425" tIns="91425" rIns="91425" bIns="91425" anchor="t" anchorCtr="0">
             <a:noAutofit/>
           </a:bodyPr>
           <a:lstStyle/>
           <a:p>
-            <a:pPr indent="0" lvl="0" marL="0" rtl="0" algn="l">
-              <a:spcBef>
-                <a:spcPts val="0"/>
-              </a:spcBef>
-              <a:spcAft>
-                <a:spcPts val="0"/>
-              </a:spcAft>
-              <a:buNone/>
-            </a:pPr>
-            <a:r>
-              <a:t/>
-            </a:r>
+            <a:pPr marL="0" lvl="0" indent="0" algn="l" rtl="0">
+              <a:spcBef>
+                <a:spcPts val="0"/>
+              </a:spcBef>
+              <a:spcAft>
+                <a:spcPts val="0"/>
+              </a:spcAft>
+              <a:buNone/>
+            </a:pPr>
             <a:endParaRPr/>
           </a:p>
         </p:txBody>
@@ -2098,11 +2183,11 @@
 </file>
 
 <file path=ppt/notesSlides/notesSlide7.xml><?xml version="1.0" encoding="utf-8"?>
-<p:notes xmlns:a="http://schemas.openxmlformats.org/drawingml/2006/main" xmlns:r="http://schemas.openxmlformats.org/officeDocument/2006/relationships" xmlns:mc="http://schemas.openxmlformats.org/markup-compatibility/2006" xmlns:mv="urn:schemas-microsoft-com:mac:vml" xmlns:p="http://schemas.openxmlformats.org/presentationml/2006/main" xmlns:c="http://schemas.openxmlformats.org/drawingml/2006/chart" xmlns:dgm="http://schemas.openxmlformats.org/drawingml/2006/diagram" xmlns:o="urn:schemas-microsoft-com:office:office" xmlns:v="urn:schemas-microsoft-com:vml" xmlns:pvml="urn:schemas-microsoft-com:office:powerpoint" xmlns:com="http://schemas.openxmlformats.org/drawingml/2006/compatibility" xmlns:p14="http://schemas.microsoft.com/office/powerpoint/2010/main" xmlns:p15="http://schemas.microsoft.com/office/powerpoint/2012/main" xmlns:ahyp="http://schemas.microsoft.com/office/drawing/2018/hyperlinkcolor" showMasterPhAnim="0" showMasterSp="0">
+<p:notes xmlns:a="http://schemas.openxmlformats.org/drawingml/2006/main" xmlns:r="http://schemas.openxmlformats.org/officeDocument/2006/relationships" xmlns:p="http://schemas.openxmlformats.org/presentationml/2006/main" showMasterSp="0" showMasterPhAnim="0">
   <p:cSld>
     <p:spTree>
       <p:nvGrpSpPr>
-        <p:cNvPr id="103" name="Shape 103"/>
+        <p:cNvPr id="1" name="Shape 103"/>
         <p:cNvGrpSpPr/>
         <p:nvPr/>
       </p:nvGrpSpPr>
@@ -2117,9 +2202,11 @@
       <p:sp>
         <p:nvSpPr>
           <p:cNvPr id="104" name="Google Shape;104;gd430b7540a_0_1:notes"/>
-          <p:cNvSpPr/>
+          <p:cNvSpPr>
+            <a:spLocks noGrp="1" noRot="1" noChangeAspect="1"/>
+          </p:cNvSpPr>
           <p:nvPr>
-            <p:ph idx="2" type="sldImg"/>
+            <p:ph type="sldImg" idx="2"/>
           </p:nvPr>
         </p:nvSpPr>
         <p:spPr>
@@ -2128,9 +2215,13 @@
             <a:ext cx="6096000" cy="3429000"/>
           </a:xfrm>
           <a:custGeom>
-            <a:rect b="b" l="l" r="r" t="t"/>
+            <a:avLst/>
+            <a:gdLst/>
+            <a:ahLst/>
+            <a:cxnLst/>
+            <a:rect l="l" t="t" r="r" b="b"/>
             <a:pathLst>
-              <a:path extrusionOk="0" h="120000" w="120000">
+              <a:path w="120000" h="120000" extrusionOk="0">
                 <a:moveTo>
                   <a:pt x="0" y="0"/>
                 </a:moveTo>
@@ -2152,9 +2243,11 @@
       <p:sp>
         <p:nvSpPr>
           <p:cNvPr id="105" name="Google Shape;105;gd430b7540a_0_1:notes"/>
-          <p:cNvSpPr txBox="1"/>
+          <p:cNvSpPr txBox="1">
+            <a:spLocks noGrp="1"/>
+          </p:cNvSpPr>
           <p:nvPr>
-            <p:ph idx="1" type="body"/>
+            <p:ph type="body" idx="1"/>
           </p:nvPr>
         </p:nvSpPr>
         <p:spPr>
@@ -2167,23 +2260,20 @@
           </a:prstGeom>
         </p:spPr>
         <p:txBody>
-          <a:bodyPr anchorCtr="0" anchor="t" bIns="91425" lIns="91425" spcFirstLastPara="1" rIns="91425" wrap="square" tIns="91425">
+          <a:bodyPr spcFirstLastPara="1" wrap="square" lIns="91425" tIns="91425" rIns="91425" bIns="91425" anchor="t" anchorCtr="0">
             <a:noAutofit/>
           </a:bodyPr>
           <a:lstStyle/>
           <a:p>
-            <a:pPr indent="0" lvl="0" marL="0" rtl="0" algn="l">
-              <a:spcBef>
-                <a:spcPts val="0"/>
-              </a:spcBef>
-              <a:spcAft>
-                <a:spcPts val="0"/>
-              </a:spcAft>
-              <a:buNone/>
-            </a:pPr>
-            <a:r>
-              <a:t/>
-            </a:r>
+            <a:pPr marL="0" lvl="0" indent="0" algn="l" rtl="0">
+              <a:spcBef>
+                <a:spcPts val="0"/>
+              </a:spcBef>
+              <a:spcAft>
+                <a:spcPts val="0"/>
+              </a:spcAft>
+              <a:buNone/>
+            </a:pPr>
             <a:endParaRPr/>
           </a:p>
         </p:txBody>
@@ -2197,11 +2287,11 @@
 </file>
 
 <file path=ppt/notesSlides/notesSlide8.xml><?xml version="1.0" encoding="utf-8"?>
-<p:notes xmlns:a="http://schemas.openxmlformats.org/drawingml/2006/main" xmlns:r="http://schemas.openxmlformats.org/officeDocument/2006/relationships" xmlns:mc="http://schemas.openxmlformats.org/markup-compatibility/2006" xmlns:mv="urn:schemas-microsoft-com:mac:vml" xmlns:p="http://schemas.openxmlformats.org/presentationml/2006/main" xmlns:c="http://schemas.openxmlformats.org/drawingml/2006/chart" xmlns:dgm="http://schemas.openxmlformats.org/drawingml/2006/diagram" xmlns:o="urn:schemas-microsoft-com:office:office" xmlns:v="urn:schemas-microsoft-com:vml" xmlns:pvml="urn:schemas-microsoft-com:office:powerpoint" xmlns:com="http://schemas.openxmlformats.org/drawingml/2006/compatibility" xmlns:p14="http://schemas.microsoft.com/office/powerpoint/2010/main" xmlns:p15="http://schemas.microsoft.com/office/powerpoint/2012/main" xmlns:ahyp="http://schemas.microsoft.com/office/drawing/2018/hyperlinkcolor" showMasterPhAnim="0" showMasterSp="0">
+<p:notes xmlns:a="http://schemas.openxmlformats.org/drawingml/2006/main" xmlns:r="http://schemas.openxmlformats.org/officeDocument/2006/relationships" xmlns:p="http://schemas.openxmlformats.org/presentationml/2006/main" showMasterSp="0" showMasterPhAnim="0">
   <p:cSld>
     <p:spTree>
       <p:nvGrpSpPr>
-        <p:cNvPr id="109" name="Shape 109"/>
+        <p:cNvPr id="1" name="Shape 109"/>
         <p:cNvGrpSpPr/>
         <p:nvPr/>
       </p:nvGrpSpPr>
@@ -2216,20 +2306,26 @@
       <p:sp>
         <p:nvSpPr>
           <p:cNvPr id="110" name="Google Shape;110;gd430b7540a_0_17:notes"/>
-          <p:cNvSpPr/>
+          <p:cNvSpPr>
+            <a:spLocks noGrp="1" noRot="1" noChangeAspect="1"/>
+          </p:cNvSpPr>
           <p:nvPr>
-            <p:ph idx="2" type="sldImg"/>
+            <p:ph type="sldImg" idx="2"/>
           </p:nvPr>
         </p:nvSpPr>
         <p:spPr>
           <a:xfrm>
-            <a:off x="381300" y="685800"/>
+            <a:off x="381000" y="685800"/>
             <a:ext cx="6096000" cy="3429000"/>
           </a:xfrm>
           <a:custGeom>
-            <a:rect b="b" l="l" r="r" t="t"/>
+            <a:avLst/>
+            <a:gdLst/>
+            <a:ahLst/>
+            <a:cxnLst/>
+            <a:rect l="l" t="t" r="r" b="b"/>
             <a:pathLst>
-              <a:path extrusionOk="0" h="120000" w="120000">
+              <a:path w="120000" h="120000" extrusionOk="0">
                 <a:moveTo>
                   <a:pt x="0" y="0"/>
                 </a:moveTo>
@@ -2251,9 +2347,11 @@
       <p:sp>
         <p:nvSpPr>
           <p:cNvPr id="111" name="Google Shape;111;gd430b7540a_0_17:notes"/>
-          <p:cNvSpPr txBox="1"/>
+          <p:cNvSpPr txBox="1">
+            <a:spLocks noGrp="1"/>
+          </p:cNvSpPr>
           <p:nvPr>
-            <p:ph idx="1" type="body"/>
+            <p:ph type="body" idx="1"/>
           </p:nvPr>
         </p:nvSpPr>
         <p:spPr>
@@ -2266,23 +2364,20 @@
           </a:prstGeom>
         </p:spPr>
         <p:txBody>
-          <a:bodyPr anchorCtr="0" anchor="t" bIns="91425" lIns="91425" spcFirstLastPara="1" rIns="91425" wrap="square" tIns="91425">
+          <a:bodyPr spcFirstLastPara="1" wrap="square" lIns="91425" tIns="91425" rIns="91425" bIns="91425" anchor="t" anchorCtr="0">
             <a:noAutofit/>
           </a:bodyPr>
           <a:lstStyle/>
           <a:p>
-            <a:pPr indent="0" lvl="0" marL="0" rtl="0" algn="l">
-              <a:spcBef>
-                <a:spcPts val="0"/>
-              </a:spcBef>
-              <a:spcAft>
-                <a:spcPts val="0"/>
-              </a:spcAft>
-              <a:buNone/>
-            </a:pPr>
-            <a:r>
-              <a:t/>
-            </a:r>
+            <a:pPr marL="0" lvl="0" indent="0" algn="l" rtl="0">
+              <a:spcBef>
+                <a:spcPts val="0"/>
+              </a:spcBef>
+              <a:spcAft>
+                <a:spcPts val="0"/>
+              </a:spcAft>
+              <a:buNone/>
+            </a:pPr>
             <a:endParaRPr/>
           </a:p>
         </p:txBody>
@@ -2296,11 +2391,11 @@
 </file>
 
 <file path=ppt/notesSlides/notesSlide9.xml><?xml version="1.0" encoding="utf-8"?>
-<p:notes xmlns:a="http://schemas.openxmlformats.org/drawingml/2006/main" xmlns:r="http://schemas.openxmlformats.org/officeDocument/2006/relationships" xmlns:mc="http://schemas.openxmlformats.org/markup-compatibility/2006" xmlns:mv="urn:schemas-microsoft-com:mac:vml" xmlns:p="http://schemas.openxmlformats.org/presentationml/2006/main" xmlns:c="http://schemas.openxmlformats.org/drawingml/2006/chart" xmlns:dgm="http://schemas.openxmlformats.org/drawingml/2006/diagram" xmlns:o="urn:schemas-microsoft-com:office:office" xmlns:v="urn:schemas-microsoft-com:vml" xmlns:pvml="urn:schemas-microsoft-com:office:powerpoint" xmlns:com="http://schemas.openxmlformats.org/drawingml/2006/compatibility" xmlns:p14="http://schemas.microsoft.com/office/powerpoint/2010/main" xmlns:p15="http://schemas.microsoft.com/office/powerpoint/2012/main" xmlns:ahyp="http://schemas.microsoft.com/office/drawing/2018/hyperlinkcolor" showMasterPhAnim="0" showMasterSp="0">
+<p:notes xmlns:a="http://schemas.openxmlformats.org/drawingml/2006/main" xmlns:r="http://schemas.openxmlformats.org/officeDocument/2006/relationships" xmlns:p="http://schemas.openxmlformats.org/presentationml/2006/main" showMasterSp="0" showMasterPhAnim="0">
   <p:cSld>
     <p:spTree>
       <p:nvGrpSpPr>
-        <p:cNvPr id="116" name="Shape 116"/>
+        <p:cNvPr id="1" name="Shape 116"/>
         <p:cNvGrpSpPr/>
         <p:nvPr/>
       </p:nvGrpSpPr>
@@ -2315,9 +2410,11 @@
       <p:sp>
         <p:nvSpPr>
           <p:cNvPr id="117" name="Google Shape;117;gd430b7540a_0_11:notes"/>
-          <p:cNvSpPr/>
+          <p:cNvSpPr>
+            <a:spLocks noGrp="1" noRot="1" noChangeAspect="1"/>
+          </p:cNvSpPr>
           <p:nvPr>
-            <p:ph idx="2" type="sldImg"/>
+            <p:ph type="sldImg" idx="2"/>
           </p:nvPr>
         </p:nvSpPr>
         <p:spPr>
@@ -2326,9 +2423,13 @@
             <a:ext cx="6096000" cy="3429000"/>
           </a:xfrm>
           <a:custGeom>
-            <a:rect b="b" l="l" r="r" t="t"/>
+            <a:avLst/>
+            <a:gdLst/>
+            <a:ahLst/>
+            <a:cxnLst/>
+            <a:rect l="l" t="t" r="r" b="b"/>
             <a:pathLst>
-              <a:path extrusionOk="0" h="120000" w="120000">
+              <a:path w="120000" h="120000" extrusionOk="0">
                 <a:moveTo>
                   <a:pt x="0" y="0"/>
                 </a:moveTo>
@@ -2350,9 +2451,11 @@
       <p:sp>
         <p:nvSpPr>
           <p:cNvPr id="118" name="Google Shape;118;gd430b7540a_0_11:notes"/>
-          <p:cNvSpPr txBox="1"/>
+          <p:cNvSpPr txBox="1">
+            <a:spLocks noGrp="1"/>
+          </p:cNvSpPr>
           <p:nvPr>
-            <p:ph idx="1" type="body"/>
+            <p:ph type="body" idx="1"/>
           </p:nvPr>
         </p:nvSpPr>
         <p:spPr>
@@ -2365,23 +2468,20 @@
           </a:prstGeom>
         </p:spPr>
         <p:txBody>
-          <a:bodyPr anchorCtr="0" anchor="t" bIns="91425" lIns="91425" spcFirstLastPara="1" rIns="91425" wrap="square" tIns="91425">
+          <a:bodyPr spcFirstLastPara="1" wrap="square" lIns="91425" tIns="91425" rIns="91425" bIns="91425" anchor="t" anchorCtr="0">
             <a:noAutofit/>
           </a:bodyPr>
           <a:lstStyle/>
           <a:p>
-            <a:pPr indent="0" lvl="0" marL="0" rtl="0" algn="l">
-              <a:spcBef>
-                <a:spcPts val="0"/>
-              </a:spcBef>
-              <a:spcAft>
-                <a:spcPts val="0"/>
-              </a:spcAft>
-              <a:buNone/>
-            </a:pPr>
-            <a:r>
-              <a:t/>
-            </a:r>
+            <a:pPr marL="0" lvl="0" indent="0" algn="l" rtl="0">
+              <a:spcBef>
+                <a:spcPts val="0"/>
+              </a:spcBef>
+              <a:spcAft>
+                <a:spcPts val="0"/>
+              </a:spcAft>
+              <a:buNone/>
+            </a:pPr>
             <a:endParaRPr/>
           </a:p>
         </p:txBody>
@@ -2395,11 +2495,11 @@
 </file>
 
 <file path=ppt/slideLayouts/slideLayout1.xml><?xml version="1.0" encoding="utf-8"?>
-<p:sldLayout xmlns:a="http://schemas.openxmlformats.org/drawingml/2006/main" xmlns:r="http://schemas.openxmlformats.org/officeDocument/2006/relationships" xmlns:mc="http://schemas.openxmlformats.org/markup-compatibility/2006" xmlns:mv="urn:schemas-microsoft-com:mac:vml" xmlns:p="http://schemas.openxmlformats.org/presentationml/2006/main" xmlns:c="http://schemas.openxmlformats.org/drawingml/2006/chart" xmlns:dgm="http://schemas.openxmlformats.org/drawingml/2006/diagram" xmlns:o="urn:schemas-microsoft-com:office:office" xmlns:v="urn:schemas-microsoft-com:vml" xmlns:pvml="urn:schemas-microsoft-com:office:powerpoint" xmlns:com="http://schemas.openxmlformats.org/drawingml/2006/compatibility" xmlns:p14="http://schemas.microsoft.com/office/powerpoint/2010/main" xmlns:p15="http://schemas.microsoft.com/office/powerpoint/2012/main" xmlns:ahyp="http://schemas.microsoft.com/office/drawing/2018/hyperlinkcolor" matchingName="Title slide" type="title">
+<p:sldLayout xmlns:a="http://schemas.openxmlformats.org/drawingml/2006/main" xmlns:r="http://schemas.openxmlformats.org/officeDocument/2006/relationships" xmlns:p="http://schemas.openxmlformats.org/presentationml/2006/main" matchingName="Title slide" type="title">
   <p:cSld name="TITLE">
     <p:spTree>
       <p:nvGrpSpPr>
-        <p:cNvPr id="9" name="Shape 9"/>
+        <p:cNvPr id="1" name="Shape 9"/>
         <p:cNvGrpSpPr/>
         <p:nvPr/>
       </p:nvGrpSpPr>
@@ -2433,23 +2533,20 @@
           </a:ln>
         </p:spPr>
         <p:txBody>
-          <a:bodyPr anchorCtr="0" anchor="ctr" bIns="91425" lIns="91425" spcFirstLastPara="1" rIns="91425" wrap="square" tIns="91425">
+          <a:bodyPr spcFirstLastPara="1" wrap="square" lIns="91425" tIns="91425" rIns="91425" bIns="91425" anchor="ctr" anchorCtr="0">
             <a:noAutofit/>
           </a:bodyPr>
           <a:lstStyle/>
           <a:p>
-            <a:pPr indent="0" lvl="0" marL="0" rtl="0" algn="l">
-              <a:spcBef>
-                <a:spcPts val="0"/>
-              </a:spcBef>
-              <a:spcAft>
-                <a:spcPts val="0"/>
-              </a:spcAft>
-              <a:buNone/>
-            </a:pPr>
-            <a:r>
-              <a:t/>
-            </a:r>
+            <a:pPr marL="0" lvl="0" indent="0" algn="l" rtl="0">
+              <a:spcBef>
+                <a:spcPts val="0"/>
+              </a:spcBef>
+              <a:spcAft>
+                <a:spcPts val="0"/>
+              </a:spcAft>
+              <a:buNone/>
+            </a:pPr>
             <a:endParaRPr/>
           </a:p>
         </p:txBody>
@@ -2467,7 +2564,7 @@
           </a:xfrm>
           <a:prstGeom prst="round1Rect">
             <a:avLst>
-              <a:gd fmla="val 16667" name="adj"/>
+              <a:gd name="adj" fmla="val 16667"/>
             </a:avLst>
           </a:prstGeom>
           <a:solidFill>
@@ -2480,23 +2577,20 @@
           </a:ln>
         </p:spPr>
         <p:txBody>
-          <a:bodyPr anchorCtr="0" anchor="ctr" bIns="91425" lIns="91425" spcFirstLastPara="1" rIns="91425" wrap="square" tIns="91425">
+          <a:bodyPr spcFirstLastPara="1" wrap="square" lIns="91425" tIns="91425" rIns="91425" bIns="91425" anchor="ctr" anchorCtr="0">
             <a:noAutofit/>
           </a:bodyPr>
           <a:lstStyle/>
           <a:p>
-            <a:pPr indent="0" lvl="0" marL="0" rtl="0" algn="l">
-              <a:spcBef>
-                <a:spcPts val="0"/>
-              </a:spcBef>
-              <a:spcAft>
-                <a:spcPts val="0"/>
-              </a:spcAft>
-              <a:buNone/>
-            </a:pPr>
-            <a:r>
-              <a:t/>
-            </a:r>
+            <a:pPr marL="0" lvl="0" indent="0" algn="l" rtl="0">
+              <a:spcBef>
+                <a:spcPts val="0"/>
+              </a:spcBef>
+              <a:spcAft>
+                <a:spcPts val="0"/>
+              </a:spcAft>
+              <a:buNone/>
+            </a:pPr>
             <a:endParaRPr/>
           </a:p>
         </p:txBody>
@@ -2504,7 +2598,9 @@
       <p:sp>
         <p:nvSpPr>
           <p:cNvPr id="12" name="Google Shape;12;p2"/>
-          <p:cNvSpPr txBox="1"/>
+          <p:cNvSpPr txBox="1">
+            <a:spLocks noGrp="1"/>
+          </p:cNvSpPr>
           <p:nvPr>
             <p:ph type="ctrTitle"/>
           </p:nvPr>
@@ -2519,7 +2615,7 @@
           </a:prstGeom>
         </p:spPr>
         <p:txBody>
-          <a:bodyPr anchorCtr="0" anchor="b" bIns="91425" lIns="91425" spcFirstLastPara="1" rIns="91425" wrap="square" tIns="91425">
+          <a:bodyPr spcFirstLastPara="1" wrap="square" lIns="91425" tIns="91425" rIns="91425" bIns="91425" anchor="b" anchorCtr="0">
             <a:normAutofit/>
           </a:bodyPr>
           <a:lstStyle>
@@ -2623,15 +2719,19 @@
               <a:defRPr sz="4800"/>
             </a:lvl9pPr>
           </a:lstStyle>
-          <a:p/>
+          <a:p>
+            <a:endParaRPr/>
+          </a:p>
         </p:txBody>
       </p:sp>
       <p:sp>
         <p:nvSpPr>
           <p:cNvPr id="13" name="Google Shape;13;p2"/>
-          <p:cNvSpPr txBox="1"/>
+          <p:cNvSpPr txBox="1">
+            <a:spLocks noGrp="1"/>
+          </p:cNvSpPr>
           <p:nvPr>
-            <p:ph idx="1" type="subTitle"/>
+            <p:ph type="subTitle" idx="1"/>
           </p:nvPr>
         </p:nvSpPr>
         <p:spPr>
@@ -2644,7 +2744,7 @@
           </a:prstGeom>
         </p:spPr>
         <p:txBody>
-          <a:bodyPr anchorCtr="0" anchor="t" bIns="91425" lIns="91425" spcFirstLastPara="1" rIns="91425" wrap="square" tIns="91425">
+          <a:bodyPr spcFirstLastPara="1" wrap="square" lIns="91425" tIns="91425" rIns="91425" bIns="91425" anchor="t" anchorCtr="0">
             <a:normAutofit/>
           </a:bodyPr>
           <a:lstStyle>
@@ -2838,15 +2938,19 @@
               </a:defRPr>
             </a:lvl9pPr>
           </a:lstStyle>
-          <a:p/>
+          <a:p>
+            <a:endParaRPr/>
+          </a:p>
         </p:txBody>
       </p:sp>
       <p:sp>
         <p:nvSpPr>
           <p:cNvPr id="14" name="Google Shape;14;p2"/>
-          <p:cNvSpPr txBox="1"/>
+          <p:cNvSpPr txBox="1">
+            <a:spLocks noGrp="1"/>
+          </p:cNvSpPr>
           <p:nvPr>
-            <p:ph idx="12" type="sldNum"/>
+            <p:ph type="sldNum" idx="12"/>
           </p:nvPr>
         </p:nvSpPr>
         <p:spPr>
@@ -2859,7 +2963,7 @@
           </a:prstGeom>
         </p:spPr>
         <p:txBody>
-          <a:bodyPr anchorCtr="0" anchor="ctr" bIns="91425" lIns="91425" spcFirstLastPara="1" rIns="91425" wrap="square" tIns="91425">
+          <a:bodyPr spcFirstLastPara="1" wrap="square" lIns="91425" tIns="91425" rIns="91425" bIns="91425" anchor="ctr" anchorCtr="0">
             <a:normAutofit/>
           </a:bodyPr>
           <a:lstStyle>
@@ -2901,7 +3005,7 @@
             </a:lvl9pPr>
           </a:lstStyle>
           <a:p>
-            <a:pPr indent="0" lvl="0" marL="0" rtl="0" algn="r">
+            <a:pPr marL="0" lvl="0" indent="0" algn="r" rtl="0">
               <a:spcBef>
                 <a:spcPts val="0"/>
               </a:spcBef>
@@ -2927,18 +3031,19 @@
 </file>
 
 <file path=ppt/slideLayouts/slideLayout10.xml><?xml version="1.0" encoding="utf-8"?>
-<p:sldLayout xmlns:a="http://schemas.openxmlformats.org/drawingml/2006/main" xmlns:r="http://schemas.openxmlformats.org/officeDocument/2006/relationships" xmlns:mc="http://schemas.openxmlformats.org/markup-compatibility/2006" xmlns:mv="urn:schemas-microsoft-com:mac:vml" xmlns:p="http://schemas.openxmlformats.org/presentationml/2006/main" xmlns:c="http://schemas.openxmlformats.org/drawingml/2006/chart" xmlns:dgm="http://schemas.openxmlformats.org/drawingml/2006/diagram" xmlns:o="urn:schemas-microsoft-com:office:office" xmlns:v="urn:schemas-microsoft-com:vml" xmlns:pvml="urn:schemas-microsoft-com:office:powerpoint" xmlns:com="http://schemas.openxmlformats.org/drawingml/2006/compatibility" xmlns:p14="http://schemas.microsoft.com/office/powerpoint/2010/main" xmlns:p15="http://schemas.microsoft.com/office/powerpoint/2012/main" xmlns:ahyp="http://schemas.microsoft.com/office/drawing/2018/hyperlinkcolor" matchingName="Big number">
+<p:sldLayout xmlns:a="http://schemas.openxmlformats.org/drawingml/2006/main" xmlns:r="http://schemas.openxmlformats.org/officeDocument/2006/relationships" xmlns:p="http://schemas.openxmlformats.org/presentationml/2006/main" matchingName="Big number">
   <p:cSld name="BIG_NUMBER">
     <p:bg>
       <p:bgPr>
         <a:solidFill>
           <a:schemeClr val="accent4"/>
         </a:solidFill>
+        <a:effectLst/>
       </p:bgPr>
     </p:bg>
     <p:spTree>
       <p:nvGrpSpPr>
-        <p:cNvPr id="57" name="Shape 57"/>
+        <p:cNvPr id="1" name="Shape 57"/>
         <p:cNvGrpSpPr/>
         <p:nvPr/>
       </p:nvGrpSpPr>
@@ -2953,9 +3058,11 @@
       <p:sp>
         <p:nvSpPr>
           <p:cNvPr id="58" name="Google Shape;58;p11"/>
-          <p:cNvSpPr txBox="1"/>
+          <p:cNvSpPr txBox="1">
+            <a:spLocks noGrp="1"/>
+          </p:cNvSpPr>
           <p:nvPr>
-            <p:ph hasCustomPrompt="1" type="title"/>
+            <p:ph type="title" hasCustomPrompt="1"/>
           </p:nvPr>
         </p:nvSpPr>
         <p:spPr>
@@ -2968,7 +3075,7 @@
           </a:prstGeom>
         </p:spPr>
         <p:txBody>
-          <a:bodyPr anchorCtr="0" anchor="b" bIns="91425" lIns="91425" spcFirstLastPara="1" rIns="91425" wrap="square" tIns="91425">
+          <a:bodyPr spcFirstLastPara="1" wrap="square" lIns="91425" tIns="91425" rIns="91425" bIns="91425" anchor="b" anchorCtr="0">
             <a:normAutofit/>
           </a:bodyPr>
           <a:lstStyle>
@@ -3145,9 +3252,11 @@
       <p:sp>
         <p:nvSpPr>
           <p:cNvPr id="59" name="Google Shape;59;p11"/>
-          <p:cNvSpPr txBox="1"/>
+          <p:cNvSpPr txBox="1">
+            <a:spLocks noGrp="1"/>
+          </p:cNvSpPr>
           <p:nvPr>
-            <p:ph idx="1" type="body"/>
+            <p:ph type="body" idx="1"/>
           </p:nvPr>
         </p:nvSpPr>
         <p:spPr>
@@ -3160,11 +3269,11 @@
           </a:prstGeom>
         </p:spPr>
         <p:txBody>
-          <a:bodyPr anchorCtr="0" anchor="t" bIns="91425" lIns="91425" spcFirstLastPara="1" rIns="91425" wrap="square" tIns="91425">
+          <a:bodyPr spcFirstLastPara="1" wrap="square" lIns="91425" tIns="91425" rIns="91425" bIns="91425" anchor="t" anchorCtr="0">
             <a:normAutofit/>
           </a:bodyPr>
           <a:lstStyle>
-            <a:lvl1pPr indent="-342900" lvl="0" marL="457200" algn="ctr">
+            <a:lvl1pPr marL="457200" lvl="0" indent="-342900" algn="ctr">
               <a:spcBef>
                 <a:spcPts val="0"/>
               </a:spcBef>
@@ -3175,7 +3284,7 @@
               <a:buChar char="●"/>
               <a:defRPr/>
             </a:lvl1pPr>
-            <a:lvl2pPr indent="-317500" lvl="1" marL="914400" algn="ctr">
+            <a:lvl2pPr marL="914400" lvl="1" indent="-317500" algn="ctr">
               <a:spcBef>
                 <a:spcPts val="0"/>
               </a:spcBef>
@@ -3186,7 +3295,7 @@
               <a:buChar char="○"/>
               <a:defRPr/>
             </a:lvl2pPr>
-            <a:lvl3pPr indent="-317500" lvl="2" marL="1371600" algn="ctr">
+            <a:lvl3pPr marL="1371600" lvl="2" indent="-317500" algn="ctr">
               <a:spcBef>
                 <a:spcPts val="0"/>
               </a:spcBef>
@@ -3197,7 +3306,7 @@
               <a:buChar char="■"/>
               <a:defRPr/>
             </a:lvl3pPr>
-            <a:lvl4pPr indent="-317500" lvl="3" marL="1828800" algn="ctr">
+            <a:lvl4pPr marL="1828800" lvl="3" indent="-317500" algn="ctr">
               <a:spcBef>
                 <a:spcPts val="0"/>
               </a:spcBef>
@@ -3208,7 +3317,7 @@
               <a:buChar char="●"/>
               <a:defRPr/>
             </a:lvl4pPr>
-            <a:lvl5pPr indent="-317500" lvl="4" marL="2286000" algn="ctr">
+            <a:lvl5pPr marL="2286000" lvl="4" indent="-317500" algn="ctr">
               <a:spcBef>
                 <a:spcPts val="0"/>
               </a:spcBef>
@@ -3219,7 +3328,7 @@
               <a:buChar char="○"/>
               <a:defRPr/>
             </a:lvl5pPr>
-            <a:lvl6pPr indent="-317500" lvl="5" marL="2743200" algn="ctr">
+            <a:lvl6pPr marL="2743200" lvl="5" indent="-317500" algn="ctr">
               <a:spcBef>
                 <a:spcPts val="0"/>
               </a:spcBef>
@@ -3230,7 +3339,7 @@
               <a:buChar char="■"/>
               <a:defRPr/>
             </a:lvl6pPr>
-            <a:lvl7pPr indent="-317500" lvl="6" marL="3200400" algn="ctr">
+            <a:lvl7pPr marL="3200400" lvl="6" indent="-317500" algn="ctr">
               <a:spcBef>
                 <a:spcPts val="0"/>
               </a:spcBef>
@@ -3241,7 +3350,7 @@
               <a:buChar char="●"/>
               <a:defRPr/>
             </a:lvl7pPr>
-            <a:lvl8pPr indent="-317500" lvl="7" marL="3657600" algn="ctr">
+            <a:lvl8pPr marL="3657600" lvl="7" indent="-317500" algn="ctr">
               <a:spcBef>
                 <a:spcPts val="0"/>
               </a:spcBef>
@@ -3252,7 +3361,7 @@
               <a:buChar char="○"/>
               <a:defRPr/>
             </a:lvl8pPr>
-            <a:lvl9pPr indent="-317500" lvl="8" marL="4114800" algn="ctr">
+            <a:lvl9pPr marL="4114800" lvl="8" indent="-317500" algn="ctr">
               <a:spcBef>
                 <a:spcPts val="0"/>
               </a:spcBef>
@@ -3264,15 +3373,19 @@
               <a:defRPr/>
             </a:lvl9pPr>
           </a:lstStyle>
-          <a:p/>
+          <a:p>
+            <a:endParaRPr/>
+          </a:p>
         </p:txBody>
       </p:sp>
       <p:sp>
         <p:nvSpPr>
           <p:cNvPr id="60" name="Google Shape;60;p11"/>
-          <p:cNvSpPr txBox="1"/>
+          <p:cNvSpPr txBox="1">
+            <a:spLocks noGrp="1"/>
+          </p:cNvSpPr>
           <p:nvPr>
-            <p:ph idx="12" type="sldNum"/>
+            <p:ph type="sldNum" idx="12"/>
           </p:nvPr>
         </p:nvSpPr>
         <p:spPr>
@@ -3285,7 +3398,7 @@
           </a:prstGeom>
         </p:spPr>
         <p:txBody>
-          <a:bodyPr anchorCtr="0" anchor="ctr" bIns="91425" lIns="91425" spcFirstLastPara="1" rIns="91425" wrap="square" tIns="91425">
+          <a:bodyPr spcFirstLastPara="1" wrap="square" lIns="91425" tIns="91425" rIns="91425" bIns="91425" anchor="ctr" anchorCtr="0">
             <a:normAutofit/>
           </a:bodyPr>
           <a:lstStyle>
@@ -3327,7 +3440,7 @@
             </a:lvl9pPr>
           </a:lstStyle>
           <a:p>
-            <a:pPr indent="0" lvl="0" marL="0" rtl="0" algn="r">
+            <a:pPr marL="0" lvl="0" indent="0" algn="r" rtl="0">
               <a:spcBef>
                 <a:spcPts val="0"/>
               </a:spcBef>
@@ -3353,18 +3466,19 @@
 </file>
 
 <file path=ppt/slideLayouts/slideLayout11.xml><?xml version="1.0" encoding="utf-8"?>
-<p:sldLayout xmlns:a="http://schemas.openxmlformats.org/drawingml/2006/main" xmlns:r="http://schemas.openxmlformats.org/officeDocument/2006/relationships" xmlns:mc="http://schemas.openxmlformats.org/markup-compatibility/2006" xmlns:mv="urn:schemas-microsoft-com:mac:vml" xmlns:p="http://schemas.openxmlformats.org/presentationml/2006/main" xmlns:c="http://schemas.openxmlformats.org/drawingml/2006/chart" xmlns:dgm="http://schemas.openxmlformats.org/drawingml/2006/diagram" xmlns:o="urn:schemas-microsoft-com:office:office" xmlns:v="urn:schemas-microsoft-com:vml" xmlns:pvml="urn:schemas-microsoft-com:office:powerpoint" xmlns:com="http://schemas.openxmlformats.org/drawingml/2006/compatibility" xmlns:p14="http://schemas.microsoft.com/office/powerpoint/2010/main" xmlns:p15="http://schemas.microsoft.com/office/powerpoint/2012/main" xmlns:ahyp="http://schemas.microsoft.com/office/drawing/2018/hyperlinkcolor" matchingName="Blank" type="blank">
+<p:sldLayout xmlns:a="http://schemas.openxmlformats.org/drawingml/2006/main" xmlns:r="http://schemas.openxmlformats.org/officeDocument/2006/relationships" xmlns:p="http://schemas.openxmlformats.org/presentationml/2006/main" matchingName="Blank" type="blank">
   <p:cSld name="BLANK">
     <p:bg>
       <p:bgPr>
         <a:solidFill>
           <a:schemeClr val="accent4"/>
         </a:solidFill>
+        <a:effectLst/>
       </p:bgPr>
     </p:bg>
     <p:spTree>
       <p:nvGrpSpPr>
-        <p:cNvPr id="61" name="Shape 61"/>
+        <p:cNvPr id="1" name="Shape 61"/>
         <p:cNvGrpSpPr/>
         <p:nvPr/>
       </p:nvGrpSpPr>
@@ -3379,9 +3493,11 @@
       <p:sp>
         <p:nvSpPr>
           <p:cNvPr id="62" name="Google Shape;62;p12"/>
-          <p:cNvSpPr txBox="1"/>
+          <p:cNvSpPr txBox="1">
+            <a:spLocks noGrp="1"/>
+          </p:cNvSpPr>
           <p:nvPr>
-            <p:ph idx="12" type="sldNum"/>
+            <p:ph type="sldNum" idx="12"/>
           </p:nvPr>
         </p:nvSpPr>
         <p:spPr>
@@ -3394,7 +3510,7 @@
           </a:prstGeom>
         </p:spPr>
         <p:txBody>
-          <a:bodyPr anchorCtr="0" anchor="ctr" bIns="91425" lIns="91425" spcFirstLastPara="1" rIns="91425" wrap="square" tIns="91425">
+          <a:bodyPr spcFirstLastPara="1" wrap="square" lIns="91425" tIns="91425" rIns="91425" bIns="91425" anchor="ctr" anchorCtr="0">
             <a:normAutofit/>
           </a:bodyPr>
           <a:lstStyle>
@@ -3436,7 +3552,7 @@
             </a:lvl9pPr>
           </a:lstStyle>
           <a:p>
-            <a:pPr indent="0" lvl="0" marL="0" rtl="0" algn="r">
+            <a:pPr marL="0" lvl="0" indent="0" algn="r" rtl="0">
               <a:spcBef>
                 <a:spcPts val="0"/>
               </a:spcBef>
@@ -3462,11 +3578,11 @@
 </file>
 
 <file path=ppt/slideLayouts/slideLayout2.xml><?xml version="1.0" encoding="utf-8"?>
-<p:sldLayout xmlns:a="http://schemas.openxmlformats.org/drawingml/2006/main" xmlns:r="http://schemas.openxmlformats.org/officeDocument/2006/relationships" xmlns:mc="http://schemas.openxmlformats.org/markup-compatibility/2006" xmlns:mv="urn:schemas-microsoft-com:mac:vml" xmlns:p="http://schemas.openxmlformats.org/presentationml/2006/main" xmlns:c="http://schemas.openxmlformats.org/drawingml/2006/chart" xmlns:dgm="http://schemas.openxmlformats.org/drawingml/2006/diagram" xmlns:o="urn:schemas-microsoft-com:office:office" xmlns:v="urn:schemas-microsoft-com:vml" xmlns:pvml="urn:schemas-microsoft-com:office:powerpoint" xmlns:com="http://schemas.openxmlformats.org/drawingml/2006/compatibility" xmlns:p14="http://schemas.microsoft.com/office/powerpoint/2010/main" xmlns:p15="http://schemas.microsoft.com/office/powerpoint/2012/main" xmlns:ahyp="http://schemas.microsoft.com/office/drawing/2018/hyperlinkcolor" matchingName="Section header" type="secHead">
+<p:sldLayout xmlns:a="http://schemas.openxmlformats.org/drawingml/2006/main" xmlns:r="http://schemas.openxmlformats.org/officeDocument/2006/relationships" xmlns:p="http://schemas.openxmlformats.org/presentationml/2006/main" matchingName="Section header" type="secHead">
   <p:cSld name="SECTION_HEADER">
     <p:spTree>
       <p:nvGrpSpPr>
-        <p:cNvPr id="15" name="Shape 15"/>
+        <p:cNvPr id="1" name="Shape 15"/>
         <p:cNvGrpSpPr/>
         <p:nvPr/>
       </p:nvGrpSpPr>
@@ -3481,7 +3597,9 @@
       <p:sp>
         <p:nvSpPr>
           <p:cNvPr id="16" name="Google Shape;16;p3"/>
-          <p:cNvSpPr txBox="1"/>
+          <p:cNvSpPr txBox="1">
+            <a:spLocks noGrp="1"/>
+          </p:cNvSpPr>
           <p:nvPr>
             <p:ph type="title"/>
           </p:nvPr>
@@ -3496,7 +3614,7 @@
           </a:prstGeom>
         </p:spPr>
         <p:txBody>
-          <a:bodyPr anchorCtr="0" anchor="ctr" bIns="91425" lIns="91425" spcFirstLastPara="1" rIns="91425" wrap="square" tIns="91425">
+          <a:bodyPr spcFirstLastPara="1" wrap="square" lIns="91425" tIns="91425" rIns="91425" bIns="91425" anchor="ctr" anchorCtr="0">
             <a:normAutofit/>
           </a:bodyPr>
           <a:lstStyle>
@@ -3600,15 +3718,19 @@
               <a:defRPr sz="4200"/>
             </a:lvl9pPr>
           </a:lstStyle>
-          <a:p/>
+          <a:p>
+            <a:endParaRPr/>
+          </a:p>
         </p:txBody>
       </p:sp>
       <p:sp>
         <p:nvSpPr>
           <p:cNvPr id="17" name="Google Shape;17;p3"/>
-          <p:cNvSpPr txBox="1"/>
+          <p:cNvSpPr txBox="1">
+            <a:spLocks noGrp="1"/>
+          </p:cNvSpPr>
           <p:nvPr>
-            <p:ph idx="12" type="sldNum"/>
+            <p:ph type="sldNum" idx="12"/>
           </p:nvPr>
         </p:nvSpPr>
         <p:spPr>
@@ -3621,7 +3743,7 @@
           </a:prstGeom>
         </p:spPr>
         <p:txBody>
-          <a:bodyPr anchorCtr="0" anchor="ctr" bIns="91425" lIns="91425" spcFirstLastPara="1" rIns="91425" wrap="square" tIns="91425">
+          <a:bodyPr spcFirstLastPara="1" wrap="square" lIns="91425" tIns="91425" rIns="91425" bIns="91425" anchor="ctr" anchorCtr="0">
             <a:normAutofit/>
           </a:bodyPr>
           <a:lstStyle>
@@ -3699,7 +3821,7 @@
             </a:lvl9pPr>
           </a:lstStyle>
           <a:p>
-            <a:pPr indent="0" lvl="0" marL="0" rtl="0" algn="r">
+            <a:pPr marL="0" lvl="0" indent="0" algn="r" rtl="0">
               <a:spcBef>
                 <a:spcPts val="0"/>
               </a:spcBef>
@@ -3725,11 +3847,11 @@
 </file>
 
 <file path=ppt/slideLayouts/slideLayout3.xml><?xml version="1.0" encoding="utf-8"?>
-<p:sldLayout xmlns:a="http://schemas.openxmlformats.org/drawingml/2006/main" xmlns:r="http://schemas.openxmlformats.org/officeDocument/2006/relationships" xmlns:mc="http://schemas.openxmlformats.org/markup-compatibility/2006" xmlns:mv="urn:schemas-microsoft-com:mac:vml" xmlns:p="http://schemas.openxmlformats.org/presentationml/2006/main" xmlns:c="http://schemas.openxmlformats.org/drawingml/2006/chart" xmlns:dgm="http://schemas.openxmlformats.org/drawingml/2006/diagram" xmlns:o="urn:schemas-microsoft-com:office:office" xmlns:v="urn:schemas-microsoft-com:vml" xmlns:pvml="urn:schemas-microsoft-com:office:powerpoint" xmlns:com="http://schemas.openxmlformats.org/drawingml/2006/compatibility" xmlns:p14="http://schemas.microsoft.com/office/powerpoint/2010/main" xmlns:p15="http://schemas.microsoft.com/office/powerpoint/2012/main" xmlns:ahyp="http://schemas.microsoft.com/office/drawing/2018/hyperlinkcolor" matchingName="Title and body" type="tx">
+<p:sldLayout xmlns:a="http://schemas.openxmlformats.org/drawingml/2006/main" xmlns:r="http://schemas.openxmlformats.org/officeDocument/2006/relationships" xmlns:p="http://schemas.openxmlformats.org/presentationml/2006/main" matchingName="Title and body" type="tx">
   <p:cSld name="TITLE_AND_BODY">
     <p:spTree>
       <p:nvGrpSpPr>
-        <p:cNvPr id="18" name="Shape 18"/>
+        <p:cNvPr id="1" name="Shape 18"/>
         <p:cNvGrpSpPr/>
         <p:nvPr/>
       </p:nvGrpSpPr>
@@ -3748,7 +3870,7 @@
           <p:nvPr/>
         </p:nvSpPr>
         <p:spPr>
-          <a:xfrm flipH="1" rot="10800000">
+          <a:xfrm rot="10800000" flipH="1">
             <a:off x="0" y="1686000"/>
             <a:ext cx="9144000" cy="3457500"/>
           </a:xfrm>
@@ -3763,23 +3885,20 @@
           </a:ln>
         </p:spPr>
         <p:txBody>
-          <a:bodyPr anchorCtr="0" anchor="ctr" bIns="91425" lIns="91425" spcFirstLastPara="1" rIns="91425" wrap="square" tIns="91425">
+          <a:bodyPr spcFirstLastPara="1" wrap="square" lIns="91425" tIns="91425" rIns="91425" bIns="91425" anchor="ctr" anchorCtr="0">
             <a:noAutofit/>
           </a:bodyPr>
           <a:lstStyle/>
           <a:p>
-            <a:pPr indent="0" lvl="0" marL="0" rtl="0" algn="l">
-              <a:spcBef>
-                <a:spcPts val="0"/>
-              </a:spcBef>
-              <a:spcAft>
-                <a:spcPts val="0"/>
-              </a:spcAft>
-              <a:buNone/>
-            </a:pPr>
-            <a:r>
-              <a:t/>
-            </a:r>
+            <a:pPr marL="0" lvl="0" indent="0" algn="l" rtl="0">
+              <a:spcBef>
+                <a:spcPts val="0"/>
+              </a:spcBef>
+              <a:spcAft>
+                <a:spcPts val="0"/>
+              </a:spcAft>
+              <a:buNone/>
+            </a:pPr>
             <a:endParaRPr/>
           </a:p>
         </p:txBody>
@@ -3820,23 +3939,20 @@
           </a:ln>
         </p:spPr>
         <p:txBody>
-          <a:bodyPr anchorCtr="0" anchor="ctr" bIns="91425" lIns="91425" spcFirstLastPara="1" rIns="91425" wrap="square" tIns="91425">
+          <a:bodyPr spcFirstLastPara="1" wrap="square" lIns="91425" tIns="91425" rIns="91425" bIns="91425" anchor="ctr" anchorCtr="0">
             <a:noAutofit/>
           </a:bodyPr>
           <a:lstStyle/>
           <a:p>
-            <a:pPr indent="0" lvl="0" marL="0" rtl="0" algn="l">
-              <a:spcBef>
-                <a:spcPts val="0"/>
-              </a:spcBef>
-              <a:spcAft>
-                <a:spcPts val="0"/>
-              </a:spcAft>
-              <a:buNone/>
-            </a:pPr>
-            <a:r>
-              <a:t/>
-            </a:r>
+            <a:pPr marL="0" lvl="0" indent="0" algn="l" rtl="0">
+              <a:spcBef>
+                <a:spcPts val="0"/>
+              </a:spcBef>
+              <a:spcAft>
+                <a:spcPts val="0"/>
+              </a:spcAft>
+              <a:buNone/>
+            </a:pPr>
             <a:endParaRPr/>
           </a:p>
         </p:txBody>
@@ -3844,7 +3960,9 @@
       <p:sp>
         <p:nvSpPr>
           <p:cNvPr id="21" name="Google Shape;21;p4"/>
-          <p:cNvSpPr txBox="1"/>
+          <p:cNvSpPr txBox="1">
+            <a:spLocks noGrp="1"/>
+          </p:cNvSpPr>
           <p:nvPr>
             <p:ph type="title"/>
           </p:nvPr>
@@ -3859,7 +3977,7 @@
           </a:prstGeom>
         </p:spPr>
         <p:txBody>
-          <a:bodyPr anchorCtr="0" anchor="b" bIns="91425" lIns="91425" spcFirstLastPara="1" rIns="91425" wrap="square" tIns="91425">
+          <a:bodyPr spcFirstLastPara="1" wrap="square" lIns="91425" tIns="91425" rIns="91425" bIns="91425" anchor="b" anchorCtr="0">
             <a:normAutofit/>
           </a:bodyPr>
           <a:lstStyle>
@@ -3963,15 +4081,19 @@
               <a:defRPr/>
             </a:lvl9pPr>
           </a:lstStyle>
-          <a:p/>
+          <a:p>
+            <a:endParaRPr/>
+          </a:p>
         </p:txBody>
       </p:sp>
       <p:sp>
         <p:nvSpPr>
           <p:cNvPr id="22" name="Google Shape;22;p4"/>
-          <p:cNvSpPr txBox="1"/>
+          <p:cNvSpPr txBox="1">
+            <a:spLocks noGrp="1"/>
+          </p:cNvSpPr>
           <p:nvPr>
-            <p:ph idx="1" type="body"/>
+            <p:ph type="body" idx="1"/>
           </p:nvPr>
         </p:nvSpPr>
         <p:spPr>
@@ -3984,11 +4106,11 @@
           </a:prstGeom>
         </p:spPr>
         <p:txBody>
-          <a:bodyPr anchorCtr="0" anchor="t" bIns="91425" lIns="91425" spcFirstLastPara="1" rIns="91425" wrap="square" tIns="91425">
+          <a:bodyPr spcFirstLastPara="1" wrap="square" lIns="91425" tIns="91425" rIns="91425" bIns="91425" anchor="t" anchorCtr="0">
             <a:normAutofit/>
           </a:bodyPr>
           <a:lstStyle>
-            <a:lvl1pPr indent="-342900" lvl="0" marL="457200">
+            <a:lvl1pPr marL="457200" lvl="0" indent="-342900">
               <a:spcBef>
                 <a:spcPts val="0"/>
               </a:spcBef>
@@ -3999,7 +4121,7 @@
               <a:buChar char="●"/>
               <a:defRPr/>
             </a:lvl1pPr>
-            <a:lvl2pPr indent="-317500" lvl="1" marL="914400">
+            <a:lvl2pPr marL="914400" lvl="1" indent="-317500">
               <a:spcBef>
                 <a:spcPts val="0"/>
               </a:spcBef>
@@ -4010,7 +4132,7 @@
               <a:buChar char="○"/>
               <a:defRPr/>
             </a:lvl2pPr>
-            <a:lvl3pPr indent="-317500" lvl="2" marL="1371600">
+            <a:lvl3pPr marL="1371600" lvl="2" indent="-317500">
               <a:spcBef>
                 <a:spcPts val="0"/>
               </a:spcBef>
@@ -4021,7 +4143,7 @@
               <a:buChar char="■"/>
               <a:defRPr/>
             </a:lvl3pPr>
-            <a:lvl4pPr indent="-317500" lvl="3" marL="1828800">
+            <a:lvl4pPr marL="1828800" lvl="3" indent="-317500">
               <a:spcBef>
                 <a:spcPts val="0"/>
               </a:spcBef>
@@ -4032,7 +4154,7 @@
               <a:buChar char="●"/>
               <a:defRPr/>
             </a:lvl4pPr>
-            <a:lvl5pPr indent="-317500" lvl="4" marL="2286000">
+            <a:lvl5pPr marL="2286000" lvl="4" indent="-317500">
               <a:spcBef>
                 <a:spcPts val="0"/>
               </a:spcBef>
@@ -4043,7 +4165,7 @@
               <a:buChar char="○"/>
               <a:defRPr/>
             </a:lvl5pPr>
-            <a:lvl6pPr indent="-317500" lvl="5" marL="2743200">
+            <a:lvl6pPr marL="2743200" lvl="5" indent="-317500">
               <a:spcBef>
                 <a:spcPts val="0"/>
               </a:spcBef>
@@ -4054,7 +4176,7 @@
               <a:buChar char="■"/>
               <a:defRPr/>
             </a:lvl6pPr>
-            <a:lvl7pPr indent="-317500" lvl="6" marL="3200400">
+            <a:lvl7pPr marL="3200400" lvl="6" indent="-317500">
               <a:spcBef>
                 <a:spcPts val="0"/>
               </a:spcBef>
@@ -4065,7 +4187,7 @@
               <a:buChar char="●"/>
               <a:defRPr/>
             </a:lvl7pPr>
-            <a:lvl8pPr indent="-317500" lvl="7" marL="3657600">
+            <a:lvl8pPr marL="3657600" lvl="7" indent="-317500">
               <a:spcBef>
                 <a:spcPts val="0"/>
               </a:spcBef>
@@ -4076,7 +4198,7 @@
               <a:buChar char="○"/>
               <a:defRPr/>
             </a:lvl8pPr>
-            <a:lvl9pPr indent="-317500" lvl="8" marL="4114800">
+            <a:lvl9pPr marL="4114800" lvl="8" indent="-317500">
               <a:spcBef>
                 <a:spcPts val="0"/>
               </a:spcBef>
@@ -4088,15 +4210,19 @@
               <a:defRPr/>
             </a:lvl9pPr>
           </a:lstStyle>
-          <a:p/>
+          <a:p>
+            <a:endParaRPr/>
+          </a:p>
         </p:txBody>
       </p:sp>
       <p:sp>
         <p:nvSpPr>
           <p:cNvPr id="23" name="Google Shape;23;p4"/>
-          <p:cNvSpPr txBox="1"/>
+          <p:cNvSpPr txBox="1">
+            <a:spLocks noGrp="1"/>
+          </p:cNvSpPr>
           <p:nvPr>
-            <p:ph idx="12" type="sldNum"/>
+            <p:ph type="sldNum" idx="12"/>
           </p:nvPr>
         </p:nvSpPr>
         <p:spPr>
@@ -4109,7 +4235,7 @@
           </a:prstGeom>
         </p:spPr>
         <p:txBody>
-          <a:bodyPr anchorCtr="0" anchor="ctr" bIns="91425" lIns="91425" spcFirstLastPara="1" rIns="91425" wrap="square" tIns="91425">
+          <a:bodyPr spcFirstLastPara="1" wrap="square" lIns="91425" tIns="91425" rIns="91425" bIns="91425" anchor="ctr" anchorCtr="0">
             <a:normAutofit/>
           </a:bodyPr>
           <a:lstStyle>
@@ -4151,7 +4277,7 @@
             </a:lvl9pPr>
           </a:lstStyle>
           <a:p>
-            <a:pPr indent="0" lvl="0" marL="0" rtl="0" algn="r">
+            <a:pPr marL="0" lvl="0" indent="0" algn="r" rtl="0">
               <a:spcBef>
                 <a:spcPts val="0"/>
               </a:spcBef>
@@ -4177,11 +4303,11 @@
 </file>
 
 <file path=ppt/slideLayouts/slideLayout4.xml><?xml version="1.0" encoding="utf-8"?>
-<p:sldLayout xmlns:a="http://schemas.openxmlformats.org/drawingml/2006/main" xmlns:r="http://schemas.openxmlformats.org/officeDocument/2006/relationships" xmlns:mc="http://schemas.openxmlformats.org/markup-compatibility/2006" xmlns:mv="urn:schemas-microsoft-com:mac:vml" xmlns:p="http://schemas.openxmlformats.org/presentationml/2006/main" xmlns:c="http://schemas.openxmlformats.org/drawingml/2006/chart" xmlns:dgm="http://schemas.openxmlformats.org/drawingml/2006/diagram" xmlns:o="urn:schemas-microsoft-com:office:office" xmlns:v="urn:schemas-microsoft-com:vml" xmlns:pvml="urn:schemas-microsoft-com:office:powerpoint" xmlns:com="http://schemas.openxmlformats.org/drawingml/2006/compatibility" xmlns:p14="http://schemas.microsoft.com/office/powerpoint/2010/main" xmlns:p15="http://schemas.microsoft.com/office/powerpoint/2012/main" xmlns:ahyp="http://schemas.microsoft.com/office/drawing/2018/hyperlinkcolor" matchingName="Title and two columns" type="twoColTx">
+<p:sldLayout xmlns:a="http://schemas.openxmlformats.org/drawingml/2006/main" xmlns:r="http://schemas.openxmlformats.org/officeDocument/2006/relationships" xmlns:p="http://schemas.openxmlformats.org/presentationml/2006/main" matchingName="Title and two columns" type="twoColTx">
   <p:cSld name="TITLE_AND_TWO_COLUMNS">
     <p:spTree>
       <p:nvGrpSpPr>
-        <p:cNvPr id="24" name="Shape 24"/>
+        <p:cNvPr id="1" name="Shape 24"/>
         <p:cNvGrpSpPr/>
         <p:nvPr/>
       </p:nvGrpSpPr>
@@ -4200,7 +4326,7 @@
           <p:nvPr/>
         </p:nvSpPr>
         <p:spPr>
-          <a:xfrm flipH="1" rot="10800000">
+          <a:xfrm rot="10800000" flipH="1">
             <a:off x="0" y="1686000"/>
             <a:ext cx="9144000" cy="3457500"/>
           </a:xfrm>
@@ -4215,23 +4341,20 @@
           </a:ln>
         </p:spPr>
         <p:txBody>
-          <a:bodyPr anchorCtr="0" anchor="ctr" bIns="91425" lIns="91425" spcFirstLastPara="1" rIns="91425" wrap="square" tIns="91425">
+          <a:bodyPr spcFirstLastPara="1" wrap="square" lIns="91425" tIns="91425" rIns="91425" bIns="91425" anchor="ctr" anchorCtr="0">
             <a:noAutofit/>
           </a:bodyPr>
           <a:lstStyle/>
           <a:p>
-            <a:pPr indent="0" lvl="0" marL="0" rtl="0" algn="l">
-              <a:spcBef>
-                <a:spcPts val="0"/>
-              </a:spcBef>
-              <a:spcAft>
-                <a:spcPts val="0"/>
-              </a:spcAft>
-              <a:buNone/>
-            </a:pPr>
-            <a:r>
-              <a:t/>
-            </a:r>
+            <a:pPr marL="0" lvl="0" indent="0" algn="l" rtl="0">
+              <a:spcBef>
+                <a:spcPts val="0"/>
+              </a:spcBef>
+              <a:spcAft>
+                <a:spcPts val="0"/>
+              </a:spcAft>
+              <a:buNone/>
+            </a:pPr>
             <a:endParaRPr/>
           </a:p>
         </p:txBody>
@@ -4272,23 +4395,20 @@
           </a:ln>
         </p:spPr>
         <p:txBody>
-          <a:bodyPr anchorCtr="0" anchor="ctr" bIns="91425" lIns="91425" spcFirstLastPara="1" rIns="91425" wrap="square" tIns="91425">
+          <a:bodyPr spcFirstLastPara="1" wrap="square" lIns="91425" tIns="91425" rIns="91425" bIns="91425" anchor="ctr" anchorCtr="0">
             <a:noAutofit/>
           </a:bodyPr>
           <a:lstStyle/>
           <a:p>
-            <a:pPr indent="0" lvl="0" marL="0" rtl="0" algn="l">
-              <a:spcBef>
-                <a:spcPts val="0"/>
-              </a:spcBef>
-              <a:spcAft>
-                <a:spcPts val="0"/>
-              </a:spcAft>
-              <a:buNone/>
-            </a:pPr>
-            <a:r>
-              <a:t/>
-            </a:r>
+            <a:pPr marL="0" lvl="0" indent="0" algn="l" rtl="0">
+              <a:spcBef>
+                <a:spcPts val="0"/>
+              </a:spcBef>
+              <a:spcAft>
+                <a:spcPts val="0"/>
+              </a:spcAft>
+              <a:buNone/>
+            </a:pPr>
             <a:endParaRPr/>
           </a:p>
         </p:txBody>
@@ -4296,7 +4416,9 @@
       <p:sp>
         <p:nvSpPr>
           <p:cNvPr id="27" name="Google Shape;27;p5"/>
-          <p:cNvSpPr txBox="1"/>
+          <p:cNvSpPr txBox="1">
+            <a:spLocks noGrp="1"/>
+          </p:cNvSpPr>
           <p:nvPr>
             <p:ph type="title"/>
           </p:nvPr>
@@ -4311,7 +4433,7 @@
           </a:prstGeom>
         </p:spPr>
         <p:txBody>
-          <a:bodyPr anchorCtr="0" anchor="b" bIns="91425" lIns="91425" spcFirstLastPara="1" rIns="91425" wrap="square" tIns="91425">
+          <a:bodyPr spcFirstLastPara="1" wrap="square" lIns="91425" tIns="91425" rIns="91425" bIns="91425" anchor="b" anchorCtr="0">
             <a:normAutofit/>
           </a:bodyPr>
           <a:lstStyle>
@@ -4415,15 +4537,19 @@
               <a:defRPr/>
             </a:lvl9pPr>
           </a:lstStyle>
-          <a:p/>
+          <a:p>
+            <a:endParaRPr/>
+          </a:p>
         </p:txBody>
       </p:sp>
       <p:sp>
         <p:nvSpPr>
           <p:cNvPr id="28" name="Google Shape;28;p5"/>
-          <p:cNvSpPr txBox="1"/>
+          <p:cNvSpPr txBox="1">
+            <a:spLocks noGrp="1"/>
+          </p:cNvSpPr>
           <p:nvPr>
-            <p:ph idx="1" type="body"/>
+            <p:ph type="body" idx="1"/>
           </p:nvPr>
         </p:nvSpPr>
         <p:spPr>
@@ -4436,11 +4562,11 @@
           </a:prstGeom>
         </p:spPr>
         <p:txBody>
-          <a:bodyPr anchorCtr="0" anchor="t" bIns="91425" lIns="91425" spcFirstLastPara="1" rIns="91425" wrap="square" tIns="91425">
+          <a:bodyPr spcFirstLastPara="1" wrap="square" lIns="91425" tIns="91425" rIns="91425" bIns="91425" anchor="t" anchorCtr="0">
             <a:normAutofit/>
           </a:bodyPr>
           <a:lstStyle>
-            <a:lvl1pPr indent="-317500" lvl="0" marL="457200">
+            <a:lvl1pPr marL="457200" lvl="0" indent="-317500">
               <a:spcBef>
                 <a:spcPts val="0"/>
               </a:spcBef>
@@ -4451,7 +4577,7 @@
               <a:buChar char="●"/>
               <a:defRPr sz="1400"/>
             </a:lvl1pPr>
-            <a:lvl2pPr indent="-304800" lvl="1" marL="914400">
+            <a:lvl2pPr marL="914400" lvl="1" indent="-304800">
               <a:spcBef>
                 <a:spcPts val="0"/>
               </a:spcBef>
@@ -4462,7 +4588,7 @@
               <a:buChar char="○"/>
               <a:defRPr sz="1200"/>
             </a:lvl2pPr>
-            <a:lvl3pPr indent="-304800" lvl="2" marL="1371600">
+            <a:lvl3pPr marL="1371600" lvl="2" indent="-304800">
               <a:spcBef>
                 <a:spcPts val="0"/>
               </a:spcBef>
@@ -4473,7 +4599,7 @@
               <a:buChar char="■"/>
               <a:defRPr sz="1200"/>
             </a:lvl3pPr>
-            <a:lvl4pPr indent="-304800" lvl="3" marL="1828800">
+            <a:lvl4pPr marL="1828800" lvl="3" indent="-304800">
               <a:spcBef>
                 <a:spcPts val="0"/>
               </a:spcBef>
@@ -4484,7 +4610,7 @@
               <a:buChar char="●"/>
               <a:defRPr sz="1200"/>
             </a:lvl4pPr>
-            <a:lvl5pPr indent="-304800" lvl="4" marL="2286000">
+            <a:lvl5pPr marL="2286000" lvl="4" indent="-304800">
               <a:spcBef>
                 <a:spcPts val="0"/>
               </a:spcBef>
@@ -4495,7 +4621,7 @@
               <a:buChar char="○"/>
               <a:defRPr sz="1200"/>
             </a:lvl5pPr>
-            <a:lvl6pPr indent="-304800" lvl="5" marL="2743200">
+            <a:lvl6pPr marL="2743200" lvl="5" indent="-304800">
               <a:spcBef>
                 <a:spcPts val="0"/>
               </a:spcBef>
@@ -4506,7 +4632,7 @@
               <a:buChar char="■"/>
               <a:defRPr sz="1200"/>
             </a:lvl6pPr>
-            <a:lvl7pPr indent="-304800" lvl="6" marL="3200400">
+            <a:lvl7pPr marL="3200400" lvl="6" indent="-304800">
               <a:spcBef>
                 <a:spcPts val="0"/>
               </a:spcBef>
@@ -4517,7 +4643,7 @@
               <a:buChar char="●"/>
               <a:defRPr sz="1200"/>
             </a:lvl7pPr>
-            <a:lvl8pPr indent="-304800" lvl="7" marL="3657600">
+            <a:lvl8pPr marL="3657600" lvl="7" indent="-304800">
               <a:spcBef>
                 <a:spcPts val="0"/>
               </a:spcBef>
@@ -4528,7 +4654,7 @@
               <a:buChar char="○"/>
               <a:defRPr sz="1200"/>
             </a:lvl8pPr>
-            <a:lvl9pPr indent="-304800" lvl="8" marL="4114800">
+            <a:lvl9pPr marL="4114800" lvl="8" indent="-304800">
               <a:spcBef>
                 <a:spcPts val="0"/>
               </a:spcBef>
@@ -4540,15 +4666,19 @@
               <a:defRPr sz="1200"/>
             </a:lvl9pPr>
           </a:lstStyle>
-          <a:p/>
+          <a:p>
+            <a:endParaRPr/>
+          </a:p>
         </p:txBody>
       </p:sp>
       <p:sp>
         <p:nvSpPr>
           <p:cNvPr id="29" name="Google Shape;29;p5"/>
-          <p:cNvSpPr txBox="1"/>
+          <p:cNvSpPr txBox="1">
+            <a:spLocks noGrp="1"/>
+          </p:cNvSpPr>
           <p:nvPr>
-            <p:ph idx="2" type="body"/>
+            <p:ph type="body" idx="2"/>
           </p:nvPr>
         </p:nvSpPr>
         <p:spPr>
@@ -4561,11 +4691,11 @@
           </a:prstGeom>
         </p:spPr>
         <p:txBody>
-          <a:bodyPr anchorCtr="0" anchor="t" bIns="91425" lIns="91425" spcFirstLastPara="1" rIns="91425" wrap="square" tIns="91425">
+          <a:bodyPr spcFirstLastPara="1" wrap="square" lIns="91425" tIns="91425" rIns="91425" bIns="91425" anchor="t" anchorCtr="0">
             <a:normAutofit/>
           </a:bodyPr>
           <a:lstStyle>
-            <a:lvl1pPr indent="-317500" lvl="0" marL="457200">
+            <a:lvl1pPr marL="457200" lvl="0" indent="-317500">
               <a:spcBef>
                 <a:spcPts val="0"/>
               </a:spcBef>
@@ -4576,7 +4706,7 @@
               <a:buChar char="●"/>
               <a:defRPr sz="1400"/>
             </a:lvl1pPr>
-            <a:lvl2pPr indent="-304800" lvl="1" marL="914400">
+            <a:lvl2pPr marL="914400" lvl="1" indent="-304800">
               <a:spcBef>
                 <a:spcPts val="0"/>
               </a:spcBef>
@@ -4587,7 +4717,7 @@
               <a:buChar char="○"/>
               <a:defRPr sz="1200"/>
             </a:lvl2pPr>
-            <a:lvl3pPr indent="-304800" lvl="2" marL="1371600">
+            <a:lvl3pPr marL="1371600" lvl="2" indent="-304800">
               <a:spcBef>
                 <a:spcPts val="0"/>
               </a:spcBef>
@@ -4598,7 +4728,7 @@
               <a:buChar char="■"/>
               <a:defRPr sz="1200"/>
             </a:lvl3pPr>
-            <a:lvl4pPr indent="-304800" lvl="3" marL="1828800">
+            <a:lvl4pPr marL="1828800" lvl="3" indent="-304800">
               <a:spcBef>
                 <a:spcPts val="0"/>
               </a:spcBef>
@@ -4609,7 +4739,7 @@
               <a:buChar char="●"/>
               <a:defRPr sz="1200"/>
             </a:lvl4pPr>
-            <a:lvl5pPr indent="-304800" lvl="4" marL="2286000">
+            <a:lvl5pPr marL="2286000" lvl="4" indent="-304800">
               <a:spcBef>
                 <a:spcPts val="0"/>
               </a:spcBef>
@@ -4620,7 +4750,7 @@
               <a:buChar char="○"/>
               <a:defRPr sz="1200"/>
             </a:lvl5pPr>
-            <a:lvl6pPr indent="-304800" lvl="5" marL="2743200">
+            <a:lvl6pPr marL="2743200" lvl="5" indent="-304800">
               <a:spcBef>
                 <a:spcPts val="0"/>
               </a:spcBef>
@@ -4631,7 +4761,7 @@
               <a:buChar char="■"/>
               <a:defRPr sz="1200"/>
             </a:lvl6pPr>
-            <a:lvl7pPr indent="-304800" lvl="6" marL="3200400">
+            <a:lvl7pPr marL="3200400" lvl="6" indent="-304800">
               <a:spcBef>
                 <a:spcPts val="0"/>
               </a:spcBef>
@@ -4642,7 +4772,7 @@
               <a:buChar char="●"/>
               <a:defRPr sz="1200"/>
             </a:lvl7pPr>
-            <a:lvl8pPr indent="-304800" lvl="7" marL="3657600">
+            <a:lvl8pPr marL="3657600" lvl="7" indent="-304800">
               <a:spcBef>
                 <a:spcPts val="0"/>
               </a:spcBef>
@@ -4653,7 +4783,7 @@
               <a:buChar char="○"/>
               <a:defRPr sz="1200"/>
             </a:lvl8pPr>
-            <a:lvl9pPr indent="-304800" lvl="8" marL="4114800">
+            <a:lvl9pPr marL="4114800" lvl="8" indent="-304800">
               <a:spcBef>
                 <a:spcPts val="0"/>
               </a:spcBef>
@@ -4665,15 +4795,19 @@
               <a:defRPr sz="1200"/>
             </a:lvl9pPr>
           </a:lstStyle>
-          <a:p/>
+          <a:p>
+            <a:endParaRPr/>
+          </a:p>
         </p:txBody>
       </p:sp>
       <p:sp>
         <p:nvSpPr>
           <p:cNvPr id="30" name="Google Shape;30;p5"/>
-          <p:cNvSpPr txBox="1"/>
+          <p:cNvSpPr txBox="1">
+            <a:spLocks noGrp="1"/>
+          </p:cNvSpPr>
           <p:nvPr>
-            <p:ph idx="12" type="sldNum"/>
+            <p:ph type="sldNum" idx="12"/>
           </p:nvPr>
         </p:nvSpPr>
         <p:spPr>
@@ -4686,7 +4820,7 @@
           </a:prstGeom>
         </p:spPr>
         <p:txBody>
-          <a:bodyPr anchorCtr="0" anchor="ctr" bIns="91425" lIns="91425" spcFirstLastPara="1" rIns="91425" wrap="square" tIns="91425">
+          <a:bodyPr spcFirstLastPara="1" wrap="square" lIns="91425" tIns="91425" rIns="91425" bIns="91425" anchor="ctr" anchorCtr="0">
             <a:normAutofit/>
           </a:bodyPr>
           <a:lstStyle>
@@ -4728,7 +4862,7 @@
             </a:lvl9pPr>
           </a:lstStyle>
           <a:p>
-            <a:pPr indent="0" lvl="0" marL="0" rtl="0" algn="r">
+            <a:pPr marL="0" lvl="0" indent="0" algn="r" rtl="0">
               <a:spcBef>
                 <a:spcPts val="0"/>
               </a:spcBef>
@@ -4754,11 +4888,11 @@
 </file>
 
 <file path=ppt/slideLayouts/slideLayout5.xml><?xml version="1.0" encoding="utf-8"?>
-<p:sldLayout xmlns:a="http://schemas.openxmlformats.org/drawingml/2006/main" xmlns:r="http://schemas.openxmlformats.org/officeDocument/2006/relationships" xmlns:mc="http://schemas.openxmlformats.org/markup-compatibility/2006" xmlns:mv="urn:schemas-microsoft-com:mac:vml" xmlns:p="http://schemas.openxmlformats.org/presentationml/2006/main" xmlns:c="http://schemas.openxmlformats.org/drawingml/2006/chart" xmlns:dgm="http://schemas.openxmlformats.org/drawingml/2006/diagram" xmlns:o="urn:schemas-microsoft-com:office:office" xmlns:v="urn:schemas-microsoft-com:vml" xmlns:pvml="urn:schemas-microsoft-com:office:powerpoint" xmlns:com="http://schemas.openxmlformats.org/drawingml/2006/compatibility" xmlns:p14="http://schemas.microsoft.com/office/powerpoint/2010/main" xmlns:p15="http://schemas.microsoft.com/office/powerpoint/2012/main" xmlns:ahyp="http://schemas.microsoft.com/office/drawing/2018/hyperlinkcolor" matchingName="Title only" type="titleOnly">
+<p:sldLayout xmlns:a="http://schemas.openxmlformats.org/drawingml/2006/main" xmlns:r="http://schemas.openxmlformats.org/officeDocument/2006/relationships" xmlns:p="http://schemas.openxmlformats.org/presentationml/2006/main" matchingName="Title only" type="titleOnly">
   <p:cSld name="TITLE_ONLY">
     <p:spTree>
       <p:nvGrpSpPr>
-        <p:cNvPr id="31" name="Shape 31"/>
+        <p:cNvPr id="1" name="Shape 31"/>
         <p:cNvGrpSpPr/>
         <p:nvPr/>
       </p:nvGrpSpPr>
@@ -4777,7 +4911,7 @@
           <p:nvPr/>
         </p:nvSpPr>
         <p:spPr>
-          <a:xfrm flipH="1" rot="10800000">
+          <a:xfrm rot="10800000" flipH="1">
             <a:off x="0" y="656400"/>
             <a:ext cx="9144000" cy="4487100"/>
           </a:xfrm>
@@ -4792,23 +4926,20 @@
           </a:ln>
         </p:spPr>
         <p:txBody>
-          <a:bodyPr anchorCtr="0" anchor="ctr" bIns="91425" lIns="91425" spcFirstLastPara="1" rIns="91425" wrap="square" tIns="91425">
+          <a:bodyPr spcFirstLastPara="1" wrap="square" lIns="91425" tIns="91425" rIns="91425" bIns="91425" anchor="ctr" anchorCtr="0">
             <a:noAutofit/>
           </a:bodyPr>
           <a:lstStyle/>
           <a:p>
-            <a:pPr indent="0" lvl="0" marL="0" rtl="0" algn="l">
-              <a:spcBef>
-                <a:spcPts val="0"/>
-              </a:spcBef>
-              <a:spcAft>
-                <a:spcPts val="0"/>
-              </a:spcAft>
-              <a:buNone/>
-            </a:pPr>
-            <a:r>
-              <a:t/>
-            </a:r>
+            <a:pPr marL="0" lvl="0" indent="0" algn="l" rtl="0">
+              <a:spcBef>
+                <a:spcPts val="0"/>
+              </a:spcBef>
+              <a:spcAft>
+                <a:spcPts val="0"/>
+              </a:spcAft>
+              <a:buNone/>
+            </a:pPr>
             <a:endParaRPr/>
           </a:p>
         </p:txBody>
@@ -4849,23 +4980,20 @@
           </a:ln>
         </p:spPr>
         <p:txBody>
-          <a:bodyPr anchorCtr="0" anchor="ctr" bIns="91425" lIns="91425" spcFirstLastPara="1" rIns="91425" wrap="square" tIns="91425">
+          <a:bodyPr spcFirstLastPara="1" wrap="square" lIns="91425" tIns="91425" rIns="91425" bIns="91425" anchor="ctr" anchorCtr="0">
             <a:noAutofit/>
           </a:bodyPr>
           <a:lstStyle/>
           <a:p>
-            <a:pPr indent="0" lvl="0" marL="0" rtl="0" algn="l">
-              <a:spcBef>
-                <a:spcPts val="0"/>
-              </a:spcBef>
-              <a:spcAft>
-                <a:spcPts val="0"/>
-              </a:spcAft>
-              <a:buNone/>
-            </a:pPr>
-            <a:r>
-              <a:t/>
-            </a:r>
+            <a:pPr marL="0" lvl="0" indent="0" algn="l" rtl="0">
+              <a:spcBef>
+                <a:spcPts val="0"/>
+              </a:spcBef>
+              <a:spcAft>
+                <a:spcPts val="0"/>
+              </a:spcAft>
+              <a:buNone/>
+            </a:pPr>
             <a:endParaRPr/>
           </a:p>
         </p:txBody>
@@ -4873,7 +5001,9 @@
       <p:sp>
         <p:nvSpPr>
           <p:cNvPr id="34" name="Google Shape;34;p6"/>
-          <p:cNvSpPr txBox="1"/>
+          <p:cNvSpPr txBox="1">
+            <a:spLocks noGrp="1"/>
+          </p:cNvSpPr>
           <p:nvPr>
             <p:ph type="title"/>
           </p:nvPr>
@@ -4888,7 +5018,7 @@
           </a:prstGeom>
         </p:spPr>
         <p:txBody>
-          <a:bodyPr anchorCtr="0" anchor="ctr" bIns="91425" lIns="91425" spcFirstLastPara="1" rIns="91425" wrap="square" tIns="91425">
+          <a:bodyPr spcFirstLastPara="1" wrap="square" lIns="91425" tIns="91425" rIns="91425" bIns="91425" anchor="ctr" anchorCtr="0">
             <a:normAutofit/>
           </a:bodyPr>
           <a:lstStyle>
@@ -4992,15 +5122,19 @@
               <a:defRPr sz="1800"/>
             </a:lvl9pPr>
           </a:lstStyle>
-          <a:p/>
+          <a:p>
+            <a:endParaRPr/>
+          </a:p>
         </p:txBody>
       </p:sp>
       <p:sp>
         <p:nvSpPr>
           <p:cNvPr id="35" name="Google Shape;35;p6"/>
-          <p:cNvSpPr txBox="1"/>
+          <p:cNvSpPr txBox="1">
+            <a:spLocks noGrp="1"/>
+          </p:cNvSpPr>
           <p:nvPr>
-            <p:ph idx="12" type="sldNum"/>
+            <p:ph type="sldNum" idx="12"/>
           </p:nvPr>
         </p:nvSpPr>
         <p:spPr>
@@ -5013,7 +5147,7 @@
           </a:prstGeom>
         </p:spPr>
         <p:txBody>
-          <a:bodyPr anchorCtr="0" anchor="ctr" bIns="91425" lIns="91425" spcFirstLastPara="1" rIns="91425" wrap="square" tIns="91425">
+          <a:bodyPr spcFirstLastPara="1" wrap="square" lIns="91425" tIns="91425" rIns="91425" bIns="91425" anchor="ctr" anchorCtr="0">
             <a:normAutofit/>
           </a:bodyPr>
           <a:lstStyle>
@@ -5055,7 +5189,7 @@
             </a:lvl9pPr>
           </a:lstStyle>
           <a:p>
-            <a:pPr indent="0" lvl="0" marL="0" rtl="0" algn="r">
+            <a:pPr marL="0" lvl="0" indent="0" algn="r" rtl="0">
               <a:spcBef>
                 <a:spcPts val="0"/>
               </a:spcBef>
@@ -5081,11 +5215,11 @@
 </file>
 
 <file path=ppt/slideLayouts/slideLayout6.xml><?xml version="1.0" encoding="utf-8"?>
-<p:sldLayout xmlns:a="http://schemas.openxmlformats.org/drawingml/2006/main" xmlns:r="http://schemas.openxmlformats.org/officeDocument/2006/relationships" xmlns:mc="http://schemas.openxmlformats.org/markup-compatibility/2006" xmlns:mv="urn:schemas-microsoft-com:mac:vml" xmlns:p="http://schemas.openxmlformats.org/presentationml/2006/main" xmlns:c="http://schemas.openxmlformats.org/drawingml/2006/chart" xmlns:dgm="http://schemas.openxmlformats.org/drawingml/2006/diagram" xmlns:o="urn:schemas-microsoft-com:office:office" xmlns:v="urn:schemas-microsoft-com:vml" xmlns:pvml="urn:schemas-microsoft-com:office:powerpoint" xmlns:com="http://schemas.openxmlformats.org/drawingml/2006/compatibility" xmlns:p14="http://schemas.microsoft.com/office/powerpoint/2010/main" xmlns:p15="http://schemas.microsoft.com/office/powerpoint/2012/main" xmlns:ahyp="http://schemas.microsoft.com/office/drawing/2018/hyperlinkcolor" matchingName="One column text">
+<p:sldLayout xmlns:a="http://schemas.openxmlformats.org/drawingml/2006/main" xmlns:r="http://schemas.openxmlformats.org/officeDocument/2006/relationships" xmlns:p="http://schemas.openxmlformats.org/presentationml/2006/main" matchingName="One column text">
   <p:cSld name="ONE_COLUMN_TEXT">
     <p:spTree>
       <p:nvGrpSpPr>
-        <p:cNvPr id="36" name="Shape 36"/>
+        <p:cNvPr id="1" name="Shape 36"/>
         <p:cNvGrpSpPr/>
         <p:nvPr/>
       </p:nvGrpSpPr>
@@ -5104,7 +5238,7 @@
           <p:nvPr/>
         </p:nvSpPr>
         <p:spPr>
-          <a:xfrm flipH="1" rot="10800000">
+          <a:xfrm rot="10800000" flipH="1">
             <a:off x="3276600" y="25"/>
             <a:ext cx="5867400" cy="5143500"/>
           </a:xfrm>
@@ -5119,23 +5253,20 @@
           </a:ln>
         </p:spPr>
         <p:txBody>
-          <a:bodyPr anchorCtr="0" anchor="ctr" bIns="91425" lIns="91425" spcFirstLastPara="1" rIns="91425" wrap="square" tIns="91425">
+          <a:bodyPr spcFirstLastPara="1" wrap="square" lIns="91425" tIns="91425" rIns="91425" bIns="91425" anchor="ctr" anchorCtr="0">
             <a:noAutofit/>
           </a:bodyPr>
           <a:lstStyle/>
           <a:p>
-            <a:pPr indent="0" lvl="0" marL="0" rtl="0" algn="l">
-              <a:spcBef>
-                <a:spcPts val="0"/>
-              </a:spcBef>
-              <a:spcAft>
-                <a:spcPts val="0"/>
-              </a:spcAft>
-              <a:buNone/>
-            </a:pPr>
-            <a:r>
-              <a:t/>
-            </a:r>
+            <a:pPr marL="0" lvl="0" indent="0" algn="l" rtl="0">
+              <a:spcBef>
+                <a:spcPts val="0"/>
+              </a:spcBef>
+              <a:spcAft>
+                <a:spcPts val="0"/>
+              </a:spcAft>
+              <a:buNone/>
+            </a:pPr>
             <a:endParaRPr/>
           </a:p>
         </p:txBody>
@@ -5176,23 +5307,20 @@
           </a:ln>
         </p:spPr>
         <p:txBody>
-          <a:bodyPr anchorCtr="0" anchor="ctr" bIns="91425" lIns="91425" spcFirstLastPara="1" rIns="91425" wrap="square" tIns="91425">
+          <a:bodyPr spcFirstLastPara="1" wrap="square" lIns="91425" tIns="91425" rIns="91425" bIns="91425" anchor="ctr" anchorCtr="0">
             <a:noAutofit/>
           </a:bodyPr>
           <a:lstStyle/>
           <a:p>
-            <a:pPr indent="0" lvl="0" marL="0" rtl="0" algn="l">
-              <a:spcBef>
-                <a:spcPts val="0"/>
-              </a:spcBef>
-              <a:spcAft>
-                <a:spcPts val="0"/>
-              </a:spcAft>
-              <a:buNone/>
-            </a:pPr>
-            <a:r>
-              <a:t/>
-            </a:r>
+            <a:pPr marL="0" lvl="0" indent="0" algn="l" rtl="0">
+              <a:spcBef>
+                <a:spcPts val="0"/>
+              </a:spcBef>
+              <a:spcAft>
+                <a:spcPts val="0"/>
+              </a:spcAft>
+              <a:buNone/>
+            </a:pPr>
             <a:endParaRPr/>
           </a:p>
         </p:txBody>
@@ -5200,7 +5328,9 @@
       <p:sp>
         <p:nvSpPr>
           <p:cNvPr id="39" name="Google Shape;39;p7"/>
-          <p:cNvSpPr txBox="1"/>
+          <p:cNvSpPr txBox="1">
+            <a:spLocks noGrp="1"/>
+          </p:cNvSpPr>
           <p:nvPr>
             <p:ph type="title"/>
           </p:nvPr>
@@ -5215,7 +5345,7 @@
           </a:prstGeom>
         </p:spPr>
         <p:txBody>
-          <a:bodyPr anchorCtr="0" anchor="b" bIns="91425" lIns="91425" spcFirstLastPara="1" rIns="91425" wrap="square" tIns="91425">
+          <a:bodyPr spcFirstLastPara="1" wrap="square" lIns="91425" tIns="91425" rIns="91425" bIns="91425" anchor="b" anchorCtr="0">
             <a:normAutofit/>
           </a:bodyPr>
           <a:lstStyle>
@@ -5319,15 +5449,19 @@
               <a:defRPr sz="2400"/>
             </a:lvl9pPr>
           </a:lstStyle>
-          <a:p/>
+          <a:p>
+            <a:endParaRPr/>
+          </a:p>
         </p:txBody>
       </p:sp>
       <p:sp>
         <p:nvSpPr>
           <p:cNvPr id="40" name="Google Shape;40;p7"/>
-          <p:cNvSpPr txBox="1"/>
+          <p:cNvSpPr txBox="1">
+            <a:spLocks noGrp="1"/>
+          </p:cNvSpPr>
           <p:nvPr>
-            <p:ph idx="1" type="body"/>
+            <p:ph type="body" idx="1"/>
           </p:nvPr>
         </p:nvSpPr>
         <p:spPr>
@@ -5340,11 +5474,11 @@
           </a:prstGeom>
         </p:spPr>
         <p:txBody>
-          <a:bodyPr anchorCtr="0" anchor="t" bIns="91425" lIns="91425" spcFirstLastPara="1" rIns="91425" wrap="square" tIns="91425">
+          <a:bodyPr spcFirstLastPara="1" wrap="square" lIns="91425" tIns="91425" rIns="91425" bIns="91425" anchor="t" anchorCtr="0">
             <a:normAutofit/>
           </a:bodyPr>
           <a:lstStyle>
-            <a:lvl1pPr indent="-304800" lvl="0" marL="457200">
+            <a:lvl1pPr marL="457200" lvl="0" indent="-304800">
               <a:spcBef>
                 <a:spcPts val="0"/>
               </a:spcBef>
@@ -5362,7 +5496,7 @@
                 </a:solidFill>
               </a:defRPr>
             </a:lvl1pPr>
-            <a:lvl2pPr indent="-304800" lvl="1" marL="914400">
+            <a:lvl2pPr marL="914400" lvl="1" indent="-304800">
               <a:spcBef>
                 <a:spcPts val="0"/>
               </a:spcBef>
@@ -5380,7 +5514,7 @@
                 </a:solidFill>
               </a:defRPr>
             </a:lvl2pPr>
-            <a:lvl3pPr indent="-304800" lvl="2" marL="1371600">
+            <a:lvl3pPr marL="1371600" lvl="2" indent="-304800">
               <a:spcBef>
                 <a:spcPts val="0"/>
               </a:spcBef>
@@ -5398,7 +5532,7 @@
                 </a:solidFill>
               </a:defRPr>
             </a:lvl3pPr>
-            <a:lvl4pPr indent="-304800" lvl="3" marL="1828800">
+            <a:lvl4pPr marL="1828800" lvl="3" indent="-304800">
               <a:spcBef>
                 <a:spcPts val="0"/>
               </a:spcBef>
@@ -5416,7 +5550,7 @@
                 </a:solidFill>
               </a:defRPr>
             </a:lvl4pPr>
-            <a:lvl5pPr indent="-304800" lvl="4" marL="2286000">
+            <a:lvl5pPr marL="2286000" lvl="4" indent="-304800">
               <a:spcBef>
                 <a:spcPts val="0"/>
               </a:spcBef>
@@ -5434,7 +5568,7 @@
                 </a:solidFill>
               </a:defRPr>
             </a:lvl5pPr>
-            <a:lvl6pPr indent="-304800" lvl="5" marL="2743200">
+            <a:lvl6pPr marL="2743200" lvl="5" indent="-304800">
               <a:spcBef>
                 <a:spcPts val="0"/>
               </a:spcBef>
@@ -5452,7 +5586,7 @@
                 </a:solidFill>
               </a:defRPr>
             </a:lvl6pPr>
-            <a:lvl7pPr indent="-304800" lvl="6" marL="3200400">
+            <a:lvl7pPr marL="3200400" lvl="6" indent="-304800">
               <a:spcBef>
                 <a:spcPts val="0"/>
               </a:spcBef>
@@ -5470,7 +5604,7 @@
                 </a:solidFill>
               </a:defRPr>
             </a:lvl7pPr>
-            <a:lvl8pPr indent="-304800" lvl="7" marL="3657600">
+            <a:lvl8pPr marL="3657600" lvl="7" indent="-304800">
               <a:spcBef>
                 <a:spcPts val="0"/>
               </a:spcBef>
@@ -5488,7 +5622,7 @@
                 </a:solidFill>
               </a:defRPr>
             </a:lvl8pPr>
-            <a:lvl9pPr indent="-304800" lvl="8" marL="4114800">
+            <a:lvl9pPr marL="4114800" lvl="8" indent="-304800">
               <a:spcBef>
                 <a:spcPts val="0"/>
               </a:spcBef>
@@ -5507,15 +5641,19 @@
               </a:defRPr>
             </a:lvl9pPr>
           </a:lstStyle>
-          <a:p/>
+          <a:p>
+            <a:endParaRPr/>
+          </a:p>
         </p:txBody>
       </p:sp>
       <p:sp>
         <p:nvSpPr>
           <p:cNvPr id="41" name="Google Shape;41;p7"/>
-          <p:cNvSpPr txBox="1"/>
+          <p:cNvSpPr txBox="1">
+            <a:spLocks noGrp="1"/>
+          </p:cNvSpPr>
           <p:nvPr>
-            <p:ph idx="12" type="sldNum"/>
+            <p:ph type="sldNum" idx="12"/>
           </p:nvPr>
         </p:nvSpPr>
         <p:spPr>
@@ -5528,7 +5666,7 @@
           </a:prstGeom>
         </p:spPr>
         <p:txBody>
-          <a:bodyPr anchorCtr="0" anchor="ctr" bIns="91425" lIns="91425" spcFirstLastPara="1" rIns="91425" wrap="square" tIns="91425">
+          <a:bodyPr spcFirstLastPara="1" wrap="square" lIns="91425" tIns="91425" rIns="91425" bIns="91425" anchor="ctr" anchorCtr="0">
             <a:normAutofit/>
           </a:bodyPr>
           <a:lstStyle>
@@ -5570,7 +5708,7 @@
             </a:lvl9pPr>
           </a:lstStyle>
           <a:p>
-            <a:pPr indent="0" lvl="0" marL="0" rtl="0" algn="r">
+            <a:pPr marL="0" lvl="0" indent="0" algn="r" rtl="0">
               <a:spcBef>
                 <a:spcPts val="0"/>
               </a:spcBef>
@@ -5596,11 +5734,11 @@
 </file>
 
 <file path=ppt/slideLayouts/slideLayout7.xml><?xml version="1.0" encoding="utf-8"?>
-<p:sldLayout xmlns:a="http://schemas.openxmlformats.org/drawingml/2006/main" xmlns:r="http://schemas.openxmlformats.org/officeDocument/2006/relationships" xmlns:mc="http://schemas.openxmlformats.org/markup-compatibility/2006" xmlns:mv="urn:schemas-microsoft-com:mac:vml" xmlns:p="http://schemas.openxmlformats.org/presentationml/2006/main" xmlns:c="http://schemas.openxmlformats.org/drawingml/2006/chart" xmlns:dgm="http://schemas.openxmlformats.org/drawingml/2006/diagram" xmlns:o="urn:schemas-microsoft-com:office:office" xmlns:v="urn:schemas-microsoft-com:vml" xmlns:pvml="urn:schemas-microsoft-com:office:powerpoint" xmlns:com="http://schemas.openxmlformats.org/drawingml/2006/compatibility" xmlns:p14="http://schemas.microsoft.com/office/powerpoint/2010/main" xmlns:p15="http://schemas.microsoft.com/office/powerpoint/2012/main" xmlns:ahyp="http://schemas.microsoft.com/office/drawing/2018/hyperlinkcolor" matchingName="Main point">
+<p:sldLayout xmlns:a="http://schemas.openxmlformats.org/drawingml/2006/main" xmlns:r="http://schemas.openxmlformats.org/officeDocument/2006/relationships" xmlns:p="http://schemas.openxmlformats.org/presentationml/2006/main" matchingName="Main point">
   <p:cSld name="MAIN_POINT">
     <p:spTree>
       <p:nvGrpSpPr>
-        <p:cNvPr id="42" name="Shape 42"/>
+        <p:cNvPr id="1" name="Shape 42"/>
         <p:cNvGrpSpPr/>
         <p:nvPr/>
       </p:nvGrpSpPr>
@@ -5615,7 +5753,9 @@
       <p:sp>
         <p:nvSpPr>
           <p:cNvPr id="43" name="Google Shape;43;p8"/>
-          <p:cNvSpPr txBox="1"/>
+          <p:cNvSpPr txBox="1">
+            <a:spLocks noGrp="1"/>
+          </p:cNvSpPr>
           <p:nvPr>
             <p:ph type="title"/>
           </p:nvPr>
@@ -5630,7 +5770,7 @@
           </a:prstGeom>
         </p:spPr>
         <p:txBody>
-          <a:bodyPr anchorCtr="0" anchor="ctr" bIns="91425" lIns="91425" spcFirstLastPara="1" rIns="91425" wrap="square" tIns="91425">
+          <a:bodyPr spcFirstLastPara="1" wrap="square" lIns="91425" tIns="91425" rIns="91425" bIns="91425" anchor="ctr" anchorCtr="0">
             <a:normAutofit/>
           </a:bodyPr>
           <a:lstStyle>
@@ -5734,15 +5874,19 @@
               <a:defRPr sz="6000"/>
             </a:lvl9pPr>
           </a:lstStyle>
-          <a:p/>
+          <a:p>
+            <a:endParaRPr/>
+          </a:p>
         </p:txBody>
       </p:sp>
       <p:sp>
         <p:nvSpPr>
           <p:cNvPr id="44" name="Google Shape;44;p8"/>
-          <p:cNvSpPr txBox="1"/>
+          <p:cNvSpPr txBox="1">
+            <a:spLocks noGrp="1"/>
+          </p:cNvSpPr>
           <p:nvPr>
-            <p:ph idx="12" type="sldNum"/>
+            <p:ph type="sldNum" idx="12"/>
           </p:nvPr>
         </p:nvSpPr>
         <p:spPr>
@@ -5755,7 +5899,7 @@
           </a:prstGeom>
         </p:spPr>
         <p:txBody>
-          <a:bodyPr anchorCtr="0" anchor="ctr" bIns="91425" lIns="91425" spcFirstLastPara="1" rIns="91425" wrap="square" tIns="91425">
+          <a:bodyPr spcFirstLastPara="1" wrap="square" lIns="91425" tIns="91425" rIns="91425" bIns="91425" anchor="ctr" anchorCtr="0">
             <a:normAutofit/>
           </a:bodyPr>
           <a:lstStyle>
@@ -5833,7 +5977,7 @@
             </a:lvl9pPr>
           </a:lstStyle>
           <a:p>
-            <a:pPr indent="0" lvl="0" marL="0" rtl="0" algn="r">
+            <a:pPr marL="0" lvl="0" indent="0" algn="r" rtl="0">
               <a:spcBef>
                 <a:spcPts val="0"/>
               </a:spcBef>
@@ -5859,11 +6003,11 @@
 </file>
 
 <file path=ppt/slideLayouts/slideLayout8.xml><?xml version="1.0" encoding="utf-8"?>
-<p:sldLayout xmlns:a="http://schemas.openxmlformats.org/drawingml/2006/main" xmlns:r="http://schemas.openxmlformats.org/officeDocument/2006/relationships" xmlns:mc="http://schemas.openxmlformats.org/markup-compatibility/2006" xmlns:mv="urn:schemas-microsoft-com:mac:vml" xmlns:p="http://schemas.openxmlformats.org/presentationml/2006/main" xmlns:c="http://schemas.openxmlformats.org/drawingml/2006/chart" xmlns:dgm="http://schemas.openxmlformats.org/drawingml/2006/diagram" xmlns:o="urn:schemas-microsoft-com:office:office" xmlns:v="urn:schemas-microsoft-com:vml" xmlns:pvml="urn:schemas-microsoft-com:office:powerpoint" xmlns:com="http://schemas.openxmlformats.org/drawingml/2006/compatibility" xmlns:p14="http://schemas.microsoft.com/office/powerpoint/2010/main" xmlns:p15="http://schemas.microsoft.com/office/powerpoint/2012/main" xmlns:ahyp="http://schemas.microsoft.com/office/drawing/2018/hyperlinkcolor" matchingName="Section title and description">
+<p:sldLayout xmlns:a="http://schemas.openxmlformats.org/drawingml/2006/main" xmlns:r="http://schemas.openxmlformats.org/officeDocument/2006/relationships" xmlns:p="http://schemas.openxmlformats.org/presentationml/2006/main" matchingName="Section title and description">
   <p:cSld name="SECTION_TITLE_AND_DESCRIPTION">
     <p:spTree>
       <p:nvGrpSpPr>
-        <p:cNvPr id="45" name="Shape 45"/>
+        <p:cNvPr id="1" name="Shape 45"/>
         <p:cNvGrpSpPr/>
         <p:nvPr/>
       </p:nvGrpSpPr>
@@ -5897,23 +6041,20 @@
           </a:ln>
         </p:spPr>
         <p:txBody>
-          <a:bodyPr anchorCtr="0" anchor="ctr" bIns="91425" lIns="91425" spcFirstLastPara="1" rIns="91425" wrap="square" tIns="91425">
+          <a:bodyPr spcFirstLastPara="1" wrap="square" lIns="91425" tIns="91425" rIns="91425" bIns="91425" anchor="ctr" anchorCtr="0">
             <a:noAutofit/>
           </a:bodyPr>
           <a:lstStyle/>
           <a:p>
-            <a:pPr indent="0" lvl="0" marL="0" rtl="0" algn="l">
-              <a:spcBef>
-                <a:spcPts val="0"/>
-              </a:spcBef>
-              <a:spcAft>
-                <a:spcPts val="0"/>
-              </a:spcAft>
-              <a:buNone/>
-            </a:pPr>
-            <a:r>
-              <a:t/>
-            </a:r>
+            <a:pPr marL="0" lvl="0" indent="0" algn="l" rtl="0">
+              <a:spcBef>
+                <a:spcPts val="0"/>
+              </a:spcBef>
+              <a:spcAft>
+                <a:spcPts val="0"/>
+              </a:spcAft>
+              <a:buNone/>
+            </a:pPr>
             <a:endParaRPr/>
           </a:p>
         </p:txBody>
@@ -5954,23 +6095,20 @@
           </a:ln>
         </p:spPr>
         <p:txBody>
-          <a:bodyPr anchorCtr="0" anchor="ctr" bIns="91425" lIns="91425" spcFirstLastPara="1" rIns="91425" wrap="square" tIns="91425">
+          <a:bodyPr spcFirstLastPara="1" wrap="square" lIns="91425" tIns="91425" rIns="91425" bIns="91425" anchor="ctr" anchorCtr="0">
             <a:noAutofit/>
           </a:bodyPr>
           <a:lstStyle/>
           <a:p>
-            <a:pPr indent="0" lvl="0" marL="0" rtl="0" algn="l">
-              <a:spcBef>
-                <a:spcPts val="0"/>
-              </a:spcBef>
-              <a:spcAft>
-                <a:spcPts val="0"/>
-              </a:spcAft>
-              <a:buNone/>
-            </a:pPr>
-            <a:r>
-              <a:t/>
-            </a:r>
+            <a:pPr marL="0" lvl="0" indent="0" algn="l" rtl="0">
+              <a:spcBef>
+                <a:spcPts val="0"/>
+              </a:spcBef>
+              <a:spcAft>
+                <a:spcPts val="0"/>
+              </a:spcAft>
+              <a:buNone/>
+            </a:pPr>
             <a:endParaRPr/>
           </a:p>
         </p:txBody>
@@ -5978,7 +6116,9 @@
       <p:sp>
         <p:nvSpPr>
           <p:cNvPr id="48" name="Google Shape;48;p9"/>
-          <p:cNvSpPr txBox="1"/>
+          <p:cNvSpPr txBox="1">
+            <a:spLocks noGrp="1"/>
+          </p:cNvSpPr>
           <p:nvPr>
             <p:ph type="title"/>
           </p:nvPr>
@@ -5993,7 +6133,7 @@
           </a:prstGeom>
         </p:spPr>
         <p:txBody>
-          <a:bodyPr anchorCtr="0" anchor="b" bIns="91425" lIns="91425" spcFirstLastPara="1" rIns="91425" wrap="square" tIns="91425">
+          <a:bodyPr spcFirstLastPara="1" wrap="square" lIns="91425" tIns="91425" rIns="91425" bIns="91425" anchor="b" anchorCtr="0">
             <a:normAutofit/>
           </a:bodyPr>
           <a:lstStyle>
@@ -6160,15 +6300,19 @@
               </a:defRPr>
             </a:lvl9pPr>
           </a:lstStyle>
-          <a:p/>
+          <a:p>
+            <a:endParaRPr/>
+          </a:p>
         </p:txBody>
       </p:sp>
       <p:sp>
         <p:nvSpPr>
           <p:cNvPr id="49" name="Google Shape;49;p9"/>
-          <p:cNvSpPr txBox="1"/>
+          <p:cNvSpPr txBox="1">
+            <a:spLocks noGrp="1"/>
+          </p:cNvSpPr>
           <p:nvPr>
-            <p:ph idx="1" type="subTitle"/>
+            <p:ph type="subTitle" idx="1"/>
           </p:nvPr>
         </p:nvSpPr>
         <p:spPr>
@@ -6181,7 +6325,7 @@
           </a:prstGeom>
         </p:spPr>
         <p:txBody>
-          <a:bodyPr anchorCtr="0" anchor="t" bIns="91425" lIns="91425" spcFirstLastPara="1" rIns="91425" wrap="square" tIns="91425">
+          <a:bodyPr spcFirstLastPara="1" wrap="square" lIns="91425" tIns="91425" rIns="91425" bIns="91425" anchor="t" anchorCtr="0">
             <a:normAutofit/>
           </a:bodyPr>
           <a:lstStyle>
@@ -6312,15 +6456,19 @@
               <a:defRPr sz="2100"/>
             </a:lvl9pPr>
           </a:lstStyle>
-          <a:p/>
+          <a:p>
+            <a:endParaRPr/>
+          </a:p>
         </p:txBody>
       </p:sp>
       <p:sp>
         <p:nvSpPr>
           <p:cNvPr id="50" name="Google Shape;50;p9"/>
-          <p:cNvSpPr txBox="1"/>
+          <p:cNvSpPr txBox="1">
+            <a:spLocks noGrp="1"/>
+          </p:cNvSpPr>
           <p:nvPr>
-            <p:ph idx="2" type="body"/>
+            <p:ph type="body" idx="2"/>
           </p:nvPr>
         </p:nvSpPr>
         <p:spPr>
@@ -6333,11 +6481,11 @@
           </a:prstGeom>
         </p:spPr>
         <p:txBody>
-          <a:bodyPr anchorCtr="0" anchor="ctr" bIns="91425" lIns="91425" spcFirstLastPara="1" rIns="91425" wrap="square" tIns="91425">
+          <a:bodyPr spcFirstLastPara="1" wrap="square" lIns="91425" tIns="91425" rIns="91425" bIns="91425" anchor="ctr" anchorCtr="0">
             <a:normAutofit/>
           </a:bodyPr>
           <a:lstStyle>
-            <a:lvl1pPr indent="-342900" lvl="0" marL="457200">
+            <a:lvl1pPr marL="457200" lvl="0" indent="-342900">
               <a:spcBef>
                 <a:spcPts val="0"/>
               </a:spcBef>
@@ -6355,7 +6503,7 @@
                 </a:solidFill>
               </a:defRPr>
             </a:lvl1pPr>
-            <a:lvl2pPr indent="-317500" lvl="1" marL="914400">
+            <a:lvl2pPr marL="914400" lvl="1" indent="-317500">
               <a:spcBef>
                 <a:spcPts val="0"/>
               </a:spcBef>
@@ -6373,7 +6521,7 @@
                 </a:solidFill>
               </a:defRPr>
             </a:lvl2pPr>
-            <a:lvl3pPr indent="-317500" lvl="2" marL="1371600">
+            <a:lvl3pPr marL="1371600" lvl="2" indent="-317500">
               <a:spcBef>
                 <a:spcPts val="0"/>
               </a:spcBef>
@@ -6391,7 +6539,7 @@
                 </a:solidFill>
               </a:defRPr>
             </a:lvl3pPr>
-            <a:lvl4pPr indent="-317500" lvl="3" marL="1828800">
+            <a:lvl4pPr marL="1828800" lvl="3" indent="-317500">
               <a:spcBef>
                 <a:spcPts val="0"/>
               </a:spcBef>
@@ -6409,7 +6557,7 @@
                 </a:solidFill>
               </a:defRPr>
             </a:lvl4pPr>
-            <a:lvl5pPr indent="-317500" lvl="4" marL="2286000">
+            <a:lvl5pPr marL="2286000" lvl="4" indent="-317500">
               <a:spcBef>
                 <a:spcPts val="0"/>
               </a:spcBef>
@@ -6427,7 +6575,7 @@
                 </a:solidFill>
               </a:defRPr>
             </a:lvl5pPr>
-            <a:lvl6pPr indent="-317500" lvl="5" marL="2743200">
+            <a:lvl6pPr marL="2743200" lvl="5" indent="-317500">
               <a:spcBef>
                 <a:spcPts val="0"/>
               </a:spcBef>
@@ -6445,7 +6593,7 @@
                 </a:solidFill>
               </a:defRPr>
             </a:lvl6pPr>
-            <a:lvl7pPr indent="-317500" lvl="6" marL="3200400">
+            <a:lvl7pPr marL="3200400" lvl="6" indent="-317500">
               <a:spcBef>
                 <a:spcPts val="0"/>
               </a:spcBef>
@@ -6463,7 +6611,7 @@
                 </a:solidFill>
               </a:defRPr>
             </a:lvl7pPr>
-            <a:lvl8pPr indent="-317500" lvl="7" marL="3657600">
+            <a:lvl8pPr marL="3657600" lvl="7" indent="-317500">
               <a:spcBef>
                 <a:spcPts val="0"/>
               </a:spcBef>
@@ -6481,7 +6629,7 @@
                 </a:solidFill>
               </a:defRPr>
             </a:lvl8pPr>
-            <a:lvl9pPr indent="-317500" lvl="8" marL="4114800">
+            <a:lvl9pPr marL="4114800" lvl="8" indent="-317500">
               <a:spcBef>
                 <a:spcPts val="0"/>
               </a:spcBef>
@@ -6500,15 +6648,19 @@
               </a:defRPr>
             </a:lvl9pPr>
           </a:lstStyle>
-          <a:p/>
+          <a:p>
+            <a:endParaRPr/>
+          </a:p>
         </p:txBody>
       </p:sp>
       <p:sp>
         <p:nvSpPr>
           <p:cNvPr id="51" name="Google Shape;51;p9"/>
-          <p:cNvSpPr txBox="1"/>
+          <p:cNvSpPr txBox="1">
+            <a:spLocks noGrp="1"/>
+          </p:cNvSpPr>
           <p:nvPr>
-            <p:ph idx="12" type="sldNum"/>
+            <p:ph type="sldNum" idx="12"/>
           </p:nvPr>
         </p:nvSpPr>
         <p:spPr>
@@ -6521,7 +6673,7 @@
           </a:prstGeom>
         </p:spPr>
         <p:txBody>
-          <a:bodyPr anchorCtr="0" anchor="ctr" bIns="91425" lIns="91425" spcFirstLastPara="1" rIns="91425" wrap="square" tIns="91425">
+          <a:bodyPr spcFirstLastPara="1" wrap="square" lIns="91425" tIns="91425" rIns="91425" bIns="91425" anchor="ctr" anchorCtr="0">
             <a:normAutofit/>
           </a:bodyPr>
           <a:lstStyle>
@@ -6599,7 +6751,7 @@
             </a:lvl9pPr>
           </a:lstStyle>
           <a:p>
-            <a:pPr indent="0" lvl="0" marL="0" rtl="0" algn="r">
+            <a:pPr marL="0" lvl="0" indent="0" algn="r" rtl="0">
               <a:spcBef>
                 <a:spcPts val="0"/>
               </a:spcBef>
@@ -6625,11 +6777,11 @@
 </file>
 
 <file path=ppt/slideLayouts/slideLayout9.xml><?xml version="1.0" encoding="utf-8"?>
-<p:sldLayout xmlns:a="http://schemas.openxmlformats.org/drawingml/2006/main" xmlns:r="http://schemas.openxmlformats.org/officeDocument/2006/relationships" xmlns:mc="http://schemas.openxmlformats.org/markup-compatibility/2006" xmlns:mv="urn:schemas-microsoft-com:mac:vml" xmlns:p="http://schemas.openxmlformats.org/presentationml/2006/main" xmlns:c="http://schemas.openxmlformats.org/drawingml/2006/chart" xmlns:dgm="http://schemas.openxmlformats.org/drawingml/2006/diagram" xmlns:o="urn:schemas-microsoft-com:office:office" xmlns:v="urn:schemas-microsoft-com:vml" xmlns:pvml="urn:schemas-microsoft-com:office:powerpoint" xmlns:com="http://schemas.openxmlformats.org/drawingml/2006/compatibility" xmlns:p14="http://schemas.microsoft.com/office/powerpoint/2010/main" xmlns:p15="http://schemas.microsoft.com/office/powerpoint/2012/main" xmlns:ahyp="http://schemas.microsoft.com/office/drawing/2018/hyperlinkcolor" matchingName="Caption">
+<p:sldLayout xmlns:a="http://schemas.openxmlformats.org/drawingml/2006/main" xmlns:r="http://schemas.openxmlformats.org/officeDocument/2006/relationships" xmlns:p="http://schemas.openxmlformats.org/presentationml/2006/main" matchingName="Caption">
   <p:cSld name="CAPTION_ONLY">
     <p:spTree>
       <p:nvGrpSpPr>
-        <p:cNvPr id="52" name="Shape 52"/>
+        <p:cNvPr id="1" name="Shape 52"/>
         <p:cNvGrpSpPr/>
         <p:nvPr/>
       </p:nvGrpSpPr>
@@ -6648,7 +6800,7 @@
           <p:nvPr/>
         </p:nvSpPr>
         <p:spPr>
-          <a:xfrm flipH="1" rot="10800000">
+          <a:xfrm rot="10800000" flipH="1">
             <a:off x="0" y="0"/>
             <a:ext cx="9144000" cy="4695900"/>
           </a:xfrm>
@@ -6663,23 +6815,20 @@
           </a:ln>
         </p:spPr>
         <p:txBody>
-          <a:bodyPr anchorCtr="0" anchor="ctr" bIns="91425" lIns="91425" spcFirstLastPara="1" rIns="91425" wrap="square" tIns="91425">
+          <a:bodyPr spcFirstLastPara="1" wrap="square" lIns="91425" tIns="91425" rIns="91425" bIns="91425" anchor="ctr" anchorCtr="0">
             <a:noAutofit/>
           </a:bodyPr>
           <a:lstStyle/>
           <a:p>
-            <a:pPr indent="0" lvl="0" marL="0" rtl="0" algn="l">
-              <a:spcBef>
-                <a:spcPts val="0"/>
-              </a:spcBef>
-              <a:spcAft>
-                <a:spcPts val="0"/>
-              </a:spcAft>
-              <a:buNone/>
-            </a:pPr>
-            <a:r>
-              <a:t/>
-            </a:r>
+            <a:pPr marL="0" lvl="0" indent="0" algn="l" rtl="0">
+              <a:spcBef>
+                <a:spcPts val="0"/>
+              </a:spcBef>
+              <a:spcAft>
+                <a:spcPts val="0"/>
+              </a:spcAft>
+              <a:buNone/>
+            </a:pPr>
             <a:endParaRPr/>
           </a:p>
         </p:txBody>
@@ -6691,7 +6840,7 @@
           <p:nvPr/>
         </p:nvSpPr>
         <p:spPr>
-          <a:xfrm flipH="1" rot="10800000">
+          <a:xfrm rot="10800000" flipH="1">
             <a:off x="0" y="4622725"/>
             <a:ext cx="9144000" cy="74100"/>
           </a:xfrm>
@@ -6720,23 +6869,20 @@
           </a:ln>
         </p:spPr>
         <p:txBody>
-          <a:bodyPr anchorCtr="0" anchor="ctr" bIns="91425" lIns="91425" spcFirstLastPara="1" rIns="91425" wrap="square" tIns="91425">
+          <a:bodyPr spcFirstLastPara="1" wrap="square" lIns="91425" tIns="91425" rIns="91425" bIns="91425" anchor="ctr" anchorCtr="0">
             <a:noAutofit/>
           </a:bodyPr>
           <a:lstStyle/>
           <a:p>
-            <a:pPr indent="0" lvl="0" marL="0" rtl="0" algn="l">
-              <a:spcBef>
-                <a:spcPts val="0"/>
-              </a:spcBef>
-              <a:spcAft>
-                <a:spcPts val="0"/>
-              </a:spcAft>
-              <a:buNone/>
-            </a:pPr>
-            <a:r>
-              <a:t/>
-            </a:r>
+            <a:pPr marL="0" lvl="0" indent="0" algn="l" rtl="0">
+              <a:spcBef>
+                <a:spcPts val="0"/>
+              </a:spcBef>
+              <a:spcAft>
+                <a:spcPts val="0"/>
+              </a:spcAft>
+              <a:buNone/>
+            </a:pPr>
             <a:endParaRPr/>
           </a:p>
         </p:txBody>
@@ -6744,9 +6890,11 @@
       <p:sp>
         <p:nvSpPr>
           <p:cNvPr id="55" name="Google Shape;55;p10"/>
-          <p:cNvSpPr txBox="1"/>
+          <p:cNvSpPr txBox="1">
+            <a:spLocks noGrp="1"/>
+          </p:cNvSpPr>
           <p:nvPr>
-            <p:ph idx="1" type="body"/>
+            <p:ph type="body" idx="1"/>
           </p:nvPr>
         </p:nvSpPr>
         <p:spPr>
@@ -6759,11 +6907,11 @@
           </a:prstGeom>
         </p:spPr>
         <p:txBody>
-          <a:bodyPr anchorCtr="0" anchor="ctr" bIns="91425" lIns="91425" spcFirstLastPara="1" rIns="91425" wrap="square" tIns="91425">
+          <a:bodyPr spcFirstLastPara="1" wrap="square" lIns="91425" tIns="91425" rIns="91425" bIns="91425" anchor="ctr" anchorCtr="0">
             <a:normAutofit/>
           </a:bodyPr>
           <a:lstStyle>
-            <a:lvl1pPr indent="-228600" lvl="0" marL="457200">
+            <a:lvl1pPr marL="457200" lvl="0" indent="-228600">
               <a:lnSpc>
                 <a:spcPct val="100000"/>
               </a:lnSpc>
@@ -6785,15 +6933,19 @@
               </a:defRPr>
             </a:lvl1pPr>
           </a:lstStyle>
-          <a:p/>
+          <a:p>
+            <a:endParaRPr/>
+          </a:p>
         </p:txBody>
       </p:sp>
       <p:sp>
         <p:nvSpPr>
           <p:cNvPr id="56" name="Google Shape;56;p10"/>
-          <p:cNvSpPr txBox="1"/>
+          <p:cNvSpPr txBox="1">
+            <a:spLocks noGrp="1"/>
+          </p:cNvSpPr>
           <p:nvPr>
-            <p:ph idx="12" type="sldNum"/>
+            <p:ph type="sldNum" idx="12"/>
           </p:nvPr>
         </p:nvSpPr>
         <p:spPr>
@@ -6806,7 +6958,7 @@
           </a:prstGeom>
         </p:spPr>
         <p:txBody>
-          <a:bodyPr anchorCtr="0" anchor="ctr" bIns="91425" lIns="91425" spcFirstLastPara="1" rIns="91425" wrap="square" tIns="91425">
+          <a:bodyPr spcFirstLastPara="1" wrap="square" lIns="91425" tIns="91425" rIns="91425" bIns="91425" anchor="ctr" anchorCtr="0">
             <a:normAutofit/>
           </a:bodyPr>
           <a:lstStyle>
@@ -6884,7 +7036,7 @@
             </a:lvl9pPr>
           </a:lstStyle>
           <a:p>
-            <a:pPr indent="0" lvl="0" marL="0" rtl="0" algn="r">
+            <a:pPr marL="0" lvl="0" indent="0" algn="r" rtl="0">
               <a:spcBef>
                 <a:spcPts val="0"/>
               </a:spcBef>
@@ -6910,18 +7062,19 @@
 </file>
 
 <file path=ppt/slideMasters/slideMaster1.xml><?xml version="1.0" encoding="utf-8"?>
-<p:sldMaster xmlns:a="http://schemas.openxmlformats.org/drawingml/2006/main" xmlns:r="http://schemas.openxmlformats.org/officeDocument/2006/relationships" xmlns:mc="http://schemas.openxmlformats.org/markup-compatibility/2006" xmlns:mv="urn:schemas-microsoft-com:mac:vml" xmlns:p="http://schemas.openxmlformats.org/presentationml/2006/main" xmlns:c="http://schemas.openxmlformats.org/drawingml/2006/chart" xmlns:dgm="http://schemas.openxmlformats.org/drawingml/2006/diagram" xmlns:o="urn:schemas-microsoft-com:office:office" xmlns:v="urn:schemas-microsoft-com:vml" xmlns:pvml="urn:schemas-microsoft-com:office:powerpoint" xmlns:com="http://schemas.openxmlformats.org/drawingml/2006/compatibility" xmlns:p14="http://schemas.microsoft.com/office/powerpoint/2010/main" xmlns:p15="http://schemas.microsoft.com/office/powerpoint/2012/main" xmlns:ahyp="http://schemas.microsoft.com/office/drawing/2018/hyperlinkcolor">
+<p:sldMaster xmlns:a="http://schemas.openxmlformats.org/drawingml/2006/main" xmlns:r="http://schemas.openxmlformats.org/officeDocument/2006/relationships" xmlns:p="http://schemas.openxmlformats.org/presentationml/2006/main">
   <p:cSld name="material">
     <p:bg>
       <p:bgPr>
         <a:solidFill>
           <a:schemeClr val="dk1"/>
         </a:solidFill>
+        <a:effectLst/>
       </p:bgPr>
     </p:bg>
     <p:spTree>
       <p:nvGrpSpPr>
-        <p:cNvPr id="5" name="Shape 5"/>
+        <p:cNvPr id="1" name="Shape 5"/>
         <p:cNvGrpSpPr/>
         <p:nvPr/>
       </p:nvGrpSpPr>
@@ -6936,7 +7089,9 @@
       <p:sp>
         <p:nvSpPr>
           <p:cNvPr id="6" name="Google Shape;6;p1"/>
-          <p:cNvSpPr txBox="1"/>
+          <p:cNvSpPr txBox="1">
+            <a:spLocks noGrp="1"/>
+          </p:cNvSpPr>
           <p:nvPr>
             <p:ph type="title"/>
           </p:nvPr>
@@ -6955,7 +7110,7 @@
           </a:ln>
         </p:spPr>
         <p:txBody>
-          <a:bodyPr anchorCtr="0" anchor="b" bIns="91425" lIns="91425" spcFirstLastPara="1" rIns="91425" wrap="square" tIns="91425">
+          <a:bodyPr spcFirstLastPara="1" wrap="square" lIns="91425" tIns="91425" rIns="91425" bIns="91425" anchor="b" anchorCtr="0">
             <a:normAutofit/>
           </a:bodyPr>
           <a:lstStyle>
@@ -7167,15 +7322,19 @@
               </a:defRPr>
             </a:lvl9pPr>
           </a:lstStyle>
-          <a:p/>
+          <a:p>
+            <a:endParaRPr/>
+          </a:p>
         </p:txBody>
       </p:sp>
       <p:sp>
         <p:nvSpPr>
           <p:cNvPr id="7" name="Google Shape;7;p1"/>
-          <p:cNvSpPr txBox="1"/>
+          <p:cNvSpPr txBox="1">
+            <a:spLocks noGrp="1"/>
+          </p:cNvSpPr>
           <p:nvPr>
-            <p:ph idx="1" type="body"/>
+            <p:ph type="body" idx="1"/>
           </p:nvPr>
         </p:nvSpPr>
         <p:spPr>
@@ -7192,11 +7351,11 @@
           </a:ln>
         </p:spPr>
         <p:txBody>
-          <a:bodyPr anchorCtr="0" anchor="t" bIns="91425" lIns="91425" spcFirstLastPara="1" rIns="91425" wrap="square" tIns="91425">
+          <a:bodyPr spcFirstLastPara="1" wrap="square" lIns="91425" tIns="91425" rIns="91425" bIns="91425" anchor="t" anchorCtr="0">
             <a:normAutofit/>
           </a:bodyPr>
           <a:lstStyle>
-            <a:lvl1pPr indent="-342900" lvl="0" marL="457200">
+            <a:lvl1pPr marL="457200" lvl="0" indent="-342900">
               <a:lnSpc>
                 <a:spcPct val="115000"/>
               </a:lnSpc>
@@ -7222,7 +7381,7 @@
                 <a:sym typeface="Roboto"/>
               </a:defRPr>
             </a:lvl1pPr>
-            <a:lvl2pPr indent="-317500" lvl="1" marL="914400">
+            <a:lvl2pPr marL="914400" lvl="1" indent="-317500">
               <a:lnSpc>
                 <a:spcPct val="115000"/>
               </a:lnSpc>
@@ -7248,7 +7407,7 @@
                 <a:sym typeface="Roboto"/>
               </a:defRPr>
             </a:lvl2pPr>
-            <a:lvl3pPr indent="-317500" lvl="2" marL="1371600">
+            <a:lvl3pPr marL="1371600" lvl="2" indent="-317500">
               <a:lnSpc>
                 <a:spcPct val="115000"/>
               </a:lnSpc>
@@ -7274,7 +7433,7 @@
                 <a:sym typeface="Roboto"/>
               </a:defRPr>
             </a:lvl3pPr>
-            <a:lvl4pPr indent="-317500" lvl="3" marL="1828800">
+            <a:lvl4pPr marL="1828800" lvl="3" indent="-317500">
               <a:lnSpc>
                 <a:spcPct val="115000"/>
               </a:lnSpc>
@@ -7300,7 +7459,7 @@
                 <a:sym typeface="Roboto"/>
               </a:defRPr>
             </a:lvl4pPr>
-            <a:lvl5pPr indent="-317500" lvl="4" marL="2286000">
+            <a:lvl5pPr marL="2286000" lvl="4" indent="-317500">
               <a:lnSpc>
                 <a:spcPct val="115000"/>
               </a:lnSpc>
@@ -7326,7 +7485,7 @@
                 <a:sym typeface="Roboto"/>
               </a:defRPr>
             </a:lvl5pPr>
-            <a:lvl6pPr indent="-317500" lvl="5" marL="2743200">
+            <a:lvl6pPr marL="2743200" lvl="5" indent="-317500">
               <a:lnSpc>
                 <a:spcPct val="115000"/>
               </a:lnSpc>
@@ -7352,7 +7511,7 @@
                 <a:sym typeface="Roboto"/>
               </a:defRPr>
             </a:lvl6pPr>
-            <a:lvl7pPr indent="-317500" lvl="6" marL="3200400">
+            <a:lvl7pPr marL="3200400" lvl="6" indent="-317500">
               <a:lnSpc>
                 <a:spcPct val="115000"/>
               </a:lnSpc>
@@ -7378,7 +7537,7 @@
                 <a:sym typeface="Roboto"/>
               </a:defRPr>
             </a:lvl7pPr>
-            <a:lvl8pPr indent="-317500" lvl="7" marL="3657600">
+            <a:lvl8pPr marL="3657600" lvl="7" indent="-317500">
               <a:lnSpc>
                 <a:spcPct val="115000"/>
               </a:lnSpc>
@@ -7404,7 +7563,7 @@
                 <a:sym typeface="Roboto"/>
               </a:defRPr>
             </a:lvl8pPr>
-            <a:lvl9pPr indent="-317500" lvl="8" marL="4114800">
+            <a:lvl9pPr marL="4114800" lvl="8" indent="-317500">
               <a:lnSpc>
                 <a:spcPct val="115000"/>
               </a:lnSpc>
@@ -7431,15 +7590,19 @@
               </a:defRPr>
             </a:lvl9pPr>
           </a:lstStyle>
-          <a:p/>
+          <a:p>
+            <a:endParaRPr/>
+          </a:p>
         </p:txBody>
       </p:sp>
       <p:sp>
         <p:nvSpPr>
           <p:cNvPr id="8" name="Google Shape;8;p1"/>
-          <p:cNvSpPr txBox="1"/>
+          <p:cNvSpPr txBox="1">
+            <a:spLocks noGrp="1"/>
+          </p:cNvSpPr>
           <p:nvPr>
-            <p:ph idx="12" type="sldNum"/>
+            <p:ph type="sldNum" idx="12"/>
           </p:nvPr>
         </p:nvSpPr>
         <p:spPr>
@@ -7456,7 +7619,7 @@
           </a:ln>
         </p:spPr>
         <p:txBody>
-          <a:bodyPr anchorCtr="0" anchor="ctr" bIns="91425" lIns="91425" spcFirstLastPara="1" rIns="91425" wrap="square" tIns="91425">
+          <a:bodyPr spcFirstLastPara="1" wrap="square" lIns="91425" tIns="91425" rIns="91425" bIns="91425" anchor="ctr" anchorCtr="0">
             <a:normAutofit/>
           </a:bodyPr>
           <a:lstStyle>
@@ -7570,7 +7733,7 @@
             </a:lvl9pPr>
           </a:lstStyle>
           <a:p>
-            <a:pPr indent="0" lvl="0" marL="0" rtl="0" algn="r">
+            <a:pPr marL="0" lvl="0" indent="0" algn="r" rtl="0">
               <a:spcBef>
                 <a:spcPts val="0"/>
               </a:spcBef>
@@ -7589,7 +7752,7 @@
       </p:sp>
     </p:spTree>
   </p:cSld>
-  <p:clrMap accent1="accent1" accent2="accent2" accent3="accent3" accent4="accent4" accent5="accent5" accent6="accent6" bg1="lt1" bg2="dk2" tx1="dk1" tx2="lt2" folHlink="folHlink" hlink="hlink"/>
+  <p:clrMap bg1="lt1" tx1="dk1" bg2="dk2" tx2="lt2" accent1="accent1" accent2="accent2" accent3="accent3" accent4="accent4" accent5="accent5" accent6="accent6" hlink="hlink" folHlink="folHlink"/>
   <p:sldLayoutIdLst>
     <p:sldLayoutId id="2147483648" r:id="rId1"/>
     <p:sldLayoutId id="2147483649" r:id="rId2"/>
@@ -7603,10 +7766,10 @@
     <p:sldLayoutId id="2147483657" r:id="rId10"/>
     <p:sldLayoutId id="2147483658" r:id="rId11"/>
   </p:sldLayoutIdLst>
-  <p:hf dt="0" ftr="0" hdr="0" sldNum="0"/>
+  <p:hf sldNum="0" hdr="0" ftr="0" dt="0"/>
   <p:txStyles>
     <p:titleStyle>
-      <a:defPPr lvl="0" marR="0" rtl="0" algn="l">
+      <a:defPPr marR="0" lvl="0" algn="l" rtl="0">
         <a:lnSpc>
           <a:spcPct val="100000"/>
         </a:lnSpc>
@@ -7617,7 +7780,7 @@
           <a:spcPts val="0"/>
         </a:spcAft>
       </a:defPPr>
-      <a:lvl1pPr lvl="0" marR="0" rtl="0" algn="l">
+      <a:lvl1pPr marR="0" lvl="0" algn="l" rtl="0">
         <a:lnSpc>
           <a:spcPct val="100000"/>
         </a:lnSpc>
@@ -7631,7 +7794,7 @@
           <a:srgbClr val="000000"/>
         </a:buClr>
         <a:buFont typeface="Arial"/>
-        <a:defRPr b="0" i="0" sz="1400" u="none" cap="none" strike="noStrike">
+        <a:defRPr sz="1400" b="0" i="0" u="none" strike="noStrike" cap="none">
           <a:solidFill>
             <a:srgbClr val="000000"/>
           </a:solidFill>
@@ -7641,7 +7804,7 @@
           <a:sym typeface="Arial"/>
         </a:defRPr>
       </a:lvl1pPr>
-      <a:lvl2pPr lvl="1" marR="0" rtl="0" algn="l">
+      <a:lvl2pPr marR="0" lvl="1" algn="l" rtl="0">
         <a:lnSpc>
           <a:spcPct val="100000"/>
         </a:lnSpc>
@@ -7655,7 +7818,7 @@
           <a:srgbClr val="000000"/>
         </a:buClr>
         <a:buFont typeface="Arial"/>
-        <a:defRPr b="0" i="0" sz="1400" u="none" cap="none" strike="noStrike">
+        <a:defRPr sz="1400" b="0" i="0" u="none" strike="noStrike" cap="none">
           <a:solidFill>
             <a:srgbClr val="000000"/>
           </a:solidFill>
@@ -7665,7 +7828,7 @@
           <a:sym typeface="Arial"/>
         </a:defRPr>
       </a:lvl2pPr>
-      <a:lvl3pPr lvl="2" marR="0" rtl="0" algn="l">
+      <a:lvl3pPr marR="0" lvl="2" algn="l" rtl="0">
         <a:lnSpc>
           <a:spcPct val="100000"/>
         </a:lnSpc>
@@ -7679,7 +7842,7 @@
           <a:srgbClr val="000000"/>
         </a:buClr>
         <a:buFont typeface="Arial"/>
-        <a:defRPr b="0" i="0" sz="1400" u="none" cap="none" strike="noStrike">
+        <a:defRPr sz="1400" b="0" i="0" u="none" strike="noStrike" cap="none">
           <a:solidFill>
             <a:srgbClr val="000000"/>
           </a:solidFill>
@@ -7689,7 +7852,7 @@
           <a:sym typeface="Arial"/>
         </a:defRPr>
       </a:lvl3pPr>
-      <a:lvl4pPr lvl="3" marR="0" rtl="0" algn="l">
+      <a:lvl4pPr marR="0" lvl="3" algn="l" rtl="0">
         <a:lnSpc>
           <a:spcPct val="100000"/>
         </a:lnSpc>
@@ -7703,7 +7866,7 @@
           <a:srgbClr val="000000"/>
         </a:buClr>
         <a:buFont typeface="Arial"/>
-        <a:defRPr b="0" i="0" sz="1400" u="none" cap="none" strike="noStrike">
+        <a:defRPr sz="1400" b="0" i="0" u="none" strike="noStrike" cap="none">
           <a:solidFill>
             <a:srgbClr val="000000"/>
           </a:solidFill>
@@ -7713,7 +7876,7 @@
           <a:sym typeface="Arial"/>
         </a:defRPr>
       </a:lvl4pPr>
-      <a:lvl5pPr lvl="4" marR="0" rtl="0" algn="l">
+      <a:lvl5pPr marR="0" lvl="4" algn="l" rtl="0">
         <a:lnSpc>
           <a:spcPct val="100000"/>
         </a:lnSpc>
@@ -7727,7 +7890,7 @@
           <a:srgbClr val="000000"/>
         </a:buClr>
         <a:buFont typeface="Arial"/>
-        <a:defRPr b="0" i="0" sz="1400" u="none" cap="none" strike="noStrike">
+        <a:defRPr sz="1400" b="0" i="0" u="none" strike="noStrike" cap="none">
           <a:solidFill>
             <a:srgbClr val="000000"/>
           </a:solidFill>
@@ -7737,7 +7900,7 @@
           <a:sym typeface="Arial"/>
         </a:defRPr>
       </a:lvl5pPr>
-      <a:lvl6pPr lvl="5" marR="0" rtl="0" algn="l">
+      <a:lvl6pPr marR="0" lvl="5" algn="l" rtl="0">
         <a:lnSpc>
           <a:spcPct val="100000"/>
         </a:lnSpc>
@@ -7751,7 +7914,7 @@
           <a:srgbClr val="000000"/>
         </a:buClr>
         <a:buFont typeface="Arial"/>
-        <a:defRPr b="0" i="0" sz="1400" u="none" cap="none" strike="noStrike">
+        <a:defRPr sz="1400" b="0" i="0" u="none" strike="noStrike" cap="none">
           <a:solidFill>
             <a:srgbClr val="000000"/>
           </a:solidFill>
@@ -7761,7 +7924,7 @@
           <a:sym typeface="Arial"/>
         </a:defRPr>
       </a:lvl6pPr>
-      <a:lvl7pPr lvl="6" marR="0" rtl="0" algn="l">
+      <a:lvl7pPr marR="0" lvl="6" algn="l" rtl="0">
         <a:lnSpc>
           <a:spcPct val="100000"/>
         </a:lnSpc>
@@ -7775,7 +7938,7 @@
           <a:srgbClr val="000000"/>
         </a:buClr>
         <a:buFont typeface="Arial"/>
-        <a:defRPr b="0" i="0" sz="1400" u="none" cap="none" strike="noStrike">
+        <a:defRPr sz="1400" b="0" i="0" u="none" strike="noStrike" cap="none">
           <a:solidFill>
             <a:srgbClr val="000000"/>
           </a:solidFill>
@@ -7785,7 +7948,7 @@
           <a:sym typeface="Arial"/>
         </a:defRPr>
       </a:lvl7pPr>
-      <a:lvl8pPr lvl="7" marR="0" rtl="0" algn="l">
+      <a:lvl8pPr marR="0" lvl="7" algn="l" rtl="0">
         <a:lnSpc>
           <a:spcPct val="100000"/>
         </a:lnSpc>
@@ -7799,7 +7962,7 @@
           <a:srgbClr val="000000"/>
         </a:buClr>
         <a:buFont typeface="Arial"/>
-        <a:defRPr b="0" i="0" sz="1400" u="none" cap="none" strike="noStrike">
+        <a:defRPr sz="1400" b="0" i="0" u="none" strike="noStrike" cap="none">
           <a:solidFill>
             <a:srgbClr val="000000"/>
           </a:solidFill>
@@ -7809,7 +7972,7 @@
           <a:sym typeface="Arial"/>
         </a:defRPr>
       </a:lvl8pPr>
-      <a:lvl9pPr lvl="8" marR="0" rtl="0" algn="l">
+      <a:lvl9pPr marR="0" lvl="8" algn="l" rtl="0">
         <a:lnSpc>
           <a:spcPct val="100000"/>
         </a:lnSpc>
@@ -7823,7 +7986,7 @@
           <a:srgbClr val="000000"/>
         </a:buClr>
         <a:buFont typeface="Arial"/>
-        <a:defRPr b="0" i="0" sz="1400" u="none" cap="none" strike="noStrike">
+        <a:defRPr sz="1400" b="0" i="0" u="none" strike="noStrike" cap="none">
           <a:solidFill>
             <a:srgbClr val="000000"/>
           </a:solidFill>
@@ -7835,7 +7998,7 @@
       </a:lvl9pPr>
     </p:titleStyle>
     <p:bodyStyle>
-      <a:defPPr lvl="0" marR="0" rtl="0" algn="l">
+      <a:defPPr marR="0" lvl="0" algn="l" rtl="0">
         <a:lnSpc>
           <a:spcPct val="100000"/>
         </a:lnSpc>
@@ -7846,7 +8009,7 @@
           <a:spcPts val="0"/>
         </a:spcAft>
       </a:defPPr>
-      <a:lvl1pPr lvl="0" marR="0" rtl="0" algn="l">
+      <a:lvl1pPr marR="0" lvl="0" algn="l" rtl="0">
         <a:lnSpc>
           <a:spcPct val="100000"/>
         </a:lnSpc>
@@ -7860,7 +8023,7 @@
           <a:srgbClr val="000000"/>
         </a:buClr>
         <a:buFont typeface="Arial"/>
-        <a:defRPr b="0" i="0" sz="1400" u="none" cap="none" strike="noStrike">
+        <a:defRPr sz="1400" b="0" i="0" u="none" strike="noStrike" cap="none">
           <a:solidFill>
             <a:srgbClr val="000000"/>
           </a:solidFill>
@@ -7870,7 +8033,7 @@
           <a:sym typeface="Arial"/>
         </a:defRPr>
       </a:lvl1pPr>
-      <a:lvl2pPr lvl="1" marR="0" rtl="0" algn="l">
+      <a:lvl2pPr marR="0" lvl="1" algn="l" rtl="0">
         <a:lnSpc>
           <a:spcPct val="100000"/>
         </a:lnSpc>
@@ -7884,7 +8047,7 @@
           <a:srgbClr val="000000"/>
         </a:buClr>
         <a:buFont typeface="Arial"/>
-        <a:defRPr b="0" i="0" sz="1400" u="none" cap="none" strike="noStrike">
+        <a:defRPr sz="1400" b="0" i="0" u="none" strike="noStrike" cap="none">
           <a:solidFill>
             <a:srgbClr val="000000"/>
           </a:solidFill>
@@ -7894,7 +8057,7 @@
           <a:sym typeface="Arial"/>
         </a:defRPr>
       </a:lvl2pPr>
-      <a:lvl3pPr lvl="2" marR="0" rtl="0" algn="l">
+      <a:lvl3pPr marR="0" lvl="2" algn="l" rtl="0">
         <a:lnSpc>
           <a:spcPct val="100000"/>
         </a:lnSpc>
@@ -7908,7 +8071,7 @@
           <a:srgbClr val="000000"/>
         </a:buClr>
         <a:buFont typeface="Arial"/>
-        <a:defRPr b="0" i="0" sz="1400" u="none" cap="none" strike="noStrike">
+        <a:defRPr sz="1400" b="0" i="0" u="none" strike="noStrike" cap="none">
           <a:solidFill>
             <a:srgbClr val="000000"/>
           </a:solidFill>
@@ -7918,7 +8081,7 @@
           <a:sym typeface="Arial"/>
         </a:defRPr>
       </a:lvl3pPr>
-      <a:lvl4pPr lvl="3" marR="0" rtl="0" algn="l">
+      <a:lvl4pPr marR="0" lvl="3" algn="l" rtl="0">
         <a:lnSpc>
           <a:spcPct val="100000"/>
         </a:lnSpc>
@@ -7932,7 +8095,7 @@
           <a:srgbClr val="000000"/>
         </a:buClr>
         <a:buFont typeface="Arial"/>
-        <a:defRPr b="0" i="0" sz="1400" u="none" cap="none" strike="noStrike">
+        <a:defRPr sz="1400" b="0" i="0" u="none" strike="noStrike" cap="none">
           <a:solidFill>
             <a:srgbClr val="000000"/>
           </a:solidFill>
@@ -7942,7 +8105,7 @@
           <a:sym typeface="Arial"/>
         </a:defRPr>
       </a:lvl4pPr>
-      <a:lvl5pPr lvl="4" marR="0" rtl="0" algn="l">
+      <a:lvl5pPr marR="0" lvl="4" algn="l" rtl="0">
         <a:lnSpc>
           <a:spcPct val="100000"/>
         </a:lnSpc>
@@ -7956,7 +8119,7 @@
           <a:srgbClr val="000000"/>
         </a:buClr>
         <a:buFont typeface="Arial"/>
-        <a:defRPr b="0" i="0" sz="1400" u="none" cap="none" strike="noStrike">
+        <a:defRPr sz="1400" b="0" i="0" u="none" strike="noStrike" cap="none">
           <a:solidFill>
             <a:srgbClr val="000000"/>
           </a:solidFill>
@@ -7966,7 +8129,7 @@
           <a:sym typeface="Arial"/>
         </a:defRPr>
       </a:lvl5pPr>
-      <a:lvl6pPr lvl="5" marR="0" rtl="0" algn="l">
+      <a:lvl6pPr marR="0" lvl="5" algn="l" rtl="0">
         <a:lnSpc>
           <a:spcPct val="100000"/>
         </a:lnSpc>
@@ -7980,7 +8143,7 @@
           <a:srgbClr val="000000"/>
         </a:buClr>
         <a:buFont typeface="Arial"/>
-        <a:defRPr b="0" i="0" sz="1400" u="none" cap="none" strike="noStrike">
+        <a:defRPr sz="1400" b="0" i="0" u="none" strike="noStrike" cap="none">
           <a:solidFill>
             <a:srgbClr val="000000"/>
           </a:solidFill>
@@ -7990,7 +8153,7 @@
           <a:sym typeface="Arial"/>
         </a:defRPr>
       </a:lvl6pPr>
-      <a:lvl7pPr lvl="6" marR="0" rtl="0" algn="l">
+      <a:lvl7pPr marR="0" lvl="6" algn="l" rtl="0">
         <a:lnSpc>
           <a:spcPct val="100000"/>
         </a:lnSpc>
@@ -8004,7 +8167,7 @@
           <a:srgbClr val="000000"/>
         </a:buClr>
         <a:buFont typeface="Arial"/>
-        <a:defRPr b="0" i="0" sz="1400" u="none" cap="none" strike="noStrike">
+        <a:defRPr sz="1400" b="0" i="0" u="none" strike="noStrike" cap="none">
           <a:solidFill>
             <a:srgbClr val="000000"/>
           </a:solidFill>
@@ -8014,7 +8177,7 @@
           <a:sym typeface="Arial"/>
         </a:defRPr>
       </a:lvl7pPr>
-      <a:lvl8pPr lvl="7" marR="0" rtl="0" algn="l">
+      <a:lvl8pPr marR="0" lvl="7" algn="l" rtl="0">
         <a:lnSpc>
           <a:spcPct val="100000"/>
         </a:lnSpc>
@@ -8028,7 +8191,7 @@
           <a:srgbClr val="000000"/>
         </a:buClr>
         <a:buFont typeface="Arial"/>
-        <a:defRPr b="0" i="0" sz="1400" u="none" cap="none" strike="noStrike">
+        <a:defRPr sz="1400" b="0" i="0" u="none" strike="noStrike" cap="none">
           <a:solidFill>
             <a:srgbClr val="000000"/>
           </a:solidFill>
@@ -8038,7 +8201,7 @@
           <a:sym typeface="Arial"/>
         </a:defRPr>
       </a:lvl8pPr>
-      <a:lvl9pPr lvl="8" marR="0" rtl="0" algn="l">
+      <a:lvl9pPr marR="0" lvl="8" algn="l" rtl="0">
         <a:lnSpc>
           <a:spcPct val="100000"/>
         </a:lnSpc>
@@ -8052,7 +8215,7 @@
           <a:srgbClr val="000000"/>
         </a:buClr>
         <a:buFont typeface="Arial"/>
-        <a:defRPr b="0" i="0" sz="1400" u="none" cap="none" strike="noStrike">
+        <a:defRPr sz="1400" b="0" i="0" u="none" strike="noStrike" cap="none">
           <a:solidFill>
             <a:srgbClr val="000000"/>
           </a:solidFill>
@@ -8064,7 +8227,7 @@
       </a:lvl9pPr>
     </p:bodyStyle>
     <p:otherStyle>
-      <a:defPPr lvl="0" marR="0" rtl="0" algn="l">
+      <a:defPPr marR="0" lvl="0" algn="l" rtl="0">
         <a:lnSpc>
           <a:spcPct val="100000"/>
         </a:lnSpc>
@@ -8075,7 +8238,7 @@
           <a:spcPts val="0"/>
         </a:spcAft>
       </a:defPPr>
-      <a:lvl1pPr lvl="0" marR="0" rtl="0" algn="l">
+      <a:lvl1pPr marR="0" lvl="0" algn="l" rtl="0">
         <a:lnSpc>
           <a:spcPct val="100000"/>
         </a:lnSpc>
@@ -8089,7 +8252,7 @@
           <a:srgbClr val="000000"/>
         </a:buClr>
         <a:buFont typeface="Arial"/>
-        <a:defRPr b="0" i="0" sz="1400" u="none" cap="none" strike="noStrike">
+        <a:defRPr sz="1400" b="0" i="0" u="none" strike="noStrike" cap="none">
           <a:solidFill>
             <a:srgbClr val="000000"/>
           </a:solidFill>
@@ -8099,7 +8262,7 @@
           <a:sym typeface="Arial"/>
         </a:defRPr>
       </a:lvl1pPr>
-      <a:lvl2pPr lvl="1" marR="0" rtl="0" algn="l">
+      <a:lvl2pPr marR="0" lvl="1" algn="l" rtl="0">
         <a:lnSpc>
           <a:spcPct val="100000"/>
         </a:lnSpc>
@@ -8113,7 +8276,7 @@
           <a:srgbClr val="000000"/>
         </a:buClr>
         <a:buFont typeface="Arial"/>
-        <a:defRPr b="0" i="0" sz="1400" u="none" cap="none" strike="noStrike">
+        <a:defRPr sz="1400" b="0" i="0" u="none" strike="noStrike" cap="none">
           <a:solidFill>
             <a:srgbClr val="000000"/>
           </a:solidFill>
@@ -8123,7 +8286,7 @@
           <a:sym typeface="Arial"/>
         </a:defRPr>
       </a:lvl2pPr>
-      <a:lvl3pPr lvl="2" marR="0" rtl="0" algn="l">
+      <a:lvl3pPr marR="0" lvl="2" algn="l" rtl="0">
         <a:lnSpc>
           <a:spcPct val="100000"/>
         </a:lnSpc>
@@ -8137,7 +8300,7 @@
           <a:srgbClr val="000000"/>
         </a:buClr>
         <a:buFont typeface="Arial"/>
-        <a:defRPr b="0" i="0" sz="1400" u="none" cap="none" strike="noStrike">
+        <a:defRPr sz="1400" b="0" i="0" u="none" strike="noStrike" cap="none">
           <a:solidFill>
             <a:srgbClr val="000000"/>
           </a:solidFill>
@@ -8147,7 +8310,7 @@
           <a:sym typeface="Arial"/>
         </a:defRPr>
       </a:lvl3pPr>
-      <a:lvl4pPr lvl="3" marR="0" rtl="0" algn="l">
+      <a:lvl4pPr marR="0" lvl="3" algn="l" rtl="0">
         <a:lnSpc>
           <a:spcPct val="100000"/>
         </a:lnSpc>
@@ -8161,7 +8324,7 @@
           <a:srgbClr val="000000"/>
         </a:buClr>
         <a:buFont typeface="Arial"/>
-        <a:defRPr b="0" i="0" sz="1400" u="none" cap="none" strike="noStrike">
+        <a:defRPr sz="1400" b="0" i="0" u="none" strike="noStrike" cap="none">
           <a:solidFill>
             <a:srgbClr val="000000"/>
           </a:solidFill>
@@ -8171,7 +8334,7 @@
           <a:sym typeface="Arial"/>
         </a:defRPr>
       </a:lvl4pPr>
-      <a:lvl5pPr lvl="4" marR="0" rtl="0" algn="l">
+      <a:lvl5pPr marR="0" lvl="4" algn="l" rtl="0">
         <a:lnSpc>
           <a:spcPct val="100000"/>
         </a:lnSpc>
@@ -8185,7 +8348,7 @@
           <a:srgbClr val="000000"/>
         </a:buClr>
         <a:buFont typeface="Arial"/>
-        <a:defRPr b="0" i="0" sz="1400" u="none" cap="none" strike="noStrike">
+        <a:defRPr sz="1400" b="0" i="0" u="none" strike="noStrike" cap="none">
           <a:solidFill>
             <a:srgbClr val="000000"/>
           </a:solidFill>
@@ -8195,7 +8358,7 @@
           <a:sym typeface="Arial"/>
         </a:defRPr>
       </a:lvl5pPr>
-      <a:lvl6pPr lvl="5" marR="0" rtl="0" algn="l">
+      <a:lvl6pPr marR="0" lvl="5" algn="l" rtl="0">
         <a:lnSpc>
           <a:spcPct val="100000"/>
         </a:lnSpc>
@@ -8209,7 +8372,7 @@
           <a:srgbClr val="000000"/>
         </a:buClr>
         <a:buFont typeface="Arial"/>
-        <a:defRPr b="0" i="0" sz="1400" u="none" cap="none" strike="noStrike">
+        <a:defRPr sz="1400" b="0" i="0" u="none" strike="noStrike" cap="none">
           <a:solidFill>
             <a:srgbClr val="000000"/>
           </a:solidFill>
@@ -8219,7 +8382,7 @@
           <a:sym typeface="Arial"/>
         </a:defRPr>
       </a:lvl6pPr>
-      <a:lvl7pPr lvl="6" marR="0" rtl="0" algn="l">
+      <a:lvl7pPr marR="0" lvl="6" algn="l" rtl="0">
         <a:lnSpc>
           <a:spcPct val="100000"/>
         </a:lnSpc>
@@ -8233,7 +8396,7 @@
           <a:srgbClr val="000000"/>
         </a:buClr>
         <a:buFont typeface="Arial"/>
-        <a:defRPr b="0" i="0" sz="1400" u="none" cap="none" strike="noStrike">
+        <a:defRPr sz="1400" b="0" i="0" u="none" strike="noStrike" cap="none">
           <a:solidFill>
             <a:srgbClr val="000000"/>
           </a:solidFill>
@@ -8243,7 +8406,7 @@
           <a:sym typeface="Arial"/>
         </a:defRPr>
       </a:lvl7pPr>
-      <a:lvl8pPr lvl="7" marR="0" rtl="0" algn="l">
+      <a:lvl8pPr marR="0" lvl="7" algn="l" rtl="0">
         <a:lnSpc>
           <a:spcPct val="100000"/>
         </a:lnSpc>
@@ -8257,7 +8420,7 @@
           <a:srgbClr val="000000"/>
         </a:buClr>
         <a:buFont typeface="Arial"/>
-        <a:defRPr b="0" i="0" sz="1400" u="none" cap="none" strike="noStrike">
+        <a:defRPr sz="1400" b="0" i="0" u="none" strike="noStrike" cap="none">
           <a:solidFill>
             <a:srgbClr val="000000"/>
           </a:solidFill>
@@ -8267,7 +8430,7 @@
           <a:sym typeface="Arial"/>
         </a:defRPr>
       </a:lvl8pPr>
-      <a:lvl9pPr lvl="8" marR="0" rtl="0" algn="l">
+      <a:lvl9pPr marR="0" lvl="8" algn="l" rtl="0">
         <a:lnSpc>
           <a:spcPct val="100000"/>
         </a:lnSpc>
@@ -8281,7 +8444,7 @@
           <a:srgbClr val="000000"/>
         </a:buClr>
         <a:buFont typeface="Arial"/>
-        <a:defRPr b="0" i="0" sz="1400" u="none" cap="none" strike="noStrike">
+        <a:defRPr sz="1400" b="0" i="0" u="none" strike="noStrike" cap="none">
           <a:solidFill>
             <a:srgbClr val="000000"/>
           </a:solidFill>
@@ -8297,11 +8460,11 @@
 </file>
 
 <file path=ppt/slides/slide1.xml><?xml version="1.0" encoding="utf-8"?>
-<p:sld xmlns:a="http://schemas.openxmlformats.org/drawingml/2006/main" xmlns:r="http://schemas.openxmlformats.org/officeDocument/2006/relationships" xmlns:mc="http://schemas.openxmlformats.org/markup-compatibility/2006" xmlns:mv="urn:schemas-microsoft-com:mac:vml" xmlns:p="http://schemas.openxmlformats.org/presentationml/2006/main" xmlns:c="http://schemas.openxmlformats.org/drawingml/2006/chart" xmlns:dgm="http://schemas.openxmlformats.org/drawingml/2006/diagram" xmlns:o="urn:schemas-microsoft-com:office:office" xmlns:v="urn:schemas-microsoft-com:vml" xmlns:pvml="urn:schemas-microsoft-com:office:powerpoint" xmlns:com="http://schemas.openxmlformats.org/drawingml/2006/compatibility" xmlns:p14="http://schemas.microsoft.com/office/powerpoint/2010/main" xmlns:p15="http://schemas.microsoft.com/office/powerpoint/2012/main" xmlns:ahyp="http://schemas.microsoft.com/office/drawing/2018/hyperlinkcolor">
+<p:sld xmlns:a="http://schemas.openxmlformats.org/drawingml/2006/main" xmlns:r="http://schemas.openxmlformats.org/officeDocument/2006/relationships" xmlns:p="http://schemas.openxmlformats.org/presentationml/2006/main">
   <p:cSld>
     <p:spTree>
       <p:nvGrpSpPr>
-        <p:cNvPr id="66" name="Shape 66"/>
+        <p:cNvPr id="1" name="Shape 66"/>
         <p:cNvGrpSpPr/>
         <p:nvPr/>
       </p:nvGrpSpPr>
@@ -8316,7 +8479,9 @@
       <p:sp>
         <p:nvSpPr>
           <p:cNvPr id="67" name="Google Shape;67;p13"/>
-          <p:cNvSpPr txBox="1"/>
+          <p:cNvSpPr txBox="1">
+            <a:spLocks noGrp="1"/>
+          </p:cNvSpPr>
           <p:nvPr>
             <p:ph type="ctrTitle"/>
           </p:nvPr>
@@ -8331,12 +8496,12 @@
           </a:prstGeom>
         </p:spPr>
         <p:txBody>
-          <a:bodyPr anchorCtr="0" anchor="b" bIns="91425" lIns="91425" spcFirstLastPara="1" rIns="91425" wrap="square" tIns="91425">
+          <a:bodyPr spcFirstLastPara="1" wrap="square" lIns="91425" tIns="91425" rIns="91425" bIns="91425" anchor="b" anchorCtr="0">
             <a:normAutofit fontScale="90000"/>
           </a:bodyPr>
           <a:lstStyle/>
           <a:p>
-            <a:pPr indent="0" lvl="0" marL="0" rtl="0" algn="l">
+            <a:pPr marL="0" lvl="0" indent="0" algn="l" rtl="0">
               <a:spcBef>
                 <a:spcPts val="0"/>
               </a:spcBef>
@@ -8356,9 +8521,11 @@
       <p:sp>
         <p:nvSpPr>
           <p:cNvPr id="68" name="Google Shape;68;p13"/>
-          <p:cNvSpPr txBox="1"/>
+          <p:cNvSpPr txBox="1">
+            <a:spLocks noGrp="1"/>
+          </p:cNvSpPr>
           <p:nvPr>
-            <p:ph idx="1" type="subTitle"/>
+            <p:ph type="subTitle" idx="1"/>
           </p:nvPr>
         </p:nvSpPr>
         <p:spPr>
@@ -8371,12 +8538,12 @@
           </a:prstGeom>
         </p:spPr>
         <p:txBody>
-          <a:bodyPr anchorCtr="0" anchor="t" bIns="91425" lIns="91425" spcFirstLastPara="1" rIns="91425" wrap="square" tIns="91425">
+          <a:bodyPr spcFirstLastPara="1" wrap="square" lIns="91425" tIns="91425" rIns="91425" bIns="91425" anchor="t" anchorCtr="0">
             <a:normAutofit/>
           </a:bodyPr>
           <a:lstStyle/>
           <a:p>
-            <a:pPr indent="0" lvl="0" marL="0" rtl="0" algn="l">
+            <a:pPr marL="0" lvl="0" indent="0" algn="l" rtl="0">
               <a:spcBef>
                 <a:spcPts val="0"/>
               </a:spcBef>
@@ -8392,7 +8559,7 @@
             <a:endParaRPr/>
           </a:p>
           <a:p>
-            <a:pPr indent="0" lvl="0" marL="0" rtl="0" algn="l">
+            <a:pPr marL="0" lvl="0" indent="0" algn="l" rtl="0">
               <a:spcBef>
                 <a:spcPts val="0"/>
               </a:spcBef>
@@ -8425,11 +8592,11 @@
 </file>
 
 <file path=ppt/slides/slide10.xml><?xml version="1.0" encoding="utf-8"?>
-<p:sld xmlns:a="http://schemas.openxmlformats.org/drawingml/2006/main" xmlns:r="http://schemas.openxmlformats.org/officeDocument/2006/relationships" xmlns:mc="http://schemas.openxmlformats.org/markup-compatibility/2006" xmlns:mv="urn:schemas-microsoft-com:mac:vml" xmlns:p="http://schemas.openxmlformats.org/presentationml/2006/main" xmlns:c="http://schemas.openxmlformats.org/drawingml/2006/chart" xmlns:dgm="http://schemas.openxmlformats.org/drawingml/2006/diagram" xmlns:o="urn:schemas-microsoft-com:office:office" xmlns:v="urn:schemas-microsoft-com:vml" xmlns:pvml="urn:schemas-microsoft-com:office:powerpoint" xmlns:com="http://schemas.openxmlformats.org/drawingml/2006/compatibility" xmlns:p14="http://schemas.microsoft.com/office/powerpoint/2010/main" xmlns:p15="http://schemas.microsoft.com/office/powerpoint/2012/main" xmlns:ahyp="http://schemas.microsoft.com/office/drawing/2018/hyperlinkcolor">
+<p:sld xmlns:a="http://schemas.openxmlformats.org/drawingml/2006/main" xmlns:r="http://schemas.openxmlformats.org/officeDocument/2006/relationships" xmlns:p="http://schemas.openxmlformats.org/presentationml/2006/main">
   <p:cSld>
     <p:spTree>
       <p:nvGrpSpPr>
-        <p:cNvPr id="126" name="Shape 126"/>
+        <p:cNvPr id="1" name="Shape 126"/>
         <p:cNvGrpSpPr/>
         <p:nvPr/>
       </p:nvGrpSpPr>
@@ -8444,7 +8611,9 @@
       <p:sp>
         <p:nvSpPr>
           <p:cNvPr id="127" name="Google Shape;127;p22"/>
-          <p:cNvSpPr txBox="1"/>
+          <p:cNvSpPr txBox="1">
+            <a:spLocks noGrp="1"/>
+          </p:cNvSpPr>
           <p:nvPr>
             <p:ph type="title"/>
           </p:nvPr>
@@ -8459,12 +8628,12 @@
           </a:prstGeom>
         </p:spPr>
         <p:txBody>
-          <a:bodyPr anchorCtr="0" anchor="b" bIns="91425" lIns="91425" spcFirstLastPara="1" rIns="91425" wrap="square" tIns="91425">
+          <a:bodyPr spcFirstLastPara="1" wrap="square" lIns="91425" tIns="91425" rIns="91425" bIns="91425" anchor="b" anchorCtr="0">
             <a:normAutofit/>
           </a:bodyPr>
           <a:lstStyle/>
           <a:p>
-            <a:pPr indent="0" lvl="0" marL="0" rtl="0" algn="l">
+            <a:pPr marL="0" lvl="0" indent="0" algn="l" rtl="0">
               <a:spcBef>
                 <a:spcPts val="0"/>
               </a:spcBef>
@@ -8484,9 +8653,11 @@
       <p:sp>
         <p:nvSpPr>
           <p:cNvPr id="128" name="Google Shape;128;p22"/>
-          <p:cNvSpPr txBox="1"/>
+          <p:cNvSpPr txBox="1">
+            <a:spLocks noGrp="1"/>
+          </p:cNvSpPr>
           <p:nvPr>
-            <p:ph idx="1" type="body"/>
+            <p:ph type="body" idx="1"/>
           </p:nvPr>
         </p:nvSpPr>
         <p:spPr>
@@ -8499,12 +8670,12 @@
           </a:prstGeom>
         </p:spPr>
         <p:txBody>
-          <a:bodyPr anchorCtr="0" anchor="t" bIns="91425" lIns="91425" spcFirstLastPara="1" rIns="91425" wrap="square" tIns="91425">
+          <a:bodyPr spcFirstLastPara="1" wrap="square" lIns="91425" tIns="91425" rIns="91425" bIns="91425" anchor="t" anchorCtr="0">
             <a:normAutofit/>
           </a:bodyPr>
           <a:lstStyle/>
           <a:p>
-            <a:pPr indent="-342900" lvl="0" marL="457200" rtl="0" algn="l">
+            <a:pPr marL="457200" lvl="0" indent="-342900" algn="l" rtl="0">
               <a:spcBef>
                 <a:spcPts val="0"/>
               </a:spcBef>
@@ -8519,7 +8690,7 @@
               <a:t>We want to minimize any ion-ion interaction effects in the trap on results, so we discard any data where </a:t>
             </a:r>
             <a:r>
-              <a:rPr b="1" lang="en"/>
+              <a:rPr lang="en" b="1"/>
               <a:t>&gt; N </a:t>
             </a:r>
             <a:r>
@@ -8529,7 +8700,7 @@
             <a:endParaRPr/>
           </a:p>
           <a:p>
-            <a:pPr indent="-317500" lvl="1" marL="914400" rtl="0" algn="l">
+            <a:pPr marL="914400" lvl="1" indent="-317500" algn="l" rtl="0">
               <a:spcBef>
                 <a:spcPts val="0"/>
               </a:spcBef>
@@ -8544,13 +8715,13 @@
               <a:t>N corresponds to </a:t>
             </a:r>
             <a:r>
-              <a:rPr b="1" lang="en"/>
+              <a:rPr lang="en" b="1"/>
               <a:t>ion_ion_cut_min</a:t>
             </a:r>
             <a:endParaRPr b="1"/>
           </a:p>
           <a:p>
-            <a:pPr indent="-342900" lvl="0" marL="457200" rtl="0" algn="l">
+            <a:pPr marL="457200" lvl="0" indent="-342900" algn="l" rtl="0">
               <a:spcBef>
                 <a:spcPts val="0"/>
               </a:spcBef>
@@ -8562,14 +8733,10 @@
             </a:pPr>
             <a:r>
               <a:rPr lang="en"/>
-              <a:t>In practice, we throw </a:t>
-            </a:r>
-            <a:r>
-              <a:rPr lang="en"/>
-              <a:t>away data with </a:t>
-            </a:r>
-            <a:r>
-              <a:rPr b="1" lang="en"/>
+              <a:t>In practice, we throw away data with </a:t>
+            </a:r>
+            <a:r>
+              <a:rPr lang="en" b="1"/>
               <a:t>&gt; N </a:t>
             </a:r>
             <a:r>
@@ -8577,13 +8744,13 @@
               <a:t>events in the </a:t>
             </a:r>
             <a:r>
-              <a:rPr b="1" lang="en"/>
+              <a:rPr lang="en" b="1"/>
               <a:t>same trigger window</a:t>
             </a:r>
             <a:endParaRPr b="1"/>
           </a:p>
           <a:p>
-            <a:pPr indent="-342900" lvl="0" marL="457200" rtl="0" algn="l">
+            <a:pPr marL="457200" lvl="0" indent="-342900" algn="l" rtl="0">
               <a:spcBef>
                 <a:spcPts val="0"/>
               </a:spcBef>
@@ -8594,7 +8761,7 @@
               <a:buChar char="-"/>
             </a:pPr>
             <a:r>
-              <a:rPr b="1" lang="en"/>
+              <a:rPr lang="en" b="1"/>
               <a:t>ONLY</a:t>
             </a:r>
             <a:r>
@@ -8614,11 +8781,11 @@
 </file>
 
 <file path=ppt/slides/slide11.xml><?xml version="1.0" encoding="utf-8"?>
-<p:sld xmlns:a="http://schemas.openxmlformats.org/drawingml/2006/main" xmlns:r="http://schemas.openxmlformats.org/officeDocument/2006/relationships" xmlns:mc="http://schemas.openxmlformats.org/markup-compatibility/2006" xmlns:mv="urn:schemas-microsoft-com:mac:vml" xmlns:p="http://schemas.openxmlformats.org/presentationml/2006/main" xmlns:c="http://schemas.openxmlformats.org/drawingml/2006/chart" xmlns:dgm="http://schemas.openxmlformats.org/drawingml/2006/diagram" xmlns:o="urn:schemas-microsoft-com:office:office" xmlns:v="urn:schemas-microsoft-com:vml" xmlns:pvml="urn:schemas-microsoft-com:office:powerpoint" xmlns:com="http://schemas.openxmlformats.org/drawingml/2006/compatibility" xmlns:p14="http://schemas.microsoft.com/office/powerpoint/2010/main" xmlns:p15="http://schemas.microsoft.com/office/powerpoint/2012/main" xmlns:ahyp="http://schemas.microsoft.com/office/drawing/2018/hyperlinkcolor">
+<p:sld xmlns:a="http://schemas.openxmlformats.org/drawingml/2006/main" xmlns:r="http://schemas.openxmlformats.org/officeDocument/2006/relationships" xmlns:p="http://schemas.openxmlformats.org/presentationml/2006/main">
   <p:cSld>
     <p:spTree>
       <p:nvGrpSpPr>
-        <p:cNvPr id="132" name="Shape 132"/>
+        <p:cNvPr id="1" name="Shape 132"/>
         <p:cNvGrpSpPr/>
         <p:nvPr/>
       </p:nvGrpSpPr>
@@ -8633,7 +8800,9 @@
       <p:sp>
         <p:nvSpPr>
           <p:cNvPr id="133" name="Google Shape;133;p23"/>
-          <p:cNvSpPr txBox="1"/>
+          <p:cNvSpPr txBox="1">
+            <a:spLocks noGrp="1"/>
+          </p:cNvSpPr>
           <p:nvPr>
             <p:ph type="title"/>
           </p:nvPr>
@@ -8648,12 +8817,12 @@
           </a:prstGeom>
         </p:spPr>
         <p:txBody>
-          <a:bodyPr anchorCtr="0" anchor="b" bIns="91425" lIns="91425" spcFirstLastPara="1" rIns="91425" wrap="square" tIns="91425">
+          <a:bodyPr spcFirstLastPara="1" wrap="square" lIns="91425" tIns="91425" rIns="91425" bIns="91425" anchor="b" anchorCtr="0">
             <a:normAutofit/>
           </a:bodyPr>
           <a:lstStyle/>
           <a:p>
-            <a:pPr indent="0" lvl="0" marL="0" rtl="0" algn="l">
+            <a:pPr marL="0" lvl="0" indent="0" algn="l" rtl="0">
               <a:spcBef>
                 <a:spcPts val="0"/>
               </a:spcBef>
@@ -8673,9 +8842,11 @@
       <p:sp>
         <p:nvSpPr>
           <p:cNvPr id="134" name="Google Shape;134;p23"/>
-          <p:cNvSpPr txBox="1"/>
+          <p:cNvSpPr txBox="1">
+            <a:spLocks noGrp="1"/>
+          </p:cNvSpPr>
           <p:nvPr>
-            <p:ph idx="1" type="body"/>
+            <p:ph type="body" idx="1"/>
           </p:nvPr>
         </p:nvSpPr>
         <p:spPr>
@@ -8688,12 +8859,12 @@
           </a:prstGeom>
         </p:spPr>
         <p:txBody>
-          <a:bodyPr anchorCtr="0" anchor="t" bIns="91425" lIns="91425" spcFirstLastPara="1" rIns="91425" wrap="square" tIns="91425">
+          <a:bodyPr spcFirstLastPara="1" wrap="square" lIns="91425" tIns="91425" rIns="91425" bIns="91425" anchor="t" anchorCtr="0">
             <a:normAutofit/>
           </a:bodyPr>
           <a:lstStyle/>
           <a:p>
-            <a:pPr indent="-342900" lvl="0" marL="457200" rtl="0" algn="l">
+            <a:pPr marL="457200" lvl="0" indent="-342900" algn="l" rtl="0">
               <a:spcBef>
                 <a:spcPts val="0"/>
               </a:spcBef>
@@ -8710,7 +8881,7 @@
             <a:endParaRPr/>
           </a:p>
           <a:p>
-            <a:pPr indent="-342900" lvl="0" marL="457200" rtl="0" algn="l">
+            <a:pPr marL="457200" lvl="0" indent="-342900" algn="l" rtl="0">
               <a:spcBef>
                 <a:spcPts val="0"/>
               </a:spcBef>
@@ -8725,7 +8896,7 @@
               <a:t>We determine a gating time </a:t>
             </a:r>
             <a:r>
-              <a:rPr i="1" lang="en"/>
+              <a:rPr lang="en" i="1"/>
               <a:t>t</a:t>
             </a:r>
             <a:r>
@@ -8733,7 +8904,7 @@
               <a:t> (</a:t>
             </a:r>
             <a:r>
-              <a:rPr b="1" lang="en"/>
+              <a:rPr lang="en" b="1"/>
               <a:t>gating_rate</a:t>
             </a:r>
             <a:r>
@@ -8743,7 +8914,7 @@
             <a:endParaRPr/>
           </a:p>
           <a:p>
-            <a:pPr indent="-317500" lvl="1" marL="914400" rtl="0" algn="l">
+            <a:pPr marL="914400" lvl="1" indent="-317500" algn="l" rtl="0">
               <a:spcBef>
                 <a:spcPts val="0"/>
               </a:spcBef>
@@ -8755,14 +8926,10 @@
             </a:pPr>
             <a:r>
               <a:rPr lang="en"/>
-              <a:t>i</a:t>
-            </a:r>
-            <a:r>
-              <a:rPr lang="en"/>
-              <a:t>.e. events between 0-</a:t>
-            </a:r>
-            <a:r>
-              <a:rPr i="1" lang="en"/>
+              <a:t>i.e. events between 0-</a:t>
+            </a:r>
+            <a:r>
+              <a:rPr lang="en" i="1"/>
               <a:t>t</a:t>
             </a:r>
             <a:r>
@@ -8770,7 +8937,7 @@
               <a:t>, events between </a:t>
             </a:r>
             <a:r>
-              <a:rPr i="1" lang="en"/>
+              <a:rPr lang="en" i="1"/>
               <a:t>t</a:t>
             </a:r>
             <a:r>
@@ -8778,7 +8945,7 @@
               <a:t>-2</a:t>
             </a:r>
             <a:r>
-              <a:rPr i="1" lang="en"/>
+              <a:rPr lang="en" i="1"/>
               <a:t>t</a:t>
             </a:r>
             <a:r>
@@ -8788,7 +8955,7 @@
             <a:endParaRPr/>
           </a:p>
           <a:p>
-            <a:pPr indent="-342900" lvl="0" marL="457200" rtl="0" algn="l">
+            <a:pPr marL="457200" lvl="0" indent="-342900" algn="l" rtl="0">
               <a:spcBef>
                 <a:spcPts val="0"/>
               </a:spcBef>
@@ -8803,7 +8970,7 @@
               <a:t>We approximate the </a:t>
             </a:r>
             <a:r>
-              <a:rPr i="1" lang="en"/>
+              <a:rPr lang="en" i="1"/>
               <a:t>global event time </a:t>
             </a:r>
             <a:r>
@@ -8811,7 +8978,7 @@
               <a:t>for each event as the total trap time (</a:t>
             </a:r>
             <a:r>
-              <a:rPr b="1" lang="en"/>
+              <a:rPr lang="en" b="1"/>
               <a:t>trap_time</a:t>
             </a:r>
             <a:r>
@@ -8821,7 +8988,7 @@
             <a:endParaRPr/>
           </a:p>
           <a:p>
-            <a:pPr indent="-342900" lvl="0" marL="457200" rtl="0" algn="l">
+            <a:pPr marL="457200" lvl="0" indent="-342900" algn="l" rtl="0">
               <a:spcBef>
                 <a:spcPts val="0"/>
               </a:spcBef>
@@ -8836,7 +9003,7 @@
               <a:t>We record the </a:t>
             </a:r>
             <a:r>
-              <a:rPr i="1" lang="en"/>
+              <a:rPr lang="en" i="1"/>
               <a:t>approximate global gate time</a:t>
             </a:r>
             <a:r>
@@ -8844,7 +9011,7 @@
               <a:t>, the </a:t>
             </a:r>
             <a:r>
-              <a:rPr i="1" lang="en"/>
+              <a:rPr lang="en" i="1"/>
               <a:t>number of events</a:t>
             </a:r>
             <a:r>
@@ -8852,7 +9019,7 @@
               <a:t>, and the </a:t>
             </a:r>
             <a:r>
-              <a:rPr i="1" lang="en"/>
+              <a:rPr lang="en" i="1"/>
               <a:t>rate </a:t>
             </a:r>
             <a:r>
@@ -8860,16 +9027,12 @@
               <a:t>of those events (num_events/</a:t>
             </a:r>
             <a:r>
-              <a:rPr i="1" lang="en"/>
+              <a:rPr lang="en" i="1"/>
               <a:t>t</a:t>
             </a:r>
             <a:r>
               <a:rPr lang="en"/>
-              <a:t>)</a:t>
-            </a:r>
-            <a:r>
-              <a:rPr lang="en"/>
-              <a:t> for each gating time window</a:t>
+              <a:t>) for each gating time window</a:t>
             </a:r>
             <a:endParaRPr/>
           </a:p>
@@ -8884,11 +9047,11 @@
 </file>
 
 <file path=ppt/slides/slide12.xml><?xml version="1.0" encoding="utf-8"?>
-<p:sld xmlns:a="http://schemas.openxmlformats.org/drawingml/2006/main" xmlns:r="http://schemas.openxmlformats.org/officeDocument/2006/relationships" xmlns:mc="http://schemas.openxmlformats.org/markup-compatibility/2006" xmlns:mv="urn:schemas-microsoft-com:mac:vml" xmlns:p="http://schemas.openxmlformats.org/presentationml/2006/main" xmlns:c="http://schemas.openxmlformats.org/drawingml/2006/chart" xmlns:dgm="http://schemas.openxmlformats.org/drawingml/2006/diagram" xmlns:o="urn:schemas-microsoft-com:office:office" xmlns:v="urn:schemas-microsoft-com:vml" xmlns:pvml="urn:schemas-microsoft-com:office:powerpoint" xmlns:com="http://schemas.openxmlformats.org/drawingml/2006/compatibility" xmlns:p14="http://schemas.microsoft.com/office/powerpoint/2010/main" xmlns:p15="http://schemas.microsoft.com/office/powerpoint/2012/main" xmlns:ahyp="http://schemas.microsoft.com/office/drawing/2018/hyperlinkcolor">
+<p:sld xmlns:a="http://schemas.openxmlformats.org/drawingml/2006/main" xmlns:r="http://schemas.openxmlformats.org/officeDocument/2006/relationships" xmlns:p="http://schemas.openxmlformats.org/presentationml/2006/main">
   <p:cSld>
     <p:spTree>
       <p:nvGrpSpPr>
-        <p:cNvPr id="138" name="Shape 138"/>
+        <p:cNvPr id="1" name="Shape 138"/>
         <p:cNvGrpSpPr/>
         <p:nvPr/>
       </p:nvGrpSpPr>
@@ -8903,7 +9066,9 @@
       <p:sp>
         <p:nvSpPr>
           <p:cNvPr id="139" name="Google Shape;139;p24"/>
-          <p:cNvSpPr txBox="1"/>
+          <p:cNvSpPr txBox="1">
+            <a:spLocks noGrp="1"/>
+          </p:cNvSpPr>
           <p:nvPr>
             <p:ph type="title"/>
           </p:nvPr>
@@ -8918,12 +9083,12 @@
           </a:prstGeom>
         </p:spPr>
         <p:txBody>
-          <a:bodyPr anchorCtr="0" anchor="b" bIns="91425" lIns="91425" spcFirstLastPara="1" rIns="91425" wrap="square" tIns="91425">
+          <a:bodyPr spcFirstLastPara="1" wrap="square" lIns="91425" tIns="91425" rIns="91425" bIns="91425" anchor="b" anchorCtr="0">
             <a:normAutofit/>
           </a:bodyPr>
           <a:lstStyle/>
           <a:p>
-            <a:pPr indent="0" lvl="0" marL="0" rtl="0" algn="l">
+            <a:pPr marL="0" lvl="0" indent="0" algn="l" rtl="0">
               <a:spcBef>
                 <a:spcPts val="0"/>
               </a:spcBef>
@@ -8943,9 +9108,11 @@
       <p:sp>
         <p:nvSpPr>
           <p:cNvPr id="140" name="Google Shape;140;p24"/>
-          <p:cNvSpPr txBox="1"/>
+          <p:cNvSpPr txBox="1">
+            <a:spLocks noGrp="1"/>
+          </p:cNvSpPr>
           <p:nvPr>
-            <p:ph idx="1" type="body"/>
+            <p:ph type="body" idx="1"/>
           </p:nvPr>
         </p:nvSpPr>
         <p:spPr>
@@ -8958,12 +9125,12 @@
           </a:prstGeom>
         </p:spPr>
         <p:txBody>
-          <a:bodyPr anchorCtr="0" anchor="t" bIns="91425" lIns="91425" spcFirstLastPara="1" rIns="91425" wrap="square" tIns="91425">
+          <a:bodyPr spcFirstLastPara="1" wrap="square" lIns="91425" tIns="91425" rIns="91425" bIns="91425" anchor="t" anchorCtr="0">
             <a:normAutofit/>
           </a:bodyPr>
           <a:lstStyle/>
           <a:p>
-            <a:pPr indent="-342900" lvl="0" marL="457200" rtl="0" algn="l">
+            <a:pPr marL="457200" lvl="0" indent="-342900" algn="l" rtl="0">
               <a:spcBef>
                 <a:spcPts val="0"/>
               </a:spcBef>
@@ -8980,7 +9147,7 @@
             <a:endParaRPr/>
           </a:p>
           <a:p>
-            <a:pPr indent="-317500" lvl="1" marL="914400" rtl="0" algn="l">
+            <a:pPr marL="914400" lvl="1" indent="-317500" algn="l" rtl="0">
               <a:spcBef>
                 <a:spcPts val="0"/>
               </a:spcBef>
@@ -8997,7 +9164,7 @@
             <a:endParaRPr/>
           </a:p>
           <a:p>
-            <a:pPr indent="-317500" lvl="2" marL="1371600" rtl="0" algn="l">
+            <a:pPr marL="1371600" lvl="2" indent="-317500" algn="l" rtl="0">
               <a:spcBef>
                 <a:spcPts val="0"/>
               </a:spcBef>
@@ -9012,13 +9179,13 @@
               <a:t>(gating window number)*</a:t>
             </a:r>
             <a:r>
-              <a:rPr i="1" lang="en"/>
+              <a:rPr lang="en" i="1"/>
               <a:t>t</a:t>
             </a:r>
             <a:endParaRPr i="1"/>
           </a:p>
           <a:p>
-            <a:pPr indent="-317500" lvl="1" marL="914400" rtl="0" algn="l">
+            <a:pPr marL="914400" lvl="1" indent="-317500" algn="l" rtl="0">
               <a:spcBef>
                 <a:spcPts val="0"/>
               </a:spcBef>
@@ -9035,7 +9202,7 @@
             <a:endParaRPr/>
           </a:p>
           <a:p>
-            <a:pPr indent="-317500" lvl="1" marL="914400" rtl="0" algn="l">
+            <a:pPr marL="914400" lvl="1" indent="-317500" algn="l" rtl="0">
               <a:spcBef>
                 <a:spcPts val="0"/>
               </a:spcBef>
@@ -9052,7 +9219,7 @@
             <a:endParaRPr/>
           </a:p>
           <a:p>
-            <a:pPr indent="-317500" lvl="2" marL="1371600" rtl="0" algn="l">
+            <a:pPr marL="1371600" lvl="2" indent="-317500" algn="l" rtl="0">
               <a:spcBef>
                 <a:spcPts val="0"/>
               </a:spcBef>
@@ -9067,13 +9234,13 @@
               <a:t>num_events/</a:t>
             </a:r>
             <a:r>
-              <a:rPr i="1" lang="en"/>
+              <a:rPr lang="en" i="1"/>
               <a:t>t</a:t>
             </a:r>
             <a:endParaRPr i="1"/>
           </a:p>
           <a:p>
-            <a:pPr indent="-342900" lvl="0" marL="457200" rtl="0" algn="l">
+            <a:pPr marL="457200" lvl="0" indent="-342900" algn="l" rtl="0">
               <a:spcBef>
                 <a:spcPts val="0"/>
               </a:spcBef>
@@ -9088,11 +9255,11 @@
               <a:t>Saved as </a:t>
             </a:r>
             <a:r>
-              <a:rPr b="1" lang="en"/>
+              <a:rPr lang="en" b="1"/>
               <a:t>original_MIDAS_filename.mid</a:t>
             </a:r>
             <a:r>
-              <a:rPr b="1" lang="en">
+              <a:rPr lang="en" b="1">
                 <a:solidFill>
                   <a:srgbClr val="FF0000"/>
                 </a:solidFill>
@@ -9130,14 +9297,14 @@
             <a:avLst/>
           </a:prstGeom>
           <a:noFill/>
-          <a:ln cap="flat" cmpd="sng" w="19050">
+          <a:ln w="19050" cap="flat" cmpd="sng">
             <a:solidFill>
               <a:schemeClr val="dk2"/>
             </a:solidFill>
             <a:prstDash val="solid"/>
             <a:round/>
-            <a:headEnd len="sm" w="sm" type="none"/>
-            <a:tailEnd len="sm" w="sm" type="none"/>
+            <a:headEnd type="none" w="sm" len="sm"/>
+            <a:tailEnd type="none" w="sm" len="sm"/>
           </a:ln>
         </p:spPr>
       </p:pic>
@@ -9150,11 +9317,11 @@
 </file>
 
 <file path=ppt/slides/slide13.xml><?xml version="1.0" encoding="utf-8"?>
-<p:sld xmlns:a="http://schemas.openxmlformats.org/drawingml/2006/main" xmlns:r="http://schemas.openxmlformats.org/officeDocument/2006/relationships" xmlns:mc="http://schemas.openxmlformats.org/markup-compatibility/2006" xmlns:mv="urn:schemas-microsoft-com:mac:vml" xmlns:p="http://schemas.openxmlformats.org/presentationml/2006/main" xmlns:c="http://schemas.openxmlformats.org/drawingml/2006/chart" xmlns:dgm="http://schemas.openxmlformats.org/drawingml/2006/diagram" xmlns:o="urn:schemas-microsoft-com:office:office" xmlns:v="urn:schemas-microsoft-com:vml" xmlns:pvml="urn:schemas-microsoft-com:office:powerpoint" xmlns:com="http://schemas.openxmlformats.org/drawingml/2006/compatibility" xmlns:p14="http://schemas.microsoft.com/office/powerpoint/2010/main" xmlns:p15="http://schemas.microsoft.com/office/powerpoint/2012/main" xmlns:ahyp="http://schemas.microsoft.com/office/drawing/2018/hyperlinkcolor">
+<p:sld xmlns:a="http://schemas.openxmlformats.org/drawingml/2006/main" xmlns:r="http://schemas.openxmlformats.org/officeDocument/2006/relationships" xmlns:p="http://schemas.openxmlformats.org/presentationml/2006/main">
   <p:cSld>
     <p:spTree>
       <p:nvGrpSpPr>
-        <p:cNvPr id="145" name="Shape 145"/>
+        <p:cNvPr id="1" name="Shape 145"/>
         <p:cNvGrpSpPr/>
         <p:nvPr/>
       </p:nvGrpSpPr>
@@ -9169,7 +9336,9 @@
       <p:sp>
         <p:nvSpPr>
           <p:cNvPr id="146" name="Google Shape;146;p25"/>
-          <p:cNvSpPr txBox="1"/>
+          <p:cNvSpPr txBox="1">
+            <a:spLocks noGrp="1"/>
+          </p:cNvSpPr>
           <p:nvPr>
             <p:ph type="title"/>
           </p:nvPr>
@@ -9184,12 +9353,12 @@
           </a:prstGeom>
         </p:spPr>
         <p:txBody>
-          <a:bodyPr anchorCtr="0" anchor="b" bIns="91425" lIns="91425" spcFirstLastPara="1" rIns="91425" wrap="square" tIns="91425">
+          <a:bodyPr spcFirstLastPara="1" wrap="square" lIns="91425" tIns="91425" rIns="91425" bIns="91425" anchor="b" anchorCtr="0">
             <a:normAutofit/>
           </a:bodyPr>
           <a:lstStyle/>
           <a:p>
-            <a:pPr indent="0" lvl="0" marL="0" rtl="0" algn="l">
+            <a:pPr marL="0" lvl="0" indent="0" algn="l" rtl="0">
               <a:spcBef>
                 <a:spcPts val="0"/>
               </a:spcBef>
@@ -9209,9 +9378,11 @@
       <p:sp>
         <p:nvSpPr>
           <p:cNvPr id="147" name="Google Shape;147;p25"/>
-          <p:cNvSpPr txBox="1"/>
+          <p:cNvSpPr txBox="1">
+            <a:spLocks noGrp="1"/>
+          </p:cNvSpPr>
           <p:nvPr>
-            <p:ph idx="1" type="body"/>
+            <p:ph type="body" idx="1"/>
           </p:nvPr>
         </p:nvSpPr>
         <p:spPr>
@@ -9224,12 +9395,12 @@
           </a:prstGeom>
         </p:spPr>
         <p:txBody>
-          <a:bodyPr anchorCtr="0" anchor="t" bIns="91425" lIns="91425" spcFirstLastPara="1" rIns="91425" wrap="square" tIns="91425">
+          <a:bodyPr spcFirstLastPara="1" wrap="square" lIns="91425" tIns="91425" rIns="91425" bIns="91425" anchor="t" anchorCtr="0">
             <a:normAutofit/>
           </a:bodyPr>
           <a:lstStyle/>
           <a:p>
-            <a:pPr indent="-342900" lvl="0" marL="457200" rtl="0" algn="l">
+            <a:pPr marL="457200" lvl="0" indent="-342900" algn="l" rtl="0">
               <a:spcBef>
                 <a:spcPts val="0"/>
               </a:spcBef>
@@ -9246,7 +9417,7 @@
             <a:endParaRPr/>
           </a:p>
           <a:p>
-            <a:pPr indent="-317500" lvl="1" marL="914400" rtl="0" algn="l">
+            <a:pPr marL="914400" lvl="1" indent="-317500" algn="l" rtl="0">
               <a:spcBef>
                 <a:spcPts val="0"/>
               </a:spcBef>
@@ -9263,7 +9434,7 @@
             <a:endParaRPr/>
           </a:p>
           <a:p>
-            <a:pPr indent="-317500" lvl="1" marL="914400" rtl="0" algn="l">
+            <a:pPr marL="914400" lvl="1" indent="-317500" algn="l" rtl="0">
               <a:spcBef>
                 <a:spcPts val="0"/>
               </a:spcBef>
@@ -9280,7 +9451,7 @@
             <a:endParaRPr/>
           </a:p>
           <a:p>
-            <a:pPr indent="-317500" lvl="1" marL="914400" rtl="0" algn="l">
+            <a:pPr marL="914400" lvl="1" indent="-317500" algn="l" rtl="0">
               <a:spcBef>
                 <a:spcPts val="0"/>
               </a:spcBef>
@@ -9297,7 +9468,7 @@
             <a:endParaRPr/>
           </a:p>
           <a:p>
-            <a:pPr indent="-317500" lvl="1" marL="914400" rtl="0" algn="l">
+            <a:pPr marL="914400" lvl="1" indent="-317500" algn="l" rtl="0">
               <a:spcBef>
                 <a:spcPts val="0"/>
               </a:spcBef>
@@ -9314,7 +9485,7 @@
             <a:endParaRPr/>
           </a:p>
           <a:p>
-            <a:pPr indent="-342900" lvl="0" marL="457200" rtl="0" algn="l">
+            <a:pPr marL="457200" lvl="0" indent="-342900" algn="l" rtl="0">
               <a:spcBef>
                 <a:spcPts val="0"/>
               </a:spcBef>
@@ -9329,11 +9500,11 @@
               <a:t>Saved as </a:t>
             </a:r>
             <a:r>
-              <a:rPr b="1" lang="en"/>
+              <a:rPr lang="en" b="1"/>
               <a:t>original_MIDAS_filename.mid</a:t>
             </a:r>
             <a:r>
-              <a:rPr b="1" lang="en">
+              <a:rPr lang="en" b="1">
                 <a:solidFill>
                   <a:srgbClr val="FF0000"/>
                 </a:solidFill>
@@ -9347,7 +9518,7 @@
             </a:endParaRPr>
           </a:p>
           <a:p>
-            <a:pPr indent="-342900" lvl="0" marL="457200" rtl="0" algn="l">
+            <a:pPr marL="457200" lvl="0" indent="-342900" algn="l" rtl="0">
               <a:spcBef>
                 <a:spcPts val="0"/>
               </a:spcBef>
@@ -9392,14 +9563,14 @@
             <a:avLst/>
           </a:prstGeom>
           <a:noFill/>
-          <a:ln cap="flat" cmpd="sng" w="19050">
+          <a:ln w="19050" cap="flat" cmpd="sng">
             <a:solidFill>
               <a:schemeClr val="dk2"/>
             </a:solidFill>
             <a:prstDash val="solid"/>
             <a:round/>
-            <a:headEnd len="sm" w="sm" type="none"/>
-            <a:tailEnd len="sm" w="sm" type="none"/>
+            <a:headEnd type="none" w="sm" len="sm"/>
+            <a:tailEnd type="none" w="sm" len="sm"/>
           </a:ln>
         </p:spPr>
       </p:pic>
@@ -9412,11 +9583,11 @@
 </file>
 
 <file path=ppt/slides/slide14.xml><?xml version="1.0" encoding="utf-8"?>
-<p:sld xmlns:a="http://schemas.openxmlformats.org/drawingml/2006/main" xmlns:r="http://schemas.openxmlformats.org/officeDocument/2006/relationships" xmlns:mc="http://schemas.openxmlformats.org/markup-compatibility/2006" xmlns:mv="urn:schemas-microsoft-com:mac:vml" xmlns:p="http://schemas.openxmlformats.org/presentationml/2006/main" xmlns:c="http://schemas.openxmlformats.org/drawingml/2006/chart" xmlns:dgm="http://schemas.openxmlformats.org/drawingml/2006/diagram" xmlns:o="urn:schemas-microsoft-com:office:office" xmlns:v="urn:schemas-microsoft-com:vml" xmlns:pvml="urn:schemas-microsoft-com:office:powerpoint" xmlns:com="http://schemas.openxmlformats.org/drawingml/2006/compatibility" xmlns:p14="http://schemas.microsoft.com/office/powerpoint/2010/main" xmlns:p15="http://schemas.microsoft.com/office/powerpoint/2012/main" xmlns:ahyp="http://schemas.microsoft.com/office/drawing/2018/hyperlinkcolor">
+<p:sld xmlns:a="http://schemas.openxmlformats.org/drawingml/2006/main" xmlns:r="http://schemas.openxmlformats.org/officeDocument/2006/relationships" xmlns:p="http://schemas.openxmlformats.org/presentationml/2006/main">
   <p:cSld>
     <p:spTree>
       <p:nvGrpSpPr>
-        <p:cNvPr id="152" name="Shape 152"/>
+        <p:cNvPr id="1" name="Shape 152"/>
         <p:cNvGrpSpPr/>
         <p:nvPr/>
       </p:nvGrpSpPr>
@@ -9431,7 +9602,9 @@
       <p:sp>
         <p:nvSpPr>
           <p:cNvPr id="153" name="Google Shape;153;p26"/>
-          <p:cNvSpPr txBox="1"/>
+          <p:cNvSpPr txBox="1">
+            <a:spLocks noGrp="1"/>
+          </p:cNvSpPr>
           <p:nvPr>
             <p:ph type="title"/>
           </p:nvPr>
@@ -9446,12 +9619,12 @@
           </a:prstGeom>
         </p:spPr>
         <p:txBody>
-          <a:bodyPr anchorCtr="0" anchor="b" bIns="91425" lIns="91425" spcFirstLastPara="1" rIns="91425" wrap="square" tIns="91425">
+          <a:bodyPr spcFirstLastPara="1" wrap="square" lIns="91425" tIns="91425" rIns="91425" bIns="91425" anchor="b" anchorCtr="0">
             <a:normAutofit/>
           </a:bodyPr>
           <a:lstStyle/>
           <a:p>
-            <a:pPr indent="0" lvl="0" marL="0" rtl="0" algn="l">
+            <a:pPr marL="0" lvl="0" indent="0" algn="l" rtl="0">
               <a:spcBef>
                 <a:spcPts val="0"/>
               </a:spcBef>
@@ -9471,9 +9644,11 @@
       <p:sp>
         <p:nvSpPr>
           <p:cNvPr id="154" name="Google Shape;154;p26"/>
-          <p:cNvSpPr txBox="1"/>
+          <p:cNvSpPr txBox="1">
+            <a:spLocks noGrp="1"/>
+          </p:cNvSpPr>
           <p:nvPr>
-            <p:ph idx="1" type="body"/>
+            <p:ph type="body" idx="1"/>
           </p:nvPr>
         </p:nvSpPr>
         <p:spPr>
@@ -9486,12 +9661,12 @@
           </a:prstGeom>
         </p:spPr>
         <p:txBody>
-          <a:bodyPr anchorCtr="0" anchor="t" bIns="91425" lIns="91425" spcFirstLastPara="1" rIns="91425" wrap="square" tIns="91425">
+          <a:bodyPr spcFirstLastPara="1" wrap="square" lIns="91425" tIns="91425" rIns="91425" bIns="91425" anchor="t" anchorCtr="0">
             <a:normAutofit/>
           </a:bodyPr>
           <a:lstStyle/>
           <a:p>
-            <a:pPr indent="-342900" lvl="0" marL="457200" rtl="0" algn="l">
+            <a:pPr marL="457200" lvl="0" indent="-342900" algn="l" rtl="0">
               <a:spcBef>
                 <a:spcPts val="0"/>
               </a:spcBef>
@@ -9506,13 +9681,13 @@
               <a:t>For each final file (Tacc &gt; 0), we need to pair it with the reference file (Tacc = 0) </a:t>
             </a:r>
             <a:r>
-              <a:rPr i="1" lang="en"/>
+              <a:rPr lang="en" i="1"/>
               <a:t>closest to it in time</a:t>
             </a:r>
             <a:endParaRPr/>
           </a:p>
           <a:p>
-            <a:pPr indent="-342900" lvl="0" marL="457200" rtl="0" algn="l">
+            <a:pPr marL="457200" lvl="0" indent="-342900" algn="l" rtl="0">
               <a:spcBef>
                 <a:spcPts val="0"/>
               </a:spcBef>
@@ -9529,7 +9704,7 @@
             <a:endParaRPr/>
           </a:p>
           <a:p>
-            <a:pPr indent="-317500" lvl="1" marL="914400" rtl="0" algn="l">
+            <a:pPr marL="914400" lvl="1" indent="-317500" algn="l" rtl="0">
               <a:spcBef>
                 <a:spcPts val="0"/>
               </a:spcBef>
@@ -9541,14 +9716,10 @@
             </a:pPr>
             <a:r>
               <a:rPr lang="en"/>
-              <a:t>f</a:t>
-            </a:r>
-            <a:r>
-              <a:rPr lang="en"/>
-              <a:t>ile_start is </a:t>
-            </a:r>
-            <a:r>
-              <a:rPr b="1" lang="en"/>
+              <a:t>file_start is </a:t>
+            </a:r>
+            <a:r>
+              <a:rPr lang="en" b="1"/>
               <a:t>event_time[0] </a:t>
             </a:r>
             <a:r>
@@ -9556,7 +9727,7 @@
               <a:t>and file_end is </a:t>
             </a:r>
             <a:r>
-              <a:rPr b="1" lang="en"/>
+              <a:rPr lang="en" b="1"/>
               <a:t>event_time[-1] </a:t>
             </a:r>
             <a:r>
@@ -9566,7 +9737,7 @@
             <a:endParaRPr/>
           </a:p>
           <a:p>
-            <a:pPr indent="-342900" lvl="0" marL="457200" rtl="0" algn="l">
+            <a:pPr marL="457200" lvl="0" indent="-342900" algn="l" rtl="0">
               <a:spcBef>
                 <a:spcPts val="0"/>
               </a:spcBef>
@@ -9578,14 +9749,10 @@
             </a:pPr>
             <a:r>
               <a:rPr lang="en"/>
-              <a:t>We find the difference between the midpoint time of the final file and all </a:t>
-            </a:r>
-            <a:r>
-              <a:rPr lang="en"/>
-              <a:t>reference files, and pair the actual file with the reference file of </a:t>
-            </a:r>
-            <a:r>
-              <a:rPr i="1" lang="en"/>
+              <a:t>We find the difference between the midpoint time of the final file and all reference files, and pair the actual file with the reference file of </a:t>
+            </a:r>
+            <a:r>
+              <a:rPr lang="en" i="1"/>
               <a:t>smallest</a:t>
             </a:r>
             <a:r>
@@ -9619,14 +9786,14 @@
             <a:avLst/>
           </a:prstGeom>
           <a:noFill/>
-          <a:ln cap="flat" cmpd="sng" w="19050">
+          <a:ln w="19050" cap="flat" cmpd="sng">
             <a:solidFill>
               <a:schemeClr val="dk2"/>
             </a:solidFill>
             <a:prstDash val="solid"/>
             <a:round/>
-            <a:headEnd len="sm" w="sm" type="none"/>
-            <a:tailEnd len="sm" w="sm" type="none"/>
+            <a:headEnd type="none" w="sm" len="sm"/>
+            <a:tailEnd type="none" w="sm" len="sm"/>
           </a:ln>
         </p:spPr>
       </p:pic>
@@ -9639,11 +9806,11 @@
 </file>
 
 <file path=ppt/slides/slide15.xml><?xml version="1.0" encoding="utf-8"?>
-<p:sld xmlns:a="http://schemas.openxmlformats.org/drawingml/2006/main" xmlns:r="http://schemas.openxmlformats.org/officeDocument/2006/relationships" xmlns:mc="http://schemas.openxmlformats.org/markup-compatibility/2006" xmlns:mv="urn:schemas-microsoft-com:mac:vml" xmlns:p="http://schemas.openxmlformats.org/presentationml/2006/main" xmlns:c="http://schemas.openxmlformats.org/drawingml/2006/chart" xmlns:dgm="http://schemas.openxmlformats.org/drawingml/2006/diagram" xmlns:o="urn:schemas-microsoft-com:office:office" xmlns:v="urn:schemas-microsoft-com:vml" xmlns:pvml="urn:schemas-microsoft-com:office:powerpoint" xmlns:com="http://schemas.openxmlformats.org/drawingml/2006/compatibility" xmlns:p14="http://schemas.microsoft.com/office/powerpoint/2010/main" xmlns:p15="http://schemas.microsoft.com/office/powerpoint/2012/main" xmlns:ahyp="http://schemas.microsoft.com/office/drawing/2018/hyperlinkcolor">
+<p:sld xmlns:a="http://schemas.openxmlformats.org/drawingml/2006/main" xmlns:r="http://schemas.openxmlformats.org/officeDocument/2006/relationships" xmlns:p="http://schemas.openxmlformats.org/presentationml/2006/main">
   <p:cSld>
     <p:spTree>
       <p:nvGrpSpPr>
-        <p:cNvPr id="159" name="Shape 159"/>
+        <p:cNvPr id="1" name="Shape 159"/>
         <p:cNvGrpSpPr/>
         <p:nvPr/>
       </p:nvGrpSpPr>
@@ -9658,7 +9825,9 @@
       <p:sp>
         <p:nvSpPr>
           <p:cNvPr id="160" name="Google Shape;160;p27"/>
-          <p:cNvSpPr txBox="1"/>
+          <p:cNvSpPr txBox="1">
+            <a:spLocks noGrp="1"/>
+          </p:cNvSpPr>
           <p:nvPr>
             <p:ph type="title"/>
           </p:nvPr>
@@ -9673,12 +9842,12 @@
           </a:prstGeom>
         </p:spPr>
         <p:txBody>
-          <a:bodyPr anchorCtr="0" anchor="b" bIns="91425" lIns="91425" spcFirstLastPara="1" rIns="91425" wrap="square" tIns="91425">
+          <a:bodyPr spcFirstLastPara="1" wrap="square" lIns="91425" tIns="91425" rIns="91425" bIns="91425" anchor="b" anchorCtr="0">
             <a:normAutofit/>
           </a:bodyPr>
           <a:lstStyle/>
           <a:p>
-            <a:pPr indent="0" lvl="0" marL="0" rtl="0" algn="l">
+            <a:pPr marL="0" lvl="0" indent="0" algn="l" rtl="0">
               <a:spcBef>
                 <a:spcPts val="0"/>
               </a:spcBef>
@@ -9698,9 +9867,11 @@
       <p:sp>
         <p:nvSpPr>
           <p:cNvPr id="161" name="Google Shape;161;p27"/>
-          <p:cNvSpPr txBox="1"/>
+          <p:cNvSpPr txBox="1">
+            <a:spLocks noGrp="1"/>
+          </p:cNvSpPr>
           <p:nvPr>
-            <p:ph idx="1" type="body"/>
+            <p:ph type="body" idx="1"/>
           </p:nvPr>
         </p:nvSpPr>
         <p:spPr>
@@ -9713,12 +9884,12 @@
           </a:prstGeom>
         </p:spPr>
         <p:txBody>
-          <a:bodyPr anchorCtr="0" anchor="t" bIns="91425" lIns="91425" spcFirstLastPara="1" rIns="91425" wrap="square" tIns="91425">
+          <a:bodyPr spcFirstLastPara="1" wrap="square" lIns="91425" tIns="91425" rIns="91425" bIns="91425" anchor="t" anchorCtr="0">
             <a:normAutofit/>
           </a:bodyPr>
           <a:lstStyle/>
           <a:p>
-            <a:pPr indent="-342900" lvl="0" marL="457200" rtl="0" algn="l">
+            <a:pPr marL="457200" lvl="0" indent="-342900" algn="l" rtl="0">
               <a:spcBef>
                 <a:spcPts val="0"/>
               </a:spcBef>
@@ -9735,7 +9906,7 @@
             <a:endParaRPr/>
           </a:p>
           <a:p>
-            <a:pPr indent="-317500" lvl="1" marL="914400" rtl="0" algn="l">
+            <a:pPr marL="914400" lvl="1" indent="-317500" algn="l" rtl="0">
               <a:spcBef>
                 <a:spcPts val="0"/>
               </a:spcBef>
@@ -9752,7 +9923,7 @@
             <a:endParaRPr/>
           </a:p>
           <a:p>
-            <a:pPr indent="-317500" lvl="1" marL="914400" rtl="0" algn="l">
+            <a:pPr marL="914400" lvl="1" indent="-317500" algn="l" rtl="0">
               <a:spcBef>
                 <a:spcPts val="0"/>
               </a:spcBef>
@@ -9769,7 +9940,7 @@
             <a:endParaRPr/>
           </a:p>
           <a:p>
-            <a:pPr indent="-317500" lvl="1" marL="914400" rtl="0" algn="l">
+            <a:pPr marL="914400" lvl="1" indent="-317500" algn="l" rtl="0">
               <a:spcBef>
                 <a:spcPts val="0"/>
               </a:spcBef>
@@ -9781,20 +9952,12 @@
             </a:pPr>
             <a:r>
               <a:rPr lang="en"/>
-              <a:t>Column 3: </a:t>
-            </a:r>
-            <a:r>
-              <a:rPr lang="en"/>
-              <a:t>Reference</a:t>
-            </a:r>
-            <a:r>
-              <a:rPr lang="en"/>
-              <a:t> File Assignment for each Final File</a:t>
-            </a:r>
-            <a:endParaRPr/>
-          </a:p>
-          <a:p>
-            <a:pPr indent="-317500" lvl="2" marL="1371600" rtl="0" algn="l">
+              <a:t>Column 3: Reference File Assignment for each Final File</a:t>
+            </a:r>
+            <a:endParaRPr/>
+          </a:p>
+          <a:p>
+            <a:pPr marL="1371600" lvl="2" indent="-317500" algn="l" rtl="0">
               <a:spcBef>
                 <a:spcPts val="0"/>
               </a:spcBef>
@@ -9811,7 +9974,7 @@
             <a:endParaRPr/>
           </a:p>
           <a:p>
-            <a:pPr indent="-317500" lvl="2" marL="1371600" rtl="0" algn="l">
+            <a:pPr marL="1371600" lvl="2" indent="-317500" algn="l" rtl="0">
               <a:spcBef>
                 <a:spcPts val="0"/>
               </a:spcBef>
@@ -9823,16 +9986,12 @@
             </a:pPr>
             <a:r>
               <a:rPr lang="en"/>
-              <a:t>Numbering of associated </a:t>
-            </a:r>
-            <a:r>
-              <a:rPr lang="en"/>
-              <a:t>references correspondings to ordering of references in first column</a:t>
-            </a:r>
-            <a:endParaRPr/>
-          </a:p>
-          <a:p>
-            <a:pPr indent="-342900" lvl="0" marL="457200" rtl="0" algn="l">
+              <a:t>Numbering of associated references correspondings to ordering of references in first column</a:t>
+            </a:r>
+            <a:endParaRPr/>
+          </a:p>
+          <a:p>
+            <a:pPr marL="457200" lvl="0" indent="-342900" algn="l" rtl="0">
               <a:spcBef>
                 <a:spcPts val="0"/>
               </a:spcBef>
@@ -9847,7 +10006,7 @@
               <a:t>Saved as </a:t>
             </a:r>
             <a:r>
-              <a:rPr b="1" lang="en">
+              <a:rPr lang="en" b="1">
                 <a:solidFill>
                   <a:srgbClr val="9900FF"/>
                 </a:solidFill>
@@ -9855,7 +10014,7 @@
               <a:t>inputDirectoryName_</a:t>
             </a:r>
             <a:r>
-              <a:rPr b="1" lang="en">
+              <a:rPr lang="en" b="1">
                 <a:solidFill>
                   <a:srgbClr val="4A86E8"/>
                 </a:solidFill>
@@ -9863,7 +10022,7 @@
               <a:t>firstTacc</a:t>
             </a:r>
             <a:r>
-              <a:rPr b="1" lang="en">
+              <a:rPr lang="en" b="1">
                 <a:solidFill>
                   <a:srgbClr val="FF0000"/>
                 </a:solidFill>
@@ -9877,7 +10036,7 @@
             </a:endParaRPr>
           </a:p>
           <a:p>
-            <a:pPr indent="-317500" lvl="1" marL="914400" rtl="0" algn="l">
+            <a:pPr marL="914400" lvl="1" indent="-317500" algn="l" rtl="0">
               <a:spcBef>
                 <a:spcPts val="0"/>
               </a:spcBef>
@@ -9894,7 +10053,7 @@
             <a:endParaRPr/>
           </a:p>
           <a:p>
-            <a:pPr indent="-317500" lvl="1" marL="914400" rtl="0" algn="l">
+            <a:pPr marL="914400" lvl="1" indent="-317500" algn="l" rtl="0">
               <a:spcBef>
                 <a:spcPts val="0"/>
               </a:spcBef>
@@ -9921,11 +10080,11 @@
 </file>
 
 <file path=ppt/slides/slide16.xml><?xml version="1.0" encoding="utf-8"?>
-<p:sld xmlns:a="http://schemas.openxmlformats.org/drawingml/2006/main" xmlns:r="http://schemas.openxmlformats.org/officeDocument/2006/relationships" xmlns:mc="http://schemas.openxmlformats.org/markup-compatibility/2006" xmlns:mv="urn:schemas-microsoft-com:mac:vml" xmlns:p="http://schemas.openxmlformats.org/presentationml/2006/main" xmlns:c="http://schemas.openxmlformats.org/drawingml/2006/chart" xmlns:dgm="http://schemas.openxmlformats.org/drawingml/2006/diagram" xmlns:o="urn:schemas-microsoft-com:office:office" xmlns:v="urn:schemas-microsoft-com:vml" xmlns:pvml="urn:schemas-microsoft-com:office:powerpoint" xmlns:com="http://schemas.openxmlformats.org/drawingml/2006/compatibility" xmlns:p14="http://schemas.microsoft.com/office/powerpoint/2010/main" xmlns:p15="http://schemas.microsoft.com/office/powerpoint/2012/main" xmlns:ahyp="http://schemas.microsoft.com/office/drawing/2018/hyperlinkcolor">
+<p:sld xmlns:a="http://schemas.openxmlformats.org/drawingml/2006/main" xmlns:r="http://schemas.openxmlformats.org/officeDocument/2006/relationships" xmlns:p="http://schemas.openxmlformats.org/presentationml/2006/main">
   <p:cSld>
     <p:spTree>
       <p:nvGrpSpPr>
-        <p:cNvPr id="165" name="Shape 165"/>
+        <p:cNvPr id="1" name="Shape 165"/>
         <p:cNvGrpSpPr/>
         <p:nvPr/>
       </p:nvGrpSpPr>
@@ -9940,7 +10099,9 @@
       <p:sp>
         <p:nvSpPr>
           <p:cNvPr id="166" name="Google Shape;166;p28"/>
-          <p:cNvSpPr txBox="1"/>
+          <p:cNvSpPr txBox="1">
+            <a:spLocks noGrp="1"/>
+          </p:cNvSpPr>
           <p:nvPr>
             <p:ph type="title"/>
           </p:nvPr>
@@ -9955,12 +10116,12 @@
           </a:prstGeom>
         </p:spPr>
         <p:txBody>
-          <a:bodyPr anchorCtr="0" anchor="b" bIns="91425" lIns="91425" spcFirstLastPara="1" rIns="91425" wrap="square" tIns="91425">
+          <a:bodyPr spcFirstLastPara="1" wrap="square" lIns="91425" tIns="91425" rIns="91425" bIns="91425" anchor="b" anchorCtr="0">
             <a:normAutofit/>
           </a:bodyPr>
           <a:lstStyle/>
           <a:p>
-            <a:pPr indent="0" lvl="0" marL="0" rtl="0" algn="l">
+            <a:pPr marL="0" lvl="0" indent="0" algn="l" rtl="0">
               <a:spcBef>
                 <a:spcPts val="0"/>
               </a:spcBef>
@@ -9980,9 +10141,11 @@
       <p:sp>
         <p:nvSpPr>
           <p:cNvPr id="167" name="Google Shape;167;p28"/>
-          <p:cNvSpPr txBox="1"/>
+          <p:cNvSpPr txBox="1">
+            <a:spLocks noGrp="1"/>
+          </p:cNvSpPr>
           <p:nvPr>
-            <p:ph idx="1" type="body"/>
+            <p:ph type="body" idx="1"/>
           </p:nvPr>
         </p:nvSpPr>
         <p:spPr>
@@ -9995,12 +10158,12 @@
           </a:prstGeom>
         </p:spPr>
         <p:txBody>
-          <a:bodyPr anchorCtr="0" anchor="t" bIns="91425" lIns="91425" spcFirstLastPara="1" rIns="91425" wrap="square" tIns="91425">
+          <a:bodyPr spcFirstLastPara="1" wrap="square" lIns="91425" tIns="91425" rIns="91425" bIns="91425" anchor="t" anchorCtr="0">
             <a:normAutofit/>
           </a:bodyPr>
           <a:lstStyle/>
           <a:p>
-            <a:pPr indent="-342900" lvl="0" marL="457200" rtl="0" algn="l">
+            <a:pPr marL="457200" lvl="0" indent="-342900" algn="l" rtl="0">
               <a:spcBef>
                 <a:spcPts val="0"/>
               </a:spcBef>
@@ -10041,14 +10204,14 @@
             <a:avLst/>
           </a:prstGeom>
           <a:noFill/>
-          <a:ln cap="flat" cmpd="sng" w="19050">
+          <a:ln w="19050" cap="flat" cmpd="sng">
             <a:solidFill>
               <a:schemeClr val="dk2"/>
             </a:solidFill>
             <a:prstDash val="solid"/>
             <a:round/>
-            <a:headEnd len="sm" w="sm" type="none"/>
-            <a:tailEnd len="sm" w="sm" type="none"/>
+            <a:headEnd type="none" w="sm" len="sm"/>
+            <a:tailEnd type="none" w="sm" len="sm"/>
           </a:ln>
         </p:spPr>
       </p:pic>
@@ -10061,11 +10224,11 @@
 </file>
 
 <file path=ppt/slides/slide17.xml><?xml version="1.0" encoding="utf-8"?>
-<p:sld xmlns:a="http://schemas.openxmlformats.org/drawingml/2006/main" xmlns:r="http://schemas.openxmlformats.org/officeDocument/2006/relationships" xmlns:mc="http://schemas.openxmlformats.org/markup-compatibility/2006" xmlns:mv="urn:schemas-microsoft-com:mac:vml" xmlns:p="http://schemas.openxmlformats.org/presentationml/2006/main" xmlns:c="http://schemas.openxmlformats.org/drawingml/2006/chart" xmlns:dgm="http://schemas.openxmlformats.org/drawingml/2006/diagram" xmlns:o="urn:schemas-microsoft-com:office:office" xmlns:v="urn:schemas-microsoft-com:vml" xmlns:pvml="urn:schemas-microsoft-com:office:powerpoint" xmlns:com="http://schemas.openxmlformats.org/drawingml/2006/compatibility" xmlns:p14="http://schemas.microsoft.com/office/powerpoint/2010/main" xmlns:p15="http://schemas.microsoft.com/office/powerpoint/2012/main" xmlns:ahyp="http://schemas.microsoft.com/office/drawing/2018/hyperlinkcolor">
+<p:sld xmlns:a="http://schemas.openxmlformats.org/drawingml/2006/main" xmlns:r="http://schemas.openxmlformats.org/officeDocument/2006/relationships" xmlns:p="http://schemas.openxmlformats.org/presentationml/2006/main">
   <p:cSld>
     <p:spTree>
       <p:nvGrpSpPr>
-        <p:cNvPr id="172" name="Shape 172"/>
+        <p:cNvPr id="1" name="Shape 172"/>
         <p:cNvGrpSpPr/>
         <p:nvPr/>
       </p:nvGrpSpPr>
@@ -10080,9 +10243,11 @@
       <p:sp>
         <p:nvSpPr>
           <p:cNvPr id="173" name="Google Shape;173;p29"/>
-          <p:cNvSpPr txBox="1"/>
+          <p:cNvSpPr txBox="1">
+            <a:spLocks noGrp="1"/>
+          </p:cNvSpPr>
           <p:nvPr>
-            <p:ph idx="1" type="body"/>
+            <p:ph type="body" idx="1"/>
           </p:nvPr>
         </p:nvSpPr>
         <p:spPr>
@@ -10095,12 +10260,12 @@
           </a:prstGeom>
         </p:spPr>
         <p:txBody>
-          <a:bodyPr anchorCtr="0" anchor="t" bIns="91425" lIns="91425" spcFirstLastPara="1" rIns="91425" wrap="square" tIns="91425">
+          <a:bodyPr spcFirstLastPara="1" wrap="square" lIns="91425" tIns="91425" rIns="91425" bIns="91425" anchor="t" anchorCtr="0">
             <a:normAutofit/>
           </a:bodyPr>
           <a:lstStyle/>
           <a:p>
-            <a:pPr indent="-342900" lvl="0" marL="457200" rtl="0" algn="l">
+            <a:pPr marL="457200" lvl="0" indent="-342900" algn="l" rtl="0">
               <a:spcBef>
                 <a:spcPts val="0"/>
               </a:spcBef>
@@ -10115,7 +10280,7 @@
               <a:t>More on </a:t>
             </a:r>
             <a:r>
-              <a:rPr b="1" lang="en"/>
+              <a:rPr lang="en" b="1"/>
               <a:t>titan_data </a:t>
             </a:r>
             <a:r>
@@ -10123,7 +10288,7 @@
               <a:t>and the primary script referenced in this code (</a:t>
             </a:r>
             <a:r>
-              <a:rPr b="1" lang="en"/>
+              <a:rPr lang="en" b="1"/>
               <a:t>../mpet/__init__.py</a:t>
             </a:r>
             <a:r>
@@ -10133,7 +10298,7 @@
             <a:endParaRPr/>
           </a:p>
           <a:p>
-            <a:pPr indent="-317500" lvl="1" marL="914400" rtl="0" algn="l">
+            <a:pPr marL="914400" lvl="1" indent="-317500" algn="l" rtl="0">
               <a:spcBef>
                 <a:spcPts val="0"/>
               </a:spcBef>
@@ -10151,7 +10316,7 @@
                 <a:hlinkClick r:id="rId3">
                   <a:extLst>
                     <a:ext uri="{A12FA001-AC4F-418D-AE19-62706E023703}">
-                      <ahyp:hlinkClr val="tx"/>
+                      <ahyp:hlinkClr xmlns:ahyp="http://schemas.microsoft.com/office/drawing/2018/hyperlinkcolor" val="tx"/>
                     </a:ext>
                   </a:extLst>
                 </a:hlinkClick>
@@ -10161,7 +10326,7 @@
             <a:endParaRPr/>
           </a:p>
           <a:p>
-            <a:pPr indent="-317500" lvl="1" marL="914400" rtl="0" algn="l">
+            <a:pPr marL="914400" lvl="1" indent="-317500" algn="l" rtl="0">
               <a:spcBef>
                 <a:spcPts val="0"/>
               </a:spcBef>
@@ -10179,7 +10344,7 @@
                 <a:hlinkClick r:id="rId4">
                   <a:extLst>
                     <a:ext uri="{A12FA001-AC4F-418D-AE19-62706E023703}">
-                      <ahyp:hlinkClr val="tx"/>
+                      <ahyp:hlinkClr xmlns:ahyp="http://schemas.microsoft.com/office/drawing/2018/hyperlinkcolor" val="tx"/>
                     </a:ext>
                   </a:extLst>
                 </a:hlinkClick>
@@ -10189,7 +10354,7 @@
             <a:endParaRPr/>
           </a:p>
           <a:p>
-            <a:pPr indent="-342900" lvl="0" marL="457200" rtl="0" algn="l">
+            <a:pPr marL="457200" lvl="0" indent="-342900" algn="l" rtl="0">
               <a:spcBef>
                 <a:spcPts val="0"/>
               </a:spcBef>
@@ -10229,11 +10394,11 @@
 </file>
 
 <file path=ppt/slides/slide2.xml><?xml version="1.0" encoding="utf-8"?>
-<p:sld xmlns:a="http://schemas.openxmlformats.org/drawingml/2006/main" xmlns:r="http://schemas.openxmlformats.org/officeDocument/2006/relationships" xmlns:mc="http://schemas.openxmlformats.org/markup-compatibility/2006" xmlns:mv="urn:schemas-microsoft-com:mac:vml" xmlns:p="http://schemas.openxmlformats.org/presentationml/2006/main" xmlns:c="http://schemas.openxmlformats.org/drawingml/2006/chart" xmlns:dgm="http://schemas.openxmlformats.org/drawingml/2006/diagram" xmlns:o="urn:schemas-microsoft-com:office:office" xmlns:v="urn:schemas-microsoft-com:vml" xmlns:pvml="urn:schemas-microsoft-com:office:powerpoint" xmlns:com="http://schemas.openxmlformats.org/drawingml/2006/compatibility" xmlns:p14="http://schemas.microsoft.com/office/powerpoint/2010/main" xmlns:p15="http://schemas.microsoft.com/office/powerpoint/2012/main" xmlns:ahyp="http://schemas.microsoft.com/office/drawing/2018/hyperlinkcolor">
+<p:sld xmlns:a="http://schemas.openxmlformats.org/drawingml/2006/main" xmlns:r="http://schemas.openxmlformats.org/officeDocument/2006/relationships" xmlns:p="http://schemas.openxmlformats.org/presentationml/2006/main">
   <p:cSld>
     <p:spTree>
       <p:nvGrpSpPr>
-        <p:cNvPr id="72" name="Shape 72"/>
+        <p:cNvPr id="1" name="Shape 72"/>
         <p:cNvGrpSpPr/>
         <p:nvPr/>
       </p:nvGrpSpPr>
@@ -10248,7 +10413,9 @@
       <p:sp>
         <p:nvSpPr>
           <p:cNvPr id="73" name="Google Shape;73;p14"/>
-          <p:cNvSpPr txBox="1"/>
+          <p:cNvSpPr txBox="1">
+            <a:spLocks noGrp="1"/>
+          </p:cNvSpPr>
           <p:nvPr>
             <p:ph type="title"/>
           </p:nvPr>
@@ -10263,12 +10430,12 @@
           </a:prstGeom>
         </p:spPr>
         <p:txBody>
-          <a:bodyPr anchorCtr="0" anchor="b" bIns="91425" lIns="91425" spcFirstLastPara="1" rIns="91425" wrap="square" tIns="91425">
+          <a:bodyPr spcFirstLastPara="1" wrap="square" lIns="91425" tIns="91425" rIns="91425" bIns="91425" anchor="b" anchorCtr="0">
             <a:normAutofit/>
           </a:bodyPr>
           <a:lstStyle/>
           <a:p>
-            <a:pPr indent="0" lvl="0" marL="0" rtl="0" algn="l">
+            <a:pPr marL="0" lvl="0" indent="0" algn="l" rtl="0">
               <a:spcBef>
                 <a:spcPts val="0"/>
               </a:spcBef>
@@ -10288,9 +10455,11 @@
       <p:sp>
         <p:nvSpPr>
           <p:cNvPr id="74" name="Google Shape;74;p14"/>
-          <p:cNvSpPr txBox="1"/>
+          <p:cNvSpPr txBox="1">
+            <a:spLocks noGrp="1"/>
+          </p:cNvSpPr>
           <p:nvPr>
-            <p:ph idx="1" type="body"/>
+            <p:ph type="body" idx="1"/>
           </p:nvPr>
         </p:nvSpPr>
         <p:spPr>
@@ -10303,12 +10472,12 @@
           </a:prstGeom>
         </p:spPr>
         <p:txBody>
-          <a:bodyPr anchorCtr="0" anchor="t" bIns="91425" lIns="91425" spcFirstLastPara="1" rIns="91425" wrap="square" tIns="91425">
+          <a:bodyPr spcFirstLastPara="1" wrap="square" lIns="91425" tIns="91425" rIns="91425" bIns="91425" anchor="t" anchorCtr="0">
             <a:normAutofit/>
           </a:bodyPr>
           <a:lstStyle/>
           <a:p>
-            <a:pPr indent="-342900" lvl="0" marL="457200" rtl="0" algn="l">
+            <a:pPr marL="457200" lvl="0" indent="-342900" algn="l" rtl="0">
               <a:spcBef>
                 <a:spcPts val="0"/>
               </a:spcBef>
@@ -10319,7 +10488,7 @@
               <a:buChar char="-"/>
             </a:pPr>
             <a:r>
-              <a:rPr b="1" lang="en"/>
+              <a:rPr lang="en" b="1"/>
               <a:t>Language: </a:t>
             </a:r>
             <a:r>
@@ -10329,7 +10498,7 @@
             <a:endParaRPr/>
           </a:p>
           <a:p>
-            <a:pPr indent="-342900" lvl="0" marL="457200" rtl="0" algn="l">
+            <a:pPr marL="457200" lvl="0" indent="-342900" algn="l" rtl="0">
               <a:spcBef>
                 <a:spcPts val="0"/>
               </a:spcBef>
@@ -10341,16 +10510,12 @@
             </a:pPr>
             <a:r>
               <a:rPr lang="en"/>
-              <a:t>m</a:t>
-            </a:r>
-            <a:r>
-              <a:rPr lang="en"/>
-              <a:t>idas_to_phiat.py converts MIDAS files output by the MPET DAQ to readable .csv files for input into PhIAT.m</a:t>
-            </a:r>
-            <a:endParaRPr/>
-          </a:p>
-          <a:p>
-            <a:pPr indent="-342900" lvl="0" marL="457200" rtl="0" algn="l">
+              <a:t>midas_to_phiat.py converts MIDAS files output by the MPET DAQ to readable .csv files for input into PhIAT.m</a:t>
+            </a:r>
+            <a:endParaRPr/>
+          </a:p>
+          <a:p>
+            <a:pPr marL="457200" lvl="0" indent="-342900" algn="l" rtl="0">
               <a:spcBef>
                 <a:spcPts val="0"/>
               </a:spcBef>
@@ -10361,7 +10526,7 @@
               <a:buChar char="-"/>
             </a:pPr>
             <a:r>
-              <a:rPr b="1" lang="en"/>
+              <a:rPr lang="en" b="1"/>
               <a:t>Input: </a:t>
             </a:r>
             <a:r>
@@ -10383,7 +10548,7 @@
             </a:endParaRPr>
           </a:p>
           <a:p>
-            <a:pPr indent="-342900" lvl="0" marL="457200" rtl="0" algn="l">
+            <a:pPr marL="457200" lvl="0" indent="-342900" algn="l" rtl="0">
               <a:spcBef>
                 <a:spcPts val="0"/>
               </a:spcBef>
@@ -10394,13 +10559,13 @@
               <a:buChar char="-"/>
             </a:pPr>
             <a:r>
-              <a:rPr b="1" lang="en"/>
+              <a:rPr lang="en" b="1"/>
               <a:t>Output:</a:t>
             </a:r>
             <a:endParaRPr b="1"/>
           </a:p>
           <a:p>
-            <a:pPr indent="-317500" lvl="1" marL="914400" rtl="0" algn="l">
+            <a:pPr marL="914400" lvl="1" indent="-317500" algn="l" rtl="0">
               <a:spcBef>
                 <a:spcPts val="0"/>
               </a:spcBef>
@@ -10417,7 +10582,7 @@
             <a:endParaRPr/>
           </a:p>
           <a:p>
-            <a:pPr indent="-317500" lvl="1" marL="914400" rtl="0" algn="l">
+            <a:pPr marL="914400" lvl="1" indent="-317500" algn="l" rtl="0">
               <a:spcBef>
                 <a:spcPts val="0"/>
               </a:spcBef>
@@ -10434,7 +10599,7 @@
             <a:endParaRPr/>
           </a:p>
           <a:p>
-            <a:pPr indent="-317500" lvl="1" marL="914400" rtl="0" algn="l">
+            <a:pPr marL="914400" lvl="1" indent="-317500" algn="l" rtl="0">
               <a:spcBef>
                 <a:spcPts val="0"/>
               </a:spcBef>
@@ -10461,11 +10626,11 @@
 </file>
 
 <file path=ppt/slides/slide3.xml><?xml version="1.0" encoding="utf-8"?>
-<p:sld xmlns:a="http://schemas.openxmlformats.org/drawingml/2006/main" xmlns:r="http://schemas.openxmlformats.org/officeDocument/2006/relationships" xmlns:mc="http://schemas.openxmlformats.org/markup-compatibility/2006" xmlns:mv="urn:schemas-microsoft-com:mac:vml" xmlns:p="http://schemas.openxmlformats.org/presentationml/2006/main" xmlns:c="http://schemas.openxmlformats.org/drawingml/2006/chart" xmlns:dgm="http://schemas.openxmlformats.org/drawingml/2006/diagram" xmlns:o="urn:schemas-microsoft-com:office:office" xmlns:v="urn:schemas-microsoft-com:vml" xmlns:pvml="urn:schemas-microsoft-com:office:powerpoint" xmlns:com="http://schemas.openxmlformats.org/drawingml/2006/compatibility" xmlns:p14="http://schemas.microsoft.com/office/powerpoint/2010/main" xmlns:p15="http://schemas.microsoft.com/office/powerpoint/2012/main" xmlns:ahyp="http://schemas.microsoft.com/office/drawing/2018/hyperlinkcolor">
+<p:sld xmlns:a="http://schemas.openxmlformats.org/drawingml/2006/main" xmlns:r="http://schemas.openxmlformats.org/officeDocument/2006/relationships" xmlns:p="http://schemas.openxmlformats.org/presentationml/2006/main">
   <p:cSld>
     <p:spTree>
       <p:nvGrpSpPr>
-        <p:cNvPr id="78" name="Shape 78"/>
+        <p:cNvPr id="1" name="Shape 78"/>
         <p:cNvGrpSpPr/>
         <p:nvPr/>
       </p:nvGrpSpPr>
@@ -10480,7 +10645,9 @@
       <p:sp>
         <p:nvSpPr>
           <p:cNvPr id="79" name="Google Shape;79;p15"/>
-          <p:cNvSpPr txBox="1"/>
+          <p:cNvSpPr txBox="1">
+            <a:spLocks noGrp="1"/>
+          </p:cNvSpPr>
           <p:nvPr>
             <p:ph type="title"/>
           </p:nvPr>
@@ -10495,12 +10662,12 @@
           </a:prstGeom>
         </p:spPr>
         <p:txBody>
-          <a:bodyPr anchorCtr="0" anchor="b" bIns="91425" lIns="91425" spcFirstLastPara="1" rIns="91425" wrap="square" tIns="91425">
+          <a:bodyPr spcFirstLastPara="1" wrap="square" lIns="91425" tIns="91425" rIns="91425" bIns="91425" anchor="b" anchorCtr="0">
             <a:normAutofit/>
           </a:bodyPr>
           <a:lstStyle/>
           <a:p>
-            <a:pPr indent="0" lvl="0" marL="0" rtl="0" algn="l">
+            <a:pPr marL="0" lvl="0" indent="0" algn="l" rtl="0">
               <a:spcBef>
                 <a:spcPts val="0"/>
               </a:spcBef>
@@ -10520,9 +10687,11 @@
       <p:sp>
         <p:nvSpPr>
           <p:cNvPr id="80" name="Google Shape;80;p15"/>
-          <p:cNvSpPr txBox="1"/>
+          <p:cNvSpPr txBox="1">
+            <a:spLocks noGrp="1"/>
+          </p:cNvSpPr>
           <p:nvPr>
-            <p:ph idx="1" type="body"/>
+            <p:ph type="body" idx="1"/>
           </p:nvPr>
         </p:nvSpPr>
         <p:spPr>
@@ -10535,12 +10704,12 @@
           </a:prstGeom>
         </p:spPr>
         <p:txBody>
-          <a:bodyPr anchorCtr="0" anchor="t" bIns="91425" lIns="91425" spcFirstLastPara="1" rIns="91425" wrap="square" tIns="91425">
+          <a:bodyPr spcFirstLastPara="1" wrap="square" lIns="91425" tIns="91425" rIns="91425" bIns="91425" anchor="t" anchorCtr="0">
             <a:normAutofit/>
           </a:bodyPr>
           <a:lstStyle/>
           <a:p>
-            <a:pPr indent="-342900" lvl="0" marL="457200" rtl="0" algn="l">
+            <a:pPr marL="457200" lvl="0" indent="-342900" algn="l" rtl="0">
               <a:spcBef>
                 <a:spcPts val="0"/>
               </a:spcBef>
@@ -10552,20 +10721,16 @@
             </a:pPr>
             <a:r>
               <a:rPr lang="en"/>
-              <a:t>m</a:t>
-            </a:r>
-            <a:r>
-              <a:rPr lang="en"/>
-              <a:t>idas_to_phiat.py requires you download the </a:t>
-            </a:r>
-            <a:r>
-              <a:rPr b="1" lang="en"/>
+              <a:t>midas_to_phiat.py requires you download the </a:t>
+            </a:r>
+            <a:r>
+              <a:rPr lang="en" b="1"/>
               <a:t>titan_data package</a:t>
             </a:r>
             <a:endParaRPr/>
           </a:p>
           <a:p>
-            <a:pPr indent="-317500" lvl="1" marL="914400" rtl="0" algn="l">
+            <a:pPr marL="914400" lvl="1" indent="-317500" algn="l" rtl="0">
               <a:spcBef>
                 <a:spcPts val="0"/>
               </a:spcBef>
@@ -10593,14 +10758,14 @@
                 <a:solidFill>
                   <a:schemeClr val="hlink"/>
                 </a:solidFill>
-                <a:hlinkClick r:id="rId4"/>
+                <a:hlinkClick r:id="rId3"/>
               </a:rPr>
               <a:t>/</a:t>
             </a:r>
             <a:endParaRPr/>
           </a:p>
           <a:p>
-            <a:pPr indent="0" lvl="0" marL="457200" rtl="0" algn="l">
+            <a:pPr marL="457200" lvl="0" indent="0" algn="l" rtl="0">
               <a:spcBef>
                 <a:spcPts val="1200"/>
               </a:spcBef>
@@ -10609,13 +10774,10 @@
               </a:spcAft>
               <a:buNone/>
             </a:pPr>
-            <a:r>
-              <a:t/>
-            </a:r>
-            <a:endParaRPr/>
-          </a:p>
-          <a:p>
-            <a:pPr indent="-342900" lvl="0" marL="457200" rtl="0" algn="l">
+            <a:endParaRPr/>
+          </a:p>
+          <a:p>
+            <a:pPr marL="457200" lvl="0" indent="-342900" algn="l" rtl="0">
               <a:spcBef>
                 <a:spcPts val="1200"/>
               </a:spcBef>
@@ -10627,15 +10789,7 @@
             </a:pPr>
             <a:r>
               <a:rPr lang="en"/>
-              <a:t>On Line 20: Change the </a:t>
-            </a:r>
-            <a:r>
-              <a:rPr lang="en"/>
-              <a:t>address</a:t>
-            </a:r>
-            <a:r>
-              <a:rPr lang="en"/>
-              <a:t> in sys.path.append from </a:t>
+              <a:t>On Line 20: Change the address in sys.path.append from </a:t>
             </a:r>
             <a:r>
               <a:rPr lang="en" sz="1400">
@@ -10680,7 +10834,7 @@
           <p:nvPr/>
         </p:nvPicPr>
         <p:blipFill>
-          <a:blip r:embed="rId5">
+          <a:blip r:embed="rId4">
             <a:alphaModFix/>
           </a:blip>
           <a:stretch>
@@ -10696,14 +10850,14 @@
             <a:avLst/>
           </a:prstGeom>
           <a:noFill/>
-          <a:ln cap="flat" cmpd="sng" w="19050">
+          <a:ln w="19050" cap="flat" cmpd="sng">
             <a:solidFill>
               <a:schemeClr val="dk2"/>
             </a:solidFill>
             <a:prstDash val="solid"/>
             <a:round/>
-            <a:headEnd len="sm" w="sm" type="none"/>
-            <a:tailEnd len="sm" w="sm" type="none"/>
+            <a:headEnd type="none" w="sm" len="sm"/>
+            <a:tailEnd type="none" w="sm" len="sm"/>
           </a:ln>
         </p:spPr>
       </p:pic>
@@ -10716,11 +10870,11 @@
 </file>
 
 <file path=ppt/slides/slide4.xml><?xml version="1.0" encoding="utf-8"?>
-<p:sld xmlns:a="http://schemas.openxmlformats.org/drawingml/2006/main" xmlns:r="http://schemas.openxmlformats.org/officeDocument/2006/relationships" xmlns:mc="http://schemas.openxmlformats.org/markup-compatibility/2006" xmlns:mv="urn:schemas-microsoft-com:mac:vml" xmlns:p="http://schemas.openxmlformats.org/presentationml/2006/main" xmlns:c="http://schemas.openxmlformats.org/drawingml/2006/chart" xmlns:dgm="http://schemas.openxmlformats.org/drawingml/2006/diagram" xmlns:o="urn:schemas-microsoft-com:office:office" xmlns:v="urn:schemas-microsoft-com:vml" xmlns:pvml="urn:schemas-microsoft-com:office:powerpoint" xmlns:com="http://schemas.openxmlformats.org/drawingml/2006/compatibility" xmlns:p14="http://schemas.microsoft.com/office/powerpoint/2010/main" xmlns:p15="http://schemas.microsoft.com/office/powerpoint/2012/main" xmlns:ahyp="http://schemas.microsoft.com/office/drawing/2018/hyperlinkcolor">
+<p:sld xmlns:a="http://schemas.openxmlformats.org/drawingml/2006/main" xmlns:r="http://schemas.openxmlformats.org/officeDocument/2006/relationships" xmlns:p="http://schemas.openxmlformats.org/presentationml/2006/main">
   <p:cSld>
     <p:spTree>
       <p:nvGrpSpPr>
-        <p:cNvPr id="85" name="Shape 85"/>
+        <p:cNvPr id="1" name="Shape 85"/>
         <p:cNvGrpSpPr/>
         <p:nvPr/>
       </p:nvGrpSpPr>
@@ -10735,7 +10889,9 @@
       <p:sp>
         <p:nvSpPr>
           <p:cNvPr id="86" name="Google Shape;86;p16"/>
-          <p:cNvSpPr txBox="1"/>
+          <p:cNvSpPr txBox="1">
+            <a:spLocks noGrp="1"/>
+          </p:cNvSpPr>
           <p:nvPr>
             <p:ph type="title"/>
           </p:nvPr>
@@ -10750,12 +10906,12 @@
           </a:prstGeom>
         </p:spPr>
         <p:txBody>
-          <a:bodyPr anchorCtr="0" anchor="b" bIns="91425" lIns="91425" spcFirstLastPara="1" rIns="91425" wrap="square" tIns="91425">
+          <a:bodyPr spcFirstLastPara="1" wrap="square" lIns="91425" tIns="91425" rIns="91425" bIns="91425" anchor="b" anchorCtr="0">
             <a:normAutofit/>
           </a:bodyPr>
           <a:lstStyle/>
           <a:p>
-            <a:pPr indent="0" lvl="0" marL="0" rtl="0" algn="l">
+            <a:pPr marL="0" lvl="0" indent="0" algn="l" rtl="0">
               <a:spcBef>
                 <a:spcPts val="0"/>
               </a:spcBef>
@@ -10775,9 +10931,11 @@
       <p:sp>
         <p:nvSpPr>
           <p:cNvPr id="87" name="Google Shape;87;p16"/>
-          <p:cNvSpPr txBox="1"/>
+          <p:cNvSpPr txBox="1">
+            <a:spLocks noGrp="1"/>
+          </p:cNvSpPr>
           <p:nvPr>
-            <p:ph idx="1" type="body"/>
+            <p:ph type="body" idx="1"/>
           </p:nvPr>
         </p:nvSpPr>
         <p:spPr>
@@ -10790,12 +10948,12 @@
           </a:prstGeom>
         </p:spPr>
         <p:txBody>
-          <a:bodyPr anchorCtr="0" anchor="t" bIns="91425" lIns="91425" spcFirstLastPara="1" rIns="91425" wrap="square" tIns="91425">
+          <a:bodyPr spcFirstLastPara="1" wrap="square" lIns="91425" tIns="91425" rIns="91425" bIns="91425" anchor="t" anchorCtr="0">
             <a:normAutofit fontScale="92500" lnSpcReduction="20000"/>
           </a:bodyPr>
           <a:lstStyle/>
           <a:p>
-            <a:pPr indent="-334327" lvl="0" marL="457200" rtl="0" algn="l">
+            <a:pPr marL="457200" lvl="0" indent="-334327" algn="l" rtl="0">
               <a:spcBef>
                 <a:spcPts val="0"/>
               </a:spcBef>
@@ -10806,12 +10964,8 @@
               <a:buChar char="-"/>
             </a:pPr>
             <a:r>
-              <a:rPr b="1" lang="en"/>
-              <a:t>a</a:t>
-            </a:r>
-            <a:r>
-              <a:rPr b="1" lang="en"/>
-              <a:t>ll_one_file: </a:t>
+              <a:rPr lang="en" b="1"/>
+              <a:t>all_one_file: </a:t>
             </a:r>
             <a:r>
               <a:rPr lang="en"/>
@@ -10820,7 +10974,7 @@
             <a:endParaRPr/>
           </a:p>
           <a:p>
-            <a:pPr indent="-310832" lvl="1" marL="914400" rtl="0" algn="l">
+            <a:pPr marL="914400" lvl="1" indent="-310832" algn="l" rtl="0">
               <a:spcBef>
                 <a:spcPts val="0"/>
               </a:spcBef>
@@ -10835,16 +10989,12 @@
               <a:t>If FALSE, output .csv files correspond to each </a:t>
             </a:r>
             <a:r>
-              <a:rPr b="1" lang="en"/>
+              <a:rPr lang="en" b="1"/>
               <a:t>loop</a:t>
             </a:r>
             <a:r>
               <a:rPr lang="en"/>
-              <a:t> within in each MIDAS file (see</a:t>
-            </a:r>
-            <a:r>
-              <a:rPr lang="en"/>
-              <a:t> </a:t>
+              <a:t> within in each MIDAS file (see </a:t>
             </a:r>
             <a:r>
               <a:rPr lang="en" u="sng">
@@ -10862,7 +11012,7 @@
             <a:endParaRPr/>
           </a:p>
           <a:p>
-            <a:pPr indent="-310832" lvl="1" marL="914400" rtl="0" algn="l">
+            <a:pPr marL="914400" lvl="1" indent="-310832" algn="l" rtl="0">
               <a:spcBef>
                 <a:spcPts val="0"/>
               </a:spcBef>
@@ -10873,7 +11023,7 @@
               <a:buChar char="-"/>
             </a:pPr>
             <a:r>
-              <a:rPr b="1" lang="en"/>
+              <a:rPr lang="en" b="1"/>
               <a:t>Default is TRUE</a:t>
             </a:r>
             <a:r>
@@ -10883,7 +11033,7 @@
             <a:endParaRPr/>
           </a:p>
           <a:p>
-            <a:pPr indent="-334327" lvl="0" marL="457200" rtl="0" algn="l">
+            <a:pPr marL="457200" lvl="0" indent="-334327" algn="l" rtl="0">
               <a:spcBef>
                 <a:spcPts val="0"/>
               </a:spcBef>
@@ -10894,7 +11044,7 @@
               <a:buChar char="-"/>
             </a:pPr>
             <a:r>
-              <a:rPr b="1" lang="en"/>
+              <a:rPr lang="en" b="1"/>
               <a:t>CAEN </a:t>
             </a:r>
             <a:r>
@@ -10902,7 +11052,7 @@
               <a:t>and </a:t>
             </a:r>
             <a:r>
-              <a:rPr b="1" lang="en"/>
+              <a:rPr lang="en" b="1"/>
               <a:t>VT2: </a:t>
             </a:r>
             <a:r>
@@ -10912,7 +11062,7 @@
             <a:endParaRPr/>
           </a:p>
           <a:p>
-            <a:pPr indent="-310832" lvl="1" marL="914400" rtl="0" algn="l">
+            <a:pPr marL="914400" lvl="1" indent="-310832" algn="l" rtl="0">
               <a:spcBef>
                 <a:spcPts val="0"/>
               </a:spcBef>
@@ -10923,7 +11073,7 @@
               <a:buChar char="-"/>
             </a:pPr>
             <a:r>
-              <a:rPr b="1" lang="en"/>
+              <a:rPr lang="en" b="1"/>
               <a:t>Default is CAEN</a:t>
             </a:r>
             <a:r>
@@ -10931,13 +11081,13 @@
               <a:t> </a:t>
             </a:r>
             <a:r>
-              <a:rPr b="1" lang="en"/>
+              <a:rPr lang="en" b="1"/>
               <a:t>= TRUE</a:t>
             </a:r>
             <a:endParaRPr b="1"/>
           </a:p>
           <a:p>
-            <a:pPr indent="-310832" lvl="1" marL="914400" rtl="0" algn="l">
+            <a:pPr marL="914400" lvl="1" indent="-310832" algn="l" rtl="0">
               <a:spcBef>
                 <a:spcPts val="0"/>
               </a:spcBef>
@@ -10978,14 +11128,14 @@
             <a:avLst/>
           </a:prstGeom>
           <a:noFill/>
-          <a:ln cap="flat" cmpd="sng" w="19050">
+          <a:ln w="19050" cap="flat" cmpd="sng">
             <a:solidFill>
               <a:schemeClr val="dk2"/>
             </a:solidFill>
             <a:prstDash val="solid"/>
             <a:round/>
-            <a:headEnd len="sm" w="sm" type="none"/>
-            <a:tailEnd len="sm" w="sm" type="none"/>
+            <a:headEnd type="none" w="sm" len="sm"/>
+            <a:tailEnd type="none" w="sm" len="sm"/>
           </a:ln>
         </p:spPr>
       </p:pic>
@@ -11012,14 +11162,14 @@
             <a:avLst/>
           </a:prstGeom>
           <a:noFill/>
-          <a:ln cap="flat" cmpd="sng" w="19050">
+          <a:ln w="19050" cap="flat" cmpd="sng">
             <a:solidFill>
               <a:schemeClr val="dk2"/>
             </a:solidFill>
             <a:prstDash val="solid"/>
             <a:round/>
-            <a:headEnd len="sm" w="sm" type="none"/>
-            <a:tailEnd len="sm" w="sm" type="none"/>
+            <a:headEnd type="none" w="sm" len="sm"/>
+            <a:tailEnd type="none" w="sm" len="sm"/>
           </a:ln>
         </p:spPr>
       </p:pic>
@@ -11032,11 +11182,11 @@
 </file>
 
 <file path=ppt/slides/slide5.xml><?xml version="1.0" encoding="utf-8"?>
-<p:sld xmlns:a="http://schemas.openxmlformats.org/drawingml/2006/main" xmlns:r="http://schemas.openxmlformats.org/officeDocument/2006/relationships" xmlns:mc="http://schemas.openxmlformats.org/markup-compatibility/2006" xmlns:mv="urn:schemas-microsoft-com:mac:vml" xmlns:p="http://schemas.openxmlformats.org/presentationml/2006/main" xmlns:c="http://schemas.openxmlformats.org/drawingml/2006/chart" xmlns:dgm="http://schemas.openxmlformats.org/drawingml/2006/diagram" xmlns:o="urn:schemas-microsoft-com:office:office" xmlns:v="urn:schemas-microsoft-com:vml" xmlns:pvml="urn:schemas-microsoft-com:office:powerpoint" xmlns:com="http://schemas.openxmlformats.org/drawingml/2006/compatibility" xmlns:p14="http://schemas.microsoft.com/office/powerpoint/2010/main" xmlns:p15="http://schemas.microsoft.com/office/powerpoint/2012/main" xmlns:ahyp="http://schemas.microsoft.com/office/drawing/2018/hyperlinkcolor">
+<p:sld xmlns:a="http://schemas.openxmlformats.org/drawingml/2006/main" xmlns:r="http://schemas.openxmlformats.org/officeDocument/2006/relationships" xmlns:p="http://schemas.openxmlformats.org/presentationml/2006/main">
   <p:cSld>
     <p:spTree>
       <p:nvGrpSpPr>
-        <p:cNvPr id="93" name="Shape 93"/>
+        <p:cNvPr id="1" name="Shape 93"/>
         <p:cNvGrpSpPr/>
         <p:nvPr/>
       </p:nvGrpSpPr>
@@ -11051,7 +11201,9 @@
       <p:sp>
         <p:nvSpPr>
           <p:cNvPr id="94" name="Google Shape;94;p17"/>
-          <p:cNvSpPr txBox="1"/>
+          <p:cNvSpPr txBox="1">
+            <a:spLocks noGrp="1"/>
+          </p:cNvSpPr>
           <p:nvPr>
             <p:ph type="title"/>
           </p:nvPr>
@@ -11066,12 +11218,12 @@
           </a:prstGeom>
         </p:spPr>
         <p:txBody>
-          <a:bodyPr anchorCtr="0" anchor="b" bIns="91425" lIns="91425" spcFirstLastPara="1" rIns="91425" wrap="square" tIns="91425">
+          <a:bodyPr spcFirstLastPara="1" wrap="square" lIns="91425" tIns="91425" rIns="91425" bIns="91425" anchor="b" anchorCtr="0">
             <a:normAutofit/>
           </a:bodyPr>
           <a:lstStyle/>
           <a:p>
-            <a:pPr indent="0" lvl="0" marL="0" rtl="0" algn="l">
+            <a:pPr marL="0" lvl="0" indent="0" algn="l" rtl="0">
               <a:spcBef>
                 <a:spcPts val="0"/>
               </a:spcBef>
@@ -11091,9 +11243,11 @@
       <p:sp>
         <p:nvSpPr>
           <p:cNvPr id="95" name="Google Shape;95;p17"/>
-          <p:cNvSpPr txBox="1"/>
+          <p:cNvSpPr txBox="1">
+            <a:spLocks noGrp="1"/>
+          </p:cNvSpPr>
           <p:nvPr>
-            <p:ph idx="1" type="body"/>
+            <p:ph type="body" idx="1"/>
           </p:nvPr>
         </p:nvSpPr>
         <p:spPr>
@@ -11106,12 +11260,12 @@
           </a:prstGeom>
         </p:spPr>
         <p:txBody>
-          <a:bodyPr anchorCtr="0" anchor="t" bIns="91425" lIns="91425" spcFirstLastPara="1" rIns="91425" wrap="square" tIns="91425">
+          <a:bodyPr spcFirstLastPara="1" wrap="square" lIns="91425" tIns="91425" rIns="91425" bIns="91425" anchor="t" anchorCtr="0">
             <a:normAutofit/>
           </a:bodyPr>
           <a:lstStyle/>
           <a:p>
-            <a:pPr indent="-342900" lvl="0" marL="457200" rtl="0" algn="l">
+            <a:pPr marL="457200" lvl="0" indent="-342900" algn="l" rtl="0">
               <a:spcBef>
                 <a:spcPts val="0"/>
               </a:spcBef>
@@ -11122,19 +11276,15 @@
               <a:buChar char="-"/>
             </a:pPr>
             <a:r>
-              <a:rPr b="1" lang="en"/>
-              <a:t>t</a:t>
-            </a:r>
-            <a:r>
-              <a:rPr b="1" lang="en"/>
-              <a:t>esting: </a:t>
+              <a:rPr lang="en" b="1"/>
+              <a:t>testing: </a:t>
             </a:r>
             <a:r>
               <a:rPr lang="en"/>
               <a:t>If you are using test data from MIDAS that </a:t>
             </a:r>
             <a:r>
-              <a:rPr b="1" lang="en"/>
+              <a:rPr lang="en" b="1"/>
               <a:t>DOES NOT</a:t>
             </a:r>
             <a:r>
@@ -11144,7 +11294,7 @@
             <a:endParaRPr/>
           </a:p>
           <a:p>
-            <a:pPr indent="-317500" lvl="1" marL="914400" rtl="0" algn="l">
+            <a:pPr marL="914400" lvl="1" indent="-317500" algn="l" rtl="0">
               <a:spcBef>
                 <a:spcPts val="0"/>
               </a:spcBef>
@@ -11161,7 +11311,7 @@
             <a:endParaRPr/>
           </a:p>
           <a:p>
-            <a:pPr indent="-342900" lvl="0" marL="457200" rtl="0" algn="l">
+            <a:pPr marL="457200" lvl="0" indent="-342900" algn="l" rtl="0">
               <a:spcBef>
                 <a:spcPts val="0"/>
               </a:spcBef>
@@ -11178,7 +11328,7 @@
             <a:endParaRPr/>
           </a:p>
           <a:p>
-            <a:pPr indent="-317500" lvl="1" marL="914400" rtl="0" algn="l">
+            <a:pPr marL="914400" lvl="1" indent="-317500" algn="l" rtl="0">
               <a:spcBef>
                 <a:spcPts val="0"/>
               </a:spcBef>
@@ -11205,11 +11355,11 @@
 </file>
 
 <file path=ppt/slides/slide6.xml><?xml version="1.0" encoding="utf-8"?>
-<p:sld xmlns:a="http://schemas.openxmlformats.org/drawingml/2006/main" xmlns:r="http://schemas.openxmlformats.org/officeDocument/2006/relationships" xmlns:mc="http://schemas.openxmlformats.org/markup-compatibility/2006" xmlns:mv="urn:schemas-microsoft-com:mac:vml" xmlns:p="http://schemas.openxmlformats.org/presentationml/2006/main" xmlns:c="http://schemas.openxmlformats.org/drawingml/2006/chart" xmlns:dgm="http://schemas.openxmlformats.org/drawingml/2006/diagram" xmlns:o="urn:schemas-microsoft-com:office:office" xmlns:v="urn:schemas-microsoft-com:vml" xmlns:pvml="urn:schemas-microsoft-com:office:powerpoint" xmlns:com="http://schemas.openxmlformats.org/drawingml/2006/compatibility" xmlns:p14="http://schemas.microsoft.com/office/powerpoint/2010/main" xmlns:p15="http://schemas.microsoft.com/office/powerpoint/2012/main" xmlns:ahyp="http://schemas.microsoft.com/office/drawing/2018/hyperlinkcolor">
+<p:sld xmlns:a="http://schemas.openxmlformats.org/drawingml/2006/main" xmlns:r="http://schemas.openxmlformats.org/officeDocument/2006/relationships" xmlns:p="http://schemas.openxmlformats.org/presentationml/2006/main">
   <p:cSld>
     <p:spTree>
       <p:nvGrpSpPr>
-        <p:cNvPr id="99" name="Shape 99"/>
+        <p:cNvPr id="1" name="Shape 99"/>
         <p:cNvGrpSpPr/>
         <p:nvPr/>
       </p:nvGrpSpPr>
@@ -11224,7 +11374,9 @@
       <p:sp>
         <p:nvSpPr>
           <p:cNvPr id="100" name="Google Shape;100;p18"/>
-          <p:cNvSpPr txBox="1"/>
+          <p:cNvSpPr txBox="1">
+            <a:spLocks noGrp="1"/>
+          </p:cNvSpPr>
           <p:nvPr>
             <p:ph type="title"/>
           </p:nvPr>
@@ -11239,12 +11391,12 @@
           </a:prstGeom>
         </p:spPr>
         <p:txBody>
-          <a:bodyPr anchorCtr="0" anchor="b" bIns="91425" lIns="91425" spcFirstLastPara="1" rIns="91425" wrap="square" tIns="91425">
+          <a:bodyPr spcFirstLastPara="1" wrap="square" lIns="91425" tIns="91425" rIns="91425" bIns="91425" anchor="b" anchorCtr="0">
             <a:normAutofit/>
           </a:bodyPr>
           <a:lstStyle/>
           <a:p>
-            <a:pPr indent="0" lvl="0" marL="0" rtl="0" algn="l">
+            <a:pPr marL="0" lvl="0" indent="0" algn="l" rtl="0">
               <a:spcBef>
                 <a:spcPts val="0"/>
               </a:spcBef>
@@ -11264,9 +11416,11 @@
       <p:sp>
         <p:nvSpPr>
           <p:cNvPr id="101" name="Google Shape;101;p18"/>
-          <p:cNvSpPr txBox="1"/>
+          <p:cNvSpPr txBox="1">
+            <a:spLocks noGrp="1"/>
+          </p:cNvSpPr>
           <p:nvPr>
-            <p:ph idx="1" type="body"/>
+            <p:ph type="body" idx="1"/>
           </p:nvPr>
         </p:nvSpPr>
         <p:spPr>
@@ -11279,12 +11433,12 @@
           </a:prstGeom>
         </p:spPr>
         <p:txBody>
-          <a:bodyPr anchorCtr="0" anchor="t" bIns="91425" lIns="91425" spcFirstLastPara="1" rIns="91425" wrap="square" tIns="91425">
+          <a:bodyPr spcFirstLastPara="1" wrap="square" lIns="91425" tIns="91425" rIns="91425" bIns="91425" anchor="t" anchorCtr="0">
             <a:normAutofit/>
           </a:bodyPr>
           <a:lstStyle/>
           <a:p>
-            <a:pPr indent="-342900" lvl="0" marL="457200" rtl="0" algn="l">
+            <a:pPr marL="457200" lvl="0" indent="-342900" algn="l" rtl="0">
               <a:spcBef>
                 <a:spcPts val="0"/>
               </a:spcBef>
@@ -11296,16 +11450,12 @@
             </a:pPr>
             <a:r>
               <a:rPr lang="en"/>
-              <a:t>m</a:t>
-            </a:r>
-            <a:r>
-              <a:rPr lang="en"/>
-              <a:t>idas_to_phiat.py is automatically run as part of PhIAT.m (see PhIAT.m documentation)</a:t>
-            </a:r>
-            <a:endParaRPr/>
-          </a:p>
-          <a:p>
-            <a:pPr indent="-317500" lvl="1" marL="914400" rtl="0" algn="l">
+              <a:t>midas_to_phiat.py is automatically run as part of PhIAT.m (see PhIAT.m documentation)</a:t>
+            </a:r>
+            <a:endParaRPr/>
+          </a:p>
+          <a:p>
+            <a:pPr marL="914400" lvl="1" indent="-317500" algn="l" rtl="0">
               <a:spcBef>
                 <a:spcPts val="0"/>
               </a:spcBef>
@@ -11322,7 +11472,7 @@
             <a:endParaRPr/>
           </a:p>
           <a:p>
-            <a:pPr indent="0" lvl="0" marL="0" rtl="0" algn="l">
+            <a:pPr marL="0" lvl="0" indent="0" algn="l" rtl="0">
               <a:spcBef>
                 <a:spcPts val="1200"/>
               </a:spcBef>
@@ -11331,13 +11481,10 @@
               </a:spcAft>
               <a:buNone/>
             </a:pPr>
-            <a:r>
-              <a:t/>
-            </a:r>
-            <a:endParaRPr/>
-          </a:p>
-          <a:p>
-            <a:pPr indent="-342900" lvl="0" marL="457200" rtl="0" algn="l">
+            <a:endParaRPr/>
+          </a:p>
+          <a:p>
+            <a:pPr marL="457200" lvl="0" indent="-342900" algn="l" rtl="0">
               <a:spcBef>
                 <a:spcPts val="1200"/>
               </a:spcBef>
@@ -11352,7 +11499,7 @@
               <a:t>The </a:t>
             </a:r>
             <a:r>
-              <a:rPr b="1" lang="en"/>
+              <a:rPr lang="en" b="1"/>
               <a:t>input</a:t>
             </a:r>
             <a:r>
@@ -11362,7 +11509,7 @@
             <a:endParaRPr/>
           </a:p>
           <a:p>
-            <a:pPr indent="-317500" lvl="1" marL="914400" rtl="0" algn="l">
+            <a:pPr marL="914400" lvl="1" indent="-317500" algn="l" rtl="0">
               <a:spcBef>
                 <a:spcPts val="0"/>
               </a:spcBef>
@@ -11377,13 +11524,13 @@
               <a:t>The files in this directory are gathered together via </a:t>
             </a:r>
             <a:r>
-              <a:rPr b="1" lang="en"/>
+              <a:rPr lang="en" b="1"/>
               <a:t>glob</a:t>
             </a:r>
             <a:endParaRPr/>
           </a:p>
           <a:p>
-            <a:pPr indent="0" lvl="0" marL="0" rtl="0" algn="l">
+            <a:pPr marL="0" lvl="0" indent="0" algn="l" rtl="0">
               <a:spcBef>
                 <a:spcPts val="1200"/>
               </a:spcBef>
@@ -11392,9 +11539,6 @@
               </a:spcAft>
               <a:buNone/>
             </a:pPr>
-            <a:r>
-              <a:t/>
-            </a:r>
             <a:endParaRPr/>
           </a:p>
         </p:txBody>
@@ -11422,14 +11566,14 @@
             <a:avLst/>
           </a:prstGeom>
           <a:noFill/>
-          <a:ln cap="flat" cmpd="sng" w="19050">
+          <a:ln w="19050" cap="flat" cmpd="sng">
             <a:solidFill>
               <a:schemeClr val="dk2"/>
             </a:solidFill>
             <a:prstDash val="solid"/>
             <a:round/>
-            <a:headEnd len="sm" w="sm" type="none"/>
-            <a:tailEnd len="sm" w="sm" type="none"/>
+            <a:headEnd type="none" w="sm" len="sm"/>
+            <a:tailEnd type="none" w="sm" len="sm"/>
           </a:ln>
         </p:spPr>
       </p:pic>
@@ -11442,11 +11586,11 @@
 </file>
 
 <file path=ppt/slides/slide7.xml><?xml version="1.0" encoding="utf-8"?>
-<p:sld xmlns:a="http://schemas.openxmlformats.org/drawingml/2006/main" xmlns:r="http://schemas.openxmlformats.org/officeDocument/2006/relationships" xmlns:mc="http://schemas.openxmlformats.org/markup-compatibility/2006" xmlns:mv="urn:schemas-microsoft-com:mac:vml" xmlns:p="http://schemas.openxmlformats.org/presentationml/2006/main" xmlns:c="http://schemas.openxmlformats.org/drawingml/2006/chart" xmlns:dgm="http://schemas.openxmlformats.org/drawingml/2006/diagram" xmlns:o="urn:schemas-microsoft-com:office:office" xmlns:v="urn:schemas-microsoft-com:vml" xmlns:pvml="urn:schemas-microsoft-com:office:powerpoint" xmlns:com="http://schemas.openxmlformats.org/drawingml/2006/compatibility" xmlns:p14="http://schemas.microsoft.com/office/powerpoint/2010/main" xmlns:p15="http://schemas.microsoft.com/office/powerpoint/2012/main" xmlns:ahyp="http://schemas.microsoft.com/office/drawing/2018/hyperlinkcolor">
+<p:sld xmlns:a="http://schemas.openxmlformats.org/drawingml/2006/main" xmlns:r="http://schemas.openxmlformats.org/officeDocument/2006/relationships" xmlns:p="http://schemas.openxmlformats.org/presentationml/2006/main">
   <p:cSld>
     <p:spTree>
       <p:nvGrpSpPr>
-        <p:cNvPr id="106" name="Shape 106"/>
+        <p:cNvPr id="1" name="Shape 106"/>
         <p:cNvGrpSpPr/>
         <p:nvPr/>
       </p:nvGrpSpPr>
@@ -11461,7 +11605,9 @@
       <p:sp>
         <p:nvSpPr>
           <p:cNvPr id="107" name="Google Shape;107;p19"/>
-          <p:cNvSpPr txBox="1"/>
+          <p:cNvSpPr txBox="1">
+            <a:spLocks noGrp="1"/>
+          </p:cNvSpPr>
           <p:nvPr>
             <p:ph type="title"/>
           </p:nvPr>
@@ -11476,12 +11622,12 @@
           </a:prstGeom>
         </p:spPr>
         <p:txBody>
-          <a:bodyPr anchorCtr="0" anchor="b" bIns="91425" lIns="91425" spcFirstLastPara="1" rIns="91425" wrap="square" tIns="91425">
+          <a:bodyPr spcFirstLastPara="1" wrap="square" lIns="91425" tIns="91425" rIns="91425" bIns="91425" anchor="b" anchorCtr="0">
             <a:normAutofit/>
           </a:bodyPr>
           <a:lstStyle/>
           <a:p>
-            <a:pPr indent="0" lvl="0" marL="0" rtl="0" algn="l">
+            <a:pPr marL="0" lvl="0" indent="0" algn="l" rtl="0">
               <a:spcBef>
                 <a:spcPts val="0"/>
               </a:spcBef>
@@ -11501,9 +11647,11 @@
       <p:sp>
         <p:nvSpPr>
           <p:cNvPr id="108" name="Google Shape;108;p19"/>
-          <p:cNvSpPr txBox="1"/>
+          <p:cNvSpPr txBox="1">
+            <a:spLocks noGrp="1"/>
+          </p:cNvSpPr>
           <p:nvPr>
-            <p:ph idx="1" type="body"/>
+            <p:ph type="body" idx="1"/>
           </p:nvPr>
         </p:nvSpPr>
         <p:spPr>
@@ -11516,12 +11664,12 @@
           </a:prstGeom>
         </p:spPr>
         <p:txBody>
-          <a:bodyPr anchorCtr="0" anchor="t" bIns="91425" lIns="91425" spcFirstLastPara="1" rIns="91425" wrap="square" tIns="91425">
+          <a:bodyPr spcFirstLastPara="1" wrap="square" lIns="91425" tIns="91425" rIns="91425" bIns="91425" anchor="t" anchorCtr="0">
             <a:normAutofit/>
           </a:bodyPr>
           <a:lstStyle/>
           <a:p>
-            <a:pPr indent="-342900" lvl="0" marL="457200" rtl="0" algn="l">
+            <a:pPr marL="457200" lvl="0" indent="-342900" algn="l" rtl="0">
               <a:spcBef>
                 <a:spcPts val="0"/>
               </a:spcBef>
@@ -11538,7 +11686,7 @@
             <a:endParaRPr/>
           </a:p>
           <a:p>
-            <a:pPr indent="-317500" lvl="1" marL="914400" rtl="0" algn="l">
+            <a:pPr marL="914400" lvl="1" indent="-317500" algn="l" rtl="0">
               <a:spcBef>
                 <a:spcPts val="0"/>
               </a:spcBef>
@@ -11549,7 +11697,7 @@
               <a:buChar char="-"/>
             </a:pPr>
             <a:r>
-              <a:rPr b="1" lang="en"/>
+              <a:rPr lang="en" b="1"/>
               <a:t>X Position</a:t>
             </a:r>
             <a:r>
@@ -11559,7 +11707,7 @@
             <a:endParaRPr/>
           </a:p>
           <a:p>
-            <a:pPr indent="-317500" lvl="1" marL="914400" rtl="0" algn="l">
+            <a:pPr marL="914400" lvl="1" indent="-317500" algn="l" rtl="0">
               <a:spcBef>
                 <a:spcPts val="0"/>
               </a:spcBef>
@@ -11570,25 +11718,17 @@
               <a:buChar char="-"/>
             </a:pPr>
             <a:r>
-              <a:rPr b="1" lang="en"/>
+              <a:rPr lang="en" b="1"/>
               <a:t>Y Position </a:t>
             </a:r>
             <a:r>
               <a:rPr lang="en"/>
-              <a:t>[mm]: Y </a:t>
-            </a:r>
-            <a:r>
-              <a:rPr lang="en"/>
-              <a:t>coordinate</a:t>
-            </a:r>
-            <a:r>
-              <a:rPr lang="en"/>
-              <a:t> of ion hit on detector (i.e. delay line anode)</a:t>
-            </a:r>
-            <a:endParaRPr/>
-          </a:p>
-          <a:p>
-            <a:pPr indent="-317500" lvl="1" marL="914400" rtl="0" algn="l">
+              <a:t>[mm]: Y coordinate of ion hit on detector (i.e. delay line anode)</a:t>
+            </a:r>
+            <a:endParaRPr/>
+          </a:p>
+          <a:p>
+            <a:pPr marL="914400" lvl="1" indent="-317500" algn="l" rtl="0">
               <a:spcBef>
                 <a:spcPts val="0"/>
               </a:spcBef>
@@ -11599,7 +11739,7 @@
               <a:buChar char="-"/>
             </a:pPr>
             <a:r>
-              <a:rPr b="1" lang="en"/>
+              <a:rPr lang="en" b="1"/>
               <a:t>Time-of-Flight </a:t>
             </a:r>
             <a:r>
@@ -11609,7 +11749,7 @@
             <a:endParaRPr/>
           </a:p>
           <a:p>
-            <a:pPr indent="-317500" lvl="1" marL="914400" rtl="0" algn="l">
+            <a:pPr marL="914400" lvl="1" indent="-317500" algn="l" rtl="0">
               <a:spcBef>
                 <a:spcPts val="0"/>
               </a:spcBef>
@@ -11620,7 +11760,7 @@
               <a:buChar char="-"/>
             </a:pPr>
             <a:r>
-              <a:rPr b="1" lang="en"/>
+              <a:rPr lang="en" b="1"/>
               <a:t>Trigger </a:t>
             </a:r>
             <a:r>
@@ -11630,7 +11770,7 @@
             <a:endParaRPr/>
           </a:p>
           <a:p>
-            <a:pPr indent="-317500" lvl="1" marL="914400" rtl="0" algn="l">
+            <a:pPr marL="914400" lvl="1" indent="-317500" algn="l" rtl="0">
               <a:spcBef>
                 <a:spcPts val="0"/>
               </a:spcBef>
@@ -11641,7 +11781,7 @@
               <a:buChar char="-"/>
             </a:pPr>
             <a:r>
-              <a:rPr b="1" lang="en"/>
+              <a:rPr lang="en" b="1"/>
               <a:t>Timestamp </a:t>
             </a:r>
             <a:r>
@@ -11661,11 +11801,11 @@
 </file>
 
 <file path=ppt/slides/slide8.xml><?xml version="1.0" encoding="utf-8"?>
-<p:sld xmlns:a="http://schemas.openxmlformats.org/drawingml/2006/main" xmlns:r="http://schemas.openxmlformats.org/officeDocument/2006/relationships" xmlns:mc="http://schemas.openxmlformats.org/markup-compatibility/2006" xmlns:mv="urn:schemas-microsoft-com:mac:vml" xmlns:p="http://schemas.openxmlformats.org/presentationml/2006/main" xmlns:c="http://schemas.openxmlformats.org/drawingml/2006/chart" xmlns:dgm="http://schemas.openxmlformats.org/drawingml/2006/diagram" xmlns:o="urn:schemas-microsoft-com:office:office" xmlns:v="urn:schemas-microsoft-com:vml" xmlns:pvml="urn:schemas-microsoft-com:office:powerpoint" xmlns:com="http://schemas.openxmlformats.org/drawingml/2006/compatibility" xmlns:p14="http://schemas.microsoft.com/office/powerpoint/2010/main" xmlns:p15="http://schemas.microsoft.com/office/powerpoint/2012/main" xmlns:ahyp="http://schemas.microsoft.com/office/drawing/2018/hyperlinkcolor">
+<p:sld xmlns:a="http://schemas.openxmlformats.org/drawingml/2006/main" xmlns:r="http://schemas.openxmlformats.org/officeDocument/2006/relationships" xmlns:p="http://schemas.openxmlformats.org/presentationml/2006/main">
   <p:cSld>
     <p:spTree>
       <p:nvGrpSpPr>
-        <p:cNvPr id="112" name="Shape 112"/>
+        <p:cNvPr id="1" name="Shape 112"/>
         <p:cNvGrpSpPr/>
         <p:nvPr/>
       </p:nvGrpSpPr>
@@ -11680,7 +11820,9 @@
       <p:sp>
         <p:nvSpPr>
           <p:cNvPr id="113" name="Google Shape;113;p20"/>
-          <p:cNvSpPr txBox="1"/>
+          <p:cNvSpPr txBox="1">
+            <a:spLocks noGrp="1"/>
+          </p:cNvSpPr>
           <p:nvPr>
             <p:ph type="title"/>
           </p:nvPr>
@@ -11695,12 +11837,12 @@
           </a:prstGeom>
         </p:spPr>
         <p:txBody>
-          <a:bodyPr anchorCtr="0" anchor="b" bIns="91425" lIns="91425" spcFirstLastPara="1" rIns="91425" wrap="square" tIns="91425">
+          <a:bodyPr spcFirstLastPara="1" wrap="square" lIns="91425" tIns="91425" rIns="91425" bIns="91425" anchor="b" anchorCtr="0">
             <a:normAutofit/>
           </a:bodyPr>
           <a:lstStyle/>
           <a:p>
-            <a:pPr indent="0" lvl="0" marL="0" rtl="0" algn="l">
+            <a:pPr marL="0" lvl="0" indent="0" algn="l" rtl="0">
               <a:spcBef>
                 <a:spcPts val="0"/>
               </a:spcBef>
@@ -11720,9 +11862,11 @@
       <p:sp>
         <p:nvSpPr>
           <p:cNvPr id="114" name="Google Shape;114;p20"/>
-          <p:cNvSpPr txBox="1"/>
+          <p:cNvSpPr txBox="1">
+            <a:spLocks noGrp="1"/>
+          </p:cNvSpPr>
           <p:nvPr>
-            <p:ph idx="1" type="body"/>
+            <p:ph type="body" idx="1"/>
           </p:nvPr>
         </p:nvSpPr>
         <p:spPr>
@@ -11735,12 +11879,12 @@
           </a:prstGeom>
         </p:spPr>
         <p:txBody>
-          <a:bodyPr anchorCtr="0" anchor="t" bIns="91425" lIns="91425" spcFirstLastPara="1" rIns="91425" wrap="square" tIns="91425">
+          <a:bodyPr spcFirstLastPara="1" wrap="square" lIns="91425" tIns="91425" rIns="91425" bIns="91425" anchor="t" anchorCtr="0">
             <a:normAutofit/>
           </a:bodyPr>
           <a:lstStyle/>
           <a:p>
-            <a:pPr indent="-342900" lvl="0" marL="457200" rtl="0" algn="l">
+            <a:pPr marL="457200" lvl="0" indent="-342900" algn="l" rtl="0">
               <a:spcBef>
                 <a:spcPts val="0"/>
               </a:spcBef>
@@ -11751,17 +11895,17 @@
               <a:buChar char="-"/>
             </a:pPr>
             <a:r>
-              <a:rPr b="1" lang="en"/>
+              <a:rPr lang="en" b="1" dirty="0"/>
               <a:t>X/Y Position: </a:t>
             </a:r>
             <a:r>
-              <a:rPr lang="en"/>
+              <a:rPr lang="en" dirty="0"/>
               <a:t>Determined via timing pulses in delay line anode</a:t>
             </a:r>
-            <a:endParaRPr/>
-          </a:p>
-          <a:p>
-            <a:pPr indent="-317500" lvl="1" marL="914400" rtl="0" algn="l">
+            <a:endParaRPr dirty="0"/>
+          </a:p>
+          <a:p>
+            <a:pPr marL="914400" lvl="1" indent="-317500" algn="l" rtl="0">
               <a:spcBef>
                 <a:spcPts val="0"/>
               </a:spcBef>
@@ -11772,41 +11916,81 @@
               <a:buChar char="-"/>
             </a:pPr>
             <a:r>
-              <a:rPr lang="en"/>
+              <a:rPr lang="en" dirty="0"/>
               <a:t>Correspond to </a:t>
             </a:r>
             <a:r>
-              <a:rPr b="1" lang="en"/>
+              <a:rPr lang="en" b="1" dirty="0" err="1"/>
               <a:t>caen</a:t>
             </a:r>
             <a:r>
-              <a:rPr lang="en"/>
+              <a:rPr lang="en" dirty="0" err="1"/>
               <a:t>_</a:t>
             </a:r>
             <a:r>
-              <a:rPr b="1" lang="en"/>
+              <a:rPr lang="en" b="1" dirty="0" err="1"/>
               <a:t>tdc</a:t>
             </a:r>
             <a:r>
-              <a:rPr lang="en"/>
+              <a:rPr lang="en" dirty="0" err="1"/>
               <a:t>_</a:t>
             </a:r>
             <a:r>
-              <a:rPr b="1" lang="en"/>
-              <a:t>parsed.pos_x_mm </a:t>
-            </a:r>
-            <a:r>
-              <a:rPr lang="en"/>
-              <a:t>(or pos_y_mm) in </a:t>
-            </a:r>
-            <a:r>
-              <a:rPr b="1" lang="en"/>
-              <a:t>../titan_data/mpet/__init__.py</a:t>
-            </a:r>
-            <a:endParaRPr b="1"/>
-          </a:p>
-          <a:p>
-            <a:pPr indent="-342900" lvl="0" marL="457200" rtl="0" algn="l">
+              <a:rPr lang="en" b="1" dirty="0" err="1"/>
+              <a:t>parsed.pos_x_mm</a:t>
+            </a:r>
+            <a:r>
+              <a:rPr lang="en" b="1" dirty="0"/>
+              <a:t> </a:t>
+            </a:r>
+            <a:r>
+              <a:rPr lang="en" dirty="0"/>
+              <a:t>(or </a:t>
+            </a:r>
+            <a:r>
+              <a:rPr lang="en" dirty="0" err="1"/>
+              <a:t>pos_y_mm</a:t>
+            </a:r>
+            <a:r>
+              <a:rPr lang="en" dirty="0"/>
+              <a:t>) in </a:t>
+            </a:r>
+            <a:r>
+              <a:rPr lang="en" b="1" dirty="0"/>
+              <a:t>../</a:t>
+            </a:r>
+            <a:r>
+              <a:rPr lang="en" b="1" dirty="0" err="1"/>
+              <a:t>titan_data</a:t>
+            </a:r>
+            <a:r>
+              <a:rPr lang="en" b="1" dirty="0"/>
+              <a:t>/</a:t>
+            </a:r>
+            <a:r>
+              <a:rPr lang="en" b="1" dirty="0" err="1"/>
+              <a:t>mpet</a:t>
+            </a:r>
+            <a:r>
+              <a:rPr lang="en" b="1" dirty="0"/>
+              <a:t>/__</a:t>
+            </a:r>
+            <a:r>
+              <a:rPr lang="en" b="1" dirty="0" err="1"/>
+              <a:t>init</a:t>
+            </a:r>
+            <a:r>
+              <a:rPr lang="en" b="1" dirty="0"/>
+              <a:t>__.</a:t>
+            </a:r>
+            <a:r>
+              <a:rPr lang="en" b="1" dirty="0" err="1"/>
+              <a:t>py</a:t>
+            </a:r>
+            <a:endParaRPr b="1" dirty="0"/>
+          </a:p>
+          <a:p>
+            <a:pPr marL="457200" lvl="0" indent="-342900" algn="l" rtl="0">
               <a:spcBef>
                 <a:spcPts val="0"/>
               </a:spcBef>
@@ -11817,17 +12001,21 @@
               <a:buChar char="-"/>
             </a:pPr>
             <a:r>
-              <a:rPr b="1" lang="en"/>
-              <a:t>ToF: </a:t>
-            </a:r>
-            <a:r>
-              <a:rPr lang="en"/>
+              <a:rPr lang="en" b="1" dirty="0" err="1"/>
+              <a:t>ToF</a:t>
+            </a:r>
+            <a:r>
+              <a:rPr lang="en" b="1" dirty="0"/>
+              <a:t>: </a:t>
+            </a:r>
+            <a:r>
+              <a:rPr lang="en" dirty="0"/>
               <a:t>Time between trap ejection and ion contact with MCP</a:t>
             </a:r>
-            <a:endParaRPr/>
-          </a:p>
-          <a:p>
-            <a:pPr indent="-317500" lvl="1" marL="914400" rtl="0" algn="l">
+            <a:endParaRPr dirty="0"/>
+          </a:p>
+          <a:p>
+            <a:pPr marL="914400" lvl="1" indent="-317500" algn="l" rtl="0">
               <a:spcBef>
                 <a:spcPts val="0"/>
               </a:spcBef>
@@ -11838,17 +12026,17 @@
               <a:buChar char="-"/>
             </a:pPr>
             <a:r>
-              <a:rPr lang="en"/>
+              <a:rPr lang="en" dirty="0"/>
               <a:t>Corresponds to </a:t>
             </a:r>
             <a:r>
-              <a:rPr b="1" lang="en"/>
+              <a:rPr lang="en" b="1" dirty="0" err="1"/>
               <a:t>caen_tdc_parsed.mcp_tof_secs</a:t>
             </a:r>
-            <a:endParaRPr/>
-          </a:p>
-          <a:p>
-            <a:pPr indent="-342900" lvl="0" marL="457200" rtl="0" algn="l">
+            <a:endParaRPr dirty="0"/>
+          </a:p>
+          <a:p>
+            <a:pPr marL="457200" lvl="0" indent="-342900" algn="l" rtl="0">
               <a:spcBef>
                 <a:spcPts val="0"/>
               </a:spcBef>
@@ -11859,17 +12047,17 @@
               <a:buChar char="-"/>
             </a:pPr>
             <a:r>
-              <a:rPr b="1" lang="en"/>
+              <a:rPr lang="en" b="1" dirty="0"/>
               <a:t>Trigger: </a:t>
             </a:r>
             <a:r>
-              <a:rPr lang="en"/>
+              <a:rPr lang="en" dirty="0"/>
               <a:t>Trigger number at which an ion event occurred</a:t>
             </a:r>
-            <a:endParaRPr/>
-          </a:p>
-          <a:p>
-            <a:pPr indent="-317500" lvl="1" marL="914400" rtl="0" algn="l">
+            <a:endParaRPr dirty="0"/>
+          </a:p>
+          <a:p>
+            <a:pPr marL="914400" lvl="1" indent="-317500" algn="l" rtl="0">
               <a:spcBef>
                 <a:spcPts val="0"/>
               </a:spcBef>
@@ -11880,80 +12068,17 @@
               <a:buChar char="-"/>
             </a:pPr>
             <a:r>
-              <a:rPr lang="en"/>
+              <a:rPr lang="en" dirty="0"/>
               <a:t>Corresponds to </a:t>
             </a:r>
             <a:r>
-              <a:rPr b="1" lang="en"/>
-              <a:t>caen_tdc_raw.trigger_count</a:t>
-            </a:r>
-            <a:endParaRPr b="1"/>
-          </a:p>
-          <a:p>
-            <a:pPr indent="-317500" lvl="2" marL="1371600" rtl="0" algn="l">
-              <a:spcBef>
-                <a:spcPts val="0"/>
-              </a:spcBef>
-              <a:spcAft>
-                <a:spcPts val="0"/>
-              </a:spcAft>
-              <a:buSzPts val="1400"/>
-              <a:buChar char="-"/>
-            </a:pPr>
-            <a:r>
-              <a:rPr b="1" lang="en"/>
-              <a:t>NOTE: </a:t>
-            </a:r>
-            <a:r>
-              <a:rPr lang="en"/>
-              <a:t>Since this is raw data (i.e. each ion hit does not yet correspond to one event), need to specify a </a:t>
-            </a:r>
-            <a:r>
-              <a:rPr b="1" lang="en"/>
-              <a:t>channel_id </a:t>
-            </a:r>
-            <a:r>
-              <a:rPr lang="en"/>
-              <a:t>to get just one trigger value per ion hit </a:t>
-            </a:r>
-            <a:endParaRPr/>
+              <a:rPr lang="en" b="1" dirty="0" err="1"/>
+              <a:t>caen_tdc_parsed.trigger_count</a:t>
+            </a:r>
+            <a:endParaRPr b="1" dirty="0"/>
           </a:p>
         </p:txBody>
       </p:sp>
-      <p:pic>
-        <p:nvPicPr>
-          <p:cNvPr id="115" name="Google Shape;115;p20"/>
-          <p:cNvPicPr preferRelativeResize="0"/>
-          <p:nvPr/>
-        </p:nvPicPr>
-        <p:blipFill>
-          <a:blip r:embed="rId3">
-            <a:alphaModFix/>
-          </a:blip>
-          <a:stretch>
-            <a:fillRect/>
-          </a:stretch>
-        </p:blipFill>
-        <p:spPr>
-          <a:xfrm>
-            <a:off x="479800" y="4477225"/>
-            <a:ext cx="8184376" cy="546275"/>
-          </a:xfrm>
-          <a:prstGeom prst="rect">
-            <a:avLst/>
-          </a:prstGeom>
-          <a:noFill/>
-          <a:ln cap="flat" cmpd="sng" w="19050">
-            <a:solidFill>
-              <a:schemeClr val="dk2"/>
-            </a:solidFill>
-            <a:prstDash val="solid"/>
-            <a:round/>
-            <a:headEnd len="sm" w="sm" type="none"/>
-            <a:tailEnd len="sm" w="sm" type="none"/>
-          </a:ln>
-        </p:spPr>
-      </p:pic>
     </p:spTree>
   </p:cSld>
   <p:clrMapOvr>
@@ -11963,11 +12088,11 @@
 </file>
 
 <file path=ppt/slides/slide9.xml><?xml version="1.0" encoding="utf-8"?>
-<p:sld xmlns:a="http://schemas.openxmlformats.org/drawingml/2006/main" xmlns:r="http://schemas.openxmlformats.org/officeDocument/2006/relationships" xmlns:mc="http://schemas.openxmlformats.org/markup-compatibility/2006" xmlns:mv="urn:schemas-microsoft-com:mac:vml" xmlns:p="http://schemas.openxmlformats.org/presentationml/2006/main" xmlns:c="http://schemas.openxmlformats.org/drawingml/2006/chart" xmlns:dgm="http://schemas.openxmlformats.org/drawingml/2006/diagram" xmlns:o="urn:schemas-microsoft-com:office:office" xmlns:v="urn:schemas-microsoft-com:vml" xmlns:pvml="urn:schemas-microsoft-com:office:powerpoint" xmlns:com="http://schemas.openxmlformats.org/drawingml/2006/compatibility" xmlns:p14="http://schemas.microsoft.com/office/powerpoint/2010/main" xmlns:p15="http://schemas.microsoft.com/office/powerpoint/2012/main" xmlns:ahyp="http://schemas.microsoft.com/office/drawing/2018/hyperlinkcolor">
+<p:sld xmlns:a="http://schemas.openxmlformats.org/drawingml/2006/main" xmlns:r="http://schemas.openxmlformats.org/officeDocument/2006/relationships" xmlns:p="http://schemas.openxmlformats.org/presentationml/2006/main">
   <p:cSld>
     <p:spTree>
       <p:nvGrpSpPr>
-        <p:cNvPr id="119" name="Shape 119"/>
+        <p:cNvPr id="1" name="Shape 119"/>
         <p:cNvGrpSpPr/>
         <p:nvPr/>
       </p:nvGrpSpPr>
@@ -11982,7 +12107,9 @@
       <p:sp>
         <p:nvSpPr>
           <p:cNvPr id="120" name="Google Shape;120;p21"/>
-          <p:cNvSpPr txBox="1"/>
+          <p:cNvSpPr txBox="1">
+            <a:spLocks noGrp="1"/>
+          </p:cNvSpPr>
           <p:nvPr>
             <p:ph type="title"/>
           </p:nvPr>
@@ -11997,12 +12124,12 @@
           </a:prstGeom>
         </p:spPr>
         <p:txBody>
-          <a:bodyPr anchorCtr="0" anchor="b" bIns="91425" lIns="91425" spcFirstLastPara="1" rIns="91425" wrap="square" tIns="91425">
+          <a:bodyPr spcFirstLastPara="1" wrap="square" lIns="91425" tIns="91425" rIns="91425" bIns="91425" anchor="b" anchorCtr="0">
             <a:normAutofit/>
           </a:bodyPr>
           <a:lstStyle/>
           <a:p>
-            <a:pPr indent="0" lvl="0" marL="0" rtl="0" algn="l">
+            <a:pPr marL="0" lvl="0" indent="0" algn="l" rtl="0">
               <a:spcBef>
                 <a:spcPts val="0"/>
               </a:spcBef>
@@ -12022,9 +12149,11 @@
       <p:sp>
         <p:nvSpPr>
           <p:cNvPr id="121" name="Google Shape;121;p21"/>
-          <p:cNvSpPr txBox="1"/>
+          <p:cNvSpPr txBox="1">
+            <a:spLocks noGrp="1"/>
+          </p:cNvSpPr>
           <p:nvPr>
-            <p:ph idx="1" type="body"/>
+            <p:ph type="body" idx="1"/>
           </p:nvPr>
         </p:nvSpPr>
         <p:spPr>
@@ -12037,12 +12166,12 @@
           </a:prstGeom>
         </p:spPr>
         <p:txBody>
-          <a:bodyPr anchorCtr="0" anchor="t" bIns="91425" lIns="91425" spcFirstLastPara="1" rIns="91425" wrap="square" tIns="91425">
+          <a:bodyPr spcFirstLastPara="1" wrap="square" lIns="91425" tIns="91425" rIns="91425" bIns="91425" anchor="t" anchorCtr="0">
             <a:normAutofit lnSpcReduction="20000"/>
           </a:bodyPr>
           <a:lstStyle/>
           <a:p>
-            <a:pPr indent="-342900" lvl="0" marL="457200" rtl="0" algn="l">
+            <a:pPr marL="457200" lvl="0" indent="-342900" algn="l" rtl="0">
               <a:spcBef>
                 <a:spcPts val="0"/>
               </a:spcBef>
@@ -12053,7 +12182,7 @@
               <a:buChar char="-"/>
             </a:pPr>
             <a:r>
-              <a:rPr b="1" lang="en"/>
+              <a:rPr lang="en" b="1"/>
               <a:t>X/Y Position: </a:t>
             </a:r>
             <a:r>
@@ -12063,7 +12192,7 @@
             <a:endParaRPr/>
           </a:p>
           <a:p>
-            <a:pPr indent="-317500" lvl="1" marL="914400" rtl="0" algn="l">
+            <a:pPr marL="914400" lvl="1" indent="-317500" algn="l" rtl="0">
               <a:spcBef>
                 <a:spcPts val="0"/>
               </a:spcBef>
@@ -12078,7 +12207,7 @@
               <a:t>Correspond to </a:t>
             </a:r>
             <a:r>
-              <a:rPr b="1" lang="en"/>
+              <a:rPr lang="en" b="1"/>
               <a:t>pos_data.x </a:t>
             </a:r>
             <a:r>
@@ -12086,13 +12215,13 @@
               <a:t>(or y) in </a:t>
             </a:r>
             <a:r>
-              <a:rPr b="1" lang="en"/>
+              <a:rPr lang="en" b="1"/>
               <a:t>../titan_data/mpet/__init__.py</a:t>
             </a:r>
             <a:endParaRPr b="1"/>
           </a:p>
           <a:p>
-            <a:pPr indent="-317500" lvl="1" marL="914400" rtl="0" algn="l">
+            <a:pPr marL="914400" lvl="1" indent="-317500" algn="l" rtl="0">
               <a:spcBef>
                 <a:spcPts val="0"/>
               </a:spcBef>
@@ -12103,13 +12232,13 @@
               <a:buChar char="-"/>
             </a:pPr>
             <a:r>
-              <a:rPr b="1" lang="en"/>
+              <a:rPr lang="en" b="1"/>
               <a:t>NOTE: The LC1190 DOES NOT give reliable position data...</a:t>
             </a:r>
             <a:endParaRPr b="1"/>
           </a:p>
           <a:p>
-            <a:pPr indent="-342900" lvl="0" marL="457200" rtl="0" algn="l">
+            <a:pPr marL="457200" lvl="0" indent="-342900" algn="l" rtl="0">
               <a:spcBef>
                 <a:spcPts val="0"/>
               </a:spcBef>
@@ -12120,7 +12249,7 @@
               <a:buChar char="-"/>
             </a:pPr>
             <a:r>
-              <a:rPr b="1" lang="en"/>
+              <a:rPr lang="en" b="1"/>
               <a:t>ToF: </a:t>
             </a:r>
             <a:r>
@@ -12130,7 +12259,7 @@
             <a:endParaRPr/>
           </a:p>
           <a:p>
-            <a:pPr indent="-317500" lvl="1" marL="914400" rtl="0" algn="l">
+            <a:pPr marL="914400" lvl="1" indent="-317500" algn="l" rtl="0">
               <a:spcBef>
                 <a:spcPts val="0"/>
               </a:spcBef>
@@ -12145,13 +12274,13 @@
               <a:t>Corresponds to </a:t>
             </a:r>
             <a:r>
-              <a:rPr b="1" lang="en"/>
+              <a:rPr lang="en" b="1"/>
               <a:t>vt2_data.tof_secs</a:t>
             </a:r>
             <a:endParaRPr b="1"/>
           </a:p>
           <a:p>
-            <a:pPr indent="-317500" lvl="2" marL="1371600" rtl="0" algn="l">
+            <a:pPr marL="1371600" lvl="2" indent="-317500" algn="l" rtl="0">
               <a:spcBef>
                 <a:spcPts val="0"/>
               </a:spcBef>
@@ -12162,7 +12291,7 @@
               <a:buChar char="-"/>
             </a:pPr>
             <a:r>
-              <a:rPr b="1" lang="en"/>
+              <a:rPr lang="en" b="1"/>
               <a:t>NOTE: </a:t>
             </a:r>
             <a:r>
@@ -12170,7 +12299,7 @@
               <a:t>Since this is raw data (i.e. each ion hit does not yet correspond to one event), need to specify a </a:t>
             </a:r>
             <a:r>
-              <a:rPr b="1" lang="en"/>
+              <a:rPr lang="en" b="1"/>
               <a:t>channel_ids </a:t>
             </a:r>
             <a:r>
@@ -12180,7 +12309,7 @@
             <a:endParaRPr b="1"/>
           </a:p>
           <a:p>
-            <a:pPr indent="-342900" lvl="0" marL="457200" rtl="0" algn="l">
+            <a:pPr marL="457200" lvl="0" indent="-342900" algn="l" rtl="0">
               <a:spcBef>
                 <a:spcPts val="0"/>
               </a:spcBef>
@@ -12191,7 +12320,7 @@
               <a:buChar char="-"/>
             </a:pPr>
             <a:r>
-              <a:rPr b="1" lang="en"/>
+              <a:rPr lang="en" b="1"/>
               <a:t>Timestamp: </a:t>
             </a:r>
             <a:r>
@@ -12201,7 +12330,7 @@
             <a:endParaRPr/>
           </a:p>
           <a:p>
-            <a:pPr indent="-317500" lvl="1" marL="914400" rtl="0" algn="l">
+            <a:pPr marL="914400" lvl="1" indent="-317500" algn="l" rtl="0">
               <a:spcBef>
                 <a:spcPts val="0"/>
               </a:spcBef>
@@ -12216,13 +12345,13 @@
               <a:t>Corresponds to </a:t>
             </a:r>
             <a:r>
-              <a:rPr b="1" lang="en"/>
+              <a:rPr lang="en" b="1"/>
               <a:t>vt2_data.time_secs</a:t>
             </a:r>
             <a:endParaRPr b="1"/>
           </a:p>
           <a:p>
-            <a:pPr indent="-317500" lvl="2" marL="1371600" rtl="0" algn="l">
+            <a:pPr marL="1371600" lvl="2" indent="-317500" algn="l" rtl="0">
               <a:spcBef>
                 <a:spcPts val="0"/>
               </a:spcBef>
@@ -12233,7 +12362,7 @@
               <a:buChar char="-"/>
             </a:pPr>
             <a:r>
-              <a:rPr b="1" lang="en"/>
+              <a:rPr lang="en" b="1"/>
               <a:t>NOTE: </a:t>
             </a:r>
             <a:r>
@@ -12241,7 +12370,7 @@
               <a:t>Since this is raw data (i.e. each ion hit does not yet correspond to one event), need to specify a </a:t>
             </a:r>
             <a:r>
-              <a:rPr b="1" lang="en"/>
+              <a:rPr lang="en" b="1"/>
               <a:t>channel_ids </a:t>
             </a:r>
             <a:r>
@@ -12275,14 +12404,14 @@
             <a:avLst/>
           </a:prstGeom>
           <a:noFill/>
-          <a:ln cap="flat" cmpd="sng" w="19050">
+          <a:ln w="19050" cap="flat" cmpd="sng">
             <a:solidFill>
               <a:schemeClr val="dk2"/>
             </a:solidFill>
             <a:prstDash val="solid"/>
             <a:round/>
-            <a:headEnd len="sm" w="sm" type="none"/>
-            <a:tailEnd len="sm" w="sm" type="none"/>
+            <a:headEnd type="none" w="sm" len="sm"/>
+            <a:tailEnd type="none" w="sm" len="sm"/>
           </a:ln>
         </p:spPr>
       </p:pic>
@@ -12295,7 +12424,288 @@
 </file>
 
 <file path=ppt/theme/theme1.xml><?xml version="1.0" encoding="utf-8"?>
-<a:theme xmlns:a="http://schemas.openxmlformats.org/drawingml/2006/main" xmlns:r="http://schemas.openxmlformats.org/officeDocument/2006/relationships">
+<a:theme xmlns:a="http://schemas.openxmlformats.org/drawingml/2006/main" name="Material">
+  <a:themeElements>
+    <a:clrScheme name="Material">
+      <a:dk1>
+        <a:srgbClr val="4285F4"/>
+      </a:dk1>
+      <a:lt1>
+        <a:srgbClr val="FFFFFF"/>
+      </a:lt1>
+      <a:dk2>
+        <a:srgbClr val="424242"/>
+      </a:dk2>
+      <a:lt2>
+        <a:srgbClr val="737373"/>
+      </a:lt2>
+      <a:accent1>
+        <a:srgbClr val="0277BD"/>
+      </a:accent1>
+      <a:accent2>
+        <a:srgbClr val="0F9D58"/>
+      </a:accent2>
+      <a:accent3>
+        <a:srgbClr val="DB4437"/>
+      </a:accent3>
+      <a:accent4>
+        <a:srgbClr val="FAFAFA"/>
+      </a:accent4>
+      <a:accent5>
+        <a:srgbClr val="1A237E"/>
+      </a:accent5>
+      <a:accent6>
+        <a:srgbClr val="F4B400"/>
+      </a:accent6>
+      <a:hlink>
+        <a:srgbClr val="1A237E"/>
+      </a:hlink>
+      <a:folHlink>
+        <a:srgbClr val="1A237E"/>
+      </a:folHlink>
+    </a:clrScheme>
+    <a:fontScheme name="Office">
+      <a:majorFont>
+        <a:latin typeface="Arial"/>
+        <a:ea typeface=""/>
+        <a:cs typeface=""/>
+        <a:font script="Jpan" typeface="ＭＳ Ｐゴシック"/>
+        <a:font script="Hang" typeface="맑은 고딕"/>
+        <a:font script="Hans" typeface="宋体"/>
+        <a:font script="Hant" typeface="新細明體"/>
+        <a:font script="Arab" typeface="Times New Roman"/>
+        <a:font script="Hebr" typeface="Times New Roman"/>
+        <a:font script="Thai" typeface="Angsana New"/>
+        <a:font script="Ethi" typeface="Nyala"/>
+        <a:font script="Beng" typeface="Vrinda"/>
+        <a:font script="Gujr" typeface="Shruti"/>
+        <a:font script="Khmr" typeface="MoolBoran"/>
+        <a:font script="Knda" typeface="Tunga"/>
+        <a:font script="Guru" typeface="Raavi"/>
+        <a:font script="Cans" typeface="Euphemia"/>
+        <a:font script="Cher" typeface="Plantagenet Cherokee"/>
+        <a:font script="Yiii" typeface="Microsoft Yi Baiti"/>
+        <a:font script="Tibt" typeface="Microsoft Himalaya"/>
+        <a:font script="Thaa" typeface="MV Boli"/>
+        <a:font script="Deva" typeface="Mangal"/>
+        <a:font script="Telu" typeface="Gautami"/>
+        <a:font script="Taml" typeface="Latha"/>
+        <a:font script="Syrc" typeface="Estrangelo Edessa"/>
+        <a:font script="Orya" typeface="Kalinga"/>
+        <a:font script="Mlym" typeface="Kartika"/>
+        <a:font script="Laoo" typeface="DokChampa"/>
+        <a:font script="Sinh" typeface="Iskoola Pota"/>
+        <a:font script="Mong" typeface="Mongolian Baiti"/>
+        <a:font script="Viet" typeface="Times New Roman"/>
+        <a:font script="Uigh" typeface="Microsoft Uighur"/>
+        <a:font script="Geor" typeface="Sylfaen"/>
+      </a:majorFont>
+      <a:minorFont>
+        <a:latin typeface="Arial"/>
+        <a:ea typeface=""/>
+        <a:cs typeface=""/>
+        <a:font script="Jpan" typeface="ＭＳ Ｐゴシック"/>
+        <a:font script="Hang" typeface="맑은 고딕"/>
+        <a:font script="Hans" typeface="宋体"/>
+        <a:font script="Hant" typeface="新細明體"/>
+        <a:font script="Arab" typeface="Arial"/>
+        <a:font script="Hebr" typeface="Arial"/>
+        <a:font script="Thai" typeface="Cordia New"/>
+        <a:font script="Ethi" typeface="Nyala"/>
+        <a:font script="Beng" typeface="Vrinda"/>
+        <a:font script="Gujr" typeface="Shruti"/>
+        <a:font script="Khmr" typeface="DaunPenh"/>
+        <a:font script="Knda" typeface="Tunga"/>
+        <a:font script="Guru" typeface="Raavi"/>
+        <a:font script="Cans" typeface="Euphemia"/>
+        <a:font script="Cher" typeface="Plantagenet Cherokee"/>
+        <a:font script="Yiii" typeface="Microsoft Yi Baiti"/>
+        <a:font script="Tibt" typeface="Microsoft Himalaya"/>
+        <a:font script="Thaa" typeface="MV Boli"/>
+        <a:font script="Deva" typeface="Mangal"/>
+        <a:font script="Telu" typeface="Gautami"/>
+        <a:font script="Taml" typeface="Latha"/>
+        <a:font script="Syrc" typeface="Estrangelo Edessa"/>
+        <a:font script="Orya" typeface="Kalinga"/>
+        <a:font script="Mlym" typeface="Kartika"/>
+        <a:font script="Laoo" typeface="DokChampa"/>
+        <a:font script="Sinh" typeface="Iskoola Pota"/>
+        <a:font script="Mong" typeface="Mongolian Baiti"/>
+        <a:font script="Viet" typeface="Arial"/>
+        <a:font script="Uigh" typeface="Microsoft Uighur"/>
+        <a:font script="Geor" typeface="Sylfaen"/>
+      </a:minorFont>
+    </a:fontScheme>
+    <a:fmtScheme name="Office">
+      <a:fillStyleLst>
+        <a:solidFill>
+          <a:schemeClr val="phClr"/>
+        </a:solidFill>
+        <a:gradFill rotWithShape="1">
+          <a:gsLst>
+            <a:gs pos="0">
+              <a:schemeClr val="phClr">
+                <a:tint val="50000"/>
+                <a:satMod val="300000"/>
+              </a:schemeClr>
+            </a:gs>
+            <a:gs pos="35000">
+              <a:schemeClr val="phClr">
+                <a:tint val="37000"/>
+                <a:satMod val="300000"/>
+              </a:schemeClr>
+            </a:gs>
+            <a:gs pos="100000">
+              <a:schemeClr val="phClr">
+                <a:tint val="15000"/>
+                <a:satMod val="350000"/>
+              </a:schemeClr>
+            </a:gs>
+          </a:gsLst>
+          <a:lin ang="16200000" scaled="1"/>
+        </a:gradFill>
+        <a:gradFill rotWithShape="1">
+          <a:gsLst>
+            <a:gs pos="0">
+              <a:schemeClr val="phClr">
+                <a:tint val="100000"/>
+                <a:shade val="100000"/>
+                <a:satMod val="130000"/>
+              </a:schemeClr>
+            </a:gs>
+            <a:gs pos="100000">
+              <a:schemeClr val="phClr">
+                <a:tint val="50000"/>
+                <a:shade val="100000"/>
+                <a:satMod val="350000"/>
+              </a:schemeClr>
+            </a:gs>
+          </a:gsLst>
+          <a:lin ang="16200000" scaled="0"/>
+        </a:gradFill>
+      </a:fillStyleLst>
+      <a:lnStyleLst>
+        <a:ln w="9525" cap="flat" cmpd="sng" algn="ctr">
+          <a:solidFill>
+            <a:schemeClr val="phClr">
+              <a:shade val="95000"/>
+              <a:satMod val="105000"/>
+            </a:schemeClr>
+          </a:solidFill>
+          <a:prstDash val="solid"/>
+        </a:ln>
+        <a:ln w="25400" cap="flat" cmpd="sng" algn="ctr">
+          <a:solidFill>
+            <a:schemeClr val="phClr"/>
+          </a:solidFill>
+          <a:prstDash val="solid"/>
+        </a:ln>
+        <a:ln w="38100" cap="flat" cmpd="sng" algn="ctr">
+          <a:solidFill>
+            <a:schemeClr val="phClr"/>
+          </a:solidFill>
+          <a:prstDash val="solid"/>
+        </a:ln>
+      </a:lnStyleLst>
+      <a:effectStyleLst>
+        <a:effectStyle>
+          <a:effectLst>
+            <a:outerShdw blurRad="40000" dist="20000" dir="5400000" rotWithShape="0">
+              <a:srgbClr val="000000">
+                <a:alpha val="38000"/>
+              </a:srgbClr>
+            </a:outerShdw>
+          </a:effectLst>
+        </a:effectStyle>
+        <a:effectStyle>
+          <a:effectLst>
+            <a:outerShdw blurRad="40000" dist="23000" dir="5400000" rotWithShape="0">
+              <a:srgbClr val="000000">
+                <a:alpha val="35000"/>
+              </a:srgbClr>
+            </a:outerShdw>
+          </a:effectLst>
+        </a:effectStyle>
+        <a:effectStyle>
+          <a:effectLst>
+            <a:outerShdw blurRad="40000" dist="23000" dir="5400000" rotWithShape="0">
+              <a:srgbClr val="000000">
+                <a:alpha val="35000"/>
+              </a:srgbClr>
+            </a:outerShdw>
+          </a:effectLst>
+          <a:scene3d>
+            <a:camera prst="orthographicFront">
+              <a:rot lat="0" lon="0" rev="0"/>
+            </a:camera>
+            <a:lightRig rig="threePt" dir="t">
+              <a:rot lat="0" lon="0" rev="1200000"/>
+            </a:lightRig>
+          </a:scene3d>
+          <a:sp3d>
+            <a:bevelT w="63500" h="25400"/>
+          </a:sp3d>
+        </a:effectStyle>
+      </a:effectStyleLst>
+      <a:bgFillStyleLst>
+        <a:solidFill>
+          <a:schemeClr val="phClr"/>
+        </a:solidFill>
+        <a:gradFill rotWithShape="1">
+          <a:gsLst>
+            <a:gs pos="0">
+              <a:schemeClr val="phClr">
+                <a:tint val="40000"/>
+                <a:satMod val="350000"/>
+              </a:schemeClr>
+            </a:gs>
+            <a:gs pos="40000">
+              <a:schemeClr val="phClr">
+                <a:tint val="45000"/>
+                <a:shade val="99000"/>
+                <a:satMod val="350000"/>
+              </a:schemeClr>
+            </a:gs>
+            <a:gs pos="100000">
+              <a:schemeClr val="phClr">
+                <a:shade val="20000"/>
+                <a:satMod val="255000"/>
+              </a:schemeClr>
+            </a:gs>
+          </a:gsLst>
+          <a:path path="circle">
+            <a:fillToRect l="50000" t="-80000" r="50000" b="180000"/>
+          </a:path>
+        </a:gradFill>
+        <a:gradFill rotWithShape="1">
+          <a:gsLst>
+            <a:gs pos="0">
+              <a:schemeClr val="phClr">
+                <a:tint val="80000"/>
+                <a:satMod val="300000"/>
+              </a:schemeClr>
+            </a:gs>
+            <a:gs pos="100000">
+              <a:schemeClr val="phClr">
+                <a:shade val="30000"/>
+                <a:satMod val="200000"/>
+              </a:schemeClr>
+            </a:gs>
+          </a:gsLst>
+          <a:path path="circle">
+            <a:fillToRect l="50000" t="50000" r="50000" b="50000"/>
+          </a:path>
+        </a:gradFill>
+      </a:bgFillStyleLst>
+    </a:fmtScheme>
+  </a:themeElements>
+  <a:objectDefaults/>
+  <a:extraClrSchemeLst/>
+</a:theme>
+</file>
+
+<file path=ppt/theme/theme2.xml><?xml version="1.0" encoding="utf-8"?>
+<a:theme xmlns:a="http://schemas.openxmlformats.org/drawingml/2006/main">
   <a:themeElements>
     <a:clrScheme name="Default">
       <a:dk1>
@@ -12570,284 +12980,7 @@
       </a:bgFillStyleLst>
     </a:fmtScheme>
   </a:themeElements>
-</a:theme>
-</file>
-
-<file path=ppt/theme/theme2.xml><?xml version="1.0" encoding="utf-8"?>
-<a:theme xmlns:a="http://schemas.openxmlformats.org/drawingml/2006/main" xmlns:r="http://schemas.openxmlformats.org/officeDocument/2006/relationships" name="Material">
-  <a:themeElements>
-    <a:clrScheme name="Material">
-      <a:dk1>
-        <a:srgbClr val="4285F4"/>
-      </a:dk1>
-      <a:lt1>
-        <a:srgbClr val="FFFFFF"/>
-      </a:lt1>
-      <a:dk2>
-        <a:srgbClr val="424242"/>
-      </a:dk2>
-      <a:lt2>
-        <a:srgbClr val="737373"/>
-      </a:lt2>
-      <a:accent1>
-        <a:srgbClr val="0277BD"/>
-      </a:accent1>
-      <a:accent2>
-        <a:srgbClr val="0F9D58"/>
-      </a:accent2>
-      <a:accent3>
-        <a:srgbClr val="DB4437"/>
-      </a:accent3>
-      <a:accent4>
-        <a:srgbClr val="FAFAFA"/>
-      </a:accent4>
-      <a:accent5>
-        <a:srgbClr val="1A237E"/>
-      </a:accent5>
-      <a:accent6>
-        <a:srgbClr val="F4B400"/>
-      </a:accent6>
-      <a:hlink>
-        <a:srgbClr val="1A237E"/>
-      </a:hlink>
-      <a:folHlink>
-        <a:srgbClr val="1A237E"/>
-      </a:folHlink>
-    </a:clrScheme>
-    <a:fontScheme name="Office">
-      <a:majorFont>
-        <a:latin typeface="Arial"/>
-        <a:ea typeface=""/>
-        <a:cs typeface=""/>
-        <a:font script="Jpan" typeface="ＭＳ Ｐゴシック"/>
-        <a:font script="Hang" typeface="맑은 고딕"/>
-        <a:font script="Hans" typeface="宋体"/>
-        <a:font script="Hant" typeface="新細明體"/>
-        <a:font script="Arab" typeface="Times New Roman"/>
-        <a:font script="Hebr" typeface="Times New Roman"/>
-        <a:font script="Thai" typeface="Angsana New"/>
-        <a:font script="Ethi" typeface="Nyala"/>
-        <a:font script="Beng" typeface="Vrinda"/>
-        <a:font script="Gujr" typeface="Shruti"/>
-        <a:font script="Khmr" typeface="MoolBoran"/>
-        <a:font script="Knda" typeface="Tunga"/>
-        <a:font script="Guru" typeface="Raavi"/>
-        <a:font script="Cans" typeface="Euphemia"/>
-        <a:font script="Cher" typeface="Plantagenet Cherokee"/>
-        <a:font script="Yiii" typeface="Microsoft Yi Baiti"/>
-        <a:font script="Tibt" typeface="Microsoft Himalaya"/>
-        <a:font script="Thaa" typeface="MV Boli"/>
-        <a:font script="Deva" typeface="Mangal"/>
-        <a:font script="Telu" typeface="Gautami"/>
-        <a:font script="Taml" typeface="Latha"/>
-        <a:font script="Syrc" typeface="Estrangelo Edessa"/>
-        <a:font script="Orya" typeface="Kalinga"/>
-        <a:font script="Mlym" typeface="Kartika"/>
-        <a:font script="Laoo" typeface="DokChampa"/>
-        <a:font script="Sinh" typeface="Iskoola Pota"/>
-        <a:font script="Mong" typeface="Mongolian Baiti"/>
-        <a:font script="Viet" typeface="Times New Roman"/>
-        <a:font script="Uigh" typeface="Microsoft Uighur"/>
-        <a:font script="Geor" typeface="Sylfaen"/>
-      </a:majorFont>
-      <a:minorFont>
-        <a:latin typeface="Arial"/>
-        <a:ea typeface=""/>
-        <a:cs typeface=""/>
-        <a:font script="Jpan" typeface="ＭＳ Ｐゴシック"/>
-        <a:font script="Hang" typeface="맑은 고딕"/>
-        <a:font script="Hans" typeface="宋体"/>
-        <a:font script="Hant" typeface="新細明體"/>
-        <a:font script="Arab" typeface="Arial"/>
-        <a:font script="Hebr" typeface="Arial"/>
-        <a:font script="Thai" typeface="Cordia New"/>
-        <a:font script="Ethi" typeface="Nyala"/>
-        <a:font script="Beng" typeface="Vrinda"/>
-        <a:font script="Gujr" typeface="Shruti"/>
-        <a:font script="Khmr" typeface="DaunPenh"/>
-        <a:font script="Knda" typeface="Tunga"/>
-        <a:font script="Guru" typeface="Raavi"/>
-        <a:font script="Cans" typeface="Euphemia"/>
-        <a:font script="Cher" typeface="Plantagenet Cherokee"/>
-        <a:font script="Yiii" typeface="Microsoft Yi Baiti"/>
-        <a:font script="Tibt" typeface="Microsoft Himalaya"/>
-        <a:font script="Thaa" typeface="MV Boli"/>
-        <a:font script="Deva" typeface="Mangal"/>
-        <a:font script="Telu" typeface="Gautami"/>
-        <a:font script="Taml" typeface="Latha"/>
-        <a:font script="Syrc" typeface="Estrangelo Edessa"/>
-        <a:font script="Orya" typeface="Kalinga"/>
-        <a:font script="Mlym" typeface="Kartika"/>
-        <a:font script="Laoo" typeface="DokChampa"/>
-        <a:font script="Sinh" typeface="Iskoola Pota"/>
-        <a:font script="Mong" typeface="Mongolian Baiti"/>
-        <a:font script="Viet" typeface="Arial"/>
-        <a:font script="Uigh" typeface="Microsoft Uighur"/>
-        <a:font script="Geor" typeface="Sylfaen"/>
-      </a:minorFont>
-    </a:fontScheme>
-    <a:fmtScheme name="Office">
-      <a:fillStyleLst>
-        <a:solidFill>
-          <a:schemeClr val="phClr"/>
-        </a:solidFill>
-        <a:gradFill rotWithShape="1">
-          <a:gsLst>
-            <a:gs pos="0">
-              <a:schemeClr val="phClr">
-                <a:tint val="50000"/>
-                <a:satMod val="300000"/>
-              </a:schemeClr>
-            </a:gs>
-            <a:gs pos="35000">
-              <a:schemeClr val="phClr">
-                <a:tint val="37000"/>
-                <a:satMod val="300000"/>
-              </a:schemeClr>
-            </a:gs>
-            <a:gs pos="100000">
-              <a:schemeClr val="phClr">
-                <a:tint val="15000"/>
-                <a:satMod val="350000"/>
-              </a:schemeClr>
-            </a:gs>
-          </a:gsLst>
-          <a:lin ang="16200000" scaled="1"/>
-        </a:gradFill>
-        <a:gradFill rotWithShape="1">
-          <a:gsLst>
-            <a:gs pos="0">
-              <a:schemeClr val="phClr">
-                <a:tint val="100000"/>
-                <a:shade val="100000"/>
-                <a:satMod val="130000"/>
-              </a:schemeClr>
-            </a:gs>
-            <a:gs pos="100000">
-              <a:schemeClr val="phClr">
-                <a:tint val="50000"/>
-                <a:shade val="100000"/>
-                <a:satMod val="350000"/>
-              </a:schemeClr>
-            </a:gs>
-          </a:gsLst>
-          <a:lin ang="16200000" scaled="0"/>
-        </a:gradFill>
-      </a:fillStyleLst>
-      <a:lnStyleLst>
-        <a:ln w="9525" cap="flat" cmpd="sng" algn="ctr">
-          <a:solidFill>
-            <a:schemeClr val="phClr">
-              <a:shade val="95000"/>
-              <a:satMod val="105000"/>
-            </a:schemeClr>
-          </a:solidFill>
-          <a:prstDash val="solid"/>
-        </a:ln>
-        <a:ln w="25400" cap="flat" cmpd="sng" algn="ctr">
-          <a:solidFill>
-            <a:schemeClr val="phClr"/>
-          </a:solidFill>
-          <a:prstDash val="solid"/>
-        </a:ln>
-        <a:ln w="38100" cap="flat" cmpd="sng" algn="ctr">
-          <a:solidFill>
-            <a:schemeClr val="phClr"/>
-          </a:solidFill>
-          <a:prstDash val="solid"/>
-        </a:ln>
-      </a:lnStyleLst>
-      <a:effectStyleLst>
-        <a:effectStyle>
-          <a:effectLst>
-            <a:outerShdw blurRad="40000" dist="20000" dir="5400000" rotWithShape="0">
-              <a:srgbClr val="000000">
-                <a:alpha val="38000"/>
-              </a:srgbClr>
-            </a:outerShdw>
-          </a:effectLst>
-        </a:effectStyle>
-        <a:effectStyle>
-          <a:effectLst>
-            <a:outerShdw blurRad="40000" dist="23000" dir="5400000" rotWithShape="0">
-              <a:srgbClr val="000000">
-                <a:alpha val="35000"/>
-              </a:srgbClr>
-            </a:outerShdw>
-          </a:effectLst>
-        </a:effectStyle>
-        <a:effectStyle>
-          <a:effectLst>
-            <a:outerShdw blurRad="40000" dist="23000" dir="5400000" rotWithShape="0">
-              <a:srgbClr val="000000">
-                <a:alpha val="35000"/>
-              </a:srgbClr>
-            </a:outerShdw>
-          </a:effectLst>
-          <a:scene3d>
-            <a:camera prst="orthographicFront">
-              <a:rot lat="0" lon="0" rev="0"/>
-            </a:camera>
-            <a:lightRig rig="threePt" dir="t">
-              <a:rot lat="0" lon="0" rev="1200000"/>
-            </a:lightRig>
-          </a:scene3d>
-          <a:sp3d>
-            <a:bevelT w="63500" h="25400"/>
-          </a:sp3d>
-        </a:effectStyle>
-      </a:effectStyleLst>
-      <a:bgFillStyleLst>
-        <a:solidFill>
-          <a:schemeClr val="phClr"/>
-        </a:solidFill>
-        <a:gradFill rotWithShape="1">
-          <a:gsLst>
-            <a:gs pos="0">
-              <a:schemeClr val="phClr">
-                <a:tint val="40000"/>
-                <a:satMod val="350000"/>
-              </a:schemeClr>
-            </a:gs>
-            <a:gs pos="40000">
-              <a:schemeClr val="phClr">
-                <a:tint val="45000"/>
-                <a:shade val="99000"/>
-                <a:satMod val="350000"/>
-              </a:schemeClr>
-            </a:gs>
-            <a:gs pos="100000">
-              <a:schemeClr val="phClr">
-                <a:shade val="20000"/>
-                <a:satMod val="255000"/>
-              </a:schemeClr>
-            </a:gs>
-          </a:gsLst>
-          <a:path path="circle">
-            <a:fillToRect l="50000" t="-80000" r="50000" b="180000"/>
-          </a:path>
-        </a:gradFill>
-        <a:gradFill rotWithShape="1">
-          <a:gsLst>
-            <a:gs pos="0">
-              <a:schemeClr val="phClr">
-                <a:tint val="80000"/>
-                <a:satMod val="300000"/>
-              </a:schemeClr>
-            </a:gs>
-            <a:gs pos="100000">
-              <a:schemeClr val="phClr">
-                <a:shade val="30000"/>
-                <a:satMod val="200000"/>
-              </a:schemeClr>
-            </a:gs>
-          </a:gsLst>
-          <a:path path="circle">
-            <a:fillToRect l="50000" t="50000" r="50000" b="50000"/>
-          </a:path>
-        </a:gradFill>
-      </a:bgFillStyleLst>
-    </a:fmtScheme>
-  </a:themeElements>
+  <a:objectDefaults/>
+  <a:extraClrSchemeLst/>
 </a:theme>
 </file>